--- a/Slides/02_DesignForSpeed.pptx
+++ b/Slides/02_DesignForSpeed.pptx
@@ -4,6 +4,9 @@
   <p:sldMasterIdLst>
     <p:sldMasterId id="2147483648" r:id="rId1"/>
   </p:sldMasterIdLst>
+  <p:notesMasterIdLst>
+    <p:notesMasterId r:id="rId21"/>
+  </p:notesMasterIdLst>
   <p:sldIdLst>
     <p:sldId id="256" r:id="rId2"/>
     <p:sldId id="262" r:id="rId3"/>
@@ -11,8 +14,19 @@
     <p:sldId id="257" r:id="rId5"/>
     <p:sldId id="264" r:id="rId6"/>
     <p:sldId id="258" r:id="rId7"/>
-    <p:sldId id="259" r:id="rId8"/>
-    <p:sldId id="260" r:id="rId9"/>
+    <p:sldId id="265" r:id="rId8"/>
+    <p:sldId id="266" r:id="rId9"/>
+    <p:sldId id="267" r:id="rId10"/>
+    <p:sldId id="268" r:id="rId11"/>
+    <p:sldId id="259" r:id="rId12"/>
+    <p:sldId id="269" r:id="rId13"/>
+    <p:sldId id="270" r:id="rId14"/>
+    <p:sldId id="271" r:id="rId15"/>
+    <p:sldId id="260" r:id="rId16"/>
+    <p:sldId id="272" r:id="rId17"/>
+    <p:sldId id="273" r:id="rId18"/>
+    <p:sldId id="275" r:id="rId19"/>
+    <p:sldId id="276" r:id="rId20"/>
   </p:sldIdLst>
   <p:sldSz cx="12192000" cy="6858000"/>
   <p:notesSz cx="6858000" cy="9144000"/>
@@ -111,7 +125,2004 @@
       </a:defRPr>
     </a:lvl9pPr>
   </p:defaultTextStyle>
+  <p:extLst>
+    <p:ext uri="{EFAFB233-063F-42B5-8137-9DF3F51BA10A}">
+      <p15:sldGuideLst xmlns:p15="http://schemas.microsoft.com/office/powerpoint/2012/main"/>
+    </p:ext>
+  </p:extLst>
 </p:presentation>
+</file>
+
+<file path=ppt/commentAuthors.xml><?xml version="1.0" encoding="utf-8"?>
+<p:cmAuthorLst xmlns:a="http://schemas.openxmlformats.org/drawingml/2006/main" xmlns:r="http://schemas.openxmlformats.org/officeDocument/2006/relationships" xmlns:p="http://schemas.openxmlformats.org/presentationml/2006/main">
+  <p:cmAuthor id="1" name="Kevin Griffin" initials="KG" lastIdx="1" clrIdx="0">
+    <p:extLst>
+      <p:ext uri="{19B8F6BF-5375-455C-9EA6-DF929625EA0E}">
+        <p15:presenceInfo xmlns:p15="http://schemas.microsoft.com/office/powerpoint/2012/main" userId="ee1227ed0f11d42f" providerId="Windows Live"/>
+      </p:ext>
+    </p:extLst>
+  </p:cmAuthor>
+</p:cmAuthorLst>
+</file>
+
+<file path=ppt/notesMasters/notesMaster1.xml><?xml version="1.0" encoding="utf-8"?>
+<p:notesMaster xmlns:a="http://schemas.openxmlformats.org/drawingml/2006/main" xmlns:r="http://schemas.openxmlformats.org/officeDocument/2006/relationships" xmlns:p="http://schemas.openxmlformats.org/presentationml/2006/main">
+  <p:cSld>
+    <p:bg>
+      <p:bgRef idx="1001">
+        <a:schemeClr val="bg1"/>
+      </p:bgRef>
+    </p:bg>
+    <p:spTree>
+      <p:nvGrpSpPr>
+        <p:cNvPr id="1" name=""/>
+        <p:cNvGrpSpPr/>
+        <p:nvPr/>
+      </p:nvGrpSpPr>
+      <p:grpSpPr>
+        <a:xfrm>
+          <a:off x="0" y="0"/>
+          <a:ext cx="0" cy="0"/>
+          <a:chOff x="0" y="0"/>
+          <a:chExt cx="0" cy="0"/>
+        </a:xfrm>
+      </p:grpSpPr>
+      <p:sp>
+        <p:nvSpPr>
+          <p:cNvPr id="2" name="Header Placeholder 1"/>
+          <p:cNvSpPr>
+            <a:spLocks noGrp="1"/>
+          </p:cNvSpPr>
+          <p:nvPr>
+            <p:ph type="hdr" sz="quarter"/>
+          </p:nvPr>
+        </p:nvSpPr>
+        <p:spPr>
+          <a:xfrm>
+            <a:off x="0" y="0"/>
+            <a:ext cx="2971800" cy="458788"/>
+          </a:xfrm>
+          <a:prstGeom prst="rect">
+            <a:avLst/>
+          </a:prstGeom>
+        </p:spPr>
+        <p:txBody>
+          <a:bodyPr vert="horz" lIns="91440" tIns="45720" rIns="91440" bIns="45720" rtlCol="0"/>
+          <a:lstStyle>
+            <a:lvl1pPr algn="l">
+              <a:defRPr sz="1200"/>
+            </a:lvl1pPr>
+          </a:lstStyle>
+          <a:p>
+            <a:endParaRPr lang="en-US"/>
+          </a:p>
+        </p:txBody>
+      </p:sp>
+      <p:sp>
+        <p:nvSpPr>
+          <p:cNvPr id="3" name="Date Placeholder 2"/>
+          <p:cNvSpPr>
+            <a:spLocks noGrp="1"/>
+          </p:cNvSpPr>
+          <p:nvPr>
+            <p:ph type="dt" idx="1"/>
+          </p:nvPr>
+        </p:nvSpPr>
+        <p:spPr>
+          <a:xfrm>
+            <a:off x="3884613" y="0"/>
+            <a:ext cx="2971800" cy="458788"/>
+          </a:xfrm>
+          <a:prstGeom prst="rect">
+            <a:avLst/>
+          </a:prstGeom>
+        </p:spPr>
+        <p:txBody>
+          <a:bodyPr vert="horz" lIns="91440" tIns="45720" rIns="91440" bIns="45720" rtlCol="0"/>
+          <a:lstStyle>
+            <a:lvl1pPr algn="r">
+              <a:defRPr sz="1200"/>
+            </a:lvl1pPr>
+          </a:lstStyle>
+          <a:p>
+            <a:fld id="{261C14E1-C103-401C-B620-BEE64F52BB7D}" type="datetimeFigureOut">
+              <a:rPr lang="en-US" smtClean="0"/>
+              <a:t>12/23/2021</a:t>
+            </a:fld>
+            <a:endParaRPr lang="en-US"/>
+          </a:p>
+        </p:txBody>
+      </p:sp>
+      <p:sp>
+        <p:nvSpPr>
+          <p:cNvPr id="4" name="Slide Image Placeholder 3"/>
+          <p:cNvSpPr>
+            <a:spLocks noGrp="1" noRot="1" noChangeAspect="1"/>
+          </p:cNvSpPr>
+          <p:nvPr>
+            <p:ph type="sldImg" idx="2"/>
+          </p:nvPr>
+        </p:nvSpPr>
+        <p:spPr>
+          <a:xfrm>
+            <a:off x="685800" y="1143000"/>
+            <a:ext cx="5486400" cy="3086100"/>
+          </a:xfrm>
+          <a:prstGeom prst="rect">
+            <a:avLst/>
+          </a:prstGeom>
+          <a:noFill/>
+          <a:ln w="12700">
+            <a:solidFill>
+              <a:prstClr val="black"/>
+            </a:solidFill>
+          </a:ln>
+        </p:spPr>
+        <p:txBody>
+          <a:bodyPr vert="horz" lIns="91440" tIns="45720" rIns="91440" bIns="45720" rtlCol="0" anchor="ctr"/>
+          <a:lstStyle/>
+          <a:p>
+            <a:endParaRPr lang="en-US"/>
+          </a:p>
+        </p:txBody>
+      </p:sp>
+      <p:sp>
+        <p:nvSpPr>
+          <p:cNvPr id="5" name="Notes Placeholder 4"/>
+          <p:cNvSpPr>
+            <a:spLocks noGrp="1"/>
+          </p:cNvSpPr>
+          <p:nvPr>
+            <p:ph type="body" sz="quarter" idx="3"/>
+          </p:nvPr>
+        </p:nvSpPr>
+        <p:spPr>
+          <a:xfrm>
+            <a:off x="685800" y="4400550"/>
+            <a:ext cx="5486400" cy="3600450"/>
+          </a:xfrm>
+          <a:prstGeom prst="rect">
+            <a:avLst/>
+          </a:prstGeom>
+        </p:spPr>
+        <p:txBody>
+          <a:bodyPr vert="horz" lIns="91440" tIns="45720" rIns="91440" bIns="45720" rtlCol="0"/>
+          <a:lstStyle/>
+          <a:p>
+            <a:pPr lvl="0"/>
+            <a:r>
+              <a:rPr lang="en-US"/>
+              <a:t>Click to edit Master text styles</a:t>
+            </a:r>
+          </a:p>
+          <a:p>
+            <a:pPr lvl="1"/>
+            <a:r>
+              <a:rPr lang="en-US"/>
+              <a:t>Second level</a:t>
+            </a:r>
+          </a:p>
+          <a:p>
+            <a:pPr lvl="2"/>
+            <a:r>
+              <a:rPr lang="en-US"/>
+              <a:t>Third level</a:t>
+            </a:r>
+          </a:p>
+          <a:p>
+            <a:pPr lvl="3"/>
+            <a:r>
+              <a:rPr lang="en-US"/>
+              <a:t>Fourth level</a:t>
+            </a:r>
+          </a:p>
+          <a:p>
+            <a:pPr lvl="4"/>
+            <a:r>
+              <a:rPr lang="en-US"/>
+              <a:t>Fifth level</a:t>
+            </a:r>
+          </a:p>
+        </p:txBody>
+      </p:sp>
+      <p:sp>
+        <p:nvSpPr>
+          <p:cNvPr id="6" name="Footer Placeholder 5"/>
+          <p:cNvSpPr>
+            <a:spLocks noGrp="1"/>
+          </p:cNvSpPr>
+          <p:nvPr>
+            <p:ph type="ftr" sz="quarter" idx="4"/>
+          </p:nvPr>
+        </p:nvSpPr>
+        <p:spPr>
+          <a:xfrm>
+            <a:off x="0" y="8685213"/>
+            <a:ext cx="2971800" cy="458787"/>
+          </a:xfrm>
+          <a:prstGeom prst="rect">
+            <a:avLst/>
+          </a:prstGeom>
+        </p:spPr>
+        <p:txBody>
+          <a:bodyPr vert="horz" lIns="91440" tIns="45720" rIns="91440" bIns="45720" rtlCol="0" anchor="b"/>
+          <a:lstStyle>
+            <a:lvl1pPr algn="l">
+              <a:defRPr sz="1200"/>
+            </a:lvl1pPr>
+          </a:lstStyle>
+          <a:p>
+            <a:endParaRPr lang="en-US"/>
+          </a:p>
+        </p:txBody>
+      </p:sp>
+      <p:sp>
+        <p:nvSpPr>
+          <p:cNvPr id="7" name="Slide Number Placeholder 6"/>
+          <p:cNvSpPr>
+            <a:spLocks noGrp="1"/>
+          </p:cNvSpPr>
+          <p:nvPr>
+            <p:ph type="sldNum" sz="quarter" idx="5"/>
+          </p:nvPr>
+        </p:nvSpPr>
+        <p:spPr>
+          <a:xfrm>
+            <a:off x="3884613" y="8685213"/>
+            <a:ext cx="2971800" cy="458787"/>
+          </a:xfrm>
+          <a:prstGeom prst="rect">
+            <a:avLst/>
+          </a:prstGeom>
+        </p:spPr>
+        <p:txBody>
+          <a:bodyPr vert="horz" lIns="91440" tIns="45720" rIns="91440" bIns="45720" rtlCol="0" anchor="b"/>
+          <a:lstStyle>
+            <a:lvl1pPr algn="r">
+              <a:defRPr sz="1200"/>
+            </a:lvl1pPr>
+          </a:lstStyle>
+          <a:p>
+            <a:fld id="{C1319246-450C-4CF9-A58A-2A51F73A13BE}" type="slidenum">
+              <a:rPr lang="en-US" smtClean="0"/>
+              <a:t>‹#›</a:t>
+            </a:fld>
+            <a:endParaRPr lang="en-US"/>
+          </a:p>
+        </p:txBody>
+      </p:sp>
+    </p:spTree>
+    <p:extLst>
+      <p:ext uri="{BB962C8B-B14F-4D97-AF65-F5344CB8AC3E}">
+        <p14:creationId xmlns:p14="http://schemas.microsoft.com/office/powerpoint/2010/main" val="1510830925"/>
+      </p:ext>
+    </p:extLst>
+  </p:cSld>
+  <p:clrMap bg1="lt1" tx1="dk1" bg2="lt2" tx2="dk2" accent1="accent1" accent2="accent2" accent3="accent3" accent4="accent4" accent5="accent5" accent6="accent6" hlink="hlink" folHlink="folHlink"/>
+  <p:notesStyle>
+    <a:lvl1pPr marL="0" algn="l" defTabSz="914400" rtl="0" eaLnBrk="1" latinLnBrk="0" hangingPunct="1">
+      <a:defRPr sz="1200" kern="1200">
+        <a:solidFill>
+          <a:schemeClr val="tx1"/>
+        </a:solidFill>
+        <a:latin typeface="+mn-lt"/>
+        <a:ea typeface="+mn-ea"/>
+        <a:cs typeface="+mn-cs"/>
+      </a:defRPr>
+    </a:lvl1pPr>
+    <a:lvl2pPr marL="457200" algn="l" defTabSz="914400" rtl="0" eaLnBrk="1" latinLnBrk="0" hangingPunct="1">
+      <a:defRPr sz="1200" kern="1200">
+        <a:solidFill>
+          <a:schemeClr val="tx1"/>
+        </a:solidFill>
+        <a:latin typeface="+mn-lt"/>
+        <a:ea typeface="+mn-ea"/>
+        <a:cs typeface="+mn-cs"/>
+      </a:defRPr>
+    </a:lvl2pPr>
+    <a:lvl3pPr marL="914400" algn="l" defTabSz="914400" rtl="0" eaLnBrk="1" latinLnBrk="0" hangingPunct="1">
+      <a:defRPr sz="1200" kern="1200">
+        <a:solidFill>
+          <a:schemeClr val="tx1"/>
+        </a:solidFill>
+        <a:latin typeface="+mn-lt"/>
+        <a:ea typeface="+mn-ea"/>
+        <a:cs typeface="+mn-cs"/>
+      </a:defRPr>
+    </a:lvl3pPr>
+    <a:lvl4pPr marL="1371600" algn="l" defTabSz="914400" rtl="0" eaLnBrk="1" latinLnBrk="0" hangingPunct="1">
+      <a:defRPr sz="1200" kern="1200">
+        <a:solidFill>
+          <a:schemeClr val="tx1"/>
+        </a:solidFill>
+        <a:latin typeface="+mn-lt"/>
+        <a:ea typeface="+mn-ea"/>
+        <a:cs typeface="+mn-cs"/>
+      </a:defRPr>
+    </a:lvl4pPr>
+    <a:lvl5pPr marL="1828800" algn="l" defTabSz="914400" rtl="0" eaLnBrk="1" latinLnBrk="0" hangingPunct="1">
+      <a:defRPr sz="1200" kern="1200">
+        <a:solidFill>
+          <a:schemeClr val="tx1"/>
+        </a:solidFill>
+        <a:latin typeface="+mn-lt"/>
+        <a:ea typeface="+mn-ea"/>
+        <a:cs typeface="+mn-cs"/>
+      </a:defRPr>
+    </a:lvl5pPr>
+    <a:lvl6pPr marL="2286000" algn="l" defTabSz="914400" rtl="0" eaLnBrk="1" latinLnBrk="0" hangingPunct="1">
+      <a:defRPr sz="1200" kern="1200">
+        <a:solidFill>
+          <a:schemeClr val="tx1"/>
+        </a:solidFill>
+        <a:latin typeface="+mn-lt"/>
+        <a:ea typeface="+mn-ea"/>
+        <a:cs typeface="+mn-cs"/>
+      </a:defRPr>
+    </a:lvl6pPr>
+    <a:lvl7pPr marL="2743200" algn="l" defTabSz="914400" rtl="0" eaLnBrk="1" latinLnBrk="0" hangingPunct="1">
+      <a:defRPr sz="1200" kern="1200">
+        <a:solidFill>
+          <a:schemeClr val="tx1"/>
+        </a:solidFill>
+        <a:latin typeface="+mn-lt"/>
+        <a:ea typeface="+mn-ea"/>
+        <a:cs typeface="+mn-cs"/>
+      </a:defRPr>
+    </a:lvl7pPr>
+    <a:lvl8pPr marL="3200400" algn="l" defTabSz="914400" rtl="0" eaLnBrk="1" latinLnBrk="0" hangingPunct="1">
+      <a:defRPr sz="1200" kern="1200">
+        <a:solidFill>
+          <a:schemeClr val="tx1"/>
+        </a:solidFill>
+        <a:latin typeface="+mn-lt"/>
+        <a:ea typeface="+mn-ea"/>
+        <a:cs typeface="+mn-cs"/>
+      </a:defRPr>
+    </a:lvl8pPr>
+    <a:lvl9pPr marL="3657600" algn="l" defTabSz="914400" rtl="0" eaLnBrk="1" latinLnBrk="0" hangingPunct="1">
+      <a:defRPr sz="1200" kern="1200">
+        <a:solidFill>
+          <a:schemeClr val="tx1"/>
+        </a:solidFill>
+        <a:latin typeface="+mn-lt"/>
+        <a:ea typeface="+mn-ea"/>
+        <a:cs typeface="+mn-cs"/>
+      </a:defRPr>
+    </a:lvl9pPr>
+  </p:notesStyle>
+</p:notesMaster>
+</file>
+
+<file path=ppt/notesSlides/notesSlide1.xml><?xml version="1.0" encoding="utf-8"?>
+<p:notes xmlns:a="http://schemas.openxmlformats.org/drawingml/2006/main" xmlns:r="http://schemas.openxmlformats.org/officeDocument/2006/relationships" xmlns:p="http://schemas.openxmlformats.org/presentationml/2006/main">
+  <p:cSld>
+    <p:spTree>
+      <p:nvGrpSpPr>
+        <p:cNvPr id="1" name=""/>
+        <p:cNvGrpSpPr/>
+        <p:nvPr/>
+      </p:nvGrpSpPr>
+      <p:grpSpPr>
+        <a:xfrm>
+          <a:off x="0" y="0"/>
+          <a:ext cx="0" cy="0"/>
+          <a:chOff x="0" y="0"/>
+          <a:chExt cx="0" cy="0"/>
+        </a:xfrm>
+      </p:grpSpPr>
+      <p:sp>
+        <p:nvSpPr>
+          <p:cNvPr id="2" name="Slide Image Placeholder 1"/>
+          <p:cNvSpPr>
+            <a:spLocks noGrp="1" noRot="1" noChangeAspect="1"/>
+          </p:cNvSpPr>
+          <p:nvPr>
+            <p:ph type="sldImg"/>
+          </p:nvPr>
+        </p:nvSpPr>
+        <p:spPr/>
+      </p:sp>
+      <p:sp>
+        <p:nvSpPr>
+          <p:cNvPr id="3" name="Notes Placeholder 2"/>
+          <p:cNvSpPr>
+            <a:spLocks noGrp="1"/>
+          </p:cNvSpPr>
+          <p:nvPr>
+            <p:ph type="body" idx="1"/>
+          </p:nvPr>
+        </p:nvSpPr>
+        <p:spPr/>
+        <p:txBody>
+          <a:bodyPr/>
+          <a:lstStyle/>
+          <a:p>
+            <a:r>
+              <a:rPr lang="en-US" dirty="0"/>
+              <a:t>Why?</a:t>
+            </a:r>
+          </a:p>
+          <a:p>
+            <a:endParaRPr lang="en-US" dirty="0"/>
+          </a:p>
+        </p:txBody>
+      </p:sp>
+      <p:sp>
+        <p:nvSpPr>
+          <p:cNvPr id="4" name="Slide Number Placeholder 3"/>
+          <p:cNvSpPr>
+            <a:spLocks noGrp="1"/>
+          </p:cNvSpPr>
+          <p:nvPr>
+            <p:ph type="sldNum" sz="quarter" idx="5"/>
+          </p:nvPr>
+        </p:nvSpPr>
+        <p:spPr/>
+        <p:txBody>
+          <a:bodyPr/>
+          <a:lstStyle/>
+          <a:p>
+            <a:fld id="{C1319246-450C-4CF9-A58A-2A51F73A13BE}" type="slidenum">
+              <a:rPr lang="en-US" smtClean="0"/>
+              <a:t>3</a:t>
+            </a:fld>
+            <a:endParaRPr lang="en-US"/>
+          </a:p>
+        </p:txBody>
+      </p:sp>
+    </p:spTree>
+    <p:extLst>
+      <p:ext uri="{BB962C8B-B14F-4D97-AF65-F5344CB8AC3E}">
+        <p14:creationId xmlns:p14="http://schemas.microsoft.com/office/powerpoint/2010/main" val="595734367"/>
+      </p:ext>
+    </p:extLst>
+  </p:cSld>
+  <p:clrMapOvr>
+    <a:masterClrMapping/>
+  </p:clrMapOvr>
+</p:notes>
+</file>
+
+<file path=ppt/notesSlides/notesSlide10.xml><?xml version="1.0" encoding="utf-8"?>
+<p:notes xmlns:a="http://schemas.openxmlformats.org/drawingml/2006/main" xmlns:r="http://schemas.openxmlformats.org/officeDocument/2006/relationships" xmlns:p="http://schemas.openxmlformats.org/presentationml/2006/main">
+  <p:cSld>
+    <p:spTree>
+      <p:nvGrpSpPr>
+        <p:cNvPr id="1" name=""/>
+        <p:cNvGrpSpPr/>
+        <p:nvPr/>
+      </p:nvGrpSpPr>
+      <p:grpSpPr>
+        <a:xfrm>
+          <a:off x="0" y="0"/>
+          <a:ext cx="0" cy="0"/>
+          <a:chOff x="0" y="0"/>
+          <a:chExt cx="0" cy="0"/>
+        </a:xfrm>
+      </p:grpSpPr>
+      <p:sp>
+        <p:nvSpPr>
+          <p:cNvPr id="2" name="Slide Image Placeholder 1"/>
+          <p:cNvSpPr>
+            <a:spLocks noGrp="1" noRot="1" noChangeAspect="1"/>
+          </p:cNvSpPr>
+          <p:nvPr>
+            <p:ph type="sldImg"/>
+          </p:nvPr>
+        </p:nvSpPr>
+        <p:spPr/>
+      </p:sp>
+      <p:sp>
+        <p:nvSpPr>
+          <p:cNvPr id="3" name="Notes Placeholder 2"/>
+          <p:cNvSpPr>
+            <a:spLocks noGrp="1"/>
+          </p:cNvSpPr>
+          <p:nvPr>
+            <p:ph type="body" idx="1"/>
+          </p:nvPr>
+        </p:nvSpPr>
+        <p:spPr/>
+        <p:txBody>
+          <a:bodyPr/>
+          <a:lstStyle/>
+          <a:p>
+            <a:r>
+              <a:rPr lang="en-US" dirty="0"/>
+              <a:t>Stateless requests</a:t>
+            </a:r>
+          </a:p>
+          <a:p>
+            <a:endParaRPr lang="en-US" dirty="0"/>
+          </a:p>
+          <a:p>
+            <a:pPr marL="171450" indent="-171450">
+              <a:buFont typeface="Arial" panose="020B0604020202020204" pitchFamily="34" charset="0"/>
+              <a:buChar char="•"/>
+            </a:pPr>
+            <a:r>
+              <a:rPr lang="en-US" dirty="0"/>
+              <a:t>The server shouldn’t have to have any prior knowledge of the session</a:t>
+            </a:r>
+          </a:p>
+          <a:p>
+            <a:pPr marL="171450" indent="-171450">
+              <a:buFont typeface="Arial" panose="020B0604020202020204" pitchFamily="34" charset="0"/>
+              <a:buChar char="•"/>
+            </a:pPr>
+            <a:r>
+              <a:rPr lang="en-US" dirty="0"/>
+              <a:t>ASP.NET WebForms apps were notorious for this – as many folks would hang on </a:t>
+            </a:r>
+            <a:r>
+              <a:rPr lang="en-US" dirty="0" err="1"/>
+              <a:t>SessionState</a:t>
+            </a:r>
+            <a:r>
+              <a:rPr lang="en-US" dirty="0"/>
+              <a:t> that was in-memory and difficult to scale</a:t>
+            </a:r>
+          </a:p>
+          <a:p>
+            <a:pPr marL="0" indent="0">
+              <a:buFont typeface="Arial" panose="020B0604020202020204" pitchFamily="34" charset="0"/>
+              <a:buNone/>
+            </a:pPr>
+            <a:endParaRPr lang="en-US" dirty="0"/>
+          </a:p>
+          <a:p>
+            <a:pPr marL="171450" indent="-171450">
+              <a:buFont typeface="Arial" panose="020B0604020202020204" pitchFamily="34" charset="0"/>
+              <a:buChar char="•"/>
+            </a:pPr>
+            <a:r>
+              <a:rPr lang="en-US" dirty="0"/>
+              <a:t>Requests to the server should provide everything the server needs to:</a:t>
+            </a:r>
+          </a:p>
+          <a:p>
+            <a:pPr marL="628650" lvl="1" indent="-171450">
+              <a:buFont typeface="Arial" panose="020B0604020202020204" pitchFamily="34" charset="0"/>
+              <a:buChar char="•"/>
+            </a:pPr>
+            <a:r>
+              <a:rPr lang="en-US" dirty="0"/>
+              <a:t>Authenticate the request</a:t>
+            </a:r>
+          </a:p>
+          <a:p>
+            <a:pPr marL="628650" lvl="1" indent="-171450">
+              <a:buFont typeface="Arial" panose="020B0604020202020204" pitchFamily="34" charset="0"/>
+              <a:buChar char="•"/>
+            </a:pPr>
+            <a:r>
+              <a:rPr lang="en-US" dirty="0"/>
+              <a:t>Authorize the request</a:t>
+            </a:r>
+          </a:p>
+          <a:p>
+            <a:pPr marL="628650" lvl="1" indent="-171450">
+              <a:buFont typeface="Arial" panose="020B0604020202020204" pitchFamily="34" charset="0"/>
+              <a:buChar char="•"/>
+            </a:pPr>
+            <a:r>
+              <a:rPr lang="en-US" dirty="0"/>
+              <a:t>Perform the request</a:t>
+            </a:r>
+          </a:p>
+        </p:txBody>
+      </p:sp>
+      <p:sp>
+        <p:nvSpPr>
+          <p:cNvPr id="4" name="Slide Number Placeholder 3"/>
+          <p:cNvSpPr>
+            <a:spLocks noGrp="1"/>
+          </p:cNvSpPr>
+          <p:nvPr>
+            <p:ph type="sldNum" sz="quarter" idx="5"/>
+          </p:nvPr>
+        </p:nvSpPr>
+        <p:spPr/>
+        <p:txBody>
+          <a:bodyPr/>
+          <a:lstStyle/>
+          <a:p>
+            <a:fld id="{C1319246-450C-4CF9-A58A-2A51F73A13BE}" type="slidenum">
+              <a:rPr lang="en-US" smtClean="0"/>
+              <a:t>14</a:t>
+            </a:fld>
+            <a:endParaRPr lang="en-US"/>
+          </a:p>
+        </p:txBody>
+      </p:sp>
+    </p:spTree>
+    <p:extLst>
+      <p:ext uri="{BB962C8B-B14F-4D97-AF65-F5344CB8AC3E}">
+        <p14:creationId xmlns:p14="http://schemas.microsoft.com/office/powerpoint/2010/main" val="1977309807"/>
+      </p:ext>
+    </p:extLst>
+  </p:cSld>
+  <p:clrMapOvr>
+    <a:masterClrMapping/>
+  </p:clrMapOvr>
+</p:notes>
+</file>
+
+<file path=ppt/notesSlides/notesSlide11.xml><?xml version="1.0" encoding="utf-8"?>
+<p:notes xmlns:a="http://schemas.openxmlformats.org/drawingml/2006/main" xmlns:r="http://schemas.openxmlformats.org/officeDocument/2006/relationships" xmlns:p="http://schemas.openxmlformats.org/presentationml/2006/main">
+  <p:cSld>
+    <p:spTree>
+      <p:nvGrpSpPr>
+        <p:cNvPr id="1" name=""/>
+        <p:cNvGrpSpPr/>
+        <p:nvPr/>
+      </p:nvGrpSpPr>
+      <p:grpSpPr>
+        <a:xfrm>
+          <a:off x="0" y="0"/>
+          <a:ext cx="0" cy="0"/>
+          <a:chOff x="0" y="0"/>
+          <a:chExt cx="0" cy="0"/>
+        </a:xfrm>
+      </p:grpSpPr>
+      <p:sp>
+        <p:nvSpPr>
+          <p:cNvPr id="2" name="Slide Image Placeholder 1"/>
+          <p:cNvSpPr>
+            <a:spLocks noGrp="1" noRot="1" noChangeAspect="1"/>
+          </p:cNvSpPr>
+          <p:nvPr>
+            <p:ph type="sldImg"/>
+          </p:nvPr>
+        </p:nvSpPr>
+        <p:spPr/>
+      </p:sp>
+      <p:sp>
+        <p:nvSpPr>
+          <p:cNvPr id="3" name="Notes Placeholder 2"/>
+          <p:cNvSpPr>
+            <a:spLocks noGrp="1"/>
+          </p:cNvSpPr>
+          <p:nvPr>
+            <p:ph type="body" idx="1"/>
+          </p:nvPr>
+        </p:nvSpPr>
+        <p:spPr/>
+        <p:txBody>
+          <a:bodyPr/>
+          <a:lstStyle/>
+          <a:p>
+            <a:r>
+              <a:rPr lang="en-US" dirty="0"/>
+              <a:t>Use </a:t>
+            </a:r>
+            <a:r>
+              <a:rPr lang="en-US" b="1" dirty="0"/>
+              <a:t>SKED</a:t>
+            </a:r>
+            <a:r>
+              <a:rPr lang="en-US" dirty="0"/>
+              <a:t> example here</a:t>
+            </a:r>
+          </a:p>
+          <a:p>
+            <a:endParaRPr lang="en-US" dirty="0"/>
+          </a:p>
+          <a:p>
+            <a:r>
+              <a:rPr lang="en-US" dirty="0"/>
+              <a:t>Example real fast what SKED does (not classified and if any navy guys are in the audience they might hate me… lol)</a:t>
+            </a:r>
+          </a:p>
+          <a:p>
+            <a:endParaRPr lang="en-US" dirty="0"/>
+          </a:p>
+          <a:p>
+            <a:r>
+              <a:rPr lang="en-US" dirty="0"/>
+              <a:t>Ship has disconnected database (from the internet/world) as it’s common for ships to be in/out of range for internet – just like hotel/conference </a:t>
+            </a:r>
+            <a:r>
+              <a:rPr lang="en-US" dirty="0" err="1"/>
+              <a:t>wifi</a:t>
+            </a:r>
+            <a:r>
+              <a:rPr lang="en-US" dirty="0"/>
+              <a:t>!</a:t>
+            </a:r>
+          </a:p>
+          <a:p>
+            <a:endParaRPr lang="en-US" dirty="0"/>
+          </a:p>
+          <a:p>
+            <a:r>
+              <a:rPr lang="en-US" dirty="0"/>
+              <a:t>The database uses sequential (identity) keys for all it’s primary tables.</a:t>
+            </a:r>
+          </a:p>
+          <a:p>
+            <a:endParaRPr lang="en-US" dirty="0"/>
+          </a:p>
+          <a:p>
+            <a:endParaRPr lang="en-US" dirty="0"/>
+          </a:p>
+          <a:p>
+            <a:endParaRPr lang="en-US" dirty="0"/>
+          </a:p>
+          <a:p>
+            <a:endParaRPr lang="en-US" dirty="0"/>
+          </a:p>
+          <a:p>
+            <a:r>
+              <a:rPr lang="en-US" dirty="0"/>
+              <a:t>By U.S. Navy photo by Mass Communication Specialist 2nd Class Thomas </a:t>
+            </a:r>
+            <a:r>
+              <a:rPr lang="en-US" dirty="0" err="1"/>
+              <a:t>Gooley</a:t>
+            </a:r>
+            <a:r>
+              <a:rPr lang="en-US" dirty="0"/>
+              <a:t> - This image was released by the United States Navy with the ID 180911-N-EA818-2106 (next)</a:t>
+            </a:r>
+          </a:p>
+        </p:txBody>
+      </p:sp>
+      <p:sp>
+        <p:nvSpPr>
+          <p:cNvPr id="4" name="Slide Number Placeholder 3"/>
+          <p:cNvSpPr>
+            <a:spLocks noGrp="1"/>
+          </p:cNvSpPr>
+          <p:nvPr>
+            <p:ph type="sldNum" sz="quarter" idx="5"/>
+          </p:nvPr>
+        </p:nvSpPr>
+        <p:spPr/>
+        <p:txBody>
+          <a:bodyPr/>
+          <a:lstStyle/>
+          <a:p>
+            <a:fld id="{C1319246-450C-4CF9-A58A-2A51F73A13BE}" type="slidenum">
+              <a:rPr lang="en-US" smtClean="0"/>
+              <a:t>15</a:t>
+            </a:fld>
+            <a:endParaRPr lang="en-US"/>
+          </a:p>
+        </p:txBody>
+      </p:sp>
+    </p:spTree>
+    <p:extLst>
+      <p:ext uri="{BB962C8B-B14F-4D97-AF65-F5344CB8AC3E}">
+        <p14:creationId xmlns:p14="http://schemas.microsoft.com/office/powerpoint/2010/main" val="705359211"/>
+      </p:ext>
+    </p:extLst>
+  </p:cSld>
+  <p:clrMapOvr>
+    <a:masterClrMapping/>
+  </p:clrMapOvr>
+</p:notes>
+</file>
+
+<file path=ppt/notesSlides/notesSlide12.xml><?xml version="1.0" encoding="utf-8"?>
+<p:notes xmlns:a="http://schemas.openxmlformats.org/drawingml/2006/main" xmlns:r="http://schemas.openxmlformats.org/officeDocument/2006/relationships" xmlns:p="http://schemas.openxmlformats.org/presentationml/2006/main">
+  <p:cSld>
+    <p:spTree>
+      <p:nvGrpSpPr>
+        <p:cNvPr id="1" name=""/>
+        <p:cNvGrpSpPr/>
+        <p:nvPr/>
+      </p:nvGrpSpPr>
+      <p:grpSpPr>
+        <a:xfrm>
+          <a:off x="0" y="0"/>
+          <a:ext cx="0" cy="0"/>
+          <a:chOff x="0" y="0"/>
+          <a:chExt cx="0" cy="0"/>
+        </a:xfrm>
+      </p:grpSpPr>
+      <p:sp>
+        <p:nvSpPr>
+          <p:cNvPr id="2" name="Slide Image Placeholder 1"/>
+          <p:cNvSpPr>
+            <a:spLocks noGrp="1" noRot="1" noChangeAspect="1"/>
+          </p:cNvSpPr>
+          <p:nvPr>
+            <p:ph type="sldImg"/>
+          </p:nvPr>
+        </p:nvSpPr>
+        <p:spPr/>
+      </p:sp>
+      <p:sp>
+        <p:nvSpPr>
+          <p:cNvPr id="3" name="Notes Placeholder 2"/>
+          <p:cNvSpPr>
+            <a:spLocks noGrp="1"/>
+          </p:cNvSpPr>
+          <p:nvPr>
+            <p:ph type="body" idx="1"/>
+          </p:nvPr>
+        </p:nvSpPr>
+        <p:spPr/>
+        <p:txBody>
+          <a:bodyPr/>
+          <a:lstStyle/>
+          <a:p>
+            <a:r>
+              <a:rPr lang="en-US" dirty="0"/>
+              <a:t>Over the course of time, Ship go about its business and continues to create new rows in the database with sequential keys.</a:t>
+            </a:r>
+          </a:p>
+          <a:p>
+            <a:endParaRPr lang="en-US" dirty="0"/>
+          </a:p>
+          <a:p>
+            <a:endParaRPr lang="en-US" dirty="0"/>
+          </a:p>
+        </p:txBody>
+      </p:sp>
+      <p:sp>
+        <p:nvSpPr>
+          <p:cNvPr id="4" name="Slide Number Placeholder 3"/>
+          <p:cNvSpPr>
+            <a:spLocks noGrp="1"/>
+          </p:cNvSpPr>
+          <p:nvPr>
+            <p:ph type="sldNum" sz="quarter" idx="5"/>
+          </p:nvPr>
+        </p:nvSpPr>
+        <p:spPr/>
+        <p:txBody>
+          <a:bodyPr/>
+          <a:lstStyle/>
+          <a:p>
+            <a:fld id="{C1319246-450C-4CF9-A58A-2A51F73A13BE}" type="slidenum">
+              <a:rPr lang="en-US" smtClean="0"/>
+              <a:t>16</a:t>
+            </a:fld>
+            <a:endParaRPr lang="en-US"/>
+          </a:p>
+        </p:txBody>
+      </p:sp>
+    </p:spTree>
+    <p:extLst>
+      <p:ext uri="{BB962C8B-B14F-4D97-AF65-F5344CB8AC3E}">
+        <p14:creationId xmlns:p14="http://schemas.microsoft.com/office/powerpoint/2010/main" val="2679744174"/>
+      </p:ext>
+    </p:extLst>
+  </p:cSld>
+  <p:clrMapOvr>
+    <a:masterClrMapping/>
+  </p:clrMapOvr>
+</p:notes>
+</file>
+
+<file path=ppt/notesSlides/notesSlide13.xml><?xml version="1.0" encoding="utf-8"?>
+<p:notes xmlns:a="http://schemas.openxmlformats.org/drawingml/2006/main" xmlns:r="http://schemas.openxmlformats.org/officeDocument/2006/relationships" xmlns:p="http://schemas.openxmlformats.org/presentationml/2006/main">
+  <p:cSld>
+    <p:spTree>
+      <p:nvGrpSpPr>
+        <p:cNvPr id="1" name=""/>
+        <p:cNvGrpSpPr/>
+        <p:nvPr/>
+      </p:nvGrpSpPr>
+      <p:grpSpPr>
+        <a:xfrm>
+          <a:off x="0" y="0"/>
+          <a:ext cx="0" cy="0"/>
+          <a:chOff x="0" y="0"/>
+          <a:chExt cx="0" cy="0"/>
+        </a:xfrm>
+      </p:grpSpPr>
+      <p:sp>
+        <p:nvSpPr>
+          <p:cNvPr id="2" name="Slide Image Placeholder 1"/>
+          <p:cNvSpPr>
+            <a:spLocks noGrp="1" noRot="1" noChangeAspect="1"/>
+          </p:cNvSpPr>
+          <p:nvPr>
+            <p:ph type="sldImg"/>
+          </p:nvPr>
+        </p:nvSpPr>
+        <p:spPr/>
+      </p:sp>
+      <p:sp>
+        <p:nvSpPr>
+          <p:cNvPr id="3" name="Notes Placeholder 2"/>
+          <p:cNvSpPr>
+            <a:spLocks noGrp="1"/>
+          </p:cNvSpPr>
+          <p:nvPr>
+            <p:ph type="body" idx="1"/>
+          </p:nvPr>
+        </p:nvSpPr>
+        <p:spPr/>
+        <p:txBody>
+          <a:bodyPr/>
+          <a:lstStyle/>
+          <a:p>
+            <a:r>
+              <a:rPr lang="en-US" dirty="0"/>
+              <a:t>Over the course of time, Ship go about its business and continues to create new rows in the database with sequential keys.</a:t>
+            </a:r>
+          </a:p>
+          <a:p>
+            <a:endParaRPr lang="en-US" dirty="0"/>
+          </a:p>
+          <a:p>
+            <a:endParaRPr lang="en-US" dirty="0"/>
+          </a:p>
+        </p:txBody>
+      </p:sp>
+      <p:sp>
+        <p:nvSpPr>
+          <p:cNvPr id="4" name="Slide Number Placeholder 3"/>
+          <p:cNvSpPr>
+            <a:spLocks noGrp="1"/>
+          </p:cNvSpPr>
+          <p:nvPr>
+            <p:ph type="sldNum" sz="quarter" idx="5"/>
+          </p:nvPr>
+        </p:nvSpPr>
+        <p:spPr/>
+        <p:txBody>
+          <a:bodyPr/>
+          <a:lstStyle/>
+          <a:p>
+            <a:fld id="{C1319246-450C-4CF9-A58A-2A51F73A13BE}" type="slidenum">
+              <a:rPr lang="en-US" smtClean="0"/>
+              <a:t>17</a:t>
+            </a:fld>
+            <a:endParaRPr lang="en-US"/>
+          </a:p>
+        </p:txBody>
+      </p:sp>
+    </p:spTree>
+    <p:extLst>
+      <p:ext uri="{BB962C8B-B14F-4D97-AF65-F5344CB8AC3E}">
+        <p14:creationId xmlns:p14="http://schemas.microsoft.com/office/powerpoint/2010/main" val="2231277698"/>
+      </p:ext>
+    </p:extLst>
+  </p:cSld>
+  <p:clrMapOvr>
+    <a:masterClrMapping/>
+  </p:clrMapOvr>
+</p:notes>
+</file>
+
+<file path=ppt/notesSlides/notesSlide14.xml><?xml version="1.0" encoding="utf-8"?>
+<p:notes xmlns:a="http://schemas.openxmlformats.org/drawingml/2006/main" xmlns:r="http://schemas.openxmlformats.org/officeDocument/2006/relationships" xmlns:p="http://schemas.openxmlformats.org/presentationml/2006/main">
+  <p:cSld>
+    <p:spTree>
+      <p:nvGrpSpPr>
+        <p:cNvPr id="1" name=""/>
+        <p:cNvGrpSpPr/>
+        <p:nvPr/>
+      </p:nvGrpSpPr>
+      <p:grpSpPr>
+        <a:xfrm>
+          <a:off x="0" y="0"/>
+          <a:ext cx="0" cy="0"/>
+          <a:chOff x="0" y="0"/>
+          <a:chExt cx="0" cy="0"/>
+        </a:xfrm>
+      </p:grpSpPr>
+      <p:sp>
+        <p:nvSpPr>
+          <p:cNvPr id="2" name="Slide Image Placeholder 1"/>
+          <p:cNvSpPr>
+            <a:spLocks noGrp="1" noRot="1" noChangeAspect="1"/>
+          </p:cNvSpPr>
+          <p:nvPr>
+            <p:ph type="sldImg"/>
+          </p:nvPr>
+        </p:nvSpPr>
+        <p:spPr/>
+      </p:sp>
+      <p:sp>
+        <p:nvSpPr>
+          <p:cNvPr id="3" name="Notes Placeholder 2"/>
+          <p:cNvSpPr>
+            <a:spLocks noGrp="1"/>
+          </p:cNvSpPr>
+          <p:nvPr>
+            <p:ph type="body" idx="1"/>
+          </p:nvPr>
+        </p:nvSpPr>
+        <p:spPr/>
+        <p:txBody>
+          <a:bodyPr/>
+          <a:lstStyle/>
+          <a:p>
+            <a:r>
+              <a:rPr lang="en-US" dirty="0"/>
+              <a:t>NEW REQUIREMENT</a:t>
+            </a:r>
+          </a:p>
+          <a:p>
+            <a:endParaRPr lang="en-US" dirty="0"/>
+          </a:p>
+          <a:p>
+            <a:r>
+              <a:rPr lang="en-US" dirty="0"/>
+              <a:t>Shore stations want to be able to create/assign/manage scheduled maintenance and sync with ships when they’re in port or have internet connectivity.  </a:t>
+            </a:r>
+          </a:p>
+          <a:p>
+            <a:endParaRPr lang="en-US" dirty="0"/>
+          </a:p>
+          <a:p>
+            <a:r>
+              <a:rPr lang="en-US" dirty="0"/>
+              <a:t>This causes a problem, because database uses sequential keys.</a:t>
+            </a:r>
+          </a:p>
+        </p:txBody>
+      </p:sp>
+      <p:sp>
+        <p:nvSpPr>
+          <p:cNvPr id="4" name="Slide Number Placeholder 3"/>
+          <p:cNvSpPr>
+            <a:spLocks noGrp="1"/>
+          </p:cNvSpPr>
+          <p:nvPr>
+            <p:ph type="sldNum" sz="quarter" idx="5"/>
+          </p:nvPr>
+        </p:nvSpPr>
+        <p:spPr/>
+        <p:txBody>
+          <a:bodyPr/>
+          <a:lstStyle/>
+          <a:p>
+            <a:fld id="{C1319246-450C-4CF9-A58A-2A51F73A13BE}" type="slidenum">
+              <a:rPr lang="en-US" smtClean="0"/>
+              <a:t>18</a:t>
+            </a:fld>
+            <a:endParaRPr lang="en-US"/>
+          </a:p>
+        </p:txBody>
+      </p:sp>
+    </p:spTree>
+    <p:extLst>
+      <p:ext uri="{BB962C8B-B14F-4D97-AF65-F5344CB8AC3E}">
+        <p14:creationId xmlns:p14="http://schemas.microsoft.com/office/powerpoint/2010/main" val="2208813294"/>
+      </p:ext>
+    </p:extLst>
+  </p:cSld>
+  <p:clrMapOvr>
+    <a:masterClrMapping/>
+  </p:clrMapOvr>
+</p:notes>
+</file>
+
+<file path=ppt/notesSlides/notesSlide15.xml><?xml version="1.0" encoding="utf-8"?>
+<p:notes xmlns:a="http://schemas.openxmlformats.org/drawingml/2006/main" xmlns:r="http://schemas.openxmlformats.org/officeDocument/2006/relationships" xmlns:p="http://schemas.openxmlformats.org/presentationml/2006/main">
+  <p:cSld>
+    <p:spTree>
+      <p:nvGrpSpPr>
+        <p:cNvPr id="1" name=""/>
+        <p:cNvGrpSpPr/>
+        <p:nvPr/>
+      </p:nvGrpSpPr>
+      <p:grpSpPr>
+        <a:xfrm>
+          <a:off x="0" y="0"/>
+          <a:ext cx="0" cy="0"/>
+          <a:chOff x="0" y="0"/>
+          <a:chExt cx="0" cy="0"/>
+        </a:xfrm>
+      </p:grpSpPr>
+      <p:sp>
+        <p:nvSpPr>
+          <p:cNvPr id="2" name="Slide Image Placeholder 1"/>
+          <p:cNvSpPr>
+            <a:spLocks noGrp="1" noRot="1" noChangeAspect="1"/>
+          </p:cNvSpPr>
+          <p:nvPr>
+            <p:ph type="sldImg"/>
+          </p:nvPr>
+        </p:nvSpPr>
+        <p:spPr/>
+      </p:sp>
+      <p:sp>
+        <p:nvSpPr>
+          <p:cNvPr id="3" name="Notes Placeholder 2"/>
+          <p:cNvSpPr>
+            <a:spLocks noGrp="1"/>
+          </p:cNvSpPr>
+          <p:nvPr>
+            <p:ph type="body" idx="1"/>
+          </p:nvPr>
+        </p:nvSpPr>
+        <p:spPr/>
+        <p:txBody>
+          <a:bodyPr/>
+          <a:lstStyle/>
+          <a:p>
+            <a:r>
+              <a:rPr lang="en-US" dirty="0"/>
+              <a:t>HOW WE TRIED TO SOLVE IT</a:t>
+            </a:r>
+          </a:p>
+          <a:p>
+            <a:endParaRPr lang="en-US" dirty="0"/>
+          </a:p>
+          <a:p>
+            <a:r>
+              <a:rPr lang="en-US" dirty="0"/>
+              <a:t>SHIP and SHORE both write to databases as they normally would.  And as you might thinking SHIP PK 500 &lt;&gt; SHORE PK 500.  </a:t>
+            </a:r>
+          </a:p>
+          <a:p>
+            <a:endParaRPr lang="en-US" dirty="0"/>
+          </a:p>
+          <a:p>
+            <a:r>
+              <a:rPr lang="en-US" dirty="0"/>
+              <a:t>SHORE was designated ultimate source of truth for database keys.</a:t>
+            </a:r>
+          </a:p>
+          <a:p>
+            <a:endParaRPr lang="en-US" dirty="0"/>
+          </a:p>
+          <a:p>
+            <a:r>
+              <a:rPr lang="en-US" dirty="0"/>
+              <a:t>SHIP would send a transaction log to SHORE</a:t>
+            </a:r>
+          </a:p>
+        </p:txBody>
+      </p:sp>
+      <p:sp>
+        <p:nvSpPr>
+          <p:cNvPr id="4" name="Slide Number Placeholder 3"/>
+          <p:cNvSpPr>
+            <a:spLocks noGrp="1"/>
+          </p:cNvSpPr>
+          <p:nvPr>
+            <p:ph type="sldNum" sz="quarter" idx="5"/>
+          </p:nvPr>
+        </p:nvSpPr>
+        <p:spPr/>
+        <p:txBody>
+          <a:bodyPr/>
+          <a:lstStyle/>
+          <a:p>
+            <a:fld id="{C1319246-450C-4CF9-A58A-2A51F73A13BE}" type="slidenum">
+              <a:rPr lang="en-US" smtClean="0"/>
+              <a:t>19</a:t>
+            </a:fld>
+            <a:endParaRPr lang="en-US"/>
+          </a:p>
+        </p:txBody>
+      </p:sp>
+    </p:spTree>
+    <p:extLst>
+      <p:ext uri="{BB962C8B-B14F-4D97-AF65-F5344CB8AC3E}">
+        <p14:creationId xmlns:p14="http://schemas.microsoft.com/office/powerpoint/2010/main" val="2977177282"/>
+      </p:ext>
+    </p:extLst>
+  </p:cSld>
+  <p:clrMapOvr>
+    <a:masterClrMapping/>
+  </p:clrMapOvr>
+</p:notes>
+</file>
+
+<file path=ppt/notesSlides/notesSlide2.xml><?xml version="1.0" encoding="utf-8"?>
+<p:notes xmlns:a="http://schemas.openxmlformats.org/drawingml/2006/main" xmlns:r="http://schemas.openxmlformats.org/officeDocument/2006/relationships" xmlns:p="http://schemas.openxmlformats.org/presentationml/2006/main">
+  <p:cSld>
+    <p:spTree>
+      <p:nvGrpSpPr>
+        <p:cNvPr id="1" name=""/>
+        <p:cNvGrpSpPr/>
+        <p:nvPr/>
+      </p:nvGrpSpPr>
+      <p:grpSpPr>
+        <a:xfrm>
+          <a:off x="0" y="0"/>
+          <a:ext cx="0" cy="0"/>
+          <a:chOff x="0" y="0"/>
+          <a:chExt cx="0" cy="0"/>
+        </a:xfrm>
+      </p:grpSpPr>
+      <p:sp>
+        <p:nvSpPr>
+          <p:cNvPr id="2" name="Slide Image Placeholder 1"/>
+          <p:cNvSpPr>
+            <a:spLocks noGrp="1" noRot="1" noChangeAspect="1"/>
+          </p:cNvSpPr>
+          <p:nvPr>
+            <p:ph type="sldImg"/>
+          </p:nvPr>
+        </p:nvSpPr>
+        <p:spPr/>
+      </p:sp>
+      <p:sp>
+        <p:nvSpPr>
+          <p:cNvPr id="3" name="Notes Placeholder 2"/>
+          <p:cNvSpPr>
+            <a:spLocks noGrp="1"/>
+          </p:cNvSpPr>
+          <p:nvPr>
+            <p:ph type="body" idx="1"/>
+          </p:nvPr>
+        </p:nvSpPr>
+        <p:spPr/>
+        <p:txBody>
+          <a:bodyPr/>
+          <a:lstStyle/>
+          <a:p>
+            <a:r>
+              <a:rPr lang="en-US" dirty="0"/>
+              <a:t>What is caching?</a:t>
+            </a:r>
+          </a:p>
+          <a:p>
+            <a:endParaRPr lang="en-US" dirty="0"/>
+          </a:p>
+        </p:txBody>
+      </p:sp>
+      <p:sp>
+        <p:nvSpPr>
+          <p:cNvPr id="4" name="Slide Number Placeholder 3"/>
+          <p:cNvSpPr>
+            <a:spLocks noGrp="1"/>
+          </p:cNvSpPr>
+          <p:nvPr>
+            <p:ph type="sldNum" sz="quarter" idx="5"/>
+          </p:nvPr>
+        </p:nvSpPr>
+        <p:spPr/>
+        <p:txBody>
+          <a:bodyPr/>
+          <a:lstStyle/>
+          <a:p>
+            <a:fld id="{C1319246-450C-4CF9-A58A-2A51F73A13BE}" type="slidenum">
+              <a:rPr lang="en-US" smtClean="0"/>
+              <a:t>6</a:t>
+            </a:fld>
+            <a:endParaRPr lang="en-US"/>
+          </a:p>
+        </p:txBody>
+      </p:sp>
+    </p:spTree>
+    <p:extLst>
+      <p:ext uri="{BB962C8B-B14F-4D97-AF65-F5344CB8AC3E}">
+        <p14:creationId xmlns:p14="http://schemas.microsoft.com/office/powerpoint/2010/main" val="3467405890"/>
+      </p:ext>
+    </p:extLst>
+  </p:cSld>
+  <p:clrMapOvr>
+    <a:masterClrMapping/>
+  </p:clrMapOvr>
+</p:notes>
+</file>
+
+<file path=ppt/notesSlides/notesSlide3.xml><?xml version="1.0" encoding="utf-8"?>
+<p:notes xmlns:a="http://schemas.openxmlformats.org/drawingml/2006/main" xmlns:r="http://schemas.openxmlformats.org/officeDocument/2006/relationships" xmlns:p="http://schemas.openxmlformats.org/presentationml/2006/main">
+  <p:cSld>
+    <p:spTree>
+      <p:nvGrpSpPr>
+        <p:cNvPr id="1" name=""/>
+        <p:cNvGrpSpPr/>
+        <p:nvPr/>
+      </p:nvGrpSpPr>
+      <p:grpSpPr>
+        <a:xfrm>
+          <a:off x="0" y="0"/>
+          <a:ext cx="0" cy="0"/>
+          <a:chOff x="0" y="0"/>
+          <a:chExt cx="0" cy="0"/>
+        </a:xfrm>
+      </p:grpSpPr>
+      <p:sp>
+        <p:nvSpPr>
+          <p:cNvPr id="2" name="Slide Image Placeholder 1"/>
+          <p:cNvSpPr>
+            <a:spLocks noGrp="1" noRot="1" noChangeAspect="1"/>
+          </p:cNvSpPr>
+          <p:nvPr>
+            <p:ph type="sldImg"/>
+          </p:nvPr>
+        </p:nvSpPr>
+        <p:spPr/>
+      </p:sp>
+      <p:sp>
+        <p:nvSpPr>
+          <p:cNvPr id="3" name="Notes Placeholder 2"/>
+          <p:cNvSpPr>
+            <a:spLocks noGrp="1"/>
+          </p:cNvSpPr>
+          <p:nvPr>
+            <p:ph type="body" idx="1"/>
+          </p:nvPr>
+        </p:nvSpPr>
+        <p:spPr/>
+        <p:txBody>
+          <a:bodyPr/>
+          <a:lstStyle/>
+          <a:p>
+            <a:r>
+              <a:rPr lang="en-US" dirty="0"/>
+              <a:t>Types or levels of caching</a:t>
+            </a:r>
+          </a:p>
+        </p:txBody>
+      </p:sp>
+      <p:sp>
+        <p:nvSpPr>
+          <p:cNvPr id="4" name="Slide Number Placeholder 3"/>
+          <p:cNvSpPr>
+            <a:spLocks noGrp="1"/>
+          </p:cNvSpPr>
+          <p:nvPr>
+            <p:ph type="sldNum" sz="quarter" idx="5"/>
+          </p:nvPr>
+        </p:nvSpPr>
+        <p:spPr/>
+        <p:txBody>
+          <a:bodyPr/>
+          <a:lstStyle/>
+          <a:p>
+            <a:fld id="{C1319246-450C-4CF9-A58A-2A51F73A13BE}" type="slidenum">
+              <a:rPr lang="en-US" smtClean="0"/>
+              <a:t>7</a:t>
+            </a:fld>
+            <a:endParaRPr lang="en-US"/>
+          </a:p>
+        </p:txBody>
+      </p:sp>
+    </p:spTree>
+    <p:extLst>
+      <p:ext uri="{BB962C8B-B14F-4D97-AF65-F5344CB8AC3E}">
+        <p14:creationId xmlns:p14="http://schemas.microsoft.com/office/powerpoint/2010/main" val="3411022722"/>
+      </p:ext>
+    </p:extLst>
+  </p:cSld>
+  <p:clrMapOvr>
+    <a:masterClrMapping/>
+  </p:clrMapOvr>
+</p:notes>
+</file>
+
+<file path=ppt/notesSlides/notesSlide4.xml><?xml version="1.0" encoding="utf-8"?>
+<p:notes xmlns:a="http://schemas.openxmlformats.org/drawingml/2006/main" xmlns:r="http://schemas.openxmlformats.org/officeDocument/2006/relationships" xmlns:p="http://schemas.openxmlformats.org/presentationml/2006/main">
+  <p:cSld>
+    <p:spTree>
+      <p:nvGrpSpPr>
+        <p:cNvPr id="1" name=""/>
+        <p:cNvGrpSpPr/>
+        <p:nvPr/>
+      </p:nvGrpSpPr>
+      <p:grpSpPr>
+        <a:xfrm>
+          <a:off x="0" y="0"/>
+          <a:ext cx="0" cy="0"/>
+          <a:chOff x="0" y="0"/>
+          <a:chExt cx="0" cy="0"/>
+        </a:xfrm>
+      </p:grpSpPr>
+      <p:sp>
+        <p:nvSpPr>
+          <p:cNvPr id="2" name="Slide Image Placeholder 1"/>
+          <p:cNvSpPr>
+            <a:spLocks noGrp="1" noRot="1" noChangeAspect="1"/>
+          </p:cNvSpPr>
+          <p:nvPr>
+            <p:ph type="sldImg"/>
+          </p:nvPr>
+        </p:nvSpPr>
+        <p:spPr/>
+      </p:sp>
+      <p:sp>
+        <p:nvSpPr>
+          <p:cNvPr id="3" name="Notes Placeholder 2"/>
+          <p:cNvSpPr>
+            <a:spLocks noGrp="1"/>
+          </p:cNvSpPr>
+          <p:nvPr>
+            <p:ph type="body" idx="1"/>
+          </p:nvPr>
+        </p:nvSpPr>
+        <p:spPr/>
+        <p:txBody>
+          <a:bodyPr/>
+          <a:lstStyle/>
+          <a:p>
+            <a:r>
+              <a:rPr lang="en-US" dirty="0" err="1"/>
+              <a:t>IMemoryCache</a:t>
+            </a:r>
+            <a:r>
+              <a:rPr lang="en-US" dirty="0"/>
+              <a:t> usage</a:t>
+            </a:r>
+          </a:p>
+          <a:p>
+            <a:endParaRPr lang="en-US" dirty="0"/>
+          </a:p>
+        </p:txBody>
+      </p:sp>
+      <p:sp>
+        <p:nvSpPr>
+          <p:cNvPr id="4" name="Slide Number Placeholder 3"/>
+          <p:cNvSpPr>
+            <a:spLocks noGrp="1"/>
+          </p:cNvSpPr>
+          <p:nvPr>
+            <p:ph type="sldNum" sz="quarter" idx="5"/>
+          </p:nvPr>
+        </p:nvSpPr>
+        <p:spPr/>
+        <p:txBody>
+          <a:bodyPr/>
+          <a:lstStyle/>
+          <a:p>
+            <a:fld id="{C1319246-450C-4CF9-A58A-2A51F73A13BE}" type="slidenum">
+              <a:rPr lang="en-US" smtClean="0"/>
+              <a:t>8</a:t>
+            </a:fld>
+            <a:endParaRPr lang="en-US"/>
+          </a:p>
+        </p:txBody>
+      </p:sp>
+    </p:spTree>
+    <p:extLst>
+      <p:ext uri="{BB962C8B-B14F-4D97-AF65-F5344CB8AC3E}">
+        <p14:creationId xmlns:p14="http://schemas.microsoft.com/office/powerpoint/2010/main" val="1351821231"/>
+      </p:ext>
+    </p:extLst>
+  </p:cSld>
+  <p:clrMapOvr>
+    <a:masterClrMapping/>
+  </p:clrMapOvr>
+</p:notes>
+</file>
+
+<file path=ppt/notesSlides/notesSlide5.xml><?xml version="1.0" encoding="utf-8"?>
+<p:notes xmlns:a="http://schemas.openxmlformats.org/drawingml/2006/main" xmlns:r="http://schemas.openxmlformats.org/officeDocument/2006/relationships" xmlns:p="http://schemas.openxmlformats.org/presentationml/2006/main">
+  <p:cSld>
+    <p:spTree>
+      <p:nvGrpSpPr>
+        <p:cNvPr id="1" name=""/>
+        <p:cNvGrpSpPr/>
+        <p:nvPr/>
+      </p:nvGrpSpPr>
+      <p:grpSpPr>
+        <a:xfrm>
+          <a:off x="0" y="0"/>
+          <a:ext cx="0" cy="0"/>
+          <a:chOff x="0" y="0"/>
+          <a:chExt cx="0" cy="0"/>
+        </a:xfrm>
+      </p:grpSpPr>
+      <p:sp>
+        <p:nvSpPr>
+          <p:cNvPr id="2" name="Slide Image Placeholder 1"/>
+          <p:cNvSpPr>
+            <a:spLocks noGrp="1" noRot="1" noChangeAspect="1"/>
+          </p:cNvSpPr>
+          <p:nvPr>
+            <p:ph type="sldImg"/>
+          </p:nvPr>
+        </p:nvSpPr>
+        <p:spPr/>
+      </p:sp>
+      <p:sp>
+        <p:nvSpPr>
+          <p:cNvPr id="3" name="Notes Placeholder 2"/>
+          <p:cNvSpPr>
+            <a:spLocks noGrp="1"/>
+          </p:cNvSpPr>
+          <p:nvPr>
+            <p:ph type="body" idx="1"/>
+          </p:nvPr>
+        </p:nvSpPr>
+        <p:spPr/>
+        <p:txBody>
+          <a:bodyPr/>
+          <a:lstStyle/>
+          <a:p>
+            <a:r>
+              <a:rPr lang="en-US" dirty="0" err="1"/>
+              <a:t>IDistributedCache</a:t>
+            </a:r>
+            <a:r>
+              <a:rPr lang="en-US" dirty="0"/>
+              <a:t> with Redis</a:t>
+            </a:r>
+          </a:p>
+        </p:txBody>
+      </p:sp>
+      <p:sp>
+        <p:nvSpPr>
+          <p:cNvPr id="4" name="Slide Number Placeholder 3"/>
+          <p:cNvSpPr>
+            <a:spLocks noGrp="1"/>
+          </p:cNvSpPr>
+          <p:nvPr>
+            <p:ph type="sldNum" sz="quarter" idx="5"/>
+          </p:nvPr>
+        </p:nvSpPr>
+        <p:spPr/>
+        <p:txBody>
+          <a:bodyPr/>
+          <a:lstStyle/>
+          <a:p>
+            <a:fld id="{C1319246-450C-4CF9-A58A-2A51F73A13BE}" type="slidenum">
+              <a:rPr lang="en-US" smtClean="0"/>
+              <a:t>9</a:t>
+            </a:fld>
+            <a:endParaRPr lang="en-US"/>
+          </a:p>
+        </p:txBody>
+      </p:sp>
+    </p:spTree>
+    <p:extLst>
+      <p:ext uri="{BB962C8B-B14F-4D97-AF65-F5344CB8AC3E}">
+        <p14:creationId xmlns:p14="http://schemas.microsoft.com/office/powerpoint/2010/main" val="1474871695"/>
+      </p:ext>
+    </p:extLst>
+  </p:cSld>
+  <p:clrMapOvr>
+    <a:masterClrMapping/>
+  </p:clrMapOvr>
+</p:notes>
+</file>
+
+<file path=ppt/notesSlides/notesSlide6.xml><?xml version="1.0" encoding="utf-8"?>
+<p:notes xmlns:a="http://schemas.openxmlformats.org/drawingml/2006/main" xmlns:r="http://schemas.openxmlformats.org/officeDocument/2006/relationships" xmlns:p="http://schemas.openxmlformats.org/presentationml/2006/main">
+  <p:cSld>
+    <p:spTree>
+      <p:nvGrpSpPr>
+        <p:cNvPr id="1" name=""/>
+        <p:cNvGrpSpPr/>
+        <p:nvPr/>
+      </p:nvGrpSpPr>
+      <p:grpSpPr>
+        <a:xfrm>
+          <a:off x="0" y="0"/>
+          <a:ext cx="0" cy="0"/>
+          <a:chOff x="0" y="0"/>
+          <a:chExt cx="0" cy="0"/>
+        </a:xfrm>
+      </p:grpSpPr>
+      <p:sp>
+        <p:nvSpPr>
+          <p:cNvPr id="2" name="Slide Image Placeholder 1"/>
+          <p:cNvSpPr>
+            <a:spLocks noGrp="1" noRot="1" noChangeAspect="1"/>
+          </p:cNvSpPr>
+          <p:nvPr>
+            <p:ph type="sldImg"/>
+          </p:nvPr>
+        </p:nvSpPr>
+        <p:spPr/>
+      </p:sp>
+      <p:sp>
+        <p:nvSpPr>
+          <p:cNvPr id="3" name="Notes Placeholder 2"/>
+          <p:cNvSpPr>
+            <a:spLocks noGrp="1"/>
+          </p:cNvSpPr>
+          <p:nvPr>
+            <p:ph type="body" idx="1"/>
+          </p:nvPr>
+        </p:nvSpPr>
+        <p:spPr/>
+        <p:txBody>
+          <a:bodyPr/>
+          <a:lstStyle/>
+          <a:p>
+            <a:endParaRPr lang="en-US" dirty="0"/>
+          </a:p>
+        </p:txBody>
+      </p:sp>
+      <p:sp>
+        <p:nvSpPr>
+          <p:cNvPr id="4" name="Slide Number Placeholder 3"/>
+          <p:cNvSpPr>
+            <a:spLocks noGrp="1"/>
+          </p:cNvSpPr>
+          <p:nvPr>
+            <p:ph type="sldNum" sz="quarter" idx="5"/>
+          </p:nvPr>
+        </p:nvSpPr>
+        <p:spPr/>
+        <p:txBody>
+          <a:bodyPr/>
+          <a:lstStyle/>
+          <a:p>
+            <a:fld id="{C1319246-450C-4CF9-A58A-2A51F73A13BE}" type="slidenum">
+              <a:rPr lang="en-US" smtClean="0"/>
+              <a:t>10</a:t>
+            </a:fld>
+            <a:endParaRPr lang="en-US"/>
+          </a:p>
+        </p:txBody>
+      </p:sp>
+    </p:spTree>
+    <p:extLst>
+      <p:ext uri="{BB962C8B-B14F-4D97-AF65-F5344CB8AC3E}">
+        <p14:creationId xmlns:p14="http://schemas.microsoft.com/office/powerpoint/2010/main" val="804486717"/>
+      </p:ext>
+    </p:extLst>
+  </p:cSld>
+  <p:clrMapOvr>
+    <a:masterClrMapping/>
+  </p:clrMapOvr>
+</p:notes>
+</file>
+
+<file path=ppt/notesSlides/notesSlide7.xml><?xml version="1.0" encoding="utf-8"?>
+<p:notes xmlns:a="http://schemas.openxmlformats.org/drawingml/2006/main" xmlns:r="http://schemas.openxmlformats.org/officeDocument/2006/relationships" xmlns:p="http://schemas.openxmlformats.org/presentationml/2006/main">
+  <p:cSld>
+    <p:spTree>
+      <p:nvGrpSpPr>
+        <p:cNvPr id="1" name=""/>
+        <p:cNvGrpSpPr/>
+        <p:nvPr/>
+      </p:nvGrpSpPr>
+      <p:grpSpPr>
+        <a:xfrm>
+          <a:off x="0" y="0"/>
+          <a:ext cx="0" cy="0"/>
+          <a:chOff x="0" y="0"/>
+          <a:chExt cx="0" cy="0"/>
+        </a:xfrm>
+      </p:grpSpPr>
+      <p:sp>
+        <p:nvSpPr>
+          <p:cNvPr id="2" name="Slide Image Placeholder 1"/>
+          <p:cNvSpPr>
+            <a:spLocks noGrp="1" noRot="1" noChangeAspect="1"/>
+          </p:cNvSpPr>
+          <p:nvPr>
+            <p:ph type="sldImg"/>
+          </p:nvPr>
+        </p:nvSpPr>
+        <p:spPr/>
+      </p:sp>
+      <p:sp>
+        <p:nvSpPr>
+          <p:cNvPr id="3" name="Notes Placeholder 2"/>
+          <p:cNvSpPr>
+            <a:spLocks noGrp="1"/>
+          </p:cNvSpPr>
+          <p:nvPr>
+            <p:ph type="body" idx="1"/>
+          </p:nvPr>
+        </p:nvSpPr>
+        <p:spPr/>
+        <p:txBody>
+          <a:bodyPr/>
+          <a:lstStyle/>
+          <a:p>
+            <a:r>
+              <a:rPr lang="en-US" dirty="0"/>
+              <a:t>The “problem” with having one server for all requests</a:t>
+            </a:r>
+          </a:p>
+          <a:p>
+            <a:endParaRPr lang="en-US" dirty="0"/>
+          </a:p>
+          <a:p>
+            <a:pPr marL="171450" indent="-171450">
+              <a:buFont typeface="Arial" panose="020B0604020202020204" pitchFamily="34" charset="0"/>
+              <a:buChar char="•"/>
+            </a:pPr>
+            <a:r>
+              <a:rPr lang="en-US" dirty="0"/>
+              <a:t>What if you get hit with massive number of requests</a:t>
+            </a:r>
+          </a:p>
+          <a:p>
+            <a:pPr marL="171450" indent="-171450">
+              <a:buFont typeface="Arial" panose="020B0604020202020204" pitchFamily="34" charset="0"/>
+              <a:buChar char="•"/>
+            </a:pPr>
+            <a:r>
+              <a:rPr lang="en-US" dirty="0"/>
+              <a:t>What if the services fails for some reason</a:t>
+            </a:r>
+          </a:p>
+          <a:p>
+            <a:pPr marL="628650" lvl="1" indent="-171450">
+              <a:buFont typeface="Arial" panose="020B0604020202020204" pitchFamily="34" charset="0"/>
+              <a:buChar char="•"/>
+            </a:pPr>
+            <a:r>
+              <a:rPr lang="en-US" dirty="0"/>
+              <a:t>Example: ASP.NET has *hard* exception and has to restart itself.  That’s not an immediate process</a:t>
+            </a:r>
+          </a:p>
+          <a:p>
+            <a:pPr marL="0" lvl="0" indent="0">
+              <a:buFont typeface="Arial" panose="020B0604020202020204" pitchFamily="34" charset="0"/>
+              <a:buNone/>
+            </a:pPr>
+            <a:endParaRPr lang="en-US" dirty="0"/>
+          </a:p>
+          <a:p>
+            <a:pPr marL="171450" indent="-171450">
+              <a:buFont typeface="Arial" panose="020B0604020202020204" pitchFamily="34" charset="0"/>
+              <a:buChar char="•"/>
+            </a:pPr>
+            <a:endParaRPr lang="en-US" dirty="0"/>
+          </a:p>
+        </p:txBody>
+      </p:sp>
+      <p:sp>
+        <p:nvSpPr>
+          <p:cNvPr id="4" name="Slide Number Placeholder 3"/>
+          <p:cNvSpPr>
+            <a:spLocks noGrp="1"/>
+          </p:cNvSpPr>
+          <p:nvPr>
+            <p:ph type="sldNum" sz="quarter" idx="5"/>
+          </p:nvPr>
+        </p:nvSpPr>
+        <p:spPr/>
+        <p:txBody>
+          <a:bodyPr/>
+          <a:lstStyle/>
+          <a:p>
+            <a:fld id="{C1319246-450C-4CF9-A58A-2A51F73A13BE}" type="slidenum">
+              <a:rPr lang="en-US" smtClean="0"/>
+              <a:t>11</a:t>
+            </a:fld>
+            <a:endParaRPr lang="en-US"/>
+          </a:p>
+        </p:txBody>
+      </p:sp>
+    </p:spTree>
+    <p:extLst>
+      <p:ext uri="{BB962C8B-B14F-4D97-AF65-F5344CB8AC3E}">
+        <p14:creationId xmlns:p14="http://schemas.microsoft.com/office/powerpoint/2010/main" val="3352981494"/>
+      </p:ext>
+    </p:extLst>
+  </p:cSld>
+  <p:clrMapOvr>
+    <a:masterClrMapping/>
+  </p:clrMapOvr>
+</p:notes>
+</file>
+
+<file path=ppt/notesSlides/notesSlide8.xml><?xml version="1.0" encoding="utf-8"?>
+<p:notes xmlns:a="http://schemas.openxmlformats.org/drawingml/2006/main" xmlns:r="http://schemas.openxmlformats.org/officeDocument/2006/relationships" xmlns:p="http://schemas.openxmlformats.org/presentationml/2006/main">
+  <p:cSld>
+    <p:spTree>
+      <p:nvGrpSpPr>
+        <p:cNvPr id="1" name=""/>
+        <p:cNvGrpSpPr/>
+        <p:nvPr/>
+      </p:nvGrpSpPr>
+      <p:grpSpPr>
+        <a:xfrm>
+          <a:off x="0" y="0"/>
+          <a:ext cx="0" cy="0"/>
+          <a:chOff x="0" y="0"/>
+          <a:chExt cx="0" cy="0"/>
+        </a:xfrm>
+      </p:grpSpPr>
+      <p:sp>
+        <p:nvSpPr>
+          <p:cNvPr id="2" name="Slide Image Placeholder 1"/>
+          <p:cNvSpPr>
+            <a:spLocks noGrp="1" noRot="1" noChangeAspect="1"/>
+          </p:cNvSpPr>
+          <p:nvPr>
+            <p:ph type="sldImg"/>
+          </p:nvPr>
+        </p:nvSpPr>
+        <p:spPr/>
+      </p:sp>
+      <p:sp>
+        <p:nvSpPr>
+          <p:cNvPr id="3" name="Notes Placeholder 2"/>
+          <p:cNvSpPr>
+            <a:spLocks noGrp="1"/>
+          </p:cNvSpPr>
+          <p:nvPr>
+            <p:ph type="body" idx="1"/>
+          </p:nvPr>
+        </p:nvSpPr>
+        <p:spPr/>
+        <p:txBody>
+          <a:bodyPr/>
+          <a:lstStyle/>
+          <a:p>
+            <a:r>
+              <a:rPr lang="en-US" dirty="0"/>
+              <a:t>Simple “scale out” example</a:t>
+            </a:r>
+          </a:p>
+          <a:p>
+            <a:endParaRPr lang="en-US" dirty="0"/>
+          </a:p>
+          <a:p>
+            <a:r>
+              <a:rPr lang="en-US" dirty="0"/>
+              <a:t>Internet -&gt; LB -&gt; Instance A/B/C -&gt; Database</a:t>
+            </a:r>
+          </a:p>
+          <a:p>
+            <a:endParaRPr lang="en-US" dirty="0"/>
+          </a:p>
+        </p:txBody>
+      </p:sp>
+      <p:sp>
+        <p:nvSpPr>
+          <p:cNvPr id="4" name="Slide Number Placeholder 3"/>
+          <p:cNvSpPr>
+            <a:spLocks noGrp="1"/>
+          </p:cNvSpPr>
+          <p:nvPr>
+            <p:ph type="sldNum" sz="quarter" idx="5"/>
+          </p:nvPr>
+        </p:nvSpPr>
+        <p:spPr/>
+        <p:txBody>
+          <a:bodyPr/>
+          <a:lstStyle/>
+          <a:p>
+            <a:fld id="{C1319246-450C-4CF9-A58A-2A51F73A13BE}" type="slidenum">
+              <a:rPr lang="en-US" smtClean="0"/>
+              <a:t>12</a:t>
+            </a:fld>
+            <a:endParaRPr lang="en-US"/>
+          </a:p>
+        </p:txBody>
+      </p:sp>
+    </p:spTree>
+    <p:extLst>
+      <p:ext uri="{BB962C8B-B14F-4D97-AF65-F5344CB8AC3E}">
+        <p14:creationId xmlns:p14="http://schemas.microsoft.com/office/powerpoint/2010/main" val="968475548"/>
+      </p:ext>
+    </p:extLst>
+  </p:cSld>
+  <p:clrMapOvr>
+    <a:masterClrMapping/>
+  </p:clrMapOvr>
+</p:notes>
+</file>
+
+<file path=ppt/notesSlides/notesSlide9.xml><?xml version="1.0" encoding="utf-8"?>
+<p:notes xmlns:a="http://schemas.openxmlformats.org/drawingml/2006/main" xmlns:r="http://schemas.openxmlformats.org/officeDocument/2006/relationships" xmlns:p="http://schemas.openxmlformats.org/presentationml/2006/main">
+  <p:cSld>
+    <p:spTree>
+      <p:nvGrpSpPr>
+        <p:cNvPr id="1" name=""/>
+        <p:cNvGrpSpPr/>
+        <p:nvPr/>
+      </p:nvGrpSpPr>
+      <p:grpSpPr>
+        <a:xfrm>
+          <a:off x="0" y="0"/>
+          <a:ext cx="0" cy="0"/>
+          <a:chOff x="0" y="0"/>
+          <a:chExt cx="0" cy="0"/>
+        </a:xfrm>
+      </p:grpSpPr>
+      <p:sp>
+        <p:nvSpPr>
+          <p:cNvPr id="2" name="Slide Image Placeholder 1"/>
+          <p:cNvSpPr>
+            <a:spLocks noGrp="1" noRot="1" noChangeAspect="1"/>
+          </p:cNvSpPr>
+          <p:nvPr>
+            <p:ph type="sldImg"/>
+          </p:nvPr>
+        </p:nvSpPr>
+        <p:spPr/>
+      </p:sp>
+      <p:sp>
+        <p:nvSpPr>
+          <p:cNvPr id="3" name="Notes Placeholder 2"/>
+          <p:cNvSpPr>
+            <a:spLocks noGrp="1"/>
+          </p:cNvSpPr>
+          <p:nvPr>
+            <p:ph type="body" idx="1"/>
+          </p:nvPr>
+        </p:nvSpPr>
+        <p:spPr/>
+        <p:txBody>
+          <a:bodyPr/>
+          <a:lstStyle/>
+          <a:p>
+            <a:r>
+              <a:rPr lang="en-US" dirty="0"/>
+              <a:t>Benefits</a:t>
+            </a:r>
+          </a:p>
+          <a:p>
+            <a:endParaRPr lang="en-US" dirty="0"/>
+          </a:p>
+          <a:p>
+            <a:pPr marL="0" marR="0" lvl="0" indent="0" algn="l" defTabSz="914400" rtl="0" eaLnBrk="1" fontAlgn="auto" latinLnBrk="0" hangingPunct="1">
+              <a:lnSpc>
+                <a:spcPct val="100000"/>
+              </a:lnSpc>
+              <a:spcBef>
+                <a:spcPts val="0"/>
+              </a:spcBef>
+              <a:spcAft>
+                <a:spcPts val="0"/>
+              </a:spcAft>
+              <a:buClrTx/>
+              <a:buSzTx/>
+              <a:buFontTx/>
+              <a:buNone/>
+              <a:tabLst/>
+              <a:defRPr/>
+            </a:pPr>
+            <a:r>
+              <a:rPr lang="en-US" dirty="0"/>
+              <a:t>Internet -&gt; LB -&gt; Instance A/B/C -&gt; Database</a:t>
+            </a:r>
+          </a:p>
+          <a:p>
+            <a:endParaRPr lang="en-US" dirty="0"/>
+          </a:p>
+          <a:p>
+            <a:pPr marL="171450" indent="-171450">
+              <a:buFont typeface="Arial" panose="020B0604020202020204" pitchFamily="34" charset="0"/>
+              <a:buChar char="•"/>
+            </a:pPr>
+            <a:r>
+              <a:rPr lang="en-US" dirty="0"/>
+              <a:t>What if instance B dies more some reason?</a:t>
+            </a:r>
+          </a:p>
+          <a:p>
+            <a:pPr marL="628650" lvl="1" indent="-171450">
+              <a:buFont typeface="Arial" panose="020B0604020202020204" pitchFamily="34" charset="0"/>
+              <a:buChar char="•"/>
+            </a:pPr>
+            <a:r>
+              <a:rPr lang="en-US" dirty="0"/>
+              <a:t>LB will direct only to instance A or C</a:t>
+            </a:r>
+          </a:p>
+        </p:txBody>
+      </p:sp>
+      <p:sp>
+        <p:nvSpPr>
+          <p:cNvPr id="4" name="Slide Number Placeholder 3"/>
+          <p:cNvSpPr>
+            <a:spLocks noGrp="1"/>
+          </p:cNvSpPr>
+          <p:nvPr>
+            <p:ph type="sldNum" sz="quarter" idx="5"/>
+          </p:nvPr>
+        </p:nvSpPr>
+        <p:spPr/>
+        <p:txBody>
+          <a:bodyPr/>
+          <a:lstStyle/>
+          <a:p>
+            <a:fld id="{C1319246-450C-4CF9-A58A-2A51F73A13BE}" type="slidenum">
+              <a:rPr lang="en-US" smtClean="0"/>
+              <a:t>13</a:t>
+            </a:fld>
+            <a:endParaRPr lang="en-US"/>
+          </a:p>
+        </p:txBody>
+      </p:sp>
+    </p:spTree>
+    <p:extLst>
+      <p:ext uri="{BB962C8B-B14F-4D97-AF65-F5344CB8AC3E}">
+        <p14:creationId xmlns:p14="http://schemas.microsoft.com/office/powerpoint/2010/main" val="653935501"/>
+      </p:ext>
+    </p:extLst>
+  </p:cSld>
+  <p:clrMapOvr>
+    <a:masterClrMapping/>
+  </p:clrMapOvr>
+</p:notes>
 </file>
 
 <file path=ppt/slideLayouts/slideLayout1.xml><?xml version="1.0" encoding="utf-8"?>
@@ -261,7 +2272,7 @@
           <a:p>
             <a:fld id="{2185751B-154C-48B3-90FA-C17C05FCF1B7}" type="datetimeFigureOut">
               <a:rPr lang="en-US" smtClean="0"/>
-              <a:t>12/20/2021</a:t>
+              <a:t>12/23/2021</a:t>
             </a:fld>
             <a:endParaRPr lang="en-US"/>
           </a:p>
@@ -459,7 +2470,7 @@
           <a:p>
             <a:fld id="{2185751B-154C-48B3-90FA-C17C05FCF1B7}" type="datetimeFigureOut">
               <a:rPr lang="en-US" smtClean="0"/>
-              <a:t>12/20/2021</a:t>
+              <a:t>12/23/2021</a:t>
             </a:fld>
             <a:endParaRPr lang="en-US"/>
           </a:p>
@@ -667,7 +2678,7 @@
           <a:p>
             <a:fld id="{2185751B-154C-48B3-90FA-C17C05FCF1B7}" type="datetimeFigureOut">
               <a:rPr lang="en-US" smtClean="0"/>
-              <a:t>12/20/2021</a:t>
+              <a:t>12/23/2021</a:t>
             </a:fld>
             <a:endParaRPr lang="en-US"/>
           </a:p>
@@ -865,7 +2876,7 @@
           <a:p>
             <a:fld id="{2185751B-154C-48B3-90FA-C17C05FCF1B7}" type="datetimeFigureOut">
               <a:rPr lang="en-US" smtClean="0"/>
-              <a:t>12/20/2021</a:t>
+              <a:t>12/23/2021</a:t>
             </a:fld>
             <a:endParaRPr lang="en-US"/>
           </a:p>
@@ -1140,7 +3151,7 @@
           <a:p>
             <a:fld id="{2185751B-154C-48B3-90FA-C17C05FCF1B7}" type="datetimeFigureOut">
               <a:rPr lang="en-US" smtClean="0"/>
-              <a:t>12/20/2021</a:t>
+              <a:t>12/23/2021</a:t>
             </a:fld>
             <a:endParaRPr lang="en-US"/>
           </a:p>
@@ -1405,7 +3416,7 @@
           <a:p>
             <a:fld id="{2185751B-154C-48B3-90FA-C17C05FCF1B7}" type="datetimeFigureOut">
               <a:rPr lang="en-US" smtClean="0"/>
-              <a:t>12/20/2021</a:t>
+              <a:t>12/23/2021</a:t>
             </a:fld>
             <a:endParaRPr lang="en-US"/>
           </a:p>
@@ -1817,7 +3828,7 @@
           <a:p>
             <a:fld id="{2185751B-154C-48B3-90FA-C17C05FCF1B7}" type="datetimeFigureOut">
               <a:rPr lang="en-US" smtClean="0"/>
-              <a:t>12/20/2021</a:t>
+              <a:t>12/23/2021</a:t>
             </a:fld>
             <a:endParaRPr lang="en-US"/>
           </a:p>
@@ -1958,7 +3969,7 @@
           <a:p>
             <a:fld id="{2185751B-154C-48B3-90FA-C17C05FCF1B7}" type="datetimeFigureOut">
               <a:rPr lang="en-US" smtClean="0"/>
-              <a:t>12/20/2021</a:t>
+              <a:t>12/23/2021</a:t>
             </a:fld>
             <a:endParaRPr lang="en-US"/>
           </a:p>
@@ -2071,7 +4082,7 @@
           <a:p>
             <a:fld id="{2185751B-154C-48B3-90FA-C17C05FCF1B7}" type="datetimeFigureOut">
               <a:rPr lang="en-US" smtClean="0"/>
-              <a:t>12/20/2021</a:t>
+              <a:t>12/23/2021</a:t>
             </a:fld>
             <a:endParaRPr lang="en-US"/>
           </a:p>
@@ -2382,7 +4393,7 @@
           <a:p>
             <a:fld id="{2185751B-154C-48B3-90FA-C17C05FCF1B7}" type="datetimeFigureOut">
               <a:rPr lang="en-US" smtClean="0"/>
-              <a:t>12/20/2021</a:t>
+              <a:t>12/23/2021</a:t>
             </a:fld>
             <a:endParaRPr lang="en-US"/>
           </a:p>
@@ -2670,7 +4681,7 @@
           <a:p>
             <a:fld id="{2185751B-154C-48B3-90FA-C17C05FCF1B7}" type="datetimeFigureOut">
               <a:rPr lang="en-US" smtClean="0"/>
-              <a:t>12/20/2021</a:t>
+              <a:t>12/23/2021</a:t>
             </a:fld>
             <a:endParaRPr lang="en-US"/>
           </a:p>
@@ -2911,7 +4922,7 @@
           <a:p>
             <a:fld id="{2185751B-154C-48B3-90FA-C17C05FCF1B7}" type="datetimeFigureOut">
               <a:rPr lang="en-US" smtClean="0"/>
-              <a:t>12/20/2021</a:t>
+              <a:t>12/23/2021</a:t>
             </a:fld>
             <a:endParaRPr lang="en-US"/>
           </a:p>
@@ -3399,6 +5410,761 @@
 </p:sld>
 </file>
 
+<file path=ppt/slides/slide10.xml><?xml version="1.0" encoding="utf-8"?>
+<p:sld xmlns:a="http://schemas.openxmlformats.org/drawingml/2006/main" xmlns:r="http://schemas.openxmlformats.org/officeDocument/2006/relationships" xmlns:p="http://schemas.openxmlformats.org/presentationml/2006/main">
+  <p:cSld>
+    <p:spTree>
+      <p:nvGrpSpPr>
+        <p:cNvPr id="1" name=""/>
+        <p:cNvGrpSpPr/>
+        <p:nvPr/>
+      </p:nvGrpSpPr>
+      <p:grpSpPr>
+        <a:xfrm>
+          <a:off x="0" y="0"/>
+          <a:ext cx="0" cy="0"/>
+          <a:chOff x="0" y="0"/>
+          <a:chExt cx="0" cy="0"/>
+        </a:xfrm>
+      </p:grpSpPr>
+      <p:sp>
+        <p:nvSpPr>
+          <p:cNvPr id="4" name="Title 3">
+            <a:extLst>
+              <a:ext uri="{FF2B5EF4-FFF2-40B4-BE49-F238E27FC236}">
+                <a16:creationId xmlns:a16="http://schemas.microsoft.com/office/drawing/2014/main" id="{169E3C5D-2B2C-43E3-84C4-29DFDD20F14A}"/>
+              </a:ext>
+            </a:extLst>
+          </p:cNvPr>
+          <p:cNvSpPr>
+            <a:spLocks noGrp="1"/>
+          </p:cNvSpPr>
+          <p:nvPr>
+            <p:ph type="title"/>
+          </p:nvPr>
+        </p:nvSpPr>
+        <p:spPr/>
+        <p:txBody>
+          <a:bodyPr/>
+          <a:lstStyle/>
+          <a:p>
+            <a:r>
+              <a:rPr lang="en-US" dirty="0"/>
+              <a:t>Demo/Discussions</a:t>
+            </a:r>
+          </a:p>
+        </p:txBody>
+      </p:sp>
+      <p:sp>
+        <p:nvSpPr>
+          <p:cNvPr id="5" name="Text Placeholder 4">
+            <a:extLst>
+              <a:ext uri="{FF2B5EF4-FFF2-40B4-BE49-F238E27FC236}">
+                <a16:creationId xmlns:a16="http://schemas.microsoft.com/office/drawing/2014/main" id="{F4EDD6D9-951E-410E-B58C-2B7A46AE97E9}"/>
+              </a:ext>
+            </a:extLst>
+          </p:cNvPr>
+          <p:cNvSpPr>
+            <a:spLocks noGrp="1"/>
+          </p:cNvSpPr>
+          <p:nvPr>
+            <p:ph type="body" idx="1"/>
+          </p:nvPr>
+        </p:nvSpPr>
+        <p:spPr/>
+        <p:txBody>
+          <a:bodyPr/>
+          <a:lstStyle/>
+          <a:p>
+            <a:r>
+              <a:rPr lang="en-US" dirty="0"/>
+              <a:t>Making some Cache</a:t>
+            </a:r>
+          </a:p>
+        </p:txBody>
+      </p:sp>
+    </p:spTree>
+    <p:extLst>
+      <p:ext uri="{BB962C8B-B14F-4D97-AF65-F5344CB8AC3E}">
+        <p14:creationId xmlns:p14="http://schemas.microsoft.com/office/powerpoint/2010/main" val="1077179974"/>
+      </p:ext>
+    </p:extLst>
+  </p:cSld>
+  <p:clrMapOvr>
+    <a:masterClrMapping/>
+  </p:clrMapOvr>
+</p:sld>
+</file>
+
+<file path=ppt/slides/slide11.xml><?xml version="1.0" encoding="utf-8"?>
+<p:sld xmlns:a="http://schemas.openxmlformats.org/drawingml/2006/main" xmlns:r="http://schemas.openxmlformats.org/officeDocument/2006/relationships" xmlns:p="http://schemas.openxmlformats.org/presentationml/2006/main">
+  <p:cSld>
+    <p:spTree>
+      <p:nvGrpSpPr>
+        <p:cNvPr id="1" name=""/>
+        <p:cNvGrpSpPr/>
+        <p:nvPr/>
+      </p:nvGrpSpPr>
+      <p:grpSpPr>
+        <a:xfrm>
+          <a:off x="0" y="0"/>
+          <a:ext cx="0" cy="0"/>
+          <a:chOff x="0" y="0"/>
+          <a:chExt cx="0" cy="0"/>
+        </a:xfrm>
+      </p:grpSpPr>
+      <p:sp>
+        <p:nvSpPr>
+          <p:cNvPr id="2" name="Title 1">
+            <a:extLst>
+              <a:ext uri="{FF2B5EF4-FFF2-40B4-BE49-F238E27FC236}">
+                <a16:creationId xmlns:a16="http://schemas.microsoft.com/office/drawing/2014/main" id="{DC268D94-29CA-405C-82A4-E31CA7FA7A76}"/>
+              </a:ext>
+            </a:extLst>
+          </p:cNvPr>
+          <p:cNvSpPr>
+            <a:spLocks noGrp="1"/>
+          </p:cNvSpPr>
+          <p:nvPr>
+            <p:ph type="title"/>
+          </p:nvPr>
+        </p:nvSpPr>
+        <p:spPr/>
+        <p:txBody>
+          <a:bodyPr/>
+          <a:lstStyle/>
+          <a:p>
+            <a:r>
+              <a:rPr lang="en-US" dirty="0"/>
+              <a:t>Distribution</a:t>
+            </a:r>
+          </a:p>
+        </p:txBody>
+      </p:sp>
+      <p:sp>
+        <p:nvSpPr>
+          <p:cNvPr id="3" name="Content Placeholder 2">
+            <a:extLst>
+              <a:ext uri="{FF2B5EF4-FFF2-40B4-BE49-F238E27FC236}">
+                <a16:creationId xmlns:a16="http://schemas.microsoft.com/office/drawing/2014/main" id="{AB6E5523-2AA7-4DAB-A776-906FD8941288}"/>
+              </a:ext>
+            </a:extLst>
+          </p:cNvPr>
+          <p:cNvSpPr>
+            <a:spLocks noGrp="1"/>
+          </p:cNvSpPr>
+          <p:nvPr>
+            <p:ph idx="1"/>
+          </p:nvPr>
+        </p:nvSpPr>
+        <p:spPr/>
+        <p:txBody>
+          <a:bodyPr/>
+          <a:lstStyle/>
+          <a:p>
+            <a:endParaRPr lang="en-US"/>
+          </a:p>
+        </p:txBody>
+      </p:sp>
+    </p:spTree>
+    <p:extLst>
+      <p:ext uri="{BB962C8B-B14F-4D97-AF65-F5344CB8AC3E}">
+        <p14:creationId xmlns:p14="http://schemas.microsoft.com/office/powerpoint/2010/main" val="2521945178"/>
+      </p:ext>
+    </p:extLst>
+  </p:cSld>
+  <p:clrMapOvr>
+    <a:masterClrMapping/>
+  </p:clrMapOvr>
+</p:sld>
+</file>
+
+<file path=ppt/slides/slide12.xml><?xml version="1.0" encoding="utf-8"?>
+<p:sld xmlns:a="http://schemas.openxmlformats.org/drawingml/2006/main" xmlns:r="http://schemas.openxmlformats.org/officeDocument/2006/relationships" xmlns:p="http://schemas.openxmlformats.org/presentationml/2006/main">
+  <p:cSld>
+    <p:spTree>
+      <p:nvGrpSpPr>
+        <p:cNvPr id="1" name=""/>
+        <p:cNvGrpSpPr/>
+        <p:nvPr/>
+      </p:nvGrpSpPr>
+      <p:grpSpPr>
+        <a:xfrm>
+          <a:off x="0" y="0"/>
+          <a:ext cx="0" cy="0"/>
+          <a:chOff x="0" y="0"/>
+          <a:chExt cx="0" cy="0"/>
+        </a:xfrm>
+      </p:grpSpPr>
+      <p:sp>
+        <p:nvSpPr>
+          <p:cNvPr id="2" name="Title 1">
+            <a:extLst>
+              <a:ext uri="{FF2B5EF4-FFF2-40B4-BE49-F238E27FC236}">
+                <a16:creationId xmlns:a16="http://schemas.microsoft.com/office/drawing/2014/main" id="{DC268D94-29CA-405C-82A4-E31CA7FA7A76}"/>
+              </a:ext>
+            </a:extLst>
+          </p:cNvPr>
+          <p:cNvSpPr>
+            <a:spLocks noGrp="1"/>
+          </p:cNvSpPr>
+          <p:nvPr>
+            <p:ph type="title"/>
+          </p:nvPr>
+        </p:nvSpPr>
+        <p:spPr/>
+        <p:txBody>
+          <a:bodyPr/>
+          <a:lstStyle/>
+          <a:p>
+            <a:r>
+              <a:rPr lang="en-US" dirty="0"/>
+              <a:t>Distribution</a:t>
+            </a:r>
+          </a:p>
+        </p:txBody>
+      </p:sp>
+      <p:sp>
+        <p:nvSpPr>
+          <p:cNvPr id="3" name="Content Placeholder 2">
+            <a:extLst>
+              <a:ext uri="{FF2B5EF4-FFF2-40B4-BE49-F238E27FC236}">
+                <a16:creationId xmlns:a16="http://schemas.microsoft.com/office/drawing/2014/main" id="{AB6E5523-2AA7-4DAB-A776-906FD8941288}"/>
+              </a:ext>
+            </a:extLst>
+          </p:cNvPr>
+          <p:cNvSpPr>
+            <a:spLocks noGrp="1"/>
+          </p:cNvSpPr>
+          <p:nvPr>
+            <p:ph idx="1"/>
+          </p:nvPr>
+        </p:nvSpPr>
+        <p:spPr/>
+        <p:txBody>
+          <a:bodyPr/>
+          <a:lstStyle/>
+          <a:p>
+            <a:endParaRPr lang="en-US"/>
+          </a:p>
+        </p:txBody>
+      </p:sp>
+    </p:spTree>
+    <p:extLst>
+      <p:ext uri="{BB962C8B-B14F-4D97-AF65-F5344CB8AC3E}">
+        <p14:creationId xmlns:p14="http://schemas.microsoft.com/office/powerpoint/2010/main" val="715533140"/>
+      </p:ext>
+    </p:extLst>
+  </p:cSld>
+  <p:clrMapOvr>
+    <a:masterClrMapping/>
+  </p:clrMapOvr>
+</p:sld>
+</file>
+
+<file path=ppt/slides/slide13.xml><?xml version="1.0" encoding="utf-8"?>
+<p:sld xmlns:a="http://schemas.openxmlformats.org/drawingml/2006/main" xmlns:r="http://schemas.openxmlformats.org/officeDocument/2006/relationships" xmlns:p="http://schemas.openxmlformats.org/presentationml/2006/main">
+  <p:cSld>
+    <p:spTree>
+      <p:nvGrpSpPr>
+        <p:cNvPr id="1" name=""/>
+        <p:cNvGrpSpPr/>
+        <p:nvPr/>
+      </p:nvGrpSpPr>
+      <p:grpSpPr>
+        <a:xfrm>
+          <a:off x="0" y="0"/>
+          <a:ext cx="0" cy="0"/>
+          <a:chOff x="0" y="0"/>
+          <a:chExt cx="0" cy="0"/>
+        </a:xfrm>
+      </p:grpSpPr>
+      <p:sp>
+        <p:nvSpPr>
+          <p:cNvPr id="2" name="Title 1">
+            <a:extLst>
+              <a:ext uri="{FF2B5EF4-FFF2-40B4-BE49-F238E27FC236}">
+                <a16:creationId xmlns:a16="http://schemas.microsoft.com/office/drawing/2014/main" id="{DC268D94-29CA-405C-82A4-E31CA7FA7A76}"/>
+              </a:ext>
+            </a:extLst>
+          </p:cNvPr>
+          <p:cNvSpPr>
+            <a:spLocks noGrp="1"/>
+          </p:cNvSpPr>
+          <p:nvPr>
+            <p:ph type="title"/>
+          </p:nvPr>
+        </p:nvSpPr>
+        <p:spPr/>
+        <p:txBody>
+          <a:bodyPr/>
+          <a:lstStyle/>
+          <a:p>
+            <a:r>
+              <a:rPr lang="en-US" dirty="0"/>
+              <a:t>Distribution</a:t>
+            </a:r>
+          </a:p>
+        </p:txBody>
+      </p:sp>
+      <p:sp>
+        <p:nvSpPr>
+          <p:cNvPr id="3" name="Content Placeholder 2">
+            <a:extLst>
+              <a:ext uri="{FF2B5EF4-FFF2-40B4-BE49-F238E27FC236}">
+                <a16:creationId xmlns:a16="http://schemas.microsoft.com/office/drawing/2014/main" id="{AB6E5523-2AA7-4DAB-A776-906FD8941288}"/>
+              </a:ext>
+            </a:extLst>
+          </p:cNvPr>
+          <p:cNvSpPr>
+            <a:spLocks noGrp="1"/>
+          </p:cNvSpPr>
+          <p:nvPr>
+            <p:ph idx="1"/>
+          </p:nvPr>
+        </p:nvSpPr>
+        <p:spPr/>
+        <p:txBody>
+          <a:bodyPr/>
+          <a:lstStyle/>
+          <a:p>
+            <a:endParaRPr lang="en-US"/>
+          </a:p>
+        </p:txBody>
+      </p:sp>
+    </p:spTree>
+    <p:extLst>
+      <p:ext uri="{BB962C8B-B14F-4D97-AF65-F5344CB8AC3E}">
+        <p14:creationId xmlns:p14="http://schemas.microsoft.com/office/powerpoint/2010/main" val="3067867300"/>
+      </p:ext>
+    </p:extLst>
+  </p:cSld>
+  <p:clrMapOvr>
+    <a:masterClrMapping/>
+  </p:clrMapOvr>
+</p:sld>
+</file>
+
+<file path=ppt/slides/slide14.xml><?xml version="1.0" encoding="utf-8"?>
+<p:sld xmlns:a="http://schemas.openxmlformats.org/drawingml/2006/main" xmlns:r="http://schemas.openxmlformats.org/officeDocument/2006/relationships" xmlns:p="http://schemas.openxmlformats.org/presentationml/2006/main">
+  <p:cSld>
+    <p:spTree>
+      <p:nvGrpSpPr>
+        <p:cNvPr id="1" name=""/>
+        <p:cNvGrpSpPr/>
+        <p:nvPr/>
+      </p:nvGrpSpPr>
+      <p:grpSpPr>
+        <a:xfrm>
+          <a:off x="0" y="0"/>
+          <a:ext cx="0" cy="0"/>
+          <a:chOff x="0" y="0"/>
+          <a:chExt cx="0" cy="0"/>
+        </a:xfrm>
+      </p:grpSpPr>
+      <p:sp>
+        <p:nvSpPr>
+          <p:cNvPr id="2" name="Title 1">
+            <a:extLst>
+              <a:ext uri="{FF2B5EF4-FFF2-40B4-BE49-F238E27FC236}">
+                <a16:creationId xmlns:a16="http://schemas.microsoft.com/office/drawing/2014/main" id="{DC268D94-29CA-405C-82A4-E31CA7FA7A76}"/>
+              </a:ext>
+            </a:extLst>
+          </p:cNvPr>
+          <p:cNvSpPr>
+            <a:spLocks noGrp="1"/>
+          </p:cNvSpPr>
+          <p:nvPr>
+            <p:ph type="title"/>
+          </p:nvPr>
+        </p:nvSpPr>
+        <p:spPr/>
+        <p:txBody>
+          <a:bodyPr/>
+          <a:lstStyle/>
+          <a:p>
+            <a:r>
+              <a:rPr lang="en-US" dirty="0"/>
+              <a:t>Distribution</a:t>
+            </a:r>
+          </a:p>
+        </p:txBody>
+      </p:sp>
+      <p:sp>
+        <p:nvSpPr>
+          <p:cNvPr id="3" name="Content Placeholder 2">
+            <a:extLst>
+              <a:ext uri="{FF2B5EF4-FFF2-40B4-BE49-F238E27FC236}">
+                <a16:creationId xmlns:a16="http://schemas.microsoft.com/office/drawing/2014/main" id="{AB6E5523-2AA7-4DAB-A776-906FD8941288}"/>
+              </a:ext>
+            </a:extLst>
+          </p:cNvPr>
+          <p:cNvSpPr>
+            <a:spLocks noGrp="1"/>
+          </p:cNvSpPr>
+          <p:nvPr>
+            <p:ph idx="1"/>
+          </p:nvPr>
+        </p:nvSpPr>
+        <p:spPr/>
+        <p:txBody>
+          <a:bodyPr/>
+          <a:lstStyle/>
+          <a:p>
+            <a:endParaRPr lang="en-US"/>
+          </a:p>
+        </p:txBody>
+      </p:sp>
+    </p:spTree>
+    <p:extLst>
+      <p:ext uri="{BB962C8B-B14F-4D97-AF65-F5344CB8AC3E}">
+        <p14:creationId xmlns:p14="http://schemas.microsoft.com/office/powerpoint/2010/main" val="930529094"/>
+      </p:ext>
+    </p:extLst>
+  </p:cSld>
+  <p:clrMapOvr>
+    <a:masterClrMapping/>
+  </p:clrMapOvr>
+</p:sld>
+</file>
+
+<file path=ppt/slides/slide15.xml><?xml version="1.0" encoding="utf-8"?>
+<p:sld xmlns:a="http://schemas.openxmlformats.org/drawingml/2006/main" xmlns:r="http://schemas.openxmlformats.org/officeDocument/2006/relationships" xmlns:p="http://schemas.openxmlformats.org/presentationml/2006/main">
+  <p:cSld>
+    <p:spTree>
+      <p:nvGrpSpPr>
+        <p:cNvPr id="1" name=""/>
+        <p:cNvGrpSpPr/>
+        <p:nvPr/>
+      </p:nvGrpSpPr>
+      <p:grpSpPr>
+        <a:xfrm>
+          <a:off x="0" y="0"/>
+          <a:ext cx="0" cy="0"/>
+          <a:chOff x="0" y="0"/>
+          <a:chExt cx="0" cy="0"/>
+        </a:xfrm>
+      </p:grpSpPr>
+      <p:sp>
+        <p:nvSpPr>
+          <p:cNvPr id="2" name="Title 1">
+            <a:extLst>
+              <a:ext uri="{FF2B5EF4-FFF2-40B4-BE49-F238E27FC236}">
+                <a16:creationId xmlns:a16="http://schemas.microsoft.com/office/drawing/2014/main" id="{99E701A6-9CB5-405E-99F1-FB14D4A61A7F}"/>
+              </a:ext>
+            </a:extLst>
+          </p:cNvPr>
+          <p:cNvSpPr>
+            <a:spLocks noGrp="1"/>
+          </p:cNvSpPr>
+          <p:nvPr>
+            <p:ph type="title"/>
+          </p:nvPr>
+        </p:nvSpPr>
+        <p:spPr/>
+        <p:txBody>
+          <a:bodyPr/>
+          <a:lstStyle/>
+          <a:p>
+            <a:r>
+              <a:rPr lang="en-US" dirty="0"/>
+              <a:t>Consistency</a:t>
+            </a:r>
+          </a:p>
+        </p:txBody>
+      </p:sp>
+      <p:pic>
+        <p:nvPicPr>
+          <p:cNvPr id="1026" name="Picture 2">
+            <a:extLst>
+              <a:ext uri="{FF2B5EF4-FFF2-40B4-BE49-F238E27FC236}">
+                <a16:creationId xmlns:a16="http://schemas.microsoft.com/office/drawing/2014/main" id="{5B4F6083-3FD1-416E-B4A0-2C80F34041F9}"/>
+              </a:ext>
+            </a:extLst>
+          </p:cNvPr>
+          <p:cNvPicPr>
+            <a:picLocks noChangeAspect="1" noChangeArrowheads="1"/>
+          </p:cNvPicPr>
+          <p:nvPr/>
+        </p:nvPicPr>
+        <p:blipFill>
+          <a:blip r:embed="rId3">
+            <a:extLst>
+              <a:ext uri="{28A0092B-C50C-407E-A947-70E740481C1C}">
+                <a14:useLocalDpi xmlns:a14="http://schemas.microsoft.com/office/drawing/2010/main" val="0"/>
+              </a:ext>
+            </a:extLst>
+          </a:blip>
+          <a:srcRect/>
+          <a:stretch>
+            <a:fillRect/>
+          </a:stretch>
+        </p:blipFill>
+        <p:spPr bwMode="auto">
+          <a:xfrm>
+            <a:off x="2408237" y="1690688"/>
+            <a:ext cx="7375525" cy="4917017"/>
+          </a:xfrm>
+          <a:prstGeom prst="rect">
+            <a:avLst/>
+          </a:prstGeom>
+          <a:noFill/>
+          <a:extLst>
+            <a:ext uri="{909E8E84-426E-40DD-AFC4-6F175D3DCCD1}">
+              <a14:hiddenFill xmlns:a14="http://schemas.microsoft.com/office/drawing/2010/main">
+                <a:solidFill>
+                  <a:srgbClr val="FFFFFF"/>
+                </a:solidFill>
+              </a14:hiddenFill>
+            </a:ext>
+          </a:extLst>
+        </p:spPr>
+      </p:pic>
+    </p:spTree>
+    <p:extLst>
+      <p:ext uri="{BB962C8B-B14F-4D97-AF65-F5344CB8AC3E}">
+        <p14:creationId xmlns:p14="http://schemas.microsoft.com/office/powerpoint/2010/main" val="3069381963"/>
+      </p:ext>
+    </p:extLst>
+  </p:cSld>
+  <p:clrMapOvr>
+    <a:masterClrMapping/>
+  </p:clrMapOvr>
+</p:sld>
+</file>
+
+<file path=ppt/slides/slide16.xml><?xml version="1.0" encoding="utf-8"?>
+<p:sld xmlns:a="http://schemas.openxmlformats.org/drawingml/2006/main" xmlns:r="http://schemas.openxmlformats.org/officeDocument/2006/relationships" xmlns:p="http://schemas.openxmlformats.org/presentationml/2006/main">
+  <p:cSld>
+    <p:spTree>
+      <p:nvGrpSpPr>
+        <p:cNvPr id="1" name=""/>
+        <p:cNvGrpSpPr/>
+        <p:nvPr/>
+      </p:nvGrpSpPr>
+      <p:grpSpPr>
+        <a:xfrm>
+          <a:off x="0" y="0"/>
+          <a:ext cx="0" cy="0"/>
+          <a:chOff x="0" y="0"/>
+          <a:chExt cx="0" cy="0"/>
+        </a:xfrm>
+      </p:grpSpPr>
+      <p:sp>
+        <p:nvSpPr>
+          <p:cNvPr id="2" name="Title 1">
+            <a:extLst>
+              <a:ext uri="{FF2B5EF4-FFF2-40B4-BE49-F238E27FC236}">
+                <a16:creationId xmlns:a16="http://schemas.microsoft.com/office/drawing/2014/main" id="{99E701A6-9CB5-405E-99F1-FB14D4A61A7F}"/>
+              </a:ext>
+            </a:extLst>
+          </p:cNvPr>
+          <p:cNvSpPr>
+            <a:spLocks noGrp="1"/>
+          </p:cNvSpPr>
+          <p:nvPr>
+            <p:ph type="title"/>
+          </p:nvPr>
+        </p:nvSpPr>
+        <p:spPr/>
+        <p:txBody>
+          <a:bodyPr/>
+          <a:lstStyle/>
+          <a:p>
+            <a:r>
+              <a:rPr lang="en-US" dirty="0"/>
+              <a:t>Consistency</a:t>
+            </a:r>
+          </a:p>
+        </p:txBody>
+      </p:sp>
+    </p:spTree>
+    <p:extLst>
+      <p:ext uri="{BB962C8B-B14F-4D97-AF65-F5344CB8AC3E}">
+        <p14:creationId xmlns:p14="http://schemas.microsoft.com/office/powerpoint/2010/main" val="2365721645"/>
+      </p:ext>
+    </p:extLst>
+  </p:cSld>
+  <p:clrMapOvr>
+    <a:masterClrMapping/>
+  </p:clrMapOvr>
+</p:sld>
+</file>
+
+<file path=ppt/slides/slide17.xml><?xml version="1.0" encoding="utf-8"?>
+<p:sld xmlns:a="http://schemas.openxmlformats.org/drawingml/2006/main" xmlns:r="http://schemas.openxmlformats.org/officeDocument/2006/relationships" xmlns:p="http://schemas.openxmlformats.org/presentationml/2006/main">
+  <p:cSld>
+    <p:spTree>
+      <p:nvGrpSpPr>
+        <p:cNvPr id="1" name=""/>
+        <p:cNvGrpSpPr/>
+        <p:nvPr/>
+      </p:nvGrpSpPr>
+      <p:grpSpPr>
+        <a:xfrm>
+          <a:off x="0" y="0"/>
+          <a:ext cx="0" cy="0"/>
+          <a:chOff x="0" y="0"/>
+          <a:chExt cx="0" cy="0"/>
+        </a:xfrm>
+      </p:grpSpPr>
+      <p:sp>
+        <p:nvSpPr>
+          <p:cNvPr id="2" name="Title 1">
+            <a:extLst>
+              <a:ext uri="{FF2B5EF4-FFF2-40B4-BE49-F238E27FC236}">
+                <a16:creationId xmlns:a16="http://schemas.microsoft.com/office/drawing/2014/main" id="{99E701A6-9CB5-405E-99F1-FB14D4A61A7F}"/>
+              </a:ext>
+            </a:extLst>
+          </p:cNvPr>
+          <p:cNvSpPr>
+            <a:spLocks noGrp="1"/>
+          </p:cNvSpPr>
+          <p:nvPr>
+            <p:ph type="title"/>
+          </p:nvPr>
+        </p:nvSpPr>
+        <p:spPr/>
+        <p:txBody>
+          <a:bodyPr/>
+          <a:lstStyle/>
+          <a:p>
+            <a:r>
+              <a:rPr lang="en-US" dirty="0"/>
+              <a:t>Consistency</a:t>
+            </a:r>
+          </a:p>
+        </p:txBody>
+      </p:sp>
+    </p:spTree>
+    <p:extLst>
+      <p:ext uri="{BB962C8B-B14F-4D97-AF65-F5344CB8AC3E}">
+        <p14:creationId xmlns:p14="http://schemas.microsoft.com/office/powerpoint/2010/main" val="1000718808"/>
+      </p:ext>
+    </p:extLst>
+  </p:cSld>
+  <p:clrMapOvr>
+    <a:masterClrMapping/>
+  </p:clrMapOvr>
+</p:sld>
+</file>
+
+<file path=ppt/slides/slide18.xml><?xml version="1.0" encoding="utf-8"?>
+<p:sld xmlns:a="http://schemas.openxmlformats.org/drawingml/2006/main" xmlns:r="http://schemas.openxmlformats.org/officeDocument/2006/relationships" xmlns:p="http://schemas.openxmlformats.org/presentationml/2006/main">
+  <p:cSld>
+    <p:spTree>
+      <p:nvGrpSpPr>
+        <p:cNvPr id="1" name=""/>
+        <p:cNvGrpSpPr/>
+        <p:nvPr/>
+      </p:nvGrpSpPr>
+      <p:grpSpPr>
+        <a:xfrm>
+          <a:off x="0" y="0"/>
+          <a:ext cx="0" cy="0"/>
+          <a:chOff x="0" y="0"/>
+          <a:chExt cx="0" cy="0"/>
+        </a:xfrm>
+      </p:grpSpPr>
+      <p:sp>
+        <p:nvSpPr>
+          <p:cNvPr id="2" name="Title 1">
+            <a:extLst>
+              <a:ext uri="{FF2B5EF4-FFF2-40B4-BE49-F238E27FC236}">
+                <a16:creationId xmlns:a16="http://schemas.microsoft.com/office/drawing/2014/main" id="{99E701A6-9CB5-405E-99F1-FB14D4A61A7F}"/>
+              </a:ext>
+            </a:extLst>
+          </p:cNvPr>
+          <p:cNvSpPr>
+            <a:spLocks noGrp="1"/>
+          </p:cNvSpPr>
+          <p:nvPr>
+            <p:ph type="title"/>
+          </p:nvPr>
+        </p:nvSpPr>
+        <p:spPr/>
+        <p:txBody>
+          <a:bodyPr/>
+          <a:lstStyle/>
+          <a:p>
+            <a:r>
+              <a:rPr lang="en-US" dirty="0"/>
+              <a:t>Consistency</a:t>
+            </a:r>
+          </a:p>
+        </p:txBody>
+      </p:sp>
+    </p:spTree>
+    <p:extLst>
+      <p:ext uri="{BB962C8B-B14F-4D97-AF65-F5344CB8AC3E}">
+        <p14:creationId xmlns:p14="http://schemas.microsoft.com/office/powerpoint/2010/main" val="2737353805"/>
+      </p:ext>
+    </p:extLst>
+  </p:cSld>
+  <p:clrMapOvr>
+    <a:masterClrMapping/>
+  </p:clrMapOvr>
+</p:sld>
+</file>
+
+<file path=ppt/slides/slide19.xml><?xml version="1.0" encoding="utf-8"?>
+<p:sld xmlns:a="http://schemas.openxmlformats.org/drawingml/2006/main" xmlns:r="http://schemas.openxmlformats.org/officeDocument/2006/relationships" xmlns:p="http://schemas.openxmlformats.org/presentationml/2006/main">
+  <p:cSld>
+    <p:spTree>
+      <p:nvGrpSpPr>
+        <p:cNvPr id="1" name=""/>
+        <p:cNvGrpSpPr/>
+        <p:nvPr/>
+      </p:nvGrpSpPr>
+      <p:grpSpPr>
+        <a:xfrm>
+          <a:off x="0" y="0"/>
+          <a:ext cx="0" cy="0"/>
+          <a:chOff x="0" y="0"/>
+          <a:chExt cx="0" cy="0"/>
+        </a:xfrm>
+      </p:grpSpPr>
+      <p:sp>
+        <p:nvSpPr>
+          <p:cNvPr id="2" name="Title 1">
+            <a:extLst>
+              <a:ext uri="{FF2B5EF4-FFF2-40B4-BE49-F238E27FC236}">
+                <a16:creationId xmlns:a16="http://schemas.microsoft.com/office/drawing/2014/main" id="{99E701A6-9CB5-405E-99F1-FB14D4A61A7F}"/>
+              </a:ext>
+            </a:extLst>
+          </p:cNvPr>
+          <p:cNvSpPr>
+            <a:spLocks noGrp="1"/>
+          </p:cNvSpPr>
+          <p:nvPr>
+            <p:ph type="title"/>
+          </p:nvPr>
+        </p:nvSpPr>
+        <p:spPr/>
+        <p:txBody>
+          <a:bodyPr/>
+          <a:lstStyle/>
+          <a:p>
+            <a:r>
+              <a:rPr lang="en-US" dirty="0"/>
+              <a:t>Consistency</a:t>
+            </a:r>
+          </a:p>
+        </p:txBody>
+      </p:sp>
+    </p:spTree>
+    <p:extLst>
+      <p:ext uri="{BB962C8B-B14F-4D97-AF65-F5344CB8AC3E}">
+        <p14:creationId xmlns:p14="http://schemas.microsoft.com/office/powerpoint/2010/main" val="2227865231"/>
+      </p:ext>
+    </p:extLst>
+  </p:cSld>
+  <p:clrMapOvr>
+    <a:masterClrMapping/>
+  </p:clrMapOvr>
+</p:sld>
+</file>
+
 <file path=ppt/slides/slide2.xml><?xml version="1.0" encoding="utf-8"?>
 <p:sld xmlns:a="http://schemas.openxmlformats.org/drawingml/2006/main" xmlns:r="http://schemas.openxmlformats.org/officeDocument/2006/relationships" xmlns:p="http://schemas.openxmlformats.org/presentationml/2006/main">
   <p:cSld>
@@ -3660,7 +6426,7 @@
           <a:p>
             <a:r>
               <a:rPr lang="en-US" dirty="0"/>
-              <a:t>Demo and Discussions</a:t>
+              <a:t>Demo/Discussions</a:t>
             </a:r>
           </a:p>
         </p:txBody>
@@ -3811,7 +6577,7 @@
           <p:cNvPr id="2" name="Title 1">
             <a:extLst>
               <a:ext uri="{FF2B5EF4-FFF2-40B4-BE49-F238E27FC236}">
-                <a16:creationId xmlns:a16="http://schemas.microsoft.com/office/drawing/2014/main" id="{DC268D94-29CA-405C-82A4-E31CA7FA7A76}"/>
+                <a16:creationId xmlns:a16="http://schemas.microsoft.com/office/drawing/2014/main" id="{E9F8B391-AB0F-4381-9068-F18D6873D455}"/>
               </a:ext>
             </a:extLst>
           </p:cNvPr>
@@ -3829,7 +6595,7 @@
           <a:p>
             <a:r>
               <a:rPr lang="en-US" dirty="0"/>
-              <a:t>Distribution</a:t>
+              <a:t>Caching</a:t>
             </a:r>
           </a:p>
         </p:txBody>
@@ -3839,7 +6605,7 @@
           <p:cNvPr id="3" name="Content Placeholder 2">
             <a:extLst>
               <a:ext uri="{FF2B5EF4-FFF2-40B4-BE49-F238E27FC236}">
-                <a16:creationId xmlns:a16="http://schemas.microsoft.com/office/drawing/2014/main" id="{AB6E5523-2AA7-4DAB-A776-906FD8941288}"/>
+                <a16:creationId xmlns:a16="http://schemas.microsoft.com/office/drawing/2014/main" id="{B0B5DF01-9A4A-4415-B7F2-70F3939DB4E1}"/>
               </a:ext>
             </a:extLst>
           </p:cNvPr>
@@ -3862,7 +6628,7 @@
     </p:spTree>
     <p:extLst>
       <p:ext uri="{BB962C8B-B14F-4D97-AF65-F5344CB8AC3E}">
-        <p14:creationId xmlns:p14="http://schemas.microsoft.com/office/powerpoint/2010/main" val="2521945178"/>
+        <p14:creationId xmlns:p14="http://schemas.microsoft.com/office/powerpoint/2010/main" val="1652664455"/>
       </p:ext>
     </p:extLst>
   </p:cSld>
@@ -3894,7 +6660,7 @@
           <p:cNvPr id="2" name="Title 1">
             <a:extLst>
               <a:ext uri="{FF2B5EF4-FFF2-40B4-BE49-F238E27FC236}">
-                <a16:creationId xmlns:a16="http://schemas.microsoft.com/office/drawing/2014/main" id="{99E701A6-9CB5-405E-99F1-FB14D4A61A7F}"/>
+                <a16:creationId xmlns:a16="http://schemas.microsoft.com/office/drawing/2014/main" id="{E9F8B391-AB0F-4381-9068-F18D6873D455}"/>
               </a:ext>
             </a:extLst>
           </p:cNvPr>
@@ -3912,15 +6678,123 @@
           <a:p>
             <a:r>
               <a:rPr lang="en-US" dirty="0"/>
-              <a:t>Consistency</a:t>
-            </a:r>
+              <a:t>Caching</a:t>
+            </a:r>
+          </a:p>
+        </p:txBody>
+      </p:sp>
+      <p:sp>
+        <p:nvSpPr>
+          <p:cNvPr id="3" name="Content Placeholder 2">
+            <a:extLst>
+              <a:ext uri="{FF2B5EF4-FFF2-40B4-BE49-F238E27FC236}">
+                <a16:creationId xmlns:a16="http://schemas.microsoft.com/office/drawing/2014/main" id="{B0B5DF01-9A4A-4415-B7F2-70F3939DB4E1}"/>
+              </a:ext>
+            </a:extLst>
+          </p:cNvPr>
+          <p:cNvSpPr>
+            <a:spLocks noGrp="1"/>
+          </p:cNvSpPr>
+          <p:nvPr>
+            <p:ph idx="1"/>
+          </p:nvPr>
+        </p:nvSpPr>
+        <p:spPr/>
+        <p:txBody>
+          <a:bodyPr/>
+          <a:lstStyle/>
+          <a:p>
+            <a:endParaRPr lang="en-US"/>
           </a:p>
         </p:txBody>
       </p:sp>
     </p:spTree>
     <p:extLst>
       <p:ext uri="{BB962C8B-B14F-4D97-AF65-F5344CB8AC3E}">
-        <p14:creationId xmlns:p14="http://schemas.microsoft.com/office/powerpoint/2010/main" val="3069381963"/>
+        <p14:creationId xmlns:p14="http://schemas.microsoft.com/office/powerpoint/2010/main" val="2403625915"/>
+      </p:ext>
+    </p:extLst>
+  </p:cSld>
+  <p:clrMapOvr>
+    <a:masterClrMapping/>
+  </p:clrMapOvr>
+</p:sld>
+</file>
+
+<file path=ppt/slides/slide9.xml><?xml version="1.0" encoding="utf-8"?>
+<p:sld xmlns:a="http://schemas.openxmlformats.org/drawingml/2006/main" xmlns:r="http://schemas.openxmlformats.org/officeDocument/2006/relationships" xmlns:p="http://schemas.openxmlformats.org/presentationml/2006/main">
+  <p:cSld>
+    <p:spTree>
+      <p:nvGrpSpPr>
+        <p:cNvPr id="1" name=""/>
+        <p:cNvGrpSpPr/>
+        <p:nvPr/>
+      </p:nvGrpSpPr>
+      <p:grpSpPr>
+        <a:xfrm>
+          <a:off x="0" y="0"/>
+          <a:ext cx="0" cy="0"/>
+          <a:chOff x="0" y="0"/>
+          <a:chExt cx="0" cy="0"/>
+        </a:xfrm>
+      </p:grpSpPr>
+      <p:sp>
+        <p:nvSpPr>
+          <p:cNvPr id="2" name="Title 1">
+            <a:extLst>
+              <a:ext uri="{FF2B5EF4-FFF2-40B4-BE49-F238E27FC236}">
+                <a16:creationId xmlns:a16="http://schemas.microsoft.com/office/drawing/2014/main" id="{E9F8B391-AB0F-4381-9068-F18D6873D455}"/>
+              </a:ext>
+            </a:extLst>
+          </p:cNvPr>
+          <p:cNvSpPr>
+            <a:spLocks noGrp="1"/>
+          </p:cNvSpPr>
+          <p:nvPr>
+            <p:ph type="title"/>
+          </p:nvPr>
+        </p:nvSpPr>
+        <p:spPr/>
+        <p:txBody>
+          <a:bodyPr/>
+          <a:lstStyle/>
+          <a:p>
+            <a:r>
+              <a:rPr lang="en-US" dirty="0"/>
+              <a:t>Caching</a:t>
+            </a:r>
+          </a:p>
+        </p:txBody>
+      </p:sp>
+      <p:sp>
+        <p:nvSpPr>
+          <p:cNvPr id="3" name="Content Placeholder 2">
+            <a:extLst>
+              <a:ext uri="{FF2B5EF4-FFF2-40B4-BE49-F238E27FC236}">
+                <a16:creationId xmlns:a16="http://schemas.microsoft.com/office/drawing/2014/main" id="{B0B5DF01-9A4A-4415-B7F2-70F3939DB4E1}"/>
+              </a:ext>
+            </a:extLst>
+          </p:cNvPr>
+          <p:cNvSpPr>
+            <a:spLocks noGrp="1"/>
+          </p:cNvSpPr>
+          <p:nvPr>
+            <p:ph idx="1"/>
+          </p:nvPr>
+        </p:nvSpPr>
+        <p:spPr/>
+        <p:txBody>
+          <a:bodyPr/>
+          <a:lstStyle/>
+          <a:p>
+            <a:endParaRPr lang="en-US"/>
+          </a:p>
+        </p:txBody>
+      </p:sp>
+    </p:spTree>
+    <p:extLst>
+      <p:ext uri="{BB962C8B-B14F-4D97-AF65-F5344CB8AC3E}">
+        <p14:creationId xmlns:p14="http://schemas.microsoft.com/office/powerpoint/2010/main" val="1939781846"/>
       </p:ext>
     </p:extLst>
   </p:cSld>
@@ -4223,4 +7097,299 @@
     </a:ext>
   </a:extLst>
 </a:theme>
+</file>
+
+<file path=ppt/theme/theme2.xml><?xml version="1.0" encoding="utf-8"?>
+<a:theme xmlns:a="http://schemas.openxmlformats.org/drawingml/2006/main" name="Office Theme">
+  <a:themeElements>
+    <a:clrScheme name="Office">
+      <a:dk1>
+        <a:sysClr val="windowText" lastClr="000000"/>
+      </a:dk1>
+      <a:lt1>
+        <a:sysClr val="window" lastClr="FFFFFF"/>
+      </a:lt1>
+      <a:dk2>
+        <a:srgbClr val="44546A"/>
+      </a:dk2>
+      <a:lt2>
+        <a:srgbClr val="E7E6E6"/>
+      </a:lt2>
+      <a:accent1>
+        <a:srgbClr val="4472C4"/>
+      </a:accent1>
+      <a:accent2>
+        <a:srgbClr val="ED7D31"/>
+      </a:accent2>
+      <a:accent3>
+        <a:srgbClr val="A5A5A5"/>
+      </a:accent3>
+      <a:accent4>
+        <a:srgbClr val="FFC000"/>
+      </a:accent4>
+      <a:accent5>
+        <a:srgbClr val="5B9BD5"/>
+      </a:accent5>
+      <a:accent6>
+        <a:srgbClr val="70AD47"/>
+      </a:accent6>
+      <a:hlink>
+        <a:srgbClr val="0563C1"/>
+      </a:hlink>
+      <a:folHlink>
+        <a:srgbClr val="954F72"/>
+      </a:folHlink>
+    </a:clrScheme>
+    <a:fontScheme name="Office">
+      <a:majorFont>
+        <a:latin typeface="Calibri Light" panose="020F0302020204030204"/>
+        <a:ea typeface=""/>
+        <a:cs typeface=""/>
+        <a:font script="Jpan" typeface="游ゴシック Light"/>
+        <a:font script="Hang" typeface="맑은 고딕"/>
+        <a:font script="Hans" typeface="等线 Light"/>
+        <a:font script="Hant" typeface="新細明體"/>
+        <a:font script="Arab" typeface="Times New Roman"/>
+        <a:font script="Hebr" typeface="Times New Roman"/>
+        <a:font script="Thai" typeface="Angsana New"/>
+        <a:font script="Ethi" typeface="Nyala"/>
+        <a:font script="Beng" typeface="Vrinda"/>
+        <a:font script="Gujr" typeface="Shruti"/>
+        <a:font script="Khmr" typeface="MoolBoran"/>
+        <a:font script="Knda" typeface="Tunga"/>
+        <a:font script="Guru" typeface="Raavi"/>
+        <a:font script="Cans" typeface="Euphemia"/>
+        <a:font script="Cher" typeface="Plantagenet Cherokee"/>
+        <a:font script="Yiii" typeface="Microsoft Yi Baiti"/>
+        <a:font script="Tibt" typeface="Microsoft Himalaya"/>
+        <a:font script="Thaa" typeface="MV Boli"/>
+        <a:font script="Deva" typeface="Mangal"/>
+        <a:font script="Telu" typeface="Gautami"/>
+        <a:font script="Taml" typeface="Latha"/>
+        <a:font script="Syrc" typeface="Estrangelo Edessa"/>
+        <a:font script="Orya" typeface="Kalinga"/>
+        <a:font script="Mlym" typeface="Kartika"/>
+        <a:font script="Laoo" typeface="DokChampa"/>
+        <a:font script="Sinh" typeface="Iskoola Pota"/>
+        <a:font script="Mong" typeface="Mongolian Baiti"/>
+        <a:font script="Viet" typeface="Times New Roman"/>
+        <a:font script="Uigh" typeface="Microsoft Uighur"/>
+        <a:font script="Geor" typeface="Sylfaen"/>
+        <a:font script="Armn" typeface="Arial"/>
+        <a:font script="Bugi" typeface="Leelawadee UI"/>
+        <a:font script="Bopo" typeface="Microsoft JhengHei"/>
+        <a:font script="Java" typeface="Javanese Text"/>
+        <a:font script="Lisu" typeface="Segoe UI"/>
+        <a:font script="Mymr" typeface="Myanmar Text"/>
+        <a:font script="Nkoo" typeface="Ebrima"/>
+        <a:font script="Olck" typeface="Nirmala UI"/>
+        <a:font script="Osma" typeface="Ebrima"/>
+        <a:font script="Phag" typeface="Phagspa"/>
+        <a:font script="Syrn" typeface="Estrangelo Edessa"/>
+        <a:font script="Syrj" typeface="Estrangelo Edessa"/>
+        <a:font script="Syre" typeface="Estrangelo Edessa"/>
+        <a:font script="Sora" typeface="Nirmala UI"/>
+        <a:font script="Tale" typeface="Microsoft Tai Le"/>
+        <a:font script="Talu" typeface="Microsoft New Tai Lue"/>
+        <a:font script="Tfng" typeface="Ebrima"/>
+      </a:majorFont>
+      <a:minorFont>
+        <a:latin typeface="Calibri" panose="020F0502020204030204"/>
+        <a:ea typeface=""/>
+        <a:cs typeface=""/>
+        <a:font script="Jpan" typeface="游ゴシック"/>
+        <a:font script="Hang" typeface="맑은 고딕"/>
+        <a:font script="Hans" typeface="等线"/>
+        <a:font script="Hant" typeface="新細明體"/>
+        <a:font script="Arab" typeface="Arial"/>
+        <a:font script="Hebr" typeface="Arial"/>
+        <a:font script="Thai" typeface="Cordia New"/>
+        <a:font script="Ethi" typeface="Nyala"/>
+        <a:font script="Beng" typeface="Vrinda"/>
+        <a:font script="Gujr" typeface="Shruti"/>
+        <a:font script="Khmr" typeface="DaunPenh"/>
+        <a:font script="Knda" typeface="Tunga"/>
+        <a:font script="Guru" typeface="Raavi"/>
+        <a:font script="Cans" typeface="Euphemia"/>
+        <a:font script="Cher" typeface="Plantagenet Cherokee"/>
+        <a:font script="Yiii" typeface="Microsoft Yi Baiti"/>
+        <a:font script="Tibt" typeface="Microsoft Himalaya"/>
+        <a:font script="Thaa" typeface="MV Boli"/>
+        <a:font script="Deva" typeface="Mangal"/>
+        <a:font script="Telu" typeface="Gautami"/>
+        <a:font script="Taml" typeface="Latha"/>
+        <a:font script="Syrc" typeface="Estrangelo Edessa"/>
+        <a:font script="Orya" typeface="Kalinga"/>
+        <a:font script="Mlym" typeface="Kartika"/>
+        <a:font script="Laoo" typeface="DokChampa"/>
+        <a:font script="Sinh" typeface="Iskoola Pota"/>
+        <a:font script="Mong" typeface="Mongolian Baiti"/>
+        <a:font script="Viet" typeface="Arial"/>
+        <a:font script="Uigh" typeface="Microsoft Uighur"/>
+        <a:font script="Geor" typeface="Sylfaen"/>
+        <a:font script="Armn" typeface="Arial"/>
+        <a:font script="Bugi" typeface="Leelawadee UI"/>
+        <a:font script="Bopo" typeface="Microsoft JhengHei"/>
+        <a:font script="Java" typeface="Javanese Text"/>
+        <a:font script="Lisu" typeface="Segoe UI"/>
+        <a:font script="Mymr" typeface="Myanmar Text"/>
+        <a:font script="Nkoo" typeface="Ebrima"/>
+        <a:font script="Olck" typeface="Nirmala UI"/>
+        <a:font script="Osma" typeface="Ebrima"/>
+        <a:font script="Phag" typeface="Phagspa"/>
+        <a:font script="Syrn" typeface="Estrangelo Edessa"/>
+        <a:font script="Syrj" typeface="Estrangelo Edessa"/>
+        <a:font script="Syre" typeface="Estrangelo Edessa"/>
+        <a:font script="Sora" typeface="Nirmala UI"/>
+        <a:font script="Tale" typeface="Microsoft Tai Le"/>
+        <a:font script="Talu" typeface="Microsoft New Tai Lue"/>
+        <a:font script="Tfng" typeface="Ebrima"/>
+      </a:minorFont>
+    </a:fontScheme>
+    <a:fmtScheme name="Office">
+      <a:fillStyleLst>
+        <a:solidFill>
+          <a:schemeClr val="phClr"/>
+        </a:solidFill>
+        <a:gradFill rotWithShape="1">
+          <a:gsLst>
+            <a:gs pos="0">
+              <a:schemeClr val="phClr">
+                <a:lumMod val="110000"/>
+                <a:satMod val="105000"/>
+                <a:tint val="67000"/>
+              </a:schemeClr>
+            </a:gs>
+            <a:gs pos="50000">
+              <a:schemeClr val="phClr">
+                <a:lumMod val="105000"/>
+                <a:satMod val="103000"/>
+                <a:tint val="73000"/>
+              </a:schemeClr>
+            </a:gs>
+            <a:gs pos="100000">
+              <a:schemeClr val="phClr">
+                <a:lumMod val="105000"/>
+                <a:satMod val="109000"/>
+                <a:tint val="81000"/>
+              </a:schemeClr>
+            </a:gs>
+          </a:gsLst>
+          <a:lin ang="5400000" scaled="0"/>
+        </a:gradFill>
+        <a:gradFill rotWithShape="1">
+          <a:gsLst>
+            <a:gs pos="0">
+              <a:schemeClr val="phClr">
+                <a:satMod val="103000"/>
+                <a:lumMod val="102000"/>
+                <a:tint val="94000"/>
+              </a:schemeClr>
+            </a:gs>
+            <a:gs pos="50000">
+              <a:schemeClr val="phClr">
+                <a:satMod val="110000"/>
+                <a:lumMod val="100000"/>
+                <a:shade val="100000"/>
+              </a:schemeClr>
+            </a:gs>
+            <a:gs pos="100000">
+              <a:schemeClr val="phClr">
+                <a:lumMod val="99000"/>
+                <a:satMod val="120000"/>
+                <a:shade val="78000"/>
+              </a:schemeClr>
+            </a:gs>
+          </a:gsLst>
+          <a:lin ang="5400000" scaled="0"/>
+        </a:gradFill>
+      </a:fillStyleLst>
+      <a:lnStyleLst>
+        <a:ln w="6350" cap="flat" cmpd="sng" algn="ctr">
+          <a:solidFill>
+            <a:schemeClr val="phClr"/>
+          </a:solidFill>
+          <a:prstDash val="solid"/>
+          <a:miter lim="800000"/>
+        </a:ln>
+        <a:ln w="12700" cap="flat" cmpd="sng" algn="ctr">
+          <a:solidFill>
+            <a:schemeClr val="phClr"/>
+          </a:solidFill>
+          <a:prstDash val="solid"/>
+          <a:miter lim="800000"/>
+        </a:ln>
+        <a:ln w="19050" cap="flat" cmpd="sng" algn="ctr">
+          <a:solidFill>
+            <a:schemeClr val="phClr"/>
+          </a:solidFill>
+          <a:prstDash val="solid"/>
+          <a:miter lim="800000"/>
+        </a:ln>
+      </a:lnStyleLst>
+      <a:effectStyleLst>
+        <a:effectStyle>
+          <a:effectLst/>
+        </a:effectStyle>
+        <a:effectStyle>
+          <a:effectLst/>
+        </a:effectStyle>
+        <a:effectStyle>
+          <a:effectLst>
+            <a:outerShdw blurRad="57150" dist="19050" dir="5400000" algn="ctr" rotWithShape="0">
+              <a:srgbClr val="000000">
+                <a:alpha val="63000"/>
+              </a:srgbClr>
+            </a:outerShdw>
+          </a:effectLst>
+        </a:effectStyle>
+      </a:effectStyleLst>
+      <a:bgFillStyleLst>
+        <a:solidFill>
+          <a:schemeClr val="phClr"/>
+        </a:solidFill>
+        <a:solidFill>
+          <a:schemeClr val="phClr">
+            <a:tint val="95000"/>
+            <a:satMod val="170000"/>
+          </a:schemeClr>
+        </a:solidFill>
+        <a:gradFill rotWithShape="1">
+          <a:gsLst>
+            <a:gs pos="0">
+              <a:schemeClr val="phClr">
+                <a:tint val="93000"/>
+                <a:satMod val="150000"/>
+                <a:shade val="98000"/>
+                <a:lumMod val="102000"/>
+              </a:schemeClr>
+            </a:gs>
+            <a:gs pos="50000">
+              <a:schemeClr val="phClr">
+                <a:tint val="98000"/>
+                <a:satMod val="130000"/>
+                <a:shade val="90000"/>
+                <a:lumMod val="103000"/>
+              </a:schemeClr>
+            </a:gs>
+            <a:gs pos="100000">
+              <a:schemeClr val="phClr">
+                <a:shade val="63000"/>
+                <a:satMod val="120000"/>
+              </a:schemeClr>
+            </a:gs>
+          </a:gsLst>
+          <a:lin ang="5400000" scaled="0"/>
+        </a:gradFill>
+      </a:bgFillStyleLst>
+    </a:fmtScheme>
+  </a:themeElements>
+  <a:objectDefaults/>
+  <a:extraClrSchemeLst/>
+  <a:extLst>
+    <a:ext uri="{05A4C25C-085E-4340-85A3-A5531E510DB2}">
+      <thm15:themeFamily xmlns:thm15="http://schemas.microsoft.com/office/thememl/2012/main" name="Office Theme" id="{62F939B6-93AF-4DB8-9C6B-D6C7DFDC589F}" vid="{4A3C46E8-61CC-4603-A589-7422A47A8E4A}"/>
+    </a:ext>
+  </a:extLst>
+</a:theme>
 </file>
--- a/Slides/02_DesignForSpeed.pptx
+++ b/Slides/02_DesignForSpeed.pptx
@@ -5,28 +5,40 @@
     <p:sldMasterId id="2147483648" r:id="rId1"/>
   </p:sldMasterIdLst>
   <p:notesMasterIdLst>
-    <p:notesMasterId r:id="rId21"/>
+    <p:notesMasterId r:id="rId33"/>
   </p:notesMasterIdLst>
   <p:sldIdLst>
     <p:sldId id="256" r:id="rId2"/>
     <p:sldId id="262" r:id="rId3"/>
     <p:sldId id="263" r:id="rId4"/>
-    <p:sldId id="257" r:id="rId5"/>
-    <p:sldId id="264" r:id="rId6"/>
-    <p:sldId id="258" r:id="rId7"/>
-    <p:sldId id="265" r:id="rId8"/>
-    <p:sldId id="266" r:id="rId9"/>
-    <p:sldId id="267" r:id="rId10"/>
-    <p:sldId id="268" r:id="rId11"/>
-    <p:sldId id="259" r:id="rId12"/>
-    <p:sldId id="269" r:id="rId13"/>
-    <p:sldId id="270" r:id="rId14"/>
-    <p:sldId id="271" r:id="rId15"/>
-    <p:sldId id="260" r:id="rId16"/>
-    <p:sldId id="272" r:id="rId17"/>
-    <p:sldId id="273" r:id="rId18"/>
-    <p:sldId id="275" r:id="rId19"/>
-    <p:sldId id="276" r:id="rId20"/>
+    <p:sldId id="277" r:id="rId5"/>
+    <p:sldId id="279" r:id="rId6"/>
+    <p:sldId id="281" r:id="rId7"/>
+    <p:sldId id="257" r:id="rId8"/>
+    <p:sldId id="282" r:id="rId9"/>
+    <p:sldId id="283" r:id="rId10"/>
+    <p:sldId id="264" r:id="rId11"/>
+    <p:sldId id="258" r:id="rId12"/>
+    <p:sldId id="284" r:id="rId13"/>
+    <p:sldId id="285" r:id="rId14"/>
+    <p:sldId id="286" r:id="rId15"/>
+    <p:sldId id="265" r:id="rId16"/>
+    <p:sldId id="287" r:id="rId17"/>
+    <p:sldId id="289" r:id="rId18"/>
+    <p:sldId id="290" r:id="rId19"/>
+    <p:sldId id="266" r:id="rId20"/>
+    <p:sldId id="288" r:id="rId21"/>
+    <p:sldId id="267" r:id="rId22"/>
+    <p:sldId id="268" r:id="rId23"/>
+    <p:sldId id="259" r:id="rId24"/>
+    <p:sldId id="269" r:id="rId25"/>
+    <p:sldId id="270" r:id="rId26"/>
+    <p:sldId id="271" r:id="rId27"/>
+    <p:sldId id="260" r:id="rId28"/>
+    <p:sldId id="272" r:id="rId29"/>
+    <p:sldId id="273" r:id="rId30"/>
+    <p:sldId id="275" r:id="rId31"/>
+    <p:sldId id="276" r:id="rId32"/>
   </p:sldIdLst>
   <p:sldSz cx="12192000" cy="6858000"/>
   <p:notesSz cx="6858000" cy="9144000"/>
@@ -227,7 +239,7 @@
           <a:p>
             <a:fld id="{261C14E1-C103-401C-B620-BEE64F52BB7D}" type="datetimeFigureOut">
               <a:rPr lang="en-US" smtClean="0"/>
-              <a:t>12/23/2021</a:t>
+              <a:t>12/29/2021</a:t>
             </a:fld>
             <a:endParaRPr lang="en-US"/>
           </a:p>
@@ -630,85 +642,7 @@
           <a:p>
             <a:r>
               <a:rPr lang="en-US" dirty="0"/>
-              <a:t>Stateless requests</a:t>
-            </a:r>
-          </a:p>
-          <a:p>
-            <a:endParaRPr lang="en-US" dirty="0"/>
-          </a:p>
-          <a:p>
-            <a:pPr marL="171450" indent="-171450">
-              <a:buFont typeface="Arial" panose="020B0604020202020204" pitchFamily="34" charset="0"/>
-              <a:buChar char="•"/>
-            </a:pPr>
-            <a:r>
-              <a:rPr lang="en-US" dirty="0"/>
-              <a:t>The server shouldn’t have to have any prior knowledge of the session</a:t>
-            </a:r>
-          </a:p>
-          <a:p>
-            <a:pPr marL="171450" indent="-171450">
-              <a:buFont typeface="Arial" panose="020B0604020202020204" pitchFamily="34" charset="0"/>
-              <a:buChar char="•"/>
-            </a:pPr>
-            <a:r>
-              <a:rPr lang="en-US" dirty="0"/>
-              <a:t>ASP.NET WebForms apps were notorious for this – as many folks would hang on </a:t>
-            </a:r>
-            <a:r>
-              <a:rPr lang="en-US" dirty="0" err="1"/>
-              <a:t>SessionState</a:t>
-            </a:r>
-            <a:r>
-              <a:rPr lang="en-US" dirty="0"/>
-              <a:t> that was in-memory and difficult to scale</a:t>
-            </a:r>
-          </a:p>
-          <a:p>
-            <a:pPr marL="0" indent="0">
-              <a:buFont typeface="Arial" panose="020B0604020202020204" pitchFamily="34" charset="0"/>
-              <a:buNone/>
-            </a:pPr>
-            <a:endParaRPr lang="en-US" dirty="0"/>
-          </a:p>
-          <a:p>
-            <a:pPr marL="171450" indent="-171450">
-              <a:buFont typeface="Arial" panose="020B0604020202020204" pitchFamily="34" charset="0"/>
-              <a:buChar char="•"/>
-            </a:pPr>
-            <a:r>
-              <a:rPr lang="en-US" dirty="0"/>
-              <a:t>Requests to the server should provide everything the server needs to:</a:t>
-            </a:r>
-          </a:p>
-          <a:p>
-            <a:pPr marL="628650" lvl="1" indent="-171450">
-              <a:buFont typeface="Arial" panose="020B0604020202020204" pitchFamily="34" charset="0"/>
-              <a:buChar char="•"/>
-            </a:pPr>
-            <a:r>
-              <a:rPr lang="en-US" dirty="0"/>
-              <a:t>Authenticate the request</a:t>
-            </a:r>
-          </a:p>
-          <a:p>
-            <a:pPr marL="628650" lvl="1" indent="-171450">
-              <a:buFont typeface="Arial" panose="020B0604020202020204" pitchFamily="34" charset="0"/>
-              <a:buChar char="•"/>
-            </a:pPr>
-            <a:r>
-              <a:rPr lang="en-US" dirty="0"/>
-              <a:t>Authorize the request</a:t>
-            </a:r>
-          </a:p>
-          <a:p>
-            <a:pPr marL="628650" lvl="1" indent="-171450">
-              <a:buFont typeface="Arial" panose="020B0604020202020204" pitchFamily="34" charset="0"/>
-              <a:buChar char="•"/>
-            </a:pPr>
-            <a:r>
-              <a:rPr lang="en-US" dirty="0"/>
-              <a:t>Perform the request</a:t>
+              <a:t>Types or levels of caching</a:t>
             </a:r>
           </a:p>
         </p:txBody>
@@ -730,7 +664,7 @@
           <a:p>
             <a:fld id="{C1319246-450C-4CF9-A58A-2A51F73A13BE}" type="slidenum">
               <a:rPr lang="en-US" smtClean="0"/>
-              <a:t>14</a:t>
+              <a:t>18</a:t>
             </a:fld>
             <a:endParaRPr lang="en-US"/>
           </a:p>
@@ -739,7 +673,7 @@
     </p:spTree>
     <p:extLst>
       <p:ext uri="{BB962C8B-B14F-4D97-AF65-F5344CB8AC3E}">
-        <p14:creationId xmlns:p14="http://schemas.microsoft.com/office/powerpoint/2010/main" val="1977309807"/>
+        <p14:creationId xmlns:p14="http://schemas.microsoft.com/office/powerpoint/2010/main" val="1092904071"/>
       </p:ext>
     </p:extLst>
   </p:cSld>
@@ -794,78 +728,16 @@
           <a:lstStyle/>
           <a:p>
             <a:r>
+              <a:rPr lang="en-US" dirty="0" err="1"/>
+              <a:t>IMemoryCache</a:t>
+            </a:r>
+            <a:r>
               <a:rPr lang="en-US" dirty="0"/>
-              <a:t>Use </a:t>
-            </a:r>
-            <a:r>
-              <a:rPr lang="en-US" b="1" dirty="0"/>
-              <a:t>SKED</a:t>
-            </a:r>
-            <a:r>
-              <a:rPr lang="en-US" dirty="0"/>
-              <a:t> example here</a:t>
+              <a:t> usage</a:t>
             </a:r>
           </a:p>
           <a:p>
             <a:endParaRPr lang="en-US" dirty="0"/>
-          </a:p>
-          <a:p>
-            <a:r>
-              <a:rPr lang="en-US" dirty="0"/>
-              <a:t>Example real fast what SKED does (not classified and if any navy guys are in the audience they might hate me… lol)</a:t>
-            </a:r>
-          </a:p>
-          <a:p>
-            <a:endParaRPr lang="en-US" dirty="0"/>
-          </a:p>
-          <a:p>
-            <a:r>
-              <a:rPr lang="en-US" dirty="0"/>
-              <a:t>Ship has disconnected database (from the internet/world) as it’s common for ships to be in/out of range for internet – just like hotel/conference </a:t>
-            </a:r>
-            <a:r>
-              <a:rPr lang="en-US" dirty="0" err="1"/>
-              <a:t>wifi</a:t>
-            </a:r>
-            <a:r>
-              <a:rPr lang="en-US" dirty="0"/>
-              <a:t>!</a:t>
-            </a:r>
-          </a:p>
-          <a:p>
-            <a:endParaRPr lang="en-US" dirty="0"/>
-          </a:p>
-          <a:p>
-            <a:r>
-              <a:rPr lang="en-US" dirty="0"/>
-              <a:t>The database uses sequential (identity) keys for all it’s primary tables.</a:t>
-            </a:r>
-          </a:p>
-          <a:p>
-            <a:endParaRPr lang="en-US" dirty="0"/>
-          </a:p>
-          <a:p>
-            <a:endParaRPr lang="en-US" dirty="0"/>
-          </a:p>
-          <a:p>
-            <a:endParaRPr lang="en-US" dirty="0"/>
-          </a:p>
-          <a:p>
-            <a:endParaRPr lang="en-US" dirty="0"/>
-          </a:p>
-          <a:p>
-            <a:r>
-              <a:rPr lang="en-US" dirty="0"/>
-              <a:t>By U.S. Navy photo by Mass Communication Specialist 2nd Class Thomas </a:t>
-            </a:r>
-            <a:r>
-              <a:rPr lang="en-US" dirty="0" err="1"/>
-              <a:t>Gooley</a:t>
-            </a:r>
-            <a:r>
-              <a:rPr lang="en-US" dirty="0"/>
-              <a:t> - This image was released by the United States Navy with the ID 180911-N-EA818-2106 (next)</a:t>
-            </a:r>
           </a:p>
         </p:txBody>
       </p:sp>
@@ -886,7 +758,7 @@
           <a:p>
             <a:fld id="{C1319246-450C-4CF9-A58A-2A51F73A13BE}" type="slidenum">
               <a:rPr lang="en-US" smtClean="0"/>
-              <a:t>15</a:t>
+              <a:t>19</a:t>
             </a:fld>
             <a:endParaRPr lang="en-US"/>
           </a:p>
@@ -895,7 +767,7 @@
     </p:spTree>
     <p:extLst>
       <p:ext uri="{BB962C8B-B14F-4D97-AF65-F5344CB8AC3E}">
-        <p14:creationId xmlns:p14="http://schemas.microsoft.com/office/powerpoint/2010/main" val="705359211"/>
+        <p14:creationId xmlns:p14="http://schemas.microsoft.com/office/powerpoint/2010/main" val="1351821231"/>
       </p:ext>
     </p:extLst>
   </p:cSld>
@@ -950,12 +822,13 @@
           <a:lstStyle/>
           <a:p>
             <a:r>
+              <a:rPr lang="en-US" dirty="0" err="1"/>
+              <a:t>IMemoryCache</a:t>
+            </a:r>
+            <a:r>
               <a:rPr lang="en-US" dirty="0"/>
-              <a:t>Over the course of time, Ship go about its business and continues to create new rows in the database with sequential keys.</a:t>
-            </a:r>
-          </a:p>
-          <a:p>
-            <a:endParaRPr lang="en-US" dirty="0"/>
+              <a:t> usage</a:t>
+            </a:r>
           </a:p>
           <a:p>
             <a:endParaRPr lang="en-US" dirty="0"/>
@@ -979,7 +852,7 @@
           <a:p>
             <a:fld id="{C1319246-450C-4CF9-A58A-2A51F73A13BE}" type="slidenum">
               <a:rPr lang="en-US" smtClean="0"/>
-              <a:t>16</a:t>
+              <a:t>20</a:t>
             </a:fld>
             <a:endParaRPr lang="en-US"/>
           </a:p>
@@ -988,7 +861,7 @@
     </p:spTree>
     <p:extLst>
       <p:ext uri="{BB962C8B-B14F-4D97-AF65-F5344CB8AC3E}">
-        <p14:creationId xmlns:p14="http://schemas.microsoft.com/office/powerpoint/2010/main" val="2679744174"/>
+        <p14:creationId xmlns:p14="http://schemas.microsoft.com/office/powerpoint/2010/main" val="1396232472"/>
       </p:ext>
     </p:extLst>
   </p:cSld>
@@ -1043,15 +916,13 @@
           <a:lstStyle/>
           <a:p>
             <a:r>
+              <a:rPr lang="en-US" dirty="0" err="1"/>
+              <a:t>IDistributedCache</a:t>
+            </a:r>
+            <a:r>
               <a:rPr lang="en-US" dirty="0"/>
-              <a:t>Over the course of time, Ship go about its business and continues to create new rows in the database with sequential keys.</a:t>
-            </a:r>
-          </a:p>
-          <a:p>
-            <a:endParaRPr lang="en-US" dirty="0"/>
-          </a:p>
-          <a:p>
-            <a:endParaRPr lang="en-US" dirty="0"/>
+              <a:t> with Redis</a:t>
+            </a:r>
           </a:p>
         </p:txBody>
       </p:sp>
@@ -1072,7 +943,7 @@
           <a:p>
             <a:fld id="{C1319246-450C-4CF9-A58A-2A51F73A13BE}" type="slidenum">
               <a:rPr lang="en-US" smtClean="0"/>
-              <a:t>17</a:t>
+              <a:t>21</a:t>
             </a:fld>
             <a:endParaRPr lang="en-US"/>
           </a:p>
@@ -1081,7 +952,7 @@
     </p:spTree>
     <p:extLst>
       <p:ext uri="{BB962C8B-B14F-4D97-AF65-F5344CB8AC3E}">
-        <p14:creationId xmlns:p14="http://schemas.microsoft.com/office/powerpoint/2010/main" val="2231277698"/>
+        <p14:creationId xmlns:p14="http://schemas.microsoft.com/office/powerpoint/2010/main" val="1474871695"/>
       </p:ext>
     </p:extLst>
   </p:cSld>
@@ -1135,28 +1006,7 @@
           <a:bodyPr/>
           <a:lstStyle/>
           <a:p>
-            <a:r>
-              <a:rPr lang="en-US" dirty="0"/>
-              <a:t>NEW REQUIREMENT</a:t>
-            </a:r>
-          </a:p>
-          <a:p>
             <a:endParaRPr lang="en-US" dirty="0"/>
-          </a:p>
-          <a:p>
-            <a:r>
-              <a:rPr lang="en-US" dirty="0"/>
-              <a:t>Shore stations want to be able to create/assign/manage scheduled maintenance and sync with ships when they’re in port or have internet connectivity.  </a:t>
-            </a:r>
-          </a:p>
-          <a:p>
-            <a:endParaRPr lang="en-US" dirty="0"/>
-          </a:p>
-          <a:p>
-            <a:r>
-              <a:rPr lang="en-US" dirty="0"/>
-              <a:t>This causes a problem, because database uses sequential keys.</a:t>
-            </a:r>
           </a:p>
         </p:txBody>
       </p:sp>
@@ -1177,7 +1027,7 @@
           <a:p>
             <a:fld id="{C1319246-450C-4CF9-A58A-2A51F73A13BE}" type="slidenum">
               <a:rPr lang="en-US" smtClean="0"/>
-              <a:t>18</a:t>
+              <a:t>22</a:t>
             </a:fld>
             <a:endParaRPr lang="en-US"/>
           </a:p>
@@ -1186,7 +1036,7 @@
     </p:spTree>
     <p:extLst>
       <p:ext uri="{BB962C8B-B14F-4D97-AF65-F5344CB8AC3E}">
-        <p14:creationId xmlns:p14="http://schemas.microsoft.com/office/powerpoint/2010/main" val="2208813294"/>
+        <p14:creationId xmlns:p14="http://schemas.microsoft.com/office/powerpoint/2010/main" val="804486717"/>
       </p:ext>
     </p:extLst>
   </p:cSld>
@@ -1242,35 +1092,55 @@
           <a:p>
             <a:r>
               <a:rPr lang="en-US" dirty="0"/>
-              <a:t>HOW WE TRIED TO SOLVE IT</a:t>
+              <a:t>The “problem” with having one server for all requests</a:t>
             </a:r>
           </a:p>
           <a:p>
             <a:endParaRPr lang="en-US" dirty="0"/>
           </a:p>
           <a:p>
+            <a:pPr marL="171450" indent="-171450">
+              <a:buFont typeface="Arial" panose="020B0604020202020204" pitchFamily="34" charset="0"/>
+              <a:buChar char="•"/>
+            </a:pPr>
             <a:r>
               <a:rPr lang="en-US" dirty="0"/>
-              <a:t>SHIP and SHORE both write to databases as they normally would.  And as you might thinking SHIP PK 500 &lt;&gt; SHORE PK 500.  </a:t>
-            </a:r>
-          </a:p>
-          <a:p>
+              <a:t>What if you get hit with massive number of requests</a:t>
+            </a:r>
+          </a:p>
+          <a:p>
+            <a:pPr marL="171450" indent="-171450">
+              <a:buFont typeface="Arial" panose="020B0604020202020204" pitchFamily="34" charset="0"/>
+              <a:buChar char="•"/>
+            </a:pPr>
+            <a:r>
+              <a:rPr lang="en-US" dirty="0"/>
+              <a:t>What if the services fails for some reason</a:t>
+            </a:r>
+          </a:p>
+          <a:p>
+            <a:pPr marL="628650" lvl="1" indent="-171450">
+              <a:buFont typeface="Arial" panose="020B0604020202020204" pitchFamily="34" charset="0"/>
+              <a:buChar char="•"/>
+            </a:pPr>
+            <a:r>
+              <a:rPr lang="en-US" dirty="0"/>
+              <a:t>Example: ASP.NET has *hard* exception and has to restart itself.  That’s not an immediate process</a:t>
+            </a:r>
+          </a:p>
+          <a:p>
+            <a:pPr marL="0" lvl="0" indent="0">
+              <a:buFont typeface="Arial" panose="020B0604020202020204" pitchFamily="34" charset="0"/>
+              <a:buNone/>
+            </a:pPr>
             <a:endParaRPr lang="en-US" dirty="0"/>
           </a:p>
           <a:p>
-            <a:r>
-              <a:rPr lang="en-US" dirty="0"/>
-              <a:t>SHORE was designated ultimate source of truth for database keys.</a:t>
-            </a:r>
-          </a:p>
-          <a:p>
+            <a:pPr marL="171450" indent="-171450">
+              <a:buFont typeface="Arial" panose="020B0604020202020204" pitchFamily="34" charset="0"/>
+              <a:buChar char="•"/>
+            </a:pPr>
             <a:endParaRPr lang="en-US" dirty="0"/>
-          </a:p>
-          <a:p>
-            <a:r>
-              <a:rPr lang="en-US" dirty="0"/>
-              <a:t>SHIP would send a transaction log to SHORE</a:t>
-            </a:r>
           </a:p>
         </p:txBody>
       </p:sp>
@@ -1291,7 +1161,7 @@
           <a:p>
             <a:fld id="{C1319246-450C-4CF9-A58A-2A51F73A13BE}" type="slidenum">
               <a:rPr lang="en-US" smtClean="0"/>
-              <a:t>19</a:t>
+              <a:t>23</a:t>
             </a:fld>
             <a:endParaRPr lang="en-US"/>
           </a:p>
@@ -1300,7 +1170,563 @@
     </p:spTree>
     <p:extLst>
       <p:ext uri="{BB962C8B-B14F-4D97-AF65-F5344CB8AC3E}">
-        <p14:creationId xmlns:p14="http://schemas.microsoft.com/office/powerpoint/2010/main" val="2977177282"/>
+        <p14:creationId xmlns:p14="http://schemas.microsoft.com/office/powerpoint/2010/main" val="3352981494"/>
+      </p:ext>
+    </p:extLst>
+  </p:cSld>
+  <p:clrMapOvr>
+    <a:masterClrMapping/>
+  </p:clrMapOvr>
+</p:notes>
+</file>
+
+<file path=ppt/notesSlides/notesSlide16.xml><?xml version="1.0" encoding="utf-8"?>
+<p:notes xmlns:a="http://schemas.openxmlformats.org/drawingml/2006/main" xmlns:r="http://schemas.openxmlformats.org/officeDocument/2006/relationships" xmlns:p="http://schemas.openxmlformats.org/presentationml/2006/main">
+  <p:cSld>
+    <p:spTree>
+      <p:nvGrpSpPr>
+        <p:cNvPr id="1" name=""/>
+        <p:cNvGrpSpPr/>
+        <p:nvPr/>
+      </p:nvGrpSpPr>
+      <p:grpSpPr>
+        <a:xfrm>
+          <a:off x="0" y="0"/>
+          <a:ext cx="0" cy="0"/>
+          <a:chOff x="0" y="0"/>
+          <a:chExt cx="0" cy="0"/>
+        </a:xfrm>
+      </p:grpSpPr>
+      <p:sp>
+        <p:nvSpPr>
+          <p:cNvPr id="2" name="Slide Image Placeholder 1"/>
+          <p:cNvSpPr>
+            <a:spLocks noGrp="1" noRot="1" noChangeAspect="1"/>
+          </p:cNvSpPr>
+          <p:nvPr>
+            <p:ph type="sldImg"/>
+          </p:nvPr>
+        </p:nvSpPr>
+        <p:spPr/>
+      </p:sp>
+      <p:sp>
+        <p:nvSpPr>
+          <p:cNvPr id="3" name="Notes Placeholder 2"/>
+          <p:cNvSpPr>
+            <a:spLocks noGrp="1"/>
+          </p:cNvSpPr>
+          <p:nvPr>
+            <p:ph type="body" idx="1"/>
+          </p:nvPr>
+        </p:nvSpPr>
+        <p:spPr/>
+        <p:txBody>
+          <a:bodyPr/>
+          <a:lstStyle/>
+          <a:p>
+            <a:r>
+              <a:rPr lang="en-US" dirty="0"/>
+              <a:t>Simple “scale out” example</a:t>
+            </a:r>
+          </a:p>
+          <a:p>
+            <a:endParaRPr lang="en-US" dirty="0"/>
+          </a:p>
+          <a:p>
+            <a:r>
+              <a:rPr lang="en-US" dirty="0"/>
+              <a:t>Internet -&gt; LB -&gt; Instance A/B/C -&gt; Database</a:t>
+            </a:r>
+          </a:p>
+          <a:p>
+            <a:endParaRPr lang="en-US" dirty="0"/>
+          </a:p>
+        </p:txBody>
+      </p:sp>
+      <p:sp>
+        <p:nvSpPr>
+          <p:cNvPr id="4" name="Slide Number Placeholder 3"/>
+          <p:cNvSpPr>
+            <a:spLocks noGrp="1"/>
+          </p:cNvSpPr>
+          <p:nvPr>
+            <p:ph type="sldNum" sz="quarter" idx="5"/>
+          </p:nvPr>
+        </p:nvSpPr>
+        <p:spPr/>
+        <p:txBody>
+          <a:bodyPr/>
+          <a:lstStyle/>
+          <a:p>
+            <a:fld id="{C1319246-450C-4CF9-A58A-2A51F73A13BE}" type="slidenum">
+              <a:rPr lang="en-US" smtClean="0"/>
+              <a:t>24</a:t>
+            </a:fld>
+            <a:endParaRPr lang="en-US"/>
+          </a:p>
+        </p:txBody>
+      </p:sp>
+    </p:spTree>
+    <p:extLst>
+      <p:ext uri="{BB962C8B-B14F-4D97-AF65-F5344CB8AC3E}">
+        <p14:creationId xmlns:p14="http://schemas.microsoft.com/office/powerpoint/2010/main" val="968475548"/>
+      </p:ext>
+    </p:extLst>
+  </p:cSld>
+  <p:clrMapOvr>
+    <a:masterClrMapping/>
+  </p:clrMapOvr>
+</p:notes>
+</file>
+
+<file path=ppt/notesSlides/notesSlide17.xml><?xml version="1.0" encoding="utf-8"?>
+<p:notes xmlns:a="http://schemas.openxmlformats.org/drawingml/2006/main" xmlns:r="http://schemas.openxmlformats.org/officeDocument/2006/relationships" xmlns:p="http://schemas.openxmlformats.org/presentationml/2006/main">
+  <p:cSld>
+    <p:spTree>
+      <p:nvGrpSpPr>
+        <p:cNvPr id="1" name=""/>
+        <p:cNvGrpSpPr/>
+        <p:nvPr/>
+      </p:nvGrpSpPr>
+      <p:grpSpPr>
+        <a:xfrm>
+          <a:off x="0" y="0"/>
+          <a:ext cx="0" cy="0"/>
+          <a:chOff x="0" y="0"/>
+          <a:chExt cx="0" cy="0"/>
+        </a:xfrm>
+      </p:grpSpPr>
+      <p:sp>
+        <p:nvSpPr>
+          <p:cNvPr id="2" name="Slide Image Placeholder 1"/>
+          <p:cNvSpPr>
+            <a:spLocks noGrp="1" noRot="1" noChangeAspect="1"/>
+          </p:cNvSpPr>
+          <p:nvPr>
+            <p:ph type="sldImg"/>
+          </p:nvPr>
+        </p:nvSpPr>
+        <p:spPr/>
+      </p:sp>
+      <p:sp>
+        <p:nvSpPr>
+          <p:cNvPr id="3" name="Notes Placeholder 2"/>
+          <p:cNvSpPr>
+            <a:spLocks noGrp="1"/>
+          </p:cNvSpPr>
+          <p:nvPr>
+            <p:ph type="body" idx="1"/>
+          </p:nvPr>
+        </p:nvSpPr>
+        <p:spPr/>
+        <p:txBody>
+          <a:bodyPr/>
+          <a:lstStyle/>
+          <a:p>
+            <a:r>
+              <a:rPr lang="en-US" dirty="0"/>
+              <a:t>Benefits</a:t>
+            </a:r>
+          </a:p>
+          <a:p>
+            <a:endParaRPr lang="en-US" dirty="0"/>
+          </a:p>
+          <a:p>
+            <a:pPr marL="0" marR="0" lvl="0" indent="0" algn="l" defTabSz="914400" rtl="0" eaLnBrk="1" fontAlgn="auto" latinLnBrk="0" hangingPunct="1">
+              <a:lnSpc>
+                <a:spcPct val="100000"/>
+              </a:lnSpc>
+              <a:spcBef>
+                <a:spcPts val="0"/>
+              </a:spcBef>
+              <a:spcAft>
+                <a:spcPts val="0"/>
+              </a:spcAft>
+              <a:buClrTx/>
+              <a:buSzTx/>
+              <a:buFontTx/>
+              <a:buNone/>
+              <a:tabLst/>
+              <a:defRPr/>
+            </a:pPr>
+            <a:r>
+              <a:rPr lang="en-US" dirty="0"/>
+              <a:t>Internet -&gt; LB -&gt; Instance A/B/C -&gt; Database</a:t>
+            </a:r>
+          </a:p>
+          <a:p>
+            <a:endParaRPr lang="en-US" dirty="0"/>
+          </a:p>
+          <a:p>
+            <a:pPr marL="171450" indent="-171450">
+              <a:buFont typeface="Arial" panose="020B0604020202020204" pitchFamily="34" charset="0"/>
+              <a:buChar char="•"/>
+            </a:pPr>
+            <a:r>
+              <a:rPr lang="en-US" dirty="0"/>
+              <a:t>What if instance B dies more some reason?</a:t>
+            </a:r>
+          </a:p>
+          <a:p>
+            <a:pPr marL="628650" lvl="1" indent="-171450">
+              <a:buFont typeface="Arial" panose="020B0604020202020204" pitchFamily="34" charset="0"/>
+              <a:buChar char="•"/>
+            </a:pPr>
+            <a:r>
+              <a:rPr lang="en-US" dirty="0"/>
+              <a:t>LB will direct only to instance A or C</a:t>
+            </a:r>
+          </a:p>
+        </p:txBody>
+      </p:sp>
+      <p:sp>
+        <p:nvSpPr>
+          <p:cNvPr id="4" name="Slide Number Placeholder 3"/>
+          <p:cNvSpPr>
+            <a:spLocks noGrp="1"/>
+          </p:cNvSpPr>
+          <p:nvPr>
+            <p:ph type="sldNum" sz="quarter" idx="5"/>
+          </p:nvPr>
+        </p:nvSpPr>
+        <p:spPr/>
+        <p:txBody>
+          <a:bodyPr/>
+          <a:lstStyle/>
+          <a:p>
+            <a:fld id="{C1319246-450C-4CF9-A58A-2A51F73A13BE}" type="slidenum">
+              <a:rPr lang="en-US" smtClean="0"/>
+              <a:t>25</a:t>
+            </a:fld>
+            <a:endParaRPr lang="en-US"/>
+          </a:p>
+        </p:txBody>
+      </p:sp>
+    </p:spTree>
+    <p:extLst>
+      <p:ext uri="{BB962C8B-B14F-4D97-AF65-F5344CB8AC3E}">
+        <p14:creationId xmlns:p14="http://schemas.microsoft.com/office/powerpoint/2010/main" val="653935501"/>
+      </p:ext>
+    </p:extLst>
+  </p:cSld>
+  <p:clrMapOvr>
+    <a:masterClrMapping/>
+  </p:clrMapOvr>
+</p:notes>
+</file>
+
+<file path=ppt/notesSlides/notesSlide18.xml><?xml version="1.0" encoding="utf-8"?>
+<p:notes xmlns:a="http://schemas.openxmlformats.org/drawingml/2006/main" xmlns:r="http://schemas.openxmlformats.org/officeDocument/2006/relationships" xmlns:p="http://schemas.openxmlformats.org/presentationml/2006/main">
+  <p:cSld>
+    <p:spTree>
+      <p:nvGrpSpPr>
+        <p:cNvPr id="1" name=""/>
+        <p:cNvGrpSpPr/>
+        <p:nvPr/>
+      </p:nvGrpSpPr>
+      <p:grpSpPr>
+        <a:xfrm>
+          <a:off x="0" y="0"/>
+          <a:ext cx="0" cy="0"/>
+          <a:chOff x="0" y="0"/>
+          <a:chExt cx="0" cy="0"/>
+        </a:xfrm>
+      </p:grpSpPr>
+      <p:sp>
+        <p:nvSpPr>
+          <p:cNvPr id="2" name="Slide Image Placeholder 1"/>
+          <p:cNvSpPr>
+            <a:spLocks noGrp="1" noRot="1" noChangeAspect="1"/>
+          </p:cNvSpPr>
+          <p:nvPr>
+            <p:ph type="sldImg"/>
+          </p:nvPr>
+        </p:nvSpPr>
+        <p:spPr/>
+      </p:sp>
+      <p:sp>
+        <p:nvSpPr>
+          <p:cNvPr id="3" name="Notes Placeholder 2"/>
+          <p:cNvSpPr>
+            <a:spLocks noGrp="1"/>
+          </p:cNvSpPr>
+          <p:nvPr>
+            <p:ph type="body" idx="1"/>
+          </p:nvPr>
+        </p:nvSpPr>
+        <p:spPr/>
+        <p:txBody>
+          <a:bodyPr/>
+          <a:lstStyle/>
+          <a:p>
+            <a:r>
+              <a:rPr lang="en-US" dirty="0"/>
+              <a:t>Stateless requests</a:t>
+            </a:r>
+          </a:p>
+          <a:p>
+            <a:endParaRPr lang="en-US" dirty="0"/>
+          </a:p>
+          <a:p>
+            <a:pPr marL="171450" indent="-171450">
+              <a:buFont typeface="Arial" panose="020B0604020202020204" pitchFamily="34" charset="0"/>
+              <a:buChar char="•"/>
+            </a:pPr>
+            <a:r>
+              <a:rPr lang="en-US" dirty="0"/>
+              <a:t>The server shouldn’t have to have any prior knowledge of the session</a:t>
+            </a:r>
+          </a:p>
+          <a:p>
+            <a:pPr marL="171450" indent="-171450">
+              <a:buFont typeface="Arial" panose="020B0604020202020204" pitchFamily="34" charset="0"/>
+              <a:buChar char="•"/>
+            </a:pPr>
+            <a:r>
+              <a:rPr lang="en-US" dirty="0"/>
+              <a:t>ASP.NET WebForms apps were notorious for this – as many folks would hang on </a:t>
+            </a:r>
+            <a:r>
+              <a:rPr lang="en-US" dirty="0" err="1"/>
+              <a:t>SessionState</a:t>
+            </a:r>
+            <a:r>
+              <a:rPr lang="en-US" dirty="0"/>
+              <a:t> that was in-memory and difficult to scale</a:t>
+            </a:r>
+          </a:p>
+          <a:p>
+            <a:pPr marL="0" indent="0">
+              <a:buFont typeface="Arial" panose="020B0604020202020204" pitchFamily="34" charset="0"/>
+              <a:buNone/>
+            </a:pPr>
+            <a:endParaRPr lang="en-US" dirty="0"/>
+          </a:p>
+          <a:p>
+            <a:pPr marL="171450" indent="-171450">
+              <a:buFont typeface="Arial" panose="020B0604020202020204" pitchFamily="34" charset="0"/>
+              <a:buChar char="•"/>
+            </a:pPr>
+            <a:r>
+              <a:rPr lang="en-US" dirty="0"/>
+              <a:t>Requests to the server should provide everything the server needs to:</a:t>
+            </a:r>
+          </a:p>
+          <a:p>
+            <a:pPr marL="628650" lvl="1" indent="-171450">
+              <a:buFont typeface="Arial" panose="020B0604020202020204" pitchFamily="34" charset="0"/>
+              <a:buChar char="•"/>
+            </a:pPr>
+            <a:r>
+              <a:rPr lang="en-US" dirty="0"/>
+              <a:t>Authenticate the request</a:t>
+            </a:r>
+          </a:p>
+          <a:p>
+            <a:pPr marL="628650" lvl="1" indent="-171450">
+              <a:buFont typeface="Arial" panose="020B0604020202020204" pitchFamily="34" charset="0"/>
+              <a:buChar char="•"/>
+            </a:pPr>
+            <a:r>
+              <a:rPr lang="en-US" dirty="0"/>
+              <a:t>Authorize the request</a:t>
+            </a:r>
+          </a:p>
+          <a:p>
+            <a:pPr marL="628650" lvl="1" indent="-171450">
+              <a:buFont typeface="Arial" panose="020B0604020202020204" pitchFamily="34" charset="0"/>
+              <a:buChar char="•"/>
+            </a:pPr>
+            <a:r>
+              <a:rPr lang="en-US" dirty="0"/>
+              <a:t>Perform the request</a:t>
+            </a:r>
+          </a:p>
+        </p:txBody>
+      </p:sp>
+      <p:sp>
+        <p:nvSpPr>
+          <p:cNvPr id="4" name="Slide Number Placeholder 3"/>
+          <p:cNvSpPr>
+            <a:spLocks noGrp="1"/>
+          </p:cNvSpPr>
+          <p:nvPr>
+            <p:ph type="sldNum" sz="quarter" idx="5"/>
+          </p:nvPr>
+        </p:nvSpPr>
+        <p:spPr/>
+        <p:txBody>
+          <a:bodyPr/>
+          <a:lstStyle/>
+          <a:p>
+            <a:fld id="{C1319246-450C-4CF9-A58A-2A51F73A13BE}" type="slidenum">
+              <a:rPr lang="en-US" smtClean="0"/>
+              <a:t>26</a:t>
+            </a:fld>
+            <a:endParaRPr lang="en-US"/>
+          </a:p>
+        </p:txBody>
+      </p:sp>
+    </p:spTree>
+    <p:extLst>
+      <p:ext uri="{BB962C8B-B14F-4D97-AF65-F5344CB8AC3E}">
+        <p14:creationId xmlns:p14="http://schemas.microsoft.com/office/powerpoint/2010/main" val="1977309807"/>
+      </p:ext>
+    </p:extLst>
+  </p:cSld>
+  <p:clrMapOvr>
+    <a:masterClrMapping/>
+  </p:clrMapOvr>
+</p:notes>
+</file>
+
+<file path=ppt/notesSlides/notesSlide19.xml><?xml version="1.0" encoding="utf-8"?>
+<p:notes xmlns:a="http://schemas.openxmlformats.org/drawingml/2006/main" xmlns:r="http://schemas.openxmlformats.org/officeDocument/2006/relationships" xmlns:p="http://schemas.openxmlformats.org/presentationml/2006/main">
+  <p:cSld>
+    <p:spTree>
+      <p:nvGrpSpPr>
+        <p:cNvPr id="1" name=""/>
+        <p:cNvGrpSpPr/>
+        <p:nvPr/>
+      </p:nvGrpSpPr>
+      <p:grpSpPr>
+        <a:xfrm>
+          <a:off x="0" y="0"/>
+          <a:ext cx="0" cy="0"/>
+          <a:chOff x="0" y="0"/>
+          <a:chExt cx="0" cy="0"/>
+        </a:xfrm>
+      </p:grpSpPr>
+      <p:sp>
+        <p:nvSpPr>
+          <p:cNvPr id="2" name="Slide Image Placeholder 1"/>
+          <p:cNvSpPr>
+            <a:spLocks noGrp="1" noRot="1" noChangeAspect="1"/>
+          </p:cNvSpPr>
+          <p:nvPr>
+            <p:ph type="sldImg"/>
+          </p:nvPr>
+        </p:nvSpPr>
+        <p:spPr/>
+      </p:sp>
+      <p:sp>
+        <p:nvSpPr>
+          <p:cNvPr id="3" name="Notes Placeholder 2"/>
+          <p:cNvSpPr>
+            <a:spLocks noGrp="1"/>
+          </p:cNvSpPr>
+          <p:nvPr>
+            <p:ph type="body" idx="1"/>
+          </p:nvPr>
+        </p:nvSpPr>
+        <p:spPr/>
+        <p:txBody>
+          <a:bodyPr/>
+          <a:lstStyle/>
+          <a:p>
+            <a:r>
+              <a:rPr lang="en-US" dirty="0"/>
+              <a:t>Use </a:t>
+            </a:r>
+            <a:r>
+              <a:rPr lang="en-US" b="1" dirty="0"/>
+              <a:t>SKED</a:t>
+            </a:r>
+            <a:r>
+              <a:rPr lang="en-US" dirty="0"/>
+              <a:t> example here</a:t>
+            </a:r>
+          </a:p>
+          <a:p>
+            <a:endParaRPr lang="en-US" dirty="0"/>
+          </a:p>
+          <a:p>
+            <a:r>
+              <a:rPr lang="en-US" dirty="0"/>
+              <a:t>Example real fast what SKED does (not classified and if any navy guys are in the audience they might hate me… lol)</a:t>
+            </a:r>
+          </a:p>
+          <a:p>
+            <a:endParaRPr lang="en-US" dirty="0"/>
+          </a:p>
+          <a:p>
+            <a:r>
+              <a:rPr lang="en-US" dirty="0"/>
+              <a:t>Ship has disconnected database (from the internet/world) as it’s common for ships to be in/out of range for internet – just like hotel/conference </a:t>
+            </a:r>
+            <a:r>
+              <a:rPr lang="en-US" dirty="0" err="1"/>
+              <a:t>wifi</a:t>
+            </a:r>
+            <a:r>
+              <a:rPr lang="en-US" dirty="0"/>
+              <a:t>!</a:t>
+            </a:r>
+          </a:p>
+          <a:p>
+            <a:endParaRPr lang="en-US" dirty="0"/>
+          </a:p>
+          <a:p>
+            <a:r>
+              <a:rPr lang="en-US" dirty="0"/>
+              <a:t>The database uses sequential (identity) keys for all it’s primary tables.</a:t>
+            </a:r>
+          </a:p>
+          <a:p>
+            <a:endParaRPr lang="en-US" dirty="0"/>
+          </a:p>
+          <a:p>
+            <a:endParaRPr lang="en-US" dirty="0"/>
+          </a:p>
+          <a:p>
+            <a:endParaRPr lang="en-US" dirty="0"/>
+          </a:p>
+          <a:p>
+            <a:endParaRPr lang="en-US" dirty="0"/>
+          </a:p>
+          <a:p>
+            <a:r>
+              <a:rPr lang="en-US" dirty="0"/>
+              <a:t>By U.S. Navy photo by Mass Communication Specialist 2nd Class Thomas </a:t>
+            </a:r>
+            <a:r>
+              <a:rPr lang="en-US" dirty="0" err="1"/>
+              <a:t>Gooley</a:t>
+            </a:r>
+            <a:r>
+              <a:rPr lang="en-US" dirty="0"/>
+              <a:t> - This image was released by the United States Navy with the ID 180911-N-EA818-2106 (next)</a:t>
+            </a:r>
+          </a:p>
+        </p:txBody>
+      </p:sp>
+      <p:sp>
+        <p:nvSpPr>
+          <p:cNvPr id="4" name="Slide Number Placeholder 3"/>
+          <p:cNvSpPr>
+            <a:spLocks noGrp="1"/>
+          </p:cNvSpPr>
+          <p:nvPr>
+            <p:ph type="sldNum" sz="quarter" idx="5"/>
+          </p:nvPr>
+        </p:nvSpPr>
+        <p:spPr/>
+        <p:txBody>
+          <a:bodyPr/>
+          <a:lstStyle/>
+          <a:p>
+            <a:fld id="{C1319246-450C-4CF9-A58A-2A51F73A13BE}" type="slidenum">
+              <a:rPr lang="en-US" smtClean="0"/>
+              <a:t>27</a:t>
+            </a:fld>
+            <a:endParaRPr lang="en-US"/>
+          </a:p>
+        </p:txBody>
+      </p:sp>
+    </p:spTree>
+    <p:extLst>
+      <p:ext uri="{BB962C8B-B14F-4D97-AF65-F5344CB8AC3E}">
+        <p14:creationId xmlns:p14="http://schemas.microsoft.com/office/powerpoint/2010/main" val="705359211"/>
       </p:ext>
     </p:extLst>
   </p:cSld>
@@ -1356,11 +1782,17 @@
           <a:p>
             <a:r>
               <a:rPr lang="en-US" dirty="0"/>
-              <a:t>What is caching?</a:t>
+              <a:t>What’s an acceptable request response time?</a:t>
             </a:r>
           </a:p>
           <a:p>
             <a:endParaRPr lang="en-US" dirty="0"/>
+          </a:p>
+          <a:p>
+            <a:r>
+              <a:rPr lang="en-US" dirty="0"/>
+              <a:t>1 seconds?  10 seconds?  5 minutes?</a:t>
+            </a:r>
           </a:p>
         </p:txBody>
       </p:sp>
@@ -1381,7 +1813,7 @@
           <a:p>
             <a:fld id="{C1319246-450C-4CF9-A58A-2A51F73A13BE}" type="slidenum">
               <a:rPr lang="en-US" smtClean="0"/>
-              <a:t>6</a:t>
+              <a:t>4</a:t>
             </a:fld>
             <a:endParaRPr lang="en-US"/>
           </a:p>
@@ -1390,7 +1822,412 @@
     </p:spTree>
     <p:extLst>
       <p:ext uri="{BB962C8B-B14F-4D97-AF65-F5344CB8AC3E}">
-        <p14:creationId xmlns:p14="http://schemas.microsoft.com/office/powerpoint/2010/main" val="3467405890"/>
+        <p14:creationId xmlns:p14="http://schemas.microsoft.com/office/powerpoint/2010/main" val="1411471297"/>
+      </p:ext>
+    </p:extLst>
+  </p:cSld>
+  <p:clrMapOvr>
+    <a:masterClrMapping/>
+  </p:clrMapOvr>
+</p:notes>
+</file>
+
+<file path=ppt/notesSlides/notesSlide20.xml><?xml version="1.0" encoding="utf-8"?>
+<p:notes xmlns:a="http://schemas.openxmlformats.org/drawingml/2006/main" xmlns:r="http://schemas.openxmlformats.org/officeDocument/2006/relationships" xmlns:p="http://schemas.openxmlformats.org/presentationml/2006/main">
+  <p:cSld>
+    <p:spTree>
+      <p:nvGrpSpPr>
+        <p:cNvPr id="1" name=""/>
+        <p:cNvGrpSpPr/>
+        <p:nvPr/>
+      </p:nvGrpSpPr>
+      <p:grpSpPr>
+        <a:xfrm>
+          <a:off x="0" y="0"/>
+          <a:ext cx="0" cy="0"/>
+          <a:chOff x="0" y="0"/>
+          <a:chExt cx="0" cy="0"/>
+        </a:xfrm>
+      </p:grpSpPr>
+      <p:sp>
+        <p:nvSpPr>
+          <p:cNvPr id="2" name="Slide Image Placeholder 1"/>
+          <p:cNvSpPr>
+            <a:spLocks noGrp="1" noRot="1" noChangeAspect="1"/>
+          </p:cNvSpPr>
+          <p:nvPr>
+            <p:ph type="sldImg"/>
+          </p:nvPr>
+        </p:nvSpPr>
+        <p:spPr/>
+      </p:sp>
+      <p:sp>
+        <p:nvSpPr>
+          <p:cNvPr id="3" name="Notes Placeholder 2"/>
+          <p:cNvSpPr>
+            <a:spLocks noGrp="1"/>
+          </p:cNvSpPr>
+          <p:nvPr>
+            <p:ph type="body" idx="1"/>
+          </p:nvPr>
+        </p:nvSpPr>
+        <p:spPr/>
+        <p:txBody>
+          <a:bodyPr/>
+          <a:lstStyle/>
+          <a:p>
+            <a:r>
+              <a:rPr lang="en-US" dirty="0"/>
+              <a:t>Over the course of time, Ship go about its business and continues to create new rows in the database with sequential keys.</a:t>
+            </a:r>
+          </a:p>
+          <a:p>
+            <a:endParaRPr lang="en-US" dirty="0"/>
+          </a:p>
+          <a:p>
+            <a:endParaRPr lang="en-US" dirty="0"/>
+          </a:p>
+        </p:txBody>
+      </p:sp>
+      <p:sp>
+        <p:nvSpPr>
+          <p:cNvPr id="4" name="Slide Number Placeholder 3"/>
+          <p:cNvSpPr>
+            <a:spLocks noGrp="1"/>
+          </p:cNvSpPr>
+          <p:nvPr>
+            <p:ph type="sldNum" sz="quarter" idx="5"/>
+          </p:nvPr>
+        </p:nvSpPr>
+        <p:spPr/>
+        <p:txBody>
+          <a:bodyPr/>
+          <a:lstStyle/>
+          <a:p>
+            <a:fld id="{C1319246-450C-4CF9-A58A-2A51F73A13BE}" type="slidenum">
+              <a:rPr lang="en-US" smtClean="0"/>
+              <a:t>28</a:t>
+            </a:fld>
+            <a:endParaRPr lang="en-US"/>
+          </a:p>
+        </p:txBody>
+      </p:sp>
+    </p:spTree>
+    <p:extLst>
+      <p:ext uri="{BB962C8B-B14F-4D97-AF65-F5344CB8AC3E}">
+        <p14:creationId xmlns:p14="http://schemas.microsoft.com/office/powerpoint/2010/main" val="2679744174"/>
+      </p:ext>
+    </p:extLst>
+  </p:cSld>
+  <p:clrMapOvr>
+    <a:masterClrMapping/>
+  </p:clrMapOvr>
+</p:notes>
+</file>
+
+<file path=ppt/notesSlides/notesSlide21.xml><?xml version="1.0" encoding="utf-8"?>
+<p:notes xmlns:a="http://schemas.openxmlformats.org/drawingml/2006/main" xmlns:r="http://schemas.openxmlformats.org/officeDocument/2006/relationships" xmlns:p="http://schemas.openxmlformats.org/presentationml/2006/main">
+  <p:cSld>
+    <p:spTree>
+      <p:nvGrpSpPr>
+        <p:cNvPr id="1" name=""/>
+        <p:cNvGrpSpPr/>
+        <p:nvPr/>
+      </p:nvGrpSpPr>
+      <p:grpSpPr>
+        <a:xfrm>
+          <a:off x="0" y="0"/>
+          <a:ext cx="0" cy="0"/>
+          <a:chOff x="0" y="0"/>
+          <a:chExt cx="0" cy="0"/>
+        </a:xfrm>
+      </p:grpSpPr>
+      <p:sp>
+        <p:nvSpPr>
+          <p:cNvPr id="2" name="Slide Image Placeholder 1"/>
+          <p:cNvSpPr>
+            <a:spLocks noGrp="1" noRot="1" noChangeAspect="1"/>
+          </p:cNvSpPr>
+          <p:nvPr>
+            <p:ph type="sldImg"/>
+          </p:nvPr>
+        </p:nvSpPr>
+        <p:spPr/>
+      </p:sp>
+      <p:sp>
+        <p:nvSpPr>
+          <p:cNvPr id="3" name="Notes Placeholder 2"/>
+          <p:cNvSpPr>
+            <a:spLocks noGrp="1"/>
+          </p:cNvSpPr>
+          <p:nvPr>
+            <p:ph type="body" idx="1"/>
+          </p:nvPr>
+        </p:nvSpPr>
+        <p:spPr/>
+        <p:txBody>
+          <a:bodyPr/>
+          <a:lstStyle/>
+          <a:p>
+            <a:r>
+              <a:rPr lang="en-US" dirty="0"/>
+              <a:t>Over the course of time, Ship go about its business and continues to create new rows in the database with sequential keys.</a:t>
+            </a:r>
+          </a:p>
+          <a:p>
+            <a:endParaRPr lang="en-US" dirty="0"/>
+          </a:p>
+          <a:p>
+            <a:endParaRPr lang="en-US" dirty="0"/>
+          </a:p>
+        </p:txBody>
+      </p:sp>
+      <p:sp>
+        <p:nvSpPr>
+          <p:cNvPr id="4" name="Slide Number Placeholder 3"/>
+          <p:cNvSpPr>
+            <a:spLocks noGrp="1"/>
+          </p:cNvSpPr>
+          <p:nvPr>
+            <p:ph type="sldNum" sz="quarter" idx="5"/>
+          </p:nvPr>
+        </p:nvSpPr>
+        <p:spPr/>
+        <p:txBody>
+          <a:bodyPr/>
+          <a:lstStyle/>
+          <a:p>
+            <a:fld id="{C1319246-450C-4CF9-A58A-2A51F73A13BE}" type="slidenum">
+              <a:rPr lang="en-US" smtClean="0"/>
+              <a:t>29</a:t>
+            </a:fld>
+            <a:endParaRPr lang="en-US"/>
+          </a:p>
+        </p:txBody>
+      </p:sp>
+    </p:spTree>
+    <p:extLst>
+      <p:ext uri="{BB962C8B-B14F-4D97-AF65-F5344CB8AC3E}">
+        <p14:creationId xmlns:p14="http://schemas.microsoft.com/office/powerpoint/2010/main" val="2231277698"/>
+      </p:ext>
+    </p:extLst>
+  </p:cSld>
+  <p:clrMapOvr>
+    <a:masterClrMapping/>
+  </p:clrMapOvr>
+</p:notes>
+</file>
+
+<file path=ppt/notesSlides/notesSlide22.xml><?xml version="1.0" encoding="utf-8"?>
+<p:notes xmlns:a="http://schemas.openxmlformats.org/drawingml/2006/main" xmlns:r="http://schemas.openxmlformats.org/officeDocument/2006/relationships" xmlns:p="http://schemas.openxmlformats.org/presentationml/2006/main">
+  <p:cSld>
+    <p:spTree>
+      <p:nvGrpSpPr>
+        <p:cNvPr id="1" name=""/>
+        <p:cNvGrpSpPr/>
+        <p:nvPr/>
+      </p:nvGrpSpPr>
+      <p:grpSpPr>
+        <a:xfrm>
+          <a:off x="0" y="0"/>
+          <a:ext cx="0" cy="0"/>
+          <a:chOff x="0" y="0"/>
+          <a:chExt cx="0" cy="0"/>
+        </a:xfrm>
+      </p:grpSpPr>
+      <p:sp>
+        <p:nvSpPr>
+          <p:cNvPr id="2" name="Slide Image Placeholder 1"/>
+          <p:cNvSpPr>
+            <a:spLocks noGrp="1" noRot="1" noChangeAspect="1"/>
+          </p:cNvSpPr>
+          <p:nvPr>
+            <p:ph type="sldImg"/>
+          </p:nvPr>
+        </p:nvSpPr>
+        <p:spPr/>
+      </p:sp>
+      <p:sp>
+        <p:nvSpPr>
+          <p:cNvPr id="3" name="Notes Placeholder 2"/>
+          <p:cNvSpPr>
+            <a:spLocks noGrp="1"/>
+          </p:cNvSpPr>
+          <p:nvPr>
+            <p:ph type="body" idx="1"/>
+          </p:nvPr>
+        </p:nvSpPr>
+        <p:spPr/>
+        <p:txBody>
+          <a:bodyPr/>
+          <a:lstStyle/>
+          <a:p>
+            <a:r>
+              <a:rPr lang="en-US" dirty="0"/>
+              <a:t>NEW REQUIREMENT</a:t>
+            </a:r>
+          </a:p>
+          <a:p>
+            <a:endParaRPr lang="en-US" dirty="0"/>
+          </a:p>
+          <a:p>
+            <a:r>
+              <a:rPr lang="en-US" dirty="0"/>
+              <a:t>Shore stations want to be able to create/assign/manage scheduled maintenance and sync with ships when they’re in port or have internet connectivity.  </a:t>
+            </a:r>
+          </a:p>
+          <a:p>
+            <a:endParaRPr lang="en-US" dirty="0"/>
+          </a:p>
+          <a:p>
+            <a:r>
+              <a:rPr lang="en-US" dirty="0"/>
+              <a:t>This causes a problem, because database uses sequential keys.</a:t>
+            </a:r>
+          </a:p>
+        </p:txBody>
+      </p:sp>
+      <p:sp>
+        <p:nvSpPr>
+          <p:cNvPr id="4" name="Slide Number Placeholder 3"/>
+          <p:cNvSpPr>
+            <a:spLocks noGrp="1"/>
+          </p:cNvSpPr>
+          <p:nvPr>
+            <p:ph type="sldNum" sz="quarter" idx="5"/>
+          </p:nvPr>
+        </p:nvSpPr>
+        <p:spPr/>
+        <p:txBody>
+          <a:bodyPr/>
+          <a:lstStyle/>
+          <a:p>
+            <a:fld id="{C1319246-450C-4CF9-A58A-2A51F73A13BE}" type="slidenum">
+              <a:rPr lang="en-US" smtClean="0"/>
+              <a:t>30</a:t>
+            </a:fld>
+            <a:endParaRPr lang="en-US"/>
+          </a:p>
+        </p:txBody>
+      </p:sp>
+    </p:spTree>
+    <p:extLst>
+      <p:ext uri="{BB962C8B-B14F-4D97-AF65-F5344CB8AC3E}">
+        <p14:creationId xmlns:p14="http://schemas.microsoft.com/office/powerpoint/2010/main" val="2208813294"/>
+      </p:ext>
+    </p:extLst>
+  </p:cSld>
+  <p:clrMapOvr>
+    <a:masterClrMapping/>
+  </p:clrMapOvr>
+</p:notes>
+</file>
+
+<file path=ppt/notesSlides/notesSlide23.xml><?xml version="1.0" encoding="utf-8"?>
+<p:notes xmlns:a="http://schemas.openxmlformats.org/drawingml/2006/main" xmlns:r="http://schemas.openxmlformats.org/officeDocument/2006/relationships" xmlns:p="http://schemas.openxmlformats.org/presentationml/2006/main">
+  <p:cSld>
+    <p:spTree>
+      <p:nvGrpSpPr>
+        <p:cNvPr id="1" name=""/>
+        <p:cNvGrpSpPr/>
+        <p:nvPr/>
+      </p:nvGrpSpPr>
+      <p:grpSpPr>
+        <a:xfrm>
+          <a:off x="0" y="0"/>
+          <a:ext cx="0" cy="0"/>
+          <a:chOff x="0" y="0"/>
+          <a:chExt cx="0" cy="0"/>
+        </a:xfrm>
+      </p:grpSpPr>
+      <p:sp>
+        <p:nvSpPr>
+          <p:cNvPr id="2" name="Slide Image Placeholder 1"/>
+          <p:cNvSpPr>
+            <a:spLocks noGrp="1" noRot="1" noChangeAspect="1"/>
+          </p:cNvSpPr>
+          <p:nvPr>
+            <p:ph type="sldImg"/>
+          </p:nvPr>
+        </p:nvSpPr>
+        <p:spPr/>
+      </p:sp>
+      <p:sp>
+        <p:nvSpPr>
+          <p:cNvPr id="3" name="Notes Placeholder 2"/>
+          <p:cNvSpPr>
+            <a:spLocks noGrp="1"/>
+          </p:cNvSpPr>
+          <p:nvPr>
+            <p:ph type="body" idx="1"/>
+          </p:nvPr>
+        </p:nvSpPr>
+        <p:spPr/>
+        <p:txBody>
+          <a:bodyPr/>
+          <a:lstStyle/>
+          <a:p>
+            <a:r>
+              <a:rPr lang="en-US" dirty="0"/>
+              <a:t>HOW WE TRIED TO SOLVE IT</a:t>
+            </a:r>
+          </a:p>
+          <a:p>
+            <a:endParaRPr lang="en-US" dirty="0"/>
+          </a:p>
+          <a:p>
+            <a:r>
+              <a:rPr lang="en-US" dirty="0"/>
+              <a:t>SHIP and SHORE both write to databases as they normally would.  And as you might thinking SHIP PK 500 &lt;&gt; SHORE PK 500.  </a:t>
+            </a:r>
+          </a:p>
+          <a:p>
+            <a:endParaRPr lang="en-US" dirty="0"/>
+          </a:p>
+          <a:p>
+            <a:r>
+              <a:rPr lang="en-US" dirty="0"/>
+              <a:t>SHORE was designated ultimate source of truth for database keys.</a:t>
+            </a:r>
+          </a:p>
+          <a:p>
+            <a:endParaRPr lang="en-US" dirty="0"/>
+          </a:p>
+          <a:p>
+            <a:r>
+              <a:rPr lang="en-US" dirty="0"/>
+              <a:t>SHIP would send a transaction log to SHORE</a:t>
+            </a:r>
+          </a:p>
+        </p:txBody>
+      </p:sp>
+      <p:sp>
+        <p:nvSpPr>
+          <p:cNvPr id="4" name="Slide Number Placeholder 3"/>
+          <p:cNvSpPr>
+            <a:spLocks noGrp="1"/>
+          </p:cNvSpPr>
+          <p:nvPr>
+            <p:ph type="sldNum" sz="quarter" idx="5"/>
+          </p:nvPr>
+        </p:nvSpPr>
+        <p:spPr/>
+        <p:txBody>
+          <a:bodyPr/>
+          <a:lstStyle/>
+          <a:p>
+            <a:fld id="{C1319246-450C-4CF9-A58A-2A51F73A13BE}" type="slidenum">
+              <a:rPr lang="en-US" smtClean="0"/>
+              <a:t>31</a:t>
+            </a:fld>
+            <a:endParaRPr lang="en-US"/>
+          </a:p>
+        </p:txBody>
+      </p:sp>
+    </p:spTree>
+    <p:extLst>
+      <p:ext uri="{BB962C8B-B14F-4D97-AF65-F5344CB8AC3E}">
+        <p14:creationId xmlns:p14="http://schemas.microsoft.com/office/powerpoint/2010/main" val="2977177282"/>
       </p:ext>
     </p:extLst>
   </p:cSld>
@@ -1446,7 +2283,16 @@
           <a:p>
             <a:r>
               <a:rPr lang="en-US" dirty="0"/>
-              <a:t>Types or levels of caching</a:t>
+              <a:t>What’s an acceptable request response time?</a:t>
+            </a:r>
+          </a:p>
+          <a:p>
+            <a:endParaRPr lang="en-US" dirty="0"/>
+          </a:p>
+          <a:p>
+            <a:r>
+              <a:rPr lang="en-US" dirty="0"/>
+              <a:t>1 seconds?  10 seconds?  5 minutes?</a:t>
             </a:r>
           </a:p>
         </p:txBody>
@@ -1468,7 +2314,7 @@
           <a:p>
             <a:fld id="{C1319246-450C-4CF9-A58A-2A51F73A13BE}" type="slidenum">
               <a:rPr lang="en-US" smtClean="0"/>
-              <a:t>7</a:t>
+              <a:t>5</a:t>
             </a:fld>
             <a:endParaRPr lang="en-US"/>
           </a:p>
@@ -1477,7 +2323,7 @@
     </p:spTree>
     <p:extLst>
       <p:ext uri="{BB962C8B-B14F-4D97-AF65-F5344CB8AC3E}">
-        <p14:creationId xmlns:p14="http://schemas.microsoft.com/office/powerpoint/2010/main" val="3411022722"/>
+        <p14:creationId xmlns:p14="http://schemas.microsoft.com/office/powerpoint/2010/main" val="3641572585"/>
       </p:ext>
     </p:extLst>
   </p:cSld>
@@ -1532,16 +2378,18 @@
           <a:lstStyle/>
           <a:p>
             <a:r>
-              <a:rPr lang="en-US" dirty="0" err="1"/>
-              <a:t>IMemoryCache</a:t>
-            </a:r>
-            <a:r>
               <a:rPr lang="en-US" dirty="0"/>
-              <a:t> usage</a:t>
+              <a:t>What’s an acceptable request response time?</a:t>
             </a:r>
           </a:p>
           <a:p>
             <a:endParaRPr lang="en-US" dirty="0"/>
+          </a:p>
+          <a:p>
+            <a:r>
+              <a:rPr lang="en-US" dirty="0"/>
+              <a:t>1 seconds?  10 seconds?  5 minutes?</a:t>
+            </a:r>
           </a:p>
         </p:txBody>
       </p:sp>
@@ -1562,7 +2410,7 @@
           <a:p>
             <a:fld id="{C1319246-450C-4CF9-A58A-2A51F73A13BE}" type="slidenum">
               <a:rPr lang="en-US" smtClean="0"/>
-              <a:t>8</a:t>
+              <a:t>6</a:t>
             </a:fld>
             <a:endParaRPr lang="en-US"/>
           </a:p>
@@ -1571,7 +2419,7 @@
     </p:spTree>
     <p:extLst>
       <p:ext uri="{BB962C8B-B14F-4D97-AF65-F5344CB8AC3E}">
-        <p14:creationId xmlns:p14="http://schemas.microsoft.com/office/powerpoint/2010/main" val="1351821231"/>
+        <p14:creationId xmlns:p14="http://schemas.microsoft.com/office/powerpoint/2010/main" val="2937036089"/>
       </p:ext>
     </p:extLst>
   </p:cSld>
@@ -1626,12 +2474,8 @@
           <a:lstStyle/>
           <a:p>
             <a:r>
-              <a:rPr lang="en-US" dirty="0" err="1"/>
-              <a:t>IDistributedCache</a:t>
-            </a:r>
-            <a:r>
               <a:rPr lang="en-US" dirty="0"/>
-              <a:t> with Redis</a:t>
+              <a:t>Email demo…</a:t>
             </a:r>
           </a:p>
         </p:txBody>
@@ -1653,7 +2497,7 @@
           <a:p>
             <a:fld id="{C1319246-450C-4CF9-A58A-2A51F73A13BE}" type="slidenum">
               <a:rPr lang="en-US" smtClean="0"/>
-              <a:t>9</a:t>
+              <a:t>10</a:t>
             </a:fld>
             <a:endParaRPr lang="en-US"/>
           </a:p>
@@ -1662,7 +2506,7 @@
     </p:spTree>
     <p:extLst>
       <p:ext uri="{BB962C8B-B14F-4D97-AF65-F5344CB8AC3E}">
-        <p14:creationId xmlns:p14="http://schemas.microsoft.com/office/powerpoint/2010/main" val="1474871695"/>
+        <p14:creationId xmlns:p14="http://schemas.microsoft.com/office/powerpoint/2010/main" val="2680159122"/>
       </p:ext>
     </p:extLst>
   </p:cSld>
@@ -1716,6 +2560,12 @@
           <a:bodyPr/>
           <a:lstStyle/>
           <a:p>
+            <a:r>
+              <a:rPr lang="en-US" dirty="0"/>
+              <a:t>What is caching?</a:t>
+            </a:r>
+          </a:p>
+          <a:p>
             <a:endParaRPr lang="en-US" dirty="0"/>
           </a:p>
         </p:txBody>
@@ -1737,7 +2587,7 @@
           <a:p>
             <a:fld id="{C1319246-450C-4CF9-A58A-2A51F73A13BE}" type="slidenum">
               <a:rPr lang="en-US" smtClean="0"/>
-              <a:t>10</a:t>
+              <a:t>11</a:t>
             </a:fld>
             <a:endParaRPr lang="en-US"/>
           </a:p>
@@ -1746,7 +2596,7 @@
     </p:spTree>
     <p:extLst>
       <p:ext uri="{BB962C8B-B14F-4D97-AF65-F5344CB8AC3E}">
-        <p14:creationId xmlns:p14="http://schemas.microsoft.com/office/powerpoint/2010/main" val="804486717"/>
+        <p14:creationId xmlns:p14="http://schemas.microsoft.com/office/powerpoint/2010/main" val="3467405890"/>
       </p:ext>
     </p:extLst>
   </p:cSld>
@@ -1802,55 +2652,8 @@
           <a:p>
             <a:r>
               <a:rPr lang="en-US" dirty="0"/>
-              <a:t>The “problem” with having one server for all requests</a:t>
-            </a:r>
-          </a:p>
-          <a:p>
-            <a:endParaRPr lang="en-US" dirty="0"/>
-          </a:p>
-          <a:p>
-            <a:pPr marL="171450" indent="-171450">
-              <a:buFont typeface="Arial" panose="020B0604020202020204" pitchFamily="34" charset="0"/>
-              <a:buChar char="•"/>
-            </a:pPr>
-            <a:r>
-              <a:rPr lang="en-US" dirty="0"/>
-              <a:t>What if you get hit with massive number of requests</a:t>
-            </a:r>
-          </a:p>
-          <a:p>
-            <a:pPr marL="171450" indent="-171450">
-              <a:buFont typeface="Arial" panose="020B0604020202020204" pitchFamily="34" charset="0"/>
-              <a:buChar char="•"/>
-            </a:pPr>
-            <a:r>
-              <a:rPr lang="en-US" dirty="0"/>
-              <a:t>What if the services fails for some reason</a:t>
-            </a:r>
-          </a:p>
-          <a:p>
-            <a:pPr marL="628650" lvl="1" indent="-171450">
-              <a:buFont typeface="Arial" panose="020B0604020202020204" pitchFamily="34" charset="0"/>
-              <a:buChar char="•"/>
-            </a:pPr>
-            <a:r>
-              <a:rPr lang="en-US" dirty="0"/>
-              <a:t>Example: ASP.NET has *hard* exception and has to restart itself.  That’s not an immediate process</a:t>
-            </a:r>
-          </a:p>
-          <a:p>
-            <a:pPr marL="0" lvl="0" indent="0">
-              <a:buFont typeface="Arial" panose="020B0604020202020204" pitchFamily="34" charset="0"/>
-              <a:buNone/>
-            </a:pPr>
-            <a:endParaRPr lang="en-US" dirty="0"/>
-          </a:p>
-          <a:p>
-            <a:pPr marL="171450" indent="-171450">
-              <a:buFont typeface="Arial" panose="020B0604020202020204" pitchFamily="34" charset="0"/>
-              <a:buChar char="•"/>
-            </a:pPr>
-            <a:endParaRPr lang="en-US" dirty="0"/>
+              <a:t>Types or levels of caching</a:t>
+            </a:r>
           </a:p>
         </p:txBody>
       </p:sp>
@@ -1871,7 +2674,7 @@
           <a:p>
             <a:fld id="{C1319246-450C-4CF9-A58A-2A51F73A13BE}" type="slidenum">
               <a:rPr lang="en-US" smtClean="0"/>
-              <a:t>11</a:t>
+              <a:t>15</a:t>
             </a:fld>
             <a:endParaRPr lang="en-US"/>
           </a:p>
@@ -1880,7 +2683,7 @@
     </p:spTree>
     <p:extLst>
       <p:ext uri="{BB962C8B-B14F-4D97-AF65-F5344CB8AC3E}">
-        <p14:creationId xmlns:p14="http://schemas.microsoft.com/office/powerpoint/2010/main" val="3352981494"/>
+        <p14:creationId xmlns:p14="http://schemas.microsoft.com/office/powerpoint/2010/main" val="3411022722"/>
       </p:ext>
     </p:extLst>
   </p:cSld>
@@ -1936,20 +2739,8 @@
           <a:p>
             <a:r>
               <a:rPr lang="en-US" dirty="0"/>
-              <a:t>Simple “scale out” example</a:t>
-            </a:r>
-          </a:p>
-          <a:p>
-            <a:endParaRPr lang="en-US" dirty="0"/>
-          </a:p>
-          <a:p>
-            <a:r>
-              <a:rPr lang="en-US" dirty="0"/>
-              <a:t>Internet -&gt; LB -&gt; Instance A/B/C -&gt; Database</a:t>
-            </a:r>
-          </a:p>
-          <a:p>
-            <a:endParaRPr lang="en-US" dirty="0"/>
+              <a:t>Types or levels of caching</a:t>
+            </a:r>
           </a:p>
         </p:txBody>
       </p:sp>
@@ -1970,7 +2761,7 @@
           <a:p>
             <a:fld id="{C1319246-450C-4CF9-A58A-2A51F73A13BE}" type="slidenum">
               <a:rPr lang="en-US" smtClean="0"/>
-              <a:t>12</a:t>
+              <a:t>16</a:t>
             </a:fld>
             <a:endParaRPr lang="en-US"/>
           </a:p>
@@ -1979,7 +2770,7 @@
     </p:spTree>
     <p:extLst>
       <p:ext uri="{BB962C8B-B14F-4D97-AF65-F5344CB8AC3E}">
-        <p14:creationId xmlns:p14="http://schemas.microsoft.com/office/powerpoint/2010/main" val="968475548"/>
+        <p14:creationId xmlns:p14="http://schemas.microsoft.com/office/powerpoint/2010/main" val="689499210"/>
       </p:ext>
     </p:extLst>
   </p:cSld>
@@ -2035,56 +2826,7 @@
           <a:p>
             <a:r>
               <a:rPr lang="en-US" dirty="0"/>
-              <a:t>Benefits</a:t>
-            </a:r>
-          </a:p>
-          <a:p>
-            <a:endParaRPr lang="en-US" dirty="0"/>
-          </a:p>
-          <a:p>
-            <a:pPr marL="0" marR="0" lvl="0" indent="0" algn="l" defTabSz="914400" rtl="0" eaLnBrk="1" fontAlgn="auto" latinLnBrk="0" hangingPunct="1">
-              <a:lnSpc>
-                <a:spcPct val="100000"/>
-              </a:lnSpc>
-              <a:spcBef>
-                <a:spcPts val="0"/>
-              </a:spcBef>
-              <a:spcAft>
-                <a:spcPts val="0"/>
-              </a:spcAft>
-              <a:buClrTx/>
-              <a:buSzTx/>
-              <a:buFontTx/>
-              <a:buNone/>
-              <a:tabLst/>
-              <a:defRPr/>
-            </a:pPr>
-            <a:r>
-              <a:rPr lang="en-US" dirty="0"/>
-              <a:t>Internet -&gt; LB -&gt; Instance A/B/C -&gt; Database</a:t>
-            </a:r>
-          </a:p>
-          <a:p>
-            <a:endParaRPr lang="en-US" dirty="0"/>
-          </a:p>
-          <a:p>
-            <a:pPr marL="171450" indent="-171450">
-              <a:buFont typeface="Arial" panose="020B0604020202020204" pitchFamily="34" charset="0"/>
-              <a:buChar char="•"/>
-            </a:pPr>
-            <a:r>
-              <a:rPr lang="en-US" dirty="0"/>
-              <a:t>What if instance B dies more some reason?</a:t>
-            </a:r>
-          </a:p>
-          <a:p>
-            <a:pPr marL="628650" lvl="1" indent="-171450">
-              <a:buFont typeface="Arial" panose="020B0604020202020204" pitchFamily="34" charset="0"/>
-              <a:buChar char="•"/>
-            </a:pPr>
-            <a:r>
-              <a:rPr lang="en-US" dirty="0"/>
-              <a:t>LB will direct only to instance A or C</a:t>
+              <a:t>Types or levels of caching</a:t>
             </a:r>
           </a:p>
         </p:txBody>
@@ -2106,7 +2848,7 @@
           <a:p>
             <a:fld id="{C1319246-450C-4CF9-A58A-2A51F73A13BE}" type="slidenum">
               <a:rPr lang="en-US" smtClean="0"/>
-              <a:t>13</a:t>
+              <a:t>17</a:t>
             </a:fld>
             <a:endParaRPr lang="en-US"/>
           </a:p>
@@ -2115,7 +2857,7 @@
     </p:spTree>
     <p:extLst>
       <p:ext uri="{BB962C8B-B14F-4D97-AF65-F5344CB8AC3E}">
-        <p14:creationId xmlns:p14="http://schemas.microsoft.com/office/powerpoint/2010/main" val="653935501"/>
+        <p14:creationId xmlns:p14="http://schemas.microsoft.com/office/powerpoint/2010/main" val="1931808252"/>
       </p:ext>
     </p:extLst>
   </p:cSld>
@@ -2272,7 +3014,7 @@
           <a:p>
             <a:fld id="{2185751B-154C-48B3-90FA-C17C05FCF1B7}" type="datetimeFigureOut">
               <a:rPr lang="en-US" smtClean="0"/>
-              <a:t>12/23/2021</a:t>
+              <a:t>12/29/2021</a:t>
             </a:fld>
             <a:endParaRPr lang="en-US"/>
           </a:p>
@@ -2470,7 +3212,7 @@
           <a:p>
             <a:fld id="{2185751B-154C-48B3-90FA-C17C05FCF1B7}" type="datetimeFigureOut">
               <a:rPr lang="en-US" smtClean="0"/>
-              <a:t>12/23/2021</a:t>
+              <a:t>12/29/2021</a:t>
             </a:fld>
             <a:endParaRPr lang="en-US"/>
           </a:p>
@@ -2678,7 +3420,7 @@
           <a:p>
             <a:fld id="{2185751B-154C-48B3-90FA-C17C05FCF1B7}" type="datetimeFigureOut">
               <a:rPr lang="en-US" smtClean="0"/>
-              <a:t>12/23/2021</a:t>
+              <a:t>12/29/2021</a:t>
             </a:fld>
             <a:endParaRPr lang="en-US"/>
           </a:p>
@@ -2876,7 +3618,7 @@
           <a:p>
             <a:fld id="{2185751B-154C-48B3-90FA-C17C05FCF1B7}" type="datetimeFigureOut">
               <a:rPr lang="en-US" smtClean="0"/>
-              <a:t>12/23/2021</a:t>
+              <a:t>12/29/2021</a:t>
             </a:fld>
             <a:endParaRPr lang="en-US"/>
           </a:p>
@@ -3151,7 +3893,7 @@
           <a:p>
             <a:fld id="{2185751B-154C-48B3-90FA-C17C05FCF1B7}" type="datetimeFigureOut">
               <a:rPr lang="en-US" smtClean="0"/>
-              <a:t>12/23/2021</a:t>
+              <a:t>12/29/2021</a:t>
             </a:fld>
             <a:endParaRPr lang="en-US"/>
           </a:p>
@@ -3416,7 +4158,7 @@
           <a:p>
             <a:fld id="{2185751B-154C-48B3-90FA-C17C05FCF1B7}" type="datetimeFigureOut">
               <a:rPr lang="en-US" smtClean="0"/>
-              <a:t>12/23/2021</a:t>
+              <a:t>12/29/2021</a:t>
             </a:fld>
             <a:endParaRPr lang="en-US"/>
           </a:p>
@@ -3828,7 +4570,7 @@
           <a:p>
             <a:fld id="{2185751B-154C-48B3-90FA-C17C05FCF1B7}" type="datetimeFigureOut">
               <a:rPr lang="en-US" smtClean="0"/>
-              <a:t>12/23/2021</a:t>
+              <a:t>12/29/2021</a:t>
             </a:fld>
             <a:endParaRPr lang="en-US"/>
           </a:p>
@@ -3969,7 +4711,7 @@
           <a:p>
             <a:fld id="{2185751B-154C-48B3-90FA-C17C05FCF1B7}" type="datetimeFigureOut">
               <a:rPr lang="en-US" smtClean="0"/>
-              <a:t>12/23/2021</a:t>
+              <a:t>12/29/2021</a:t>
             </a:fld>
             <a:endParaRPr lang="en-US"/>
           </a:p>
@@ -4082,7 +4824,7 @@
           <a:p>
             <a:fld id="{2185751B-154C-48B3-90FA-C17C05FCF1B7}" type="datetimeFigureOut">
               <a:rPr lang="en-US" smtClean="0"/>
-              <a:t>12/23/2021</a:t>
+              <a:t>12/29/2021</a:t>
             </a:fld>
             <a:endParaRPr lang="en-US"/>
           </a:p>
@@ -4393,7 +5135,7 @@
           <a:p>
             <a:fld id="{2185751B-154C-48B3-90FA-C17C05FCF1B7}" type="datetimeFigureOut">
               <a:rPr lang="en-US" smtClean="0"/>
-              <a:t>12/23/2021</a:t>
+              <a:t>12/29/2021</a:t>
             </a:fld>
             <a:endParaRPr lang="en-US"/>
           </a:p>
@@ -4681,7 +5423,7 @@
           <a:p>
             <a:fld id="{2185751B-154C-48B3-90FA-C17C05FCF1B7}" type="datetimeFigureOut">
               <a:rPr lang="en-US" smtClean="0"/>
-              <a:t>12/23/2021</a:t>
+              <a:t>12/29/2021</a:t>
             </a:fld>
             <a:endParaRPr lang="en-US"/>
           </a:p>
@@ -4922,7 +5664,7 @@
           <a:p>
             <a:fld id="{2185751B-154C-48B3-90FA-C17C05FCF1B7}" type="datetimeFigureOut">
               <a:rPr lang="en-US" smtClean="0"/>
-              <a:t>12/23/2021</a:t>
+              <a:t>12/29/2021</a:t>
             </a:fld>
             <a:endParaRPr lang="en-US"/>
           </a:p>
@@ -5478,7 +6220,7 @@
           <a:p>
             <a:r>
               <a:rPr lang="en-US" dirty="0"/>
-              <a:t>Making some Cache</a:t>
+              <a:t>Let’s Send Some Emails</a:t>
             </a:r>
           </a:p>
         </p:txBody>
@@ -5486,7 +6228,7 @@
     </p:spTree>
     <p:extLst>
       <p:ext uri="{BB962C8B-B14F-4D97-AF65-F5344CB8AC3E}">
-        <p14:creationId xmlns:p14="http://schemas.microsoft.com/office/powerpoint/2010/main" val="1077179974"/>
+        <p14:creationId xmlns:p14="http://schemas.microsoft.com/office/powerpoint/2010/main" val="2162110331"/>
       </p:ext>
     </p:extLst>
   </p:cSld>
@@ -5518,7 +6260,7 @@
           <p:cNvPr id="2" name="Title 1">
             <a:extLst>
               <a:ext uri="{FF2B5EF4-FFF2-40B4-BE49-F238E27FC236}">
-                <a16:creationId xmlns:a16="http://schemas.microsoft.com/office/drawing/2014/main" id="{DC268D94-29CA-405C-82A4-E31CA7FA7A76}"/>
+                <a16:creationId xmlns:a16="http://schemas.microsoft.com/office/drawing/2014/main" id="{E9F8B391-AB0F-4381-9068-F18D6873D455}"/>
               </a:ext>
             </a:extLst>
           </p:cNvPr>
@@ -5536,7 +6278,7 @@
           <a:p>
             <a:r>
               <a:rPr lang="en-US" dirty="0"/>
-              <a:t>Distribution</a:t>
+              <a:t>Caching</a:t>
             </a:r>
           </a:p>
         </p:txBody>
@@ -5546,7 +6288,7 @@
           <p:cNvPr id="3" name="Content Placeholder 2">
             <a:extLst>
               <a:ext uri="{FF2B5EF4-FFF2-40B4-BE49-F238E27FC236}">
-                <a16:creationId xmlns:a16="http://schemas.microsoft.com/office/drawing/2014/main" id="{AB6E5523-2AA7-4DAB-A776-906FD8941288}"/>
+                <a16:creationId xmlns:a16="http://schemas.microsoft.com/office/drawing/2014/main" id="{B0B5DF01-9A4A-4415-B7F2-70F3939DB4E1}"/>
               </a:ext>
             </a:extLst>
           </p:cNvPr>
@@ -5562,14 +6304,56 @@
           <a:bodyPr/>
           <a:lstStyle/>
           <a:p>
-            <a:endParaRPr lang="en-US"/>
+            <a:r>
+              <a:rPr lang="en-US" dirty="0"/>
+              <a:t>Applications ask a lot of repeating questions</a:t>
+            </a:r>
+          </a:p>
+          <a:p>
+            <a:pPr lvl="1"/>
+            <a:r>
+              <a:rPr lang="en-US" dirty="0"/>
+              <a:t>Especially stateless applications!</a:t>
+            </a:r>
+          </a:p>
+          <a:p>
+            <a:pPr lvl="1"/>
+            <a:endParaRPr lang="en-US" dirty="0"/>
+          </a:p>
+          <a:p>
+            <a:r>
+              <a:rPr lang="en-US" dirty="0"/>
+              <a:t>Answers don’t change often</a:t>
+            </a:r>
+          </a:p>
+          <a:p>
+            <a:pPr lvl="1"/>
+            <a:r>
+              <a:rPr lang="en-US" dirty="0"/>
+              <a:t>What is the price of product “XYZ”?</a:t>
+            </a:r>
+          </a:p>
+          <a:p>
+            <a:pPr lvl="1"/>
+            <a:r>
+              <a:rPr lang="en-US" dirty="0"/>
+              <a:t>What is the average rating of </a:t>
+            </a:r>
+            <a:r>
+              <a:rPr lang="en-US" dirty="0" err="1"/>
+              <a:t>SignalR</a:t>
+            </a:r>
+            <a:r>
+              <a:rPr lang="en-US" dirty="0"/>
+              <a:t> Mastery?</a:t>
+            </a:r>
           </a:p>
         </p:txBody>
       </p:sp>
     </p:spTree>
     <p:extLst>
       <p:ext uri="{BB962C8B-B14F-4D97-AF65-F5344CB8AC3E}">
-        <p14:creationId xmlns:p14="http://schemas.microsoft.com/office/powerpoint/2010/main" val="2521945178"/>
+        <p14:creationId xmlns:p14="http://schemas.microsoft.com/office/powerpoint/2010/main" val="3458276994"/>
       </p:ext>
     </p:extLst>
   </p:cSld>
@@ -5596,55 +6380,101 @@
           <a:chExt cx="0" cy="0"/>
         </a:xfrm>
       </p:grpSpPr>
-      <p:sp>
-        <p:nvSpPr>
-          <p:cNvPr id="2" name="Title 1">
-            <a:extLst>
-              <a:ext uri="{FF2B5EF4-FFF2-40B4-BE49-F238E27FC236}">
-                <a16:creationId xmlns:a16="http://schemas.microsoft.com/office/drawing/2014/main" id="{DC268D94-29CA-405C-82A4-E31CA7FA7A76}"/>
-              </a:ext>
-            </a:extLst>
-          </p:cNvPr>
-          <p:cNvSpPr>
-            <a:spLocks noGrp="1"/>
-          </p:cNvSpPr>
-          <p:nvPr>
-            <p:ph type="title"/>
-          </p:nvPr>
-        </p:nvSpPr>
-        <p:spPr/>
-        <p:txBody>
-          <a:bodyPr/>
-          <a:lstStyle/>
-          <a:p>
-            <a:r>
-              <a:rPr lang="en-US" dirty="0"/>
-              <a:t>Distribution</a:t>
-            </a:r>
-          </a:p>
-        </p:txBody>
-      </p:sp>
-      <p:sp>
-        <p:nvSpPr>
-          <p:cNvPr id="3" name="Content Placeholder 2">
-            <a:extLst>
-              <a:ext uri="{FF2B5EF4-FFF2-40B4-BE49-F238E27FC236}">
-                <a16:creationId xmlns:a16="http://schemas.microsoft.com/office/drawing/2014/main" id="{AB6E5523-2AA7-4DAB-A776-906FD8941288}"/>
-              </a:ext>
-            </a:extLst>
-          </p:cNvPr>
-          <p:cNvSpPr>
-            <a:spLocks noGrp="1"/>
-          </p:cNvSpPr>
-          <p:nvPr>
-            <p:ph idx="1"/>
-          </p:nvPr>
-        </p:nvSpPr>
-        <p:spPr/>
-        <p:txBody>
-          <a:bodyPr/>
-          <a:lstStyle/>
-          <a:p>
+      <p:pic>
+        <p:nvPicPr>
+          <p:cNvPr id="1030" name="Picture 6">
+            <a:extLst>
+              <a:ext uri="{FF2B5EF4-FFF2-40B4-BE49-F238E27FC236}">
+                <a16:creationId xmlns:a16="http://schemas.microsoft.com/office/drawing/2014/main" id="{91882A1B-BA20-41BD-886E-314D68B35C4E}"/>
+              </a:ext>
+            </a:extLst>
+          </p:cNvPr>
+          <p:cNvPicPr>
+            <a:picLocks noChangeAspect="1" noChangeArrowheads="1"/>
+          </p:cNvPicPr>
+          <p:nvPr/>
+        </p:nvPicPr>
+        <p:blipFill>
+          <a:blip r:embed="rId2">
+            <a:extLst>
+              <a:ext uri="{28A0092B-C50C-407E-A947-70E740481C1C}">
+                <a14:useLocalDpi xmlns:a14="http://schemas.microsoft.com/office/drawing/2010/main" val="0"/>
+              </a:ext>
+            </a:extLst>
+          </a:blip>
+          <a:srcRect/>
+          <a:stretch>
+            <a:fillRect/>
+          </a:stretch>
+        </p:blipFill>
+        <p:spPr bwMode="auto">
+          <a:xfrm>
+            <a:off x="0" y="0"/>
+            <a:ext cx="12192000" cy="5497513"/>
+          </a:xfrm>
+          <a:prstGeom prst="rect">
+            <a:avLst/>
+          </a:prstGeom>
+          <a:noFill/>
+          <a:extLst>
+            <a:ext uri="{909E8E84-426E-40DD-AFC4-6F175D3DCCD1}">
+              <a14:hiddenFill xmlns:a14="http://schemas.microsoft.com/office/drawing/2010/main">
+                <a:solidFill>
+                  <a:srgbClr val="FFFFFF"/>
+                </a:solidFill>
+              </a14:hiddenFill>
+            </a:ext>
+          </a:extLst>
+        </p:spPr>
+      </p:pic>
+      <p:sp>
+        <p:nvSpPr>
+          <p:cNvPr id="4" name="Rectangle 3">
+            <a:extLst>
+              <a:ext uri="{FF2B5EF4-FFF2-40B4-BE49-F238E27FC236}">
+                <a16:creationId xmlns:a16="http://schemas.microsoft.com/office/drawing/2014/main" id="{DB9C2453-25A8-41DD-AF69-11785E05F7EC}"/>
+              </a:ext>
+            </a:extLst>
+          </p:cNvPr>
+          <p:cNvSpPr/>
+          <p:nvPr/>
+        </p:nvSpPr>
+        <p:spPr>
+          <a:xfrm>
+            <a:off x="972152" y="2127183"/>
+            <a:ext cx="3522846" cy="702644"/>
+          </a:xfrm>
+          <a:prstGeom prst="rect">
+            <a:avLst/>
+          </a:prstGeom>
+          <a:noFill/>
+          <a:ln w="76200">
+            <a:solidFill>
+              <a:srgbClr val="FF0000"/>
+            </a:solidFill>
+          </a:ln>
+        </p:spPr>
+        <p:style>
+          <a:lnRef idx="2">
+            <a:schemeClr val="accent1">
+              <a:shade val="50000"/>
+            </a:schemeClr>
+          </a:lnRef>
+          <a:fillRef idx="1">
+            <a:schemeClr val="accent1"/>
+          </a:fillRef>
+          <a:effectRef idx="0">
+            <a:schemeClr val="accent1"/>
+          </a:effectRef>
+          <a:fontRef idx="minor">
+            <a:schemeClr val="lt1"/>
+          </a:fontRef>
+        </p:style>
+        <p:txBody>
+          <a:bodyPr rtlCol="0" anchor="ctr"/>
+          <a:lstStyle/>
+          <a:p>
+            <a:pPr algn="ctr"/>
             <a:endParaRPr lang="en-US"/>
           </a:p>
         </p:txBody>
@@ -5652,7 +6482,7 @@
     </p:spTree>
     <p:extLst>
       <p:ext uri="{BB962C8B-B14F-4D97-AF65-F5344CB8AC3E}">
-        <p14:creationId xmlns:p14="http://schemas.microsoft.com/office/powerpoint/2010/main" val="715533140"/>
+        <p14:creationId xmlns:p14="http://schemas.microsoft.com/office/powerpoint/2010/main" val="629755792"/>
       </p:ext>
     </p:extLst>
   </p:cSld>
@@ -5679,55 +6509,101 @@
           <a:chExt cx="0" cy="0"/>
         </a:xfrm>
       </p:grpSpPr>
-      <p:sp>
-        <p:nvSpPr>
-          <p:cNvPr id="2" name="Title 1">
-            <a:extLst>
-              <a:ext uri="{FF2B5EF4-FFF2-40B4-BE49-F238E27FC236}">
-                <a16:creationId xmlns:a16="http://schemas.microsoft.com/office/drawing/2014/main" id="{DC268D94-29CA-405C-82A4-E31CA7FA7A76}"/>
-              </a:ext>
-            </a:extLst>
-          </p:cNvPr>
-          <p:cNvSpPr>
-            <a:spLocks noGrp="1"/>
-          </p:cNvSpPr>
-          <p:nvPr>
-            <p:ph type="title"/>
-          </p:nvPr>
-        </p:nvSpPr>
-        <p:spPr/>
-        <p:txBody>
-          <a:bodyPr/>
-          <a:lstStyle/>
-          <a:p>
-            <a:r>
-              <a:rPr lang="en-US" dirty="0"/>
-              <a:t>Distribution</a:t>
-            </a:r>
-          </a:p>
-        </p:txBody>
-      </p:sp>
-      <p:sp>
-        <p:nvSpPr>
-          <p:cNvPr id="3" name="Content Placeholder 2">
-            <a:extLst>
-              <a:ext uri="{FF2B5EF4-FFF2-40B4-BE49-F238E27FC236}">
-                <a16:creationId xmlns:a16="http://schemas.microsoft.com/office/drawing/2014/main" id="{AB6E5523-2AA7-4DAB-A776-906FD8941288}"/>
-              </a:ext>
-            </a:extLst>
-          </p:cNvPr>
-          <p:cNvSpPr>
-            <a:spLocks noGrp="1"/>
-          </p:cNvSpPr>
-          <p:nvPr>
-            <p:ph idx="1"/>
-          </p:nvPr>
-        </p:nvSpPr>
-        <p:spPr/>
-        <p:txBody>
-          <a:bodyPr/>
-          <a:lstStyle/>
-          <a:p>
+      <p:pic>
+        <p:nvPicPr>
+          <p:cNvPr id="3076" name="Picture 4">
+            <a:extLst>
+              <a:ext uri="{FF2B5EF4-FFF2-40B4-BE49-F238E27FC236}">
+                <a16:creationId xmlns:a16="http://schemas.microsoft.com/office/drawing/2014/main" id="{7CF43459-D94C-4CDE-8C92-E1ED8F881CAD}"/>
+              </a:ext>
+            </a:extLst>
+          </p:cNvPr>
+          <p:cNvPicPr>
+            <a:picLocks noChangeAspect="1" noChangeArrowheads="1"/>
+          </p:cNvPicPr>
+          <p:nvPr/>
+        </p:nvPicPr>
+        <p:blipFill>
+          <a:blip r:embed="rId2">
+            <a:extLst>
+              <a:ext uri="{28A0092B-C50C-407E-A947-70E740481C1C}">
+                <a14:useLocalDpi xmlns:a14="http://schemas.microsoft.com/office/drawing/2010/main" val="0"/>
+              </a:ext>
+            </a:extLst>
+          </a:blip>
+          <a:srcRect/>
+          <a:stretch>
+            <a:fillRect/>
+          </a:stretch>
+        </p:blipFill>
+        <p:spPr bwMode="auto">
+          <a:xfrm>
+            <a:off x="0" y="0"/>
+            <a:ext cx="12192000" cy="5446713"/>
+          </a:xfrm>
+          <a:prstGeom prst="rect">
+            <a:avLst/>
+          </a:prstGeom>
+          <a:noFill/>
+          <a:extLst>
+            <a:ext uri="{909E8E84-426E-40DD-AFC4-6F175D3DCCD1}">
+              <a14:hiddenFill xmlns:a14="http://schemas.microsoft.com/office/drawing/2010/main">
+                <a:solidFill>
+                  <a:srgbClr val="FFFFFF"/>
+                </a:solidFill>
+              </a14:hiddenFill>
+            </a:ext>
+          </a:extLst>
+        </p:spPr>
+      </p:pic>
+      <p:sp>
+        <p:nvSpPr>
+          <p:cNvPr id="8" name="Rectangle 7">
+            <a:extLst>
+              <a:ext uri="{FF2B5EF4-FFF2-40B4-BE49-F238E27FC236}">
+                <a16:creationId xmlns:a16="http://schemas.microsoft.com/office/drawing/2014/main" id="{6E79F591-10A1-4A31-B1EA-A9C3DCD7A629}"/>
+              </a:ext>
+            </a:extLst>
+          </p:cNvPr>
+          <p:cNvSpPr/>
+          <p:nvPr/>
+        </p:nvSpPr>
+        <p:spPr>
+          <a:xfrm>
+            <a:off x="972152" y="2127183"/>
+            <a:ext cx="3522846" cy="702644"/>
+          </a:xfrm>
+          <a:prstGeom prst="rect">
+            <a:avLst/>
+          </a:prstGeom>
+          <a:noFill/>
+          <a:ln w="76200">
+            <a:solidFill>
+              <a:srgbClr val="FF0000"/>
+            </a:solidFill>
+          </a:ln>
+        </p:spPr>
+        <p:style>
+          <a:lnRef idx="2">
+            <a:schemeClr val="accent1">
+              <a:shade val="50000"/>
+            </a:schemeClr>
+          </a:lnRef>
+          <a:fillRef idx="1">
+            <a:schemeClr val="accent1"/>
+          </a:fillRef>
+          <a:effectRef idx="0">
+            <a:schemeClr val="accent1"/>
+          </a:effectRef>
+          <a:fontRef idx="minor">
+            <a:schemeClr val="lt1"/>
+          </a:fontRef>
+        </p:style>
+        <p:txBody>
+          <a:bodyPr rtlCol="0" anchor="ctr"/>
+          <a:lstStyle/>
+          <a:p>
+            <a:pPr algn="ctr"/>
             <a:endParaRPr lang="en-US"/>
           </a:p>
         </p:txBody>
@@ -5735,7 +6611,7 @@
     </p:spTree>
     <p:extLst>
       <p:ext uri="{BB962C8B-B14F-4D97-AF65-F5344CB8AC3E}">
-        <p14:creationId xmlns:p14="http://schemas.microsoft.com/office/powerpoint/2010/main" val="3067867300"/>
+        <p14:creationId xmlns:p14="http://schemas.microsoft.com/office/powerpoint/2010/main" val="946593085"/>
       </p:ext>
     </p:extLst>
   </p:cSld>
@@ -5762,6 +6638,2340 @@
           <a:chExt cx="0" cy="0"/>
         </a:xfrm>
       </p:grpSpPr>
+      <p:pic>
+        <p:nvPicPr>
+          <p:cNvPr id="4098" name="Picture 2">
+            <a:extLst>
+              <a:ext uri="{FF2B5EF4-FFF2-40B4-BE49-F238E27FC236}">
+                <a16:creationId xmlns:a16="http://schemas.microsoft.com/office/drawing/2014/main" id="{5C406122-DF1B-40D1-9B72-58F39CE1F938}"/>
+              </a:ext>
+            </a:extLst>
+          </p:cNvPr>
+          <p:cNvPicPr>
+            <a:picLocks noChangeAspect="1" noChangeArrowheads="1"/>
+          </p:cNvPicPr>
+          <p:nvPr/>
+        </p:nvPicPr>
+        <p:blipFill>
+          <a:blip r:embed="rId2">
+            <a:extLst>
+              <a:ext uri="{28A0092B-C50C-407E-A947-70E740481C1C}">
+                <a14:useLocalDpi xmlns:a14="http://schemas.microsoft.com/office/drawing/2010/main" val="0"/>
+              </a:ext>
+            </a:extLst>
+          </a:blip>
+          <a:srcRect/>
+          <a:stretch>
+            <a:fillRect/>
+          </a:stretch>
+        </p:blipFill>
+        <p:spPr bwMode="auto">
+          <a:xfrm>
+            <a:off x="0" y="0"/>
+            <a:ext cx="12192000" cy="5375275"/>
+          </a:xfrm>
+          <a:prstGeom prst="rect">
+            <a:avLst/>
+          </a:prstGeom>
+          <a:noFill/>
+          <a:extLst>
+            <a:ext uri="{909E8E84-426E-40DD-AFC4-6F175D3DCCD1}">
+              <a14:hiddenFill xmlns:a14="http://schemas.microsoft.com/office/drawing/2010/main">
+                <a:solidFill>
+                  <a:srgbClr val="FFFFFF"/>
+                </a:solidFill>
+              </a14:hiddenFill>
+            </a:ext>
+          </a:extLst>
+        </p:spPr>
+      </p:pic>
+      <p:sp>
+        <p:nvSpPr>
+          <p:cNvPr id="8" name="Rectangle 7">
+            <a:extLst>
+              <a:ext uri="{FF2B5EF4-FFF2-40B4-BE49-F238E27FC236}">
+                <a16:creationId xmlns:a16="http://schemas.microsoft.com/office/drawing/2014/main" id="{52D67273-9F96-40D5-B106-98CED369DD5B}"/>
+              </a:ext>
+            </a:extLst>
+          </p:cNvPr>
+          <p:cNvSpPr/>
+          <p:nvPr/>
+        </p:nvSpPr>
+        <p:spPr>
+          <a:xfrm>
+            <a:off x="972152" y="2127183"/>
+            <a:ext cx="3522846" cy="702644"/>
+          </a:xfrm>
+          <a:prstGeom prst="rect">
+            <a:avLst/>
+          </a:prstGeom>
+          <a:noFill/>
+          <a:ln w="76200">
+            <a:solidFill>
+              <a:srgbClr val="FF0000"/>
+            </a:solidFill>
+          </a:ln>
+        </p:spPr>
+        <p:style>
+          <a:lnRef idx="2">
+            <a:schemeClr val="accent1">
+              <a:shade val="50000"/>
+            </a:schemeClr>
+          </a:lnRef>
+          <a:fillRef idx="1">
+            <a:schemeClr val="accent1"/>
+          </a:fillRef>
+          <a:effectRef idx="0">
+            <a:schemeClr val="accent1"/>
+          </a:effectRef>
+          <a:fontRef idx="minor">
+            <a:schemeClr val="lt1"/>
+          </a:fontRef>
+        </p:style>
+        <p:txBody>
+          <a:bodyPr rtlCol="0" anchor="ctr"/>
+          <a:lstStyle/>
+          <a:p>
+            <a:pPr algn="ctr"/>
+            <a:endParaRPr lang="en-US"/>
+          </a:p>
+        </p:txBody>
+      </p:sp>
+    </p:spTree>
+    <p:extLst>
+      <p:ext uri="{BB962C8B-B14F-4D97-AF65-F5344CB8AC3E}">
+        <p14:creationId xmlns:p14="http://schemas.microsoft.com/office/powerpoint/2010/main" val="4045267273"/>
+      </p:ext>
+    </p:extLst>
+  </p:cSld>
+  <p:clrMapOvr>
+    <a:masterClrMapping/>
+  </p:clrMapOvr>
+</p:sld>
+</file>
+
+<file path=ppt/slides/slide15.xml><?xml version="1.0" encoding="utf-8"?>
+<p:sld xmlns:a="http://schemas.openxmlformats.org/drawingml/2006/main" xmlns:r="http://schemas.openxmlformats.org/officeDocument/2006/relationships" xmlns:p="http://schemas.openxmlformats.org/presentationml/2006/main">
+  <p:cSld>
+    <p:spTree>
+      <p:nvGrpSpPr>
+        <p:cNvPr id="1" name=""/>
+        <p:cNvGrpSpPr/>
+        <p:nvPr/>
+      </p:nvGrpSpPr>
+      <p:grpSpPr>
+        <a:xfrm>
+          <a:off x="0" y="0"/>
+          <a:ext cx="0" cy="0"/>
+          <a:chOff x="0" y="0"/>
+          <a:chExt cx="0" cy="0"/>
+        </a:xfrm>
+      </p:grpSpPr>
+      <p:sp>
+        <p:nvSpPr>
+          <p:cNvPr id="2" name="Title 1">
+            <a:extLst>
+              <a:ext uri="{FF2B5EF4-FFF2-40B4-BE49-F238E27FC236}">
+                <a16:creationId xmlns:a16="http://schemas.microsoft.com/office/drawing/2014/main" id="{E9F8B391-AB0F-4381-9068-F18D6873D455}"/>
+              </a:ext>
+            </a:extLst>
+          </p:cNvPr>
+          <p:cNvSpPr>
+            <a:spLocks noGrp="1"/>
+          </p:cNvSpPr>
+          <p:nvPr>
+            <p:ph type="title"/>
+          </p:nvPr>
+        </p:nvSpPr>
+        <p:spPr/>
+        <p:txBody>
+          <a:bodyPr/>
+          <a:lstStyle/>
+          <a:p>
+            <a:r>
+              <a:rPr lang="en-US" dirty="0"/>
+              <a:t>Caching</a:t>
+            </a:r>
+          </a:p>
+        </p:txBody>
+      </p:sp>
+      <p:sp>
+        <p:nvSpPr>
+          <p:cNvPr id="4" name="Cloud 3">
+            <a:extLst>
+              <a:ext uri="{FF2B5EF4-FFF2-40B4-BE49-F238E27FC236}">
+                <a16:creationId xmlns:a16="http://schemas.microsoft.com/office/drawing/2014/main" id="{29B5AEBD-5429-4BAF-A0C9-5817ACCF5307}"/>
+              </a:ext>
+            </a:extLst>
+          </p:cNvPr>
+          <p:cNvSpPr/>
+          <p:nvPr/>
+        </p:nvSpPr>
+        <p:spPr>
+          <a:xfrm>
+            <a:off x="546100" y="3009900"/>
+            <a:ext cx="2197100" cy="1422400"/>
+          </a:xfrm>
+          <a:prstGeom prst="cloud">
+            <a:avLst/>
+          </a:prstGeom>
+        </p:spPr>
+        <p:style>
+          <a:lnRef idx="2">
+            <a:schemeClr val="accent1">
+              <a:shade val="50000"/>
+            </a:schemeClr>
+          </a:lnRef>
+          <a:fillRef idx="1">
+            <a:schemeClr val="accent1"/>
+          </a:fillRef>
+          <a:effectRef idx="0">
+            <a:schemeClr val="accent1"/>
+          </a:effectRef>
+          <a:fontRef idx="minor">
+            <a:schemeClr val="lt1"/>
+          </a:fontRef>
+        </p:style>
+        <p:txBody>
+          <a:bodyPr rtlCol="0" anchor="ctr"/>
+          <a:lstStyle/>
+          <a:p>
+            <a:pPr algn="ctr"/>
+            <a:endParaRPr lang="en-US" dirty="0"/>
+          </a:p>
+        </p:txBody>
+      </p:sp>
+      <p:sp>
+        <p:nvSpPr>
+          <p:cNvPr id="5" name="Rectangle 4">
+            <a:extLst>
+              <a:ext uri="{FF2B5EF4-FFF2-40B4-BE49-F238E27FC236}">
+                <a16:creationId xmlns:a16="http://schemas.microsoft.com/office/drawing/2014/main" id="{8019762D-C6E1-44A8-99CA-1FE916907FE7}"/>
+              </a:ext>
+            </a:extLst>
+          </p:cNvPr>
+          <p:cNvSpPr/>
+          <p:nvPr/>
+        </p:nvSpPr>
+        <p:spPr>
+          <a:xfrm>
+            <a:off x="3968751" y="3086100"/>
+            <a:ext cx="2127250" cy="1269999"/>
+          </a:xfrm>
+          <a:prstGeom prst="rect">
+            <a:avLst/>
+          </a:prstGeom>
+        </p:spPr>
+        <p:style>
+          <a:lnRef idx="2">
+            <a:schemeClr val="accent1">
+              <a:shade val="50000"/>
+            </a:schemeClr>
+          </a:lnRef>
+          <a:fillRef idx="1">
+            <a:schemeClr val="accent1"/>
+          </a:fillRef>
+          <a:effectRef idx="0">
+            <a:schemeClr val="accent1"/>
+          </a:effectRef>
+          <a:fontRef idx="minor">
+            <a:schemeClr val="lt1"/>
+          </a:fontRef>
+        </p:style>
+        <p:txBody>
+          <a:bodyPr rtlCol="0" anchor="ctr"/>
+          <a:lstStyle/>
+          <a:p>
+            <a:pPr algn="ctr"/>
+            <a:r>
+              <a:rPr lang="en-US" dirty="0"/>
+              <a:t>GET /whisky</a:t>
+            </a:r>
+          </a:p>
+        </p:txBody>
+      </p:sp>
+      <p:cxnSp>
+        <p:nvCxnSpPr>
+          <p:cNvPr id="6" name="Straight Arrow Connector 5">
+            <a:extLst>
+              <a:ext uri="{FF2B5EF4-FFF2-40B4-BE49-F238E27FC236}">
+                <a16:creationId xmlns:a16="http://schemas.microsoft.com/office/drawing/2014/main" id="{CF589B6E-1D76-4356-82E5-754FE7D2CE53}"/>
+              </a:ext>
+            </a:extLst>
+          </p:cNvPr>
+          <p:cNvCxnSpPr>
+            <a:cxnSpLocks/>
+          </p:cNvCxnSpPr>
+          <p:nvPr/>
+        </p:nvCxnSpPr>
+        <p:spPr>
+          <a:xfrm>
+            <a:off x="2946400" y="3250808"/>
+            <a:ext cx="1022351" cy="0"/>
+          </a:xfrm>
+          <a:prstGeom prst="straightConnector1">
+            <a:avLst/>
+          </a:prstGeom>
+          <a:ln w="76200">
+            <a:tailEnd type="triangle"/>
+          </a:ln>
+        </p:spPr>
+        <p:style>
+          <a:lnRef idx="1">
+            <a:schemeClr val="accent6"/>
+          </a:lnRef>
+          <a:fillRef idx="0">
+            <a:schemeClr val="accent6"/>
+          </a:fillRef>
+          <a:effectRef idx="0">
+            <a:schemeClr val="accent6"/>
+          </a:effectRef>
+          <a:fontRef idx="minor">
+            <a:schemeClr val="tx1"/>
+          </a:fontRef>
+        </p:style>
+      </p:cxnSp>
+      <p:cxnSp>
+        <p:nvCxnSpPr>
+          <p:cNvPr id="7" name="Straight Arrow Connector 6">
+            <a:extLst>
+              <a:ext uri="{FF2B5EF4-FFF2-40B4-BE49-F238E27FC236}">
+                <a16:creationId xmlns:a16="http://schemas.microsoft.com/office/drawing/2014/main" id="{AA40F740-3F73-40E7-B2A4-FB92BD382B12}"/>
+              </a:ext>
+            </a:extLst>
+          </p:cNvPr>
+          <p:cNvCxnSpPr>
+            <a:cxnSpLocks/>
+          </p:cNvCxnSpPr>
+          <p:nvPr/>
+        </p:nvCxnSpPr>
+        <p:spPr>
+          <a:xfrm flipH="1">
+            <a:off x="2946400" y="4099724"/>
+            <a:ext cx="949324" cy="0"/>
+          </a:xfrm>
+          <a:prstGeom prst="straightConnector1">
+            <a:avLst/>
+          </a:prstGeom>
+          <a:ln w="76200">
+            <a:tailEnd type="triangle"/>
+          </a:ln>
+        </p:spPr>
+        <p:style>
+          <a:lnRef idx="1">
+            <a:schemeClr val="accent6"/>
+          </a:lnRef>
+          <a:fillRef idx="0">
+            <a:schemeClr val="accent6"/>
+          </a:fillRef>
+          <a:effectRef idx="0">
+            <a:schemeClr val="accent6"/>
+          </a:effectRef>
+          <a:fontRef idx="minor">
+            <a:schemeClr val="tx1"/>
+          </a:fontRef>
+        </p:style>
+      </p:cxnSp>
+      <p:sp>
+        <p:nvSpPr>
+          <p:cNvPr id="8" name="Cylinder 7">
+            <a:extLst>
+              <a:ext uri="{FF2B5EF4-FFF2-40B4-BE49-F238E27FC236}">
+                <a16:creationId xmlns:a16="http://schemas.microsoft.com/office/drawing/2014/main" id="{FA05C37F-7005-4593-B1EC-3F567C24B10A}"/>
+              </a:ext>
+            </a:extLst>
+          </p:cNvPr>
+          <p:cNvSpPr/>
+          <p:nvPr/>
+        </p:nvSpPr>
+        <p:spPr>
+          <a:xfrm>
+            <a:off x="9245600" y="2651015"/>
+            <a:ext cx="1617044" cy="2140167"/>
+          </a:xfrm>
+          <a:prstGeom prst="can">
+            <a:avLst/>
+          </a:prstGeom>
+        </p:spPr>
+        <p:style>
+          <a:lnRef idx="2">
+            <a:schemeClr val="accent1">
+              <a:shade val="50000"/>
+            </a:schemeClr>
+          </a:lnRef>
+          <a:fillRef idx="1">
+            <a:schemeClr val="accent1"/>
+          </a:fillRef>
+          <a:effectRef idx="0">
+            <a:schemeClr val="accent1"/>
+          </a:effectRef>
+          <a:fontRef idx="minor">
+            <a:schemeClr val="lt1"/>
+          </a:fontRef>
+        </p:style>
+        <p:txBody>
+          <a:bodyPr rtlCol="0" anchor="ctr"/>
+          <a:lstStyle/>
+          <a:p>
+            <a:pPr algn="ctr"/>
+            <a:r>
+              <a:rPr lang="en-US" dirty="0"/>
+              <a:t>SQL</a:t>
+            </a:r>
+          </a:p>
+          <a:p>
+            <a:pPr algn="ctr"/>
+            <a:r>
+              <a:rPr lang="en-US" dirty="0"/>
+              <a:t>Database</a:t>
+            </a:r>
+          </a:p>
+        </p:txBody>
+      </p:sp>
+      <p:cxnSp>
+        <p:nvCxnSpPr>
+          <p:cNvPr id="11" name="Connector: Elbow 10">
+            <a:extLst>
+              <a:ext uri="{FF2B5EF4-FFF2-40B4-BE49-F238E27FC236}">
+                <a16:creationId xmlns:a16="http://schemas.microsoft.com/office/drawing/2014/main" id="{2AADE8F4-379E-4E9D-A2AF-D4963C3126F6}"/>
+              </a:ext>
+            </a:extLst>
+          </p:cNvPr>
+          <p:cNvCxnSpPr>
+            <a:cxnSpLocks/>
+            <a:stCxn id="5" idx="3"/>
+            <a:endCxn id="8" idx="2"/>
+          </p:cNvCxnSpPr>
+          <p:nvPr/>
+        </p:nvCxnSpPr>
+        <p:spPr>
+          <a:xfrm flipV="1">
+            <a:off x="6096001" y="3721099"/>
+            <a:ext cx="3149599" cy="1"/>
+          </a:xfrm>
+          <a:prstGeom prst="bentConnector3">
+            <a:avLst/>
+          </a:prstGeom>
+          <a:ln w="76200">
+            <a:headEnd type="triangle" w="med" len="med"/>
+            <a:tailEnd type="triangle" w="med" len="med"/>
+          </a:ln>
+        </p:spPr>
+        <p:style>
+          <a:lnRef idx="1">
+            <a:schemeClr val="accent6"/>
+          </a:lnRef>
+          <a:fillRef idx="0">
+            <a:schemeClr val="accent6"/>
+          </a:fillRef>
+          <a:effectRef idx="0">
+            <a:schemeClr val="accent6"/>
+          </a:effectRef>
+          <a:fontRef idx="minor">
+            <a:schemeClr val="tx1"/>
+          </a:fontRef>
+        </p:style>
+      </p:cxnSp>
+      <p:sp>
+        <p:nvSpPr>
+          <p:cNvPr id="12" name="TextBox 11">
+            <a:extLst>
+              <a:ext uri="{FF2B5EF4-FFF2-40B4-BE49-F238E27FC236}">
+                <a16:creationId xmlns:a16="http://schemas.microsoft.com/office/drawing/2014/main" id="{81140837-D2EC-409A-8229-DD607570B229}"/>
+              </a:ext>
+            </a:extLst>
+          </p:cNvPr>
+          <p:cNvSpPr txBox="1"/>
+          <p:nvPr/>
+        </p:nvSpPr>
+        <p:spPr>
+          <a:xfrm>
+            <a:off x="7158490" y="3328165"/>
+            <a:ext cx="1024621" cy="369332"/>
+          </a:xfrm>
+          <a:prstGeom prst="rect">
+            <a:avLst/>
+          </a:prstGeom>
+          <a:noFill/>
+        </p:spPr>
+        <p:txBody>
+          <a:bodyPr wrap="square" rtlCol="0">
+            <a:spAutoFit/>
+          </a:bodyPr>
+          <a:lstStyle/>
+          <a:p>
+            <a:r>
+              <a:rPr lang="en-US" dirty="0"/>
+              <a:t>7500ms</a:t>
+            </a:r>
+          </a:p>
+        </p:txBody>
+      </p:sp>
+    </p:spTree>
+    <p:extLst>
+      <p:ext uri="{BB962C8B-B14F-4D97-AF65-F5344CB8AC3E}">
+        <p14:creationId xmlns:p14="http://schemas.microsoft.com/office/powerpoint/2010/main" val="1652664455"/>
+      </p:ext>
+    </p:extLst>
+  </p:cSld>
+  <p:clrMapOvr>
+    <a:masterClrMapping/>
+  </p:clrMapOvr>
+</p:sld>
+</file>
+
+<file path=ppt/slides/slide16.xml><?xml version="1.0" encoding="utf-8"?>
+<p:sld xmlns:a="http://schemas.openxmlformats.org/drawingml/2006/main" xmlns:r="http://schemas.openxmlformats.org/officeDocument/2006/relationships" xmlns:p="http://schemas.openxmlformats.org/presentationml/2006/main">
+  <p:cSld>
+    <p:spTree>
+      <p:nvGrpSpPr>
+        <p:cNvPr id="1" name=""/>
+        <p:cNvGrpSpPr/>
+        <p:nvPr/>
+      </p:nvGrpSpPr>
+      <p:grpSpPr>
+        <a:xfrm>
+          <a:off x="0" y="0"/>
+          <a:ext cx="0" cy="0"/>
+          <a:chOff x="0" y="0"/>
+          <a:chExt cx="0" cy="0"/>
+        </a:xfrm>
+      </p:grpSpPr>
+      <p:sp>
+        <p:nvSpPr>
+          <p:cNvPr id="2" name="Title 1">
+            <a:extLst>
+              <a:ext uri="{FF2B5EF4-FFF2-40B4-BE49-F238E27FC236}">
+                <a16:creationId xmlns:a16="http://schemas.microsoft.com/office/drawing/2014/main" id="{E9F8B391-AB0F-4381-9068-F18D6873D455}"/>
+              </a:ext>
+            </a:extLst>
+          </p:cNvPr>
+          <p:cNvSpPr>
+            <a:spLocks noGrp="1"/>
+          </p:cNvSpPr>
+          <p:nvPr>
+            <p:ph type="title"/>
+          </p:nvPr>
+        </p:nvSpPr>
+        <p:spPr/>
+        <p:txBody>
+          <a:bodyPr/>
+          <a:lstStyle/>
+          <a:p>
+            <a:r>
+              <a:rPr lang="en-US" dirty="0"/>
+              <a:t>Caching</a:t>
+            </a:r>
+          </a:p>
+        </p:txBody>
+      </p:sp>
+      <p:sp>
+        <p:nvSpPr>
+          <p:cNvPr id="4" name="Cloud 3">
+            <a:extLst>
+              <a:ext uri="{FF2B5EF4-FFF2-40B4-BE49-F238E27FC236}">
+                <a16:creationId xmlns:a16="http://schemas.microsoft.com/office/drawing/2014/main" id="{29B5AEBD-5429-4BAF-A0C9-5817ACCF5307}"/>
+              </a:ext>
+            </a:extLst>
+          </p:cNvPr>
+          <p:cNvSpPr/>
+          <p:nvPr/>
+        </p:nvSpPr>
+        <p:spPr>
+          <a:xfrm>
+            <a:off x="546100" y="3009900"/>
+            <a:ext cx="2197100" cy="1422400"/>
+          </a:xfrm>
+          <a:prstGeom prst="cloud">
+            <a:avLst/>
+          </a:prstGeom>
+        </p:spPr>
+        <p:style>
+          <a:lnRef idx="2">
+            <a:schemeClr val="accent1">
+              <a:shade val="50000"/>
+            </a:schemeClr>
+          </a:lnRef>
+          <a:fillRef idx="1">
+            <a:schemeClr val="accent1"/>
+          </a:fillRef>
+          <a:effectRef idx="0">
+            <a:schemeClr val="accent1"/>
+          </a:effectRef>
+          <a:fontRef idx="minor">
+            <a:schemeClr val="lt1"/>
+          </a:fontRef>
+        </p:style>
+        <p:txBody>
+          <a:bodyPr rtlCol="0" anchor="ctr"/>
+          <a:lstStyle/>
+          <a:p>
+            <a:pPr algn="ctr"/>
+            <a:endParaRPr lang="en-US" dirty="0"/>
+          </a:p>
+        </p:txBody>
+      </p:sp>
+      <p:sp>
+        <p:nvSpPr>
+          <p:cNvPr id="5" name="Rectangle 4">
+            <a:extLst>
+              <a:ext uri="{FF2B5EF4-FFF2-40B4-BE49-F238E27FC236}">
+                <a16:creationId xmlns:a16="http://schemas.microsoft.com/office/drawing/2014/main" id="{8019762D-C6E1-44A8-99CA-1FE916907FE7}"/>
+              </a:ext>
+            </a:extLst>
+          </p:cNvPr>
+          <p:cNvSpPr/>
+          <p:nvPr/>
+        </p:nvSpPr>
+        <p:spPr>
+          <a:xfrm>
+            <a:off x="3968751" y="3086100"/>
+            <a:ext cx="2127250" cy="1269999"/>
+          </a:xfrm>
+          <a:prstGeom prst="rect">
+            <a:avLst/>
+          </a:prstGeom>
+        </p:spPr>
+        <p:style>
+          <a:lnRef idx="2">
+            <a:schemeClr val="accent1">
+              <a:shade val="50000"/>
+            </a:schemeClr>
+          </a:lnRef>
+          <a:fillRef idx="1">
+            <a:schemeClr val="accent1"/>
+          </a:fillRef>
+          <a:effectRef idx="0">
+            <a:schemeClr val="accent1"/>
+          </a:effectRef>
+          <a:fontRef idx="minor">
+            <a:schemeClr val="lt1"/>
+          </a:fontRef>
+        </p:style>
+        <p:txBody>
+          <a:bodyPr rtlCol="0" anchor="ctr"/>
+          <a:lstStyle/>
+          <a:p>
+            <a:pPr algn="ctr"/>
+            <a:r>
+              <a:rPr lang="en-US" dirty="0"/>
+              <a:t>GET /whisky</a:t>
+            </a:r>
+          </a:p>
+        </p:txBody>
+      </p:sp>
+      <p:cxnSp>
+        <p:nvCxnSpPr>
+          <p:cNvPr id="6" name="Straight Arrow Connector 5">
+            <a:extLst>
+              <a:ext uri="{FF2B5EF4-FFF2-40B4-BE49-F238E27FC236}">
+                <a16:creationId xmlns:a16="http://schemas.microsoft.com/office/drawing/2014/main" id="{CF589B6E-1D76-4356-82E5-754FE7D2CE53}"/>
+              </a:ext>
+            </a:extLst>
+          </p:cNvPr>
+          <p:cNvCxnSpPr>
+            <a:cxnSpLocks/>
+          </p:cNvCxnSpPr>
+          <p:nvPr/>
+        </p:nvCxnSpPr>
+        <p:spPr>
+          <a:xfrm>
+            <a:off x="2946400" y="3250808"/>
+            <a:ext cx="1022351" cy="0"/>
+          </a:xfrm>
+          <a:prstGeom prst="straightConnector1">
+            <a:avLst/>
+          </a:prstGeom>
+          <a:ln w="76200">
+            <a:tailEnd type="triangle"/>
+          </a:ln>
+        </p:spPr>
+        <p:style>
+          <a:lnRef idx="1">
+            <a:schemeClr val="accent6"/>
+          </a:lnRef>
+          <a:fillRef idx="0">
+            <a:schemeClr val="accent6"/>
+          </a:fillRef>
+          <a:effectRef idx="0">
+            <a:schemeClr val="accent6"/>
+          </a:effectRef>
+          <a:fontRef idx="minor">
+            <a:schemeClr val="tx1"/>
+          </a:fontRef>
+        </p:style>
+      </p:cxnSp>
+      <p:cxnSp>
+        <p:nvCxnSpPr>
+          <p:cNvPr id="7" name="Straight Arrow Connector 6">
+            <a:extLst>
+              <a:ext uri="{FF2B5EF4-FFF2-40B4-BE49-F238E27FC236}">
+                <a16:creationId xmlns:a16="http://schemas.microsoft.com/office/drawing/2014/main" id="{AA40F740-3F73-40E7-B2A4-FB92BD382B12}"/>
+              </a:ext>
+            </a:extLst>
+          </p:cNvPr>
+          <p:cNvCxnSpPr>
+            <a:cxnSpLocks/>
+          </p:cNvCxnSpPr>
+          <p:nvPr/>
+        </p:nvCxnSpPr>
+        <p:spPr>
+          <a:xfrm flipH="1">
+            <a:off x="2946400" y="4099724"/>
+            <a:ext cx="949324" cy="0"/>
+          </a:xfrm>
+          <a:prstGeom prst="straightConnector1">
+            <a:avLst/>
+          </a:prstGeom>
+          <a:ln w="76200">
+            <a:tailEnd type="triangle"/>
+          </a:ln>
+        </p:spPr>
+        <p:style>
+          <a:lnRef idx="1">
+            <a:schemeClr val="accent6"/>
+          </a:lnRef>
+          <a:fillRef idx="0">
+            <a:schemeClr val="accent6"/>
+          </a:fillRef>
+          <a:effectRef idx="0">
+            <a:schemeClr val="accent6"/>
+          </a:effectRef>
+          <a:fontRef idx="minor">
+            <a:schemeClr val="tx1"/>
+          </a:fontRef>
+        </p:style>
+      </p:cxnSp>
+      <p:sp>
+        <p:nvSpPr>
+          <p:cNvPr id="8" name="Cylinder 7">
+            <a:extLst>
+              <a:ext uri="{FF2B5EF4-FFF2-40B4-BE49-F238E27FC236}">
+                <a16:creationId xmlns:a16="http://schemas.microsoft.com/office/drawing/2014/main" id="{FA05C37F-7005-4593-B1EC-3F567C24B10A}"/>
+              </a:ext>
+            </a:extLst>
+          </p:cNvPr>
+          <p:cNvSpPr/>
+          <p:nvPr/>
+        </p:nvSpPr>
+        <p:spPr>
+          <a:xfrm>
+            <a:off x="10028856" y="2651015"/>
+            <a:ext cx="1617044" cy="2140167"/>
+          </a:xfrm>
+          <a:prstGeom prst="can">
+            <a:avLst/>
+          </a:prstGeom>
+        </p:spPr>
+        <p:style>
+          <a:lnRef idx="2">
+            <a:schemeClr val="accent1">
+              <a:shade val="50000"/>
+            </a:schemeClr>
+          </a:lnRef>
+          <a:fillRef idx="1">
+            <a:schemeClr val="accent1"/>
+          </a:fillRef>
+          <a:effectRef idx="0">
+            <a:schemeClr val="accent1"/>
+          </a:effectRef>
+          <a:fontRef idx="minor">
+            <a:schemeClr val="lt1"/>
+          </a:fontRef>
+        </p:style>
+        <p:txBody>
+          <a:bodyPr rtlCol="0" anchor="ctr"/>
+          <a:lstStyle/>
+          <a:p>
+            <a:pPr algn="ctr"/>
+            <a:r>
+              <a:rPr lang="en-US" dirty="0"/>
+              <a:t>SQL</a:t>
+            </a:r>
+          </a:p>
+          <a:p>
+            <a:pPr algn="ctr"/>
+            <a:r>
+              <a:rPr lang="en-US" dirty="0"/>
+              <a:t>Database</a:t>
+            </a:r>
+          </a:p>
+        </p:txBody>
+      </p:sp>
+      <p:cxnSp>
+        <p:nvCxnSpPr>
+          <p:cNvPr id="11" name="Connector: Elbow 10">
+            <a:extLst>
+              <a:ext uri="{FF2B5EF4-FFF2-40B4-BE49-F238E27FC236}">
+                <a16:creationId xmlns:a16="http://schemas.microsoft.com/office/drawing/2014/main" id="{2AADE8F4-379E-4E9D-A2AF-D4963C3126F6}"/>
+              </a:ext>
+            </a:extLst>
+          </p:cNvPr>
+          <p:cNvCxnSpPr>
+            <a:cxnSpLocks/>
+            <a:stCxn id="5" idx="3"/>
+            <a:endCxn id="19" idx="2"/>
+          </p:cNvCxnSpPr>
+          <p:nvPr/>
+        </p:nvCxnSpPr>
+        <p:spPr>
+          <a:xfrm flipV="1">
+            <a:off x="6096001" y="3721098"/>
+            <a:ext cx="1931468" cy="2"/>
+          </a:xfrm>
+          <a:prstGeom prst="bentConnector3">
+            <a:avLst/>
+          </a:prstGeom>
+          <a:ln w="76200">
+            <a:headEnd type="triangle" w="med" len="med"/>
+            <a:tailEnd type="triangle" w="med" len="med"/>
+          </a:ln>
+        </p:spPr>
+        <p:style>
+          <a:lnRef idx="1">
+            <a:schemeClr val="accent6"/>
+          </a:lnRef>
+          <a:fillRef idx="0">
+            <a:schemeClr val="accent6"/>
+          </a:fillRef>
+          <a:effectRef idx="0">
+            <a:schemeClr val="accent6"/>
+          </a:effectRef>
+          <a:fontRef idx="minor">
+            <a:schemeClr val="tx1"/>
+          </a:fontRef>
+        </p:style>
+      </p:cxnSp>
+      <p:sp>
+        <p:nvSpPr>
+          <p:cNvPr id="12" name="TextBox 11">
+            <a:extLst>
+              <a:ext uri="{FF2B5EF4-FFF2-40B4-BE49-F238E27FC236}">
+                <a16:creationId xmlns:a16="http://schemas.microsoft.com/office/drawing/2014/main" id="{81140837-D2EC-409A-8229-DD607570B229}"/>
+              </a:ext>
+            </a:extLst>
+          </p:cNvPr>
+          <p:cNvSpPr txBox="1"/>
+          <p:nvPr/>
+        </p:nvSpPr>
+        <p:spPr>
+          <a:xfrm>
+            <a:off x="6606041" y="3351766"/>
+            <a:ext cx="1024621" cy="369332"/>
+          </a:xfrm>
+          <a:prstGeom prst="rect">
+            <a:avLst/>
+          </a:prstGeom>
+          <a:noFill/>
+        </p:spPr>
+        <p:txBody>
+          <a:bodyPr wrap="square" rtlCol="0">
+            <a:spAutoFit/>
+          </a:bodyPr>
+          <a:lstStyle/>
+          <a:p>
+            <a:r>
+              <a:rPr lang="en-US" dirty="0"/>
+              <a:t>500ms</a:t>
+            </a:r>
+          </a:p>
+        </p:txBody>
+      </p:sp>
+      <p:sp>
+        <p:nvSpPr>
+          <p:cNvPr id="19" name="Cylinder 18">
+            <a:extLst>
+              <a:ext uri="{FF2B5EF4-FFF2-40B4-BE49-F238E27FC236}">
+                <a16:creationId xmlns:a16="http://schemas.microsoft.com/office/drawing/2014/main" id="{FFFD7A46-8CAB-4B7E-BB47-E9E7B1573179}"/>
+              </a:ext>
+            </a:extLst>
+          </p:cNvPr>
+          <p:cNvSpPr/>
+          <p:nvPr/>
+        </p:nvSpPr>
+        <p:spPr>
+          <a:xfrm>
+            <a:off x="8027469" y="3009898"/>
+            <a:ext cx="1096910" cy="1422400"/>
+          </a:xfrm>
+          <a:prstGeom prst="can">
+            <a:avLst/>
+          </a:prstGeom>
+        </p:spPr>
+        <p:style>
+          <a:lnRef idx="2">
+            <a:schemeClr val="accent1">
+              <a:shade val="50000"/>
+            </a:schemeClr>
+          </a:lnRef>
+          <a:fillRef idx="1">
+            <a:schemeClr val="accent1"/>
+          </a:fillRef>
+          <a:effectRef idx="0">
+            <a:schemeClr val="accent1"/>
+          </a:effectRef>
+          <a:fontRef idx="minor">
+            <a:schemeClr val="lt1"/>
+          </a:fontRef>
+        </p:style>
+        <p:txBody>
+          <a:bodyPr rtlCol="0" anchor="ctr"/>
+          <a:lstStyle/>
+          <a:p>
+            <a:pPr algn="ctr"/>
+            <a:r>
+              <a:rPr lang="en-US" dirty="0"/>
+              <a:t>Cache</a:t>
+            </a:r>
+          </a:p>
+        </p:txBody>
+      </p:sp>
+      <p:cxnSp>
+        <p:nvCxnSpPr>
+          <p:cNvPr id="23" name="Connector: Elbow 22">
+            <a:extLst>
+              <a:ext uri="{FF2B5EF4-FFF2-40B4-BE49-F238E27FC236}">
+                <a16:creationId xmlns:a16="http://schemas.microsoft.com/office/drawing/2014/main" id="{DC5DA634-5D26-4D2F-BD29-E7234ADBB801}"/>
+              </a:ext>
+            </a:extLst>
+          </p:cNvPr>
+          <p:cNvCxnSpPr>
+            <a:cxnSpLocks/>
+            <a:stCxn id="19" idx="4"/>
+            <a:endCxn id="8" idx="2"/>
+          </p:cNvCxnSpPr>
+          <p:nvPr/>
+        </p:nvCxnSpPr>
+        <p:spPr>
+          <a:xfrm>
+            <a:off x="9124379" y="3721098"/>
+            <a:ext cx="904477" cy="1"/>
+          </a:xfrm>
+          <a:prstGeom prst="bentConnector3">
+            <a:avLst/>
+          </a:prstGeom>
+          <a:ln w="76200">
+            <a:headEnd type="triangle" w="med" len="med"/>
+            <a:tailEnd type="triangle" w="med" len="med"/>
+          </a:ln>
+        </p:spPr>
+        <p:style>
+          <a:lnRef idx="1">
+            <a:schemeClr val="accent6"/>
+          </a:lnRef>
+          <a:fillRef idx="0">
+            <a:schemeClr val="accent6"/>
+          </a:fillRef>
+          <a:effectRef idx="0">
+            <a:schemeClr val="accent6"/>
+          </a:effectRef>
+          <a:fontRef idx="minor">
+            <a:schemeClr val="tx1"/>
+          </a:fontRef>
+        </p:style>
+      </p:cxnSp>
+    </p:spTree>
+    <p:extLst>
+      <p:ext uri="{BB962C8B-B14F-4D97-AF65-F5344CB8AC3E}">
+        <p14:creationId xmlns:p14="http://schemas.microsoft.com/office/powerpoint/2010/main" val="3314519046"/>
+      </p:ext>
+    </p:extLst>
+  </p:cSld>
+  <p:clrMapOvr>
+    <a:masterClrMapping/>
+  </p:clrMapOvr>
+</p:sld>
+</file>
+
+<file path=ppt/slides/slide17.xml><?xml version="1.0" encoding="utf-8"?>
+<p:sld xmlns:a="http://schemas.openxmlformats.org/drawingml/2006/main" xmlns:r="http://schemas.openxmlformats.org/officeDocument/2006/relationships" xmlns:p="http://schemas.openxmlformats.org/presentationml/2006/main">
+  <p:cSld>
+    <p:spTree>
+      <p:nvGrpSpPr>
+        <p:cNvPr id="1" name=""/>
+        <p:cNvGrpSpPr/>
+        <p:nvPr/>
+      </p:nvGrpSpPr>
+      <p:grpSpPr>
+        <a:xfrm>
+          <a:off x="0" y="0"/>
+          <a:ext cx="0" cy="0"/>
+          <a:chOff x="0" y="0"/>
+          <a:chExt cx="0" cy="0"/>
+        </a:xfrm>
+      </p:grpSpPr>
+      <p:sp>
+        <p:nvSpPr>
+          <p:cNvPr id="2" name="Title 1">
+            <a:extLst>
+              <a:ext uri="{FF2B5EF4-FFF2-40B4-BE49-F238E27FC236}">
+                <a16:creationId xmlns:a16="http://schemas.microsoft.com/office/drawing/2014/main" id="{E9F8B391-AB0F-4381-9068-F18D6873D455}"/>
+              </a:ext>
+            </a:extLst>
+          </p:cNvPr>
+          <p:cNvSpPr>
+            <a:spLocks noGrp="1"/>
+          </p:cNvSpPr>
+          <p:nvPr>
+            <p:ph type="title"/>
+          </p:nvPr>
+        </p:nvSpPr>
+        <p:spPr/>
+        <p:txBody>
+          <a:bodyPr/>
+          <a:lstStyle/>
+          <a:p>
+            <a:r>
+              <a:rPr lang="en-US" dirty="0"/>
+              <a:t>Caching</a:t>
+            </a:r>
+          </a:p>
+        </p:txBody>
+      </p:sp>
+      <p:sp>
+        <p:nvSpPr>
+          <p:cNvPr id="19" name="Cylinder 18">
+            <a:extLst>
+              <a:ext uri="{FF2B5EF4-FFF2-40B4-BE49-F238E27FC236}">
+                <a16:creationId xmlns:a16="http://schemas.microsoft.com/office/drawing/2014/main" id="{FFFD7A46-8CAB-4B7E-BB47-E9E7B1573179}"/>
+              </a:ext>
+            </a:extLst>
+          </p:cNvPr>
+          <p:cNvSpPr/>
+          <p:nvPr/>
+        </p:nvSpPr>
+        <p:spPr>
+          <a:xfrm>
+            <a:off x="4140513" y="1690688"/>
+            <a:ext cx="3910973" cy="4802187"/>
+          </a:xfrm>
+          <a:prstGeom prst="can">
+            <a:avLst/>
+          </a:prstGeom>
+        </p:spPr>
+        <p:style>
+          <a:lnRef idx="2">
+            <a:schemeClr val="accent1">
+              <a:shade val="50000"/>
+            </a:schemeClr>
+          </a:lnRef>
+          <a:fillRef idx="1">
+            <a:schemeClr val="accent1"/>
+          </a:fillRef>
+          <a:effectRef idx="0">
+            <a:schemeClr val="accent1"/>
+          </a:effectRef>
+          <a:fontRef idx="minor">
+            <a:schemeClr val="lt1"/>
+          </a:fontRef>
+        </p:style>
+        <p:txBody>
+          <a:bodyPr rtlCol="0" anchor="t" anchorCtr="0"/>
+          <a:lstStyle/>
+          <a:p>
+            <a:pPr algn="ctr"/>
+            <a:r>
+              <a:rPr lang="en-US" dirty="0"/>
+              <a:t>Cache</a:t>
+            </a:r>
+          </a:p>
+        </p:txBody>
+      </p:sp>
+      <p:sp>
+        <p:nvSpPr>
+          <p:cNvPr id="3" name="TextBox 2">
+            <a:extLst>
+              <a:ext uri="{FF2B5EF4-FFF2-40B4-BE49-F238E27FC236}">
+                <a16:creationId xmlns:a16="http://schemas.microsoft.com/office/drawing/2014/main" id="{E0368EA9-7F7E-4EBC-BA7E-51B4861BC30D}"/>
+              </a:ext>
+            </a:extLst>
+          </p:cNvPr>
+          <p:cNvSpPr txBox="1"/>
+          <p:nvPr/>
+        </p:nvSpPr>
+        <p:spPr>
+          <a:xfrm>
+            <a:off x="4512643" y="3167332"/>
+            <a:ext cx="1503147" cy="3139321"/>
+          </a:xfrm>
+          <a:prstGeom prst="rect">
+            <a:avLst/>
+          </a:prstGeom>
+          <a:noFill/>
+        </p:spPr>
+        <p:txBody>
+          <a:bodyPr wrap="square" rtlCol="0">
+            <a:spAutoFit/>
+          </a:bodyPr>
+          <a:lstStyle/>
+          <a:p>
+            <a:r>
+              <a:rPr lang="en-US" dirty="0">
+                <a:solidFill>
+                  <a:schemeClr val="bg1"/>
+                </a:solidFill>
+              </a:rPr>
+              <a:t>KEY =&gt; VALUE</a:t>
+            </a:r>
+          </a:p>
+          <a:p>
+            <a:r>
+              <a:rPr lang="en-US" dirty="0">
+                <a:solidFill>
+                  <a:schemeClr val="bg1"/>
+                </a:solidFill>
+              </a:rPr>
+              <a:t>KEY =&gt; VALUE</a:t>
+            </a:r>
+          </a:p>
+          <a:p>
+            <a:r>
+              <a:rPr lang="en-US" dirty="0">
+                <a:solidFill>
+                  <a:schemeClr val="bg1"/>
+                </a:solidFill>
+              </a:rPr>
+              <a:t>KEY =&gt; VALUE</a:t>
+            </a:r>
+          </a:p>
+          <a:p>
+            <a:r>
+              <a:rPr lang="en-US" dirty="0">
+                <a:solidFill>
+                  <a:schemeClr val="bg1"/>
+                </a:solidFill>
+              </a:rPr>
+              <a:t>KEY =&gt; VALUE</a:t>
+            </a:r>
+          </a:p>
+          <a:p>
+            <a:r>
+              <a:rPr lang="en-US" dirty="0">
+                <a:solidFill>
+                  <a:schemeClr val="bg1"/>
+                </a:solidFill>
+              </a:rPr>
+              <a:t>KEY =&gt; VALUE</a:t>
+            </a:r>
+          </a:p>
+          <a:p>
+            <a:r>
+              <a:rPr lang="en-US" dirty="0">
+                <a:solidFill>
+                  <a:schemeClr val="bg1"/>
+                </a:solidFill>
+              </a:rPr>
+              <a:t>KEY =&gt; VALUE</a:t>
+            </a:r>
+          </a:p>
+          <a:p>
+            <a:r>
+              <a:rPr lang="en-US" dirty="0">
+                <a:solidFill>
+                  <a:schemeClr val="bg1"/>
+                </a:solidFill>
+              </a:rPr>
+              <a:t>KEY =&gt; VALUE</a:t>
+            </a:r>
+          </a:p>
+          <a:p>
+            <a:r>
+              <a:rPr lang="en-US" dirty="0">
+                <a:solidFill>
+                  <a:schemeClr val="bg1"/>
+                </a:solidFill>
+              </a:rPr>
+              <a:t>KEY =&gt; VALUE</a:t>
+            </a:r>
+          </a:p>
+          <a:p>
+            <a:r>
+              <a:rPr lang="en-US" dirty="0">
+                <a:solidFill>
+                  <a:schemeClr val="bg1"/>
+                </a:solidFill>
+              </a:rPr>
+              <a:t>KEY =&gt; VALUE</a:t>
+            </a:r>
+          </a:p>
+          <a:p>
+            <a:r>
+              <a:rPr lang="en-US" dirty="0">
+                <a:solidFill>
+                  <a:schemeClr val="bg1"/>
+                </a:solidFill>
+              </a:rPr>
+              <a:t>KEY =&gt; VALUE</a:t>
+            </a:r>
+          </a:p>
+          <a:p>
+            <a:endParaRPr lang="en-US" dirty="0">
+              <a:solidFill>
+                <a:schemeClr val="bg1"/>
+              </a:solidFill>
+            </a:endParaRPr>
+          </a:p>
+        </p:txBody>
+      </p:sp>
+      <p:sp>
+        <p:nvSpPr>
+          <p:cNvPr id="13" name="TextBox 12">
+            <a:extLst>
+              <a:ext uri="{FF2B5EF4-FFF2-40B4-BE49-F238E27FC236}">
+                <a16:creationId xmlns:a16="http://schemas.microsoft.com/office/drawing/2014/main" id="{066D45E1-174A-40BB-BF5C-0155BAC41FCB}"/>
+              </a:ext>
+            </a:extLst>
+          </p:cNvPr>
+          <p:cNvSpPr txBox="1"/>
+          <p:nvPr/>
+        </p:nvSpPr>
+        <p:spPr>
+          <a:xfrm>
+            <a:off x="6095999" y="3167331"/>
+            <a:ext cx="1503147" cy="3139321"/>
+          </a:xfrm>
+          <a:prstGeom prst="rect">
+            <a:avLst/>
+          </a:prstGeom>
+          <a:noFill/>
+        </p:spPr>
+        <p:txBody>
+          <a:bodyPr wrap="square" rtlCol="0">
+            <a:spAutoFit/>
+          </a:bodyPr>
+          <a:lstStyle/>
+          <a:p>
+            <a:r>
+              <a:rPr lang="en-US" dirty="0">
+                <a:solidFill>
+                  <a:schemeClr val="bg1"/>
+                </a:solidFill>
+              </a:rPr>
+              <a:t>KEY =&gt; VALUE</a:t>
+            </a:r>
+          </a:p>
+          <a:p>
+            <a:r>
+              <a:rPr lang="en-US" dirty="0">
+                <a:solidFill>
+                  <a:schemeClr val="bg1"/>
+                </a:solidFill>
+              </a:rPr>
+              <a:t>KEY =&gt; VALUE</a:t>
+            </a:r>
+          </a:p>
+          <a:p>
+            <a:r>
+              <a:rPr lang="en-US" dirty="0">
+                <a:solidFill>
+                  <a:schemeClr val="bg1"/>
+                </a:solidFill>
+              </a:rPr>
+              <a:t>KEY =&gt; VALUE</a:t>
+            </a:r>
+          </a:p>
+          <a:p>
+            <a:r>
+              <a:rPr lang="en-US" dirty="0">
+                <a:solidFill>
+                  <a:schemeClr val="bg1"/>
+                </a:solidFill>
+              </a:rPr>
+              <a:t>KEY =&gt; VALUE</a:t>
+            </a:r>
+          </a:p>
+          <a:p>
+            <a:r>
+              <a:rPr lang="en-US" dirty="0">
+                <a:solidFill>
+                  <a:schemeClr val="bg1"/>
+                </a:solidFill>
+              </a:rPr>
+              <a:t>KEY =&gt; VALUE</a:t>
+            </a:r>
+          </a:p>
+          <a:p>
+            <a:r>
+              <a:rPr lang="en-US" dirty="0">
+                <a:solidFill>
+                  <a:schemeClr val="bg1"/>
+                </a:solidFill>
+              </a:rPr>
+              <a:t>KEY =&gt; VALUE</a:t>
+            </a:r>
+          </a:p>
+          <a:p>
+            <a:r>
+              <a:rPr lang="en-US" dirty="0">
+                <a:solidFill>
+                  <a:schemeClr val="bg1"/>
+                </a:solidFill>
+              </a:rPr>
+              <a:t>KEY =&gt; VALUE</a:t>
+            </a:r>
+          </a:p>
+          <a:p>
+            <a:r>
+              <a:rPr lang="en-US" dirty="0">
+                <a:solidFill>
+                  <a:schemeClr val="bg1"/>
+                </a:solidFill>
+              </a:rPr>
+              <a:t>KEY =&gt; VALUE</a:t>
+            </a:r>
+          </a:p>
+          <a:p>
+            <a:r>
+              <a:rPr lang="en-US" dirty="0">
+                <a:solidFill>
+                  <a:schemeClr val="bg1"/>
+                </a:solidFill>
+              </a:rPr>
+              <a:t>KEY =&gt; VALUE</a:t>
+            </a:r>
+          </a:p>
+          <a:p>
+            <a:r>
+              <a:rPr lang="en-US" dirty="0">
+                <a:solidFill>
+                  <a:schemeClr val="bg1"/>
+                </a:solidFill>
+              </a:rPr>
+              <a:t>KEY =&gt; VALUE</a:t>
+            </a:r>
+          </a:p>
+          <a:p>
+            <a:endParaRPr lang="en-US" dirty="0">
+              <a:solidFill>
+                <a:schemeClr val="bg1"/>
+              </a:solidFill>
+            </a:endParaRPr>
+          </a:p>
+        </p:txBody>
+      </p:sp>
+    </p:spTree>
+    <p:extLst>
+      <p:ext uri="{BB962C8B-B14F-4D97-AF65-F5344CB8AC3E}">
+        <p14:creationId xmlns:p14="http://schemas.microsoft.com/office/powerpoint/2010/main" val="1274080945"/>
+      </p:ext>
+    </p:extLst>
+  </p:cSld>
+  <p:clrMapOvr>
+    <a:masterClrMapping/>
+  </p:clrMapOvr>
+</p:sld>
+</file>
+
+<file path=ppt/slides/slide18.xml><?xml version="1.0" encoding="utf-8"?>
+<p:sld xmlns:a="http://schemas.openxmlformats.org/drawingml/2006/main" xmlns:r="http://schemas.openxmlformats.org/officeDocument/2006/relationships" xmlns:p="http://schemas.openxmlformats.org/presentationml/2006/main">
+  <p:cSld>
+    <p:spTree>
+      <p:nvGrpSpPr>
+        <p:cNvPr id="1" name=""/>
+        <p:cNvGrpSpPr/>
+        <p:nvPr/>
+      </p:nvGrpSpPr>
+      <p:grpSpPr>
+        <a:xfrm>
+          <a:off x="0" y="0"/>
+          <a:ext cx="0" cy="0"/>
+          <a:chOff x="0" y="0"/>
+          <a:chExt cx="0" cy="0"/>
+        </a:xfrm>
+      </p:grpSpPr>
+      <p:sp>
+        <p:nvSpPr>
+          <p:cNvPr id="2" name="Title 1">
+            <a:extLst>
+              <a:ext uri="{FF2B5EF4-FFF2-40B4-BE49-F238E27FC236}">
+                <a16:creationId xmlns:a16="http://schemas.microsoft.com/office/drawing/2014/main" id="{E9F8B391-AB0F-4381-9068-F18D6873D455}"/>
+              </a:ext>
+            </a:extLst>
+          </p:cNvPr>
+          <p:cNvSpPr>
+            <a:spLocks noGrp="1"/>
+          </p:cNvSpPr>
+          <p:nvPr>
+            <p:ph type="title"/>
+          </p:nvPr>
+        </p:nvSpPr>
+        <p:spPr/>
+        <p:txBody>
+          <a:bodyPr/>
+          <a:lstStyle/>
+          <a:p>
+            <a:r>
+              <a:rPr lang="en-US" dirty="0"/>
+              <a:t>Caching</a:t>
+            </a:r>
+          </a:p>
+        </p:txBody>
+      </p:sp>
+      <p:sp>
+        <p:nvSpPr>
+          <p:cNvPr id="19" name="Cylinder 18">
+            <a:extLst>
+              <a:ext uri="{FF2B5EF4-FFF2-40B4-BE49-F238E27FC236}">
+                <a16:creationId xmlns:a16="http://schemas.microsoft.com/office/drawing/2014/main" id="{FFFD7A46-8CAB-4B7E-BB47-E9E7B1573179}"/>
+              </a:ext>
+            </a:extLst>
+          </p:cNvPr>
+          <p:cNvSpPr/>
+          <p:nvPr/>
+        </p:nvSpPr>
+        <p:spPr>
+          <a:xfrm>
+            <a:off x="6797086" y="1604060"/>
+            <a:ext cx="3910973" cy="4802187"/>
+          </a:xfrm>
+          <a:prstGeom prst="can">
+            <a:avLst/>
+          </a:prstGeom>
+        </p:spPr>
+        <p:style>
+          <a:lnRef idx="2">
+            <a:schemeClr val="accent1">
+              <a:shade val="50000"/>
+            </a:schemeClr>
+          </a:lnRef>
+          <a:fillRef idx="1">
+            <a:schemeClr val="accent1"/>
+          </a:fillRef>
+          <a:effectRef idx="0">
+            <a:schemeClr val="accent1"/>
+          </a:effectRef>
+          <a:fontRef idx="minor">
+            <a:schemeClr val="lt1"/>
+          </a:fontRef>
+        </p:style>
+        <p:txBody>
+          <a:bodyPr rtlCol="0" anchor="t" anchorCtr="0"/>
+          <a:lstStyle/>
+          <a:p>
+            <a:pPr algn="ctr"/>
+            <a:r>
+              <a:rPr lang="en-US" dirty="0"/>
+              <a:t>Cache</a:t>
+            </a:r>
+          </a:p>
+        </p:txBody>
+      </p:sp>
+      <p:sp>
+        <p:nvSpPr>
+          <p:cNvPr id="7" name="TextBox 6">
+            <a:extLst>
+              <a:ext uri="{FF2B5EF4-FFF2-40B4-BE49-F238E27FC236}">
+                <a16:creationId xmlns:a16="http://schemas.microsoft.com/office/drawing/2014/main" id="{1E51B8A5-69A8-4E1A-8EBC-2E2B28A9B660}"/>
+              </a:ext>
+            </a:extLst>
+          </p:cNvPr>
+          <p:cNvSpPr txBox="1"/>
+          <p:nvPr/>
+        </p:nvSpPr>
+        <p:spPr>
+          <a:xfrm>
+            <a:off x="7314797" y="3157706"/>
+            <a:ext cx="2875549" cy="3139321"/>
+          </a:xfrm>
+          <a:prstGeom prst="rect">
+            <a:avLst/>
+          </a:prstGeom>
+          <a:noFill/>
+        </p:spPr>
+        <p:txBody>
+          <a:bodyPr wrap="square" rtlCol="0">
+            <a:spAutoFit/>
+          </a:bodyPr>
+          <a:lstStyle/>
+          <a:p>
+            <a:r>
+              <a:rPr lang="en-US" dirty="0">
+                <a:solidFill>
+                  <a:schemeClr val="bg1"/>
+                </a:solidFill>
+              </a:rPr>
+              <a:t>“Product:ABC123” =&gt; “…”</a:t>
+            </a:r>
+          </a:p>
+          <a:p>
+            <a:r>
+              <a:rPr lang="en-US" dirty="0">
+                <a:solidFill>
+                  <a:schemeClr val="bg1"/>
+                </a:solidFill>
+              </a:rPr>
+              <a:t>“Product:ACC123” =&gt; “…”</a:t>
+            </a:r>
+          </a:p>
+          <a:p>
+            <a:r>
+              <a:rPr lang="en-US" dirty="0">
+                <a:solidFill>
+                  <a:schemeClr val="bg1"/>
+                </a:solidFill>
+              </a:rPr>
+              <a:t>“Product:AEC123” =&gt; “…”</a:t>
+            </a:r>
+          </a:p>
+          <a:p>
+            <a:r>
+              <a:rPr lang="en-US" dirty="0">
+                <a:solidFill>
+                  <a:schemeClr val="bg1"/>
+                </a:solidFill>
+              </a:rPr>
+              <a:t>“Product:QBC123” =&gt; “…”</a:t>
+            </a:r>
+          </a:p>
+          <a:p>
+            <a:r>
+              <a:rPr lang="en-US" dirty="0">
+                <a:solidFill>
+                  <a:schemeClr val="bg1"/>
+                </a:solidFill>
+              </a:rPr>
+              <a:t>“Product:RBC123” =&gt; “…”</a:t>
+            </a:r>
+          </a:p>
+          <a:p>
+            <a:r>
+              <a:rPr lang="en-US" dirty="0">
+                <a:solidFill>
+                  <a:schemeClr val="bg1"/>
+                </a:solidFill>
+              </a:rPr>
+              <a:t>“Product:FBC123” =&gt; “…”</a:t>
+            </a:r>
+          </a:p>
+          <a:p>
+            <a:r>
+              <a:rPr lang="en-US" dirty="0">
+                <a:solidFill>
+                  <a:schemeClr val="bg1"/>
+                </a:solidFill>
+              </a:rPr>
+              <a:t>“Product:ABC433” =&gt; “…”</a:t>
+            </a:r>
+          </a:p>
+          <a:p>
+            <a:r>
+              <a:rPr lang="en-US" dirty="0">
+                <a:solidFill>
+                  <a:schemeClr val="bg1"/>
+                </a:solidFill>
+              </a:rPr>
+              <a:t>“Product:ADC233” =&gt; “…”</a:t>
+            </a:r>
+          </a:p>
+          <a:p>
+            <a:r>
+              <a:rPr lang="en-US" dirty="0">
+                <a:solidFill>
+                  <a:schemeClr val="bg1"/>
+                </a:solidFill>
+              </a:rPr>
+              <a:t>“Product:A1C123” =&gt; “…”</a:t>
+            </a:r>
+          </a:p>
+          <a:p>
+            <a:endParaRPr lang="en-US" dirty="0">
+              <a:solidFill>
+                <a:schemeClr val="bg1"/>
+              </a:solidFill>
+            </a:endParaRPr>
+          </a:p>
+          <a:p>
+            <a:endParaRPr lang="en-US" dirty="0">
+              <a:solidFill>
+                <a:schemeClr val="bg1"/>
+              </a:solidFill>
+            </a:endParaRPr>
+          </a:p>
+        </p:txBody>
+      </p:sp>
+      <p:sp>
+        <p:nvSpPr>
+          <p:cNvPr id="11" name="TextBox 10">
+            <a:extLst>
+              <a:ext uri="{FF2B5EF4-FFF2-40B4-BE49-F238E27FC236}">
+                <a16:creationId xmlns:a16="http://schemas.microsoft.com/office/drawing/2014/main" id="{D6BD54B4-7B4E-4131-8665-71ED82D57D28}"/>
+              </a:ext>
+            </a:extLst>
+          </p:cNvPr>
+          <p:cNvSpPr txBox="1"/>
+          <p:nvPr/>
+        </p:nvSpPr>
+        <p:spPr>
+          <a:xfrm>
+            <a:off x="1106929" y="3466544"/>
+            <a:ext cx="3734578" cy="1077218"/>
+          </a:xfrm>
+          <a:prstGeom prst="rect">
+            <a:avLst/>
+          </a:prstGeom>
+          <a:noFill/>
+        </p:spPr>
+        <p:txBody>
+          <a:bodyPr wrap="square">
+            <a:spAutoFit/>
+          </a:bodyPr>
+          <a:lstStyle/>
+          <a:p>
+            <a:r>
+              <a:rPr lang="en-US" sz="3200" dirty="0"/>
+              <a:t>I need the details for “Product:ABC123”</a:t>
+            </a:r>
+          </a:p>
+        </p:txBody>
+      </p:sp>
+      <p:cxnSp>
+        <p:nvCxnSpPr>
+          <p:cNvPr id="10" name="Straight Arrow Connector 9">
+            <a:extLst>
+              <a:ext uri="{FF2B5EF4-FFF2-40B4-BE49-F238E27FC236}">
+                <a16:creationId xmlns:a16="http://schemas.microsoft.com/office/drawing/2014/main" id="{7F99C439-27EC-40CF-A297-B560332EB57E}"/>
+              </a:ext>
+            </a:extLst>
+          </p:cNvPr>
+          <p:cNvCxnSpPr/>
+          <p:nvPr/>
+        </p:nvCxnSpPr>
+        <p:spPr>
+          <a:xfrm>
+            <a:off x="4928135" y="4005153"/>
+            <a:ext cx="1703671" cy="0"/>
+          </a:xfrm>
+          <a:prstGeom prst="straightConnector1">
+            <a:avLst/>
+          </a:prstGeom>
+          <a:ln w="57150">
+            <a:tailEnd type="triangle"/>
+          </a:ln>
+        </p:spPr>
+        <p:style>
+          <a:lnRef idx="1">
+            <a:schemeClr val="accent6"/>
+          </a:lnRef>
+          <a:fillRef idx="0">
+            <a:schemeClr val="accent6"/>
+          </a:fillRef>
+          <a:effectRef idx="0">
+            <a:schemeClr val="accent6"/>
+          </a:effectRef>
+          <a:fontRef idx="minor">
+            <a:schemeClr val="tx1"/>
+          </a:fontRef>
+        </p:style>
+      </p:cxnSp>
+    </p:spTree>
+    <p:extLst>
+      <p:ext uri="{BB962C8B-B14F-4D97-AF65-F5344CB8AC3E}">
+        <p14:creationId xmlns:p14="http://schemas.microsoft.com/office/powerpoint/2010/main" val="1388699102"/>
+      </p:ext>
+    </p:extLst>
+  </p:cSld>
+  <p:clrMapOvr>
+    <a:masterClrMapping/>
+  </p:clrMapOvr>
+</p:sld>
+</file>
+
+<file path=ppt/slides/slide19.xml><?xml version="1.0" encoding="utf-8"?>
+<p:sld xmlns:a="http://schemas.openxmlformats.org/drawingml/2006/main" xmlns:r="http://schemas.openxmlformats.org/officeDocument/2006/relationships" xmlns:p="http://schemas.openxmlformats.org/presentationml/2006/main">
+  <p:cSld>
+    <p:spTree>
+      <p:nvGrpSpPr>
+        <p:cNvPr id="1" name=""/>
+        <p:cNvGrpSpPr/>
+        <p:nvPr/>
+      </p:nvGrpSpPr>
+      <p:grpSpPr>
+        <a:xfrm>
+          <a:off x="0" y="0"/>
+          <a:ext cx="0" cy="0"/>
+          <a:chOff x="0" y="0"/>
+          <a:chExt cx="0" cy="0"/>
+        </a:xfrm>
+      </p:grpSpPr>
+      <p:sp>
+        <p:nvSpPr>
+          <p:cNvPr id="2" name="Title 1">
+            <a:extLst>
+              <a:ext uri="{FF2B5EF4-FFF2-40B4-BE49-F238E27FC236}">
+                <a16:creationId xmlns:a16="http://schemas.microsoft.com/office/drawing/2014/main" id="{E9F8B391-AB0F-4381-9068-F18D6873D455}"/>
+              </a:ext>
+            </a:extLst>
+          </p:cNvPr>
+          <p:cNvSpPr>
+            <a:spLocks noGrp="1"/>
+          </p:cNvSpPr>
+          <p:nvPr>
+            <p:ph type="title"/>
+          </p:nvPr>
+        </p:nvSpPr>
+        <p:spPr/>
+        <p:txBody>
+          <a:bodyPr/>
+          <a:lstStyle/>
+          <a:p>
+            <a:r>
+              <a:rPr lang="en-US" dirty="0"/>
+              <a:t>Caching in ASP.NET Core</a:t>
+            </a:r>
+          </a:p>
+        </p:txBody>
+      </p:sp>
+      <p:pic>
+        <p:nvPicPr>
+          <p:cNvPr id="9" name="Picture 8">
+            <a:extLst>
+              <a:ext uri="{FF2B5EF4-FFF2-40B4-BE49-F238E27FC236}">
+                <a16:creationId xmlns:a16="http://schemas.microsoft.com/office/drawing/2014/main" id="{9289D006-C035-4F7B-89CE-4970C6722494}"/>
+              </a:ext>
+            </a:extLst>
+          </p:cNvPr>
+          <p:cNvPicPr>
+            <a:picLocks noChangeAspect="1"/>
+          </p:cNvPicPr>
+          <p:nvPr/>
+        </p:nvPicPr>
+        <p:blipFill>
+          <a:blip r:embed="rId3"/>
+          <a:stretch>
+            <a:fillRect/>
+          </a:stretch>
+        </p:blipFill>
+        <p:spPr>
+          <a:xfrm>
+            <a:off x="2182979" y="1961206"/>
+            <a:ext cx="7826041" cy="4129380"/>
+          </a:xfrm>
+          <a:prstGeom prst="rect">
+            <a:avLst/>
+          </a:prstGeom>
+        </p:spPr>
+      </p:pic>
+    </p:spTree>
+    <p:extLst>
+      <p:ext uri="{BB962C8B-B14F-4D97-AF65-F5344CB8AC3E}">
+        <p14:creationId xmlns:p14="http://schemas.microsoft.com/office/powerpoint/2010/main" val="2403625915"/>
+      </p:ext>
+    </p:extLst>
+  </p:cSld>
+  <p:clrMapOvr>
+    <a:masterClrMapping/>
+  </p:clrMapOvr>
+</p:sld>
+</file>
+
+<file path=ppt/slides/slide2.xml><?xml version="1.0" encoding="utf-8"?>
+<p:sld xmlns:a="http://schemas.openxmlformats.org/drawingml/2006/main" xmlns:r="http://schemas.openxmlformats.org/officeDocument/2006/relationships" xmlns:p="http://schemas.openxmlformats.org/presentationml/2006/main">
+  <p:cSld>
+    <p:spTree>
+      <p:nvGrpSpPr>
+        <p:cNvPr id="1" name=""/>
+        <p:cNvGrpSpPr/>
+        <p:nvPr/>
+      </p:nvGrpSpPr>
+      <p:grpSpPr>
+        <a:xfrm>
+          <a:off x="0" y="0"/>
+          <a:ext cx="0" cy="0"/>
+          <a:chOff x="0" y="0"/>
+          <a:chExt cx="0" cy="0"/>
+        </a:xfrm>
+      </p:grpSpPr>
+      <p:sp>
+        <p:nvSpPr>
+          <p:cNvPr id="2" name="Title 1">
+            <a:extLst>
+              <a:ext uri="{FF2B5EF4-FFF2-40B4-BE49-F238E27FC236}">
+                <a16:creationId xmlns:a16="http://schemas.microsoft.com/office/drawing/2014/main" id="{6C06E75B-C673-42D6-B752-75134919AB20}"/>
+              </a:ext>
+            </a:extLst>
+          </p:cNvPr>
+          <p:cNvSpPr>
+            <a:spLocks noGrp="1"/>
+          </p:cNvSpPr>
+          <p:nvPr>
+            <p:ph type="title"/>
+          </p:nvPr>
+        </p:nvSpPr>
+        <p:spPr/>
+        <p:txBody>
+          <a:bodyPr/>
+          <a:lstStyle/>
+          <a:p>
+            <a:r>
+              <a:rPr lang="en-US" dirty="0"/>
+              <a:t>Designing for Speed and Scalability</a:t>
+            </a:r>
+          </a:p>
+        </p:txBody>
+      </p:sp>
+      <p:sp>
+        <p:nvSpPr>
+          <p:cNvPr id="3" name="Text Placeholder 2">
+            <a:extLst>
+              <a:ext uri="{FF2B5EF4-FFF2-40B4-BE49-F238E27FC236}">
+                <a16:creationId xmlns:a16="http://schemas.microsoft.com/office/drawing/2014/main" id="{03D7A275-6B57-4A18-A068-0B4AF659298C}"/>
+              </a:ext>
+            </a:extLst>
+          </p:cNvPr>
+          <p:cNvSpPr>
+            <a:spLocks noGrp="1"/>
+          </p:cNvSpPr>
+          <p:nvPr>
+            <p:ph type="body" idx="1"/>
+          </p:nvPr>
+        </p:nvSpPr>
+        <p:spPr/>
+        <p:txBody>
+          <a:bodyPr/>
+          <a:lstStyle/>
+          <a:p>
+            <a:endParaRPr lang="en-US"/>
+          </a:p>
+        </p:txBody>
+      </p:sp>
+    </p:spTree>
+    <p:extLst>
+      <p:ext uri="{BB962C8B-B14F-4D97-AF65-F5344CB8AC3E}">
+        <p14:creationId xmlns:p14="http://schemas.microsoft.com/office/powerpoint/2010/main" val="2013712679"/>
+      </p:ext>
+    </p:extLst>
+  </p:cSld>
+  <p:clrMapOvr>
+    <a:masterClrMapping/>
+  </p:clrMapOvr>
+</p:sld>
+</file>
+
+<file path=ppt/slides/slide20.xml><?xml version="1.0" encoding="utf-8"?>
+<p:sld xmlns:a="http://schemas.openxmlformats.org/drawingml/2006/main" xmlns:r="http://schemas.openxmlformats.org/officeDocument/2006/relationships" xmlns:p="http://schemas.openxmlformats.org/presentationml/2006/main">
+  <p:cSld>
+    <p:spTree>
+      <p:nvGrpSpPr>
+        <p:cNvPr id="1" name=""/>
+        <p:cNvGrpSpPr/>
+        <p:nvPr/>
+      </p:nvGrpSpPr>
+      <p:grpSpPr>
+        <a:xfrm>
+          <a:off x="0" y="0"/>
+          <a:ext cx="0" cy="0"/>
+          <a:chOff x="0" y="0"/>
+          <a:chExt cx="0" cy="0"/>
+        </a:xfrm>
+      </p:grpSpPr>
+      <p:sp>
+        <p:nvSpPr>
+          <p:cNvPr id="2" name="Title 1">
+            <a:extLst>
+              <a:ext uri="{FF2B5EF4-FFF2-40B4-BE49-F238E27FC236}">
+                <a16:creationId xmlns:a16="http://schemas.microsoft.com/office/drawing/2014/main" id="{E9F8B391-AB0F-4381-9068-F18D6873D455}"/>
+              </a:ext>
+            </a:extLst>
+          </p:cNvPr>
+          <p:cNvSpPr>
+            <a:spLocks noGrp="1"/>
+          </p:cNvSpPr>
+          <p:nvPr>
+            <p:ph type="title"/>
+          </p:nvPr>
+        </p:nvSpPr>
+        <p:spPr/>
+        <p:txBody>
+          <a:bodyPr/>
+          <a:lstStyle/>
+          <a:p>
+            <a:r>
+              <a:rPr lang="en-US" dirty="0"/>
+              <a:t>Caching in ASP.NET Core</a:t>
+            </a:r>
+          </a:p>
+        </p:txBody>
+      </p:sp>
+      <p:sp>
+        <p:nvSpPr>
+          <p:cNvPr id="3" name="Content Placeholder 2">
+            <a:extLst>
+              <a:ext uri="{FF2B5EF4-FFF2-40B4-BE49-F238E27FC236}">
+                <a16:creationId xmlns:a16="http://schemas.microsoft.com/office/drawing/2014/main" id="{B0B5DF01-9A4A-4415-B7F2-70F3939DB4E1}"/>
+              </a:ext>
+            </a:extLst>
+          </p:cNvPr>
+          <p:cNvSpPr>
+            <a:spLocks noGrp="1"/>
+          </p:cNvSpPr>
+          <p:nvPr>
+            <p:ph idx="1"/>
+          </p:nvPr>
+        </p:nvSpPr>
+        <p:spPr/>
+        <p:txBody>
+          <a:bodyPr/>
+          <a:lstStyle/>
+          <a:p>
+            <a:r>
+              <a:rPr lang="en-US" dirty="0"/>
+              <a:t>Memory Cache</a:t>
+            </a:r>
+          </a:p>
+        </p:txBody>
+      </p:sp>
+    </p:spTree>
+    <p:extLst>
+      <p:ext uri="{BB962C8B-B14F-4D97-AF65-F5344CB8AC3E}">
+        <p14:creationId xmlns:p14="http://schemas.microsoft.com/office/powerpoint/2010/main" val="3155800876"/>
+      </p:ext>
+    </p:extLst>
+  </p:cSld>
+  <p:clrMapOvr>
+    <a:masterClrMapping/>
+  </p:clrMapOvr>
+</p:sld>
+</file>
+
+<file path=ppt/slides/slide21.xml><?xml version="1.0" encoding="utf-8"?>
+<p:sld xmlns:a="http://schemas.openxmlformats.org/drawingml/2006/main" xmlns:r="http://schemas.openxmlformats.org/officeDocument/2006/relationships" xmlns:p="http://schemas.openxmlformats.org/presentationml/2006/main">
+  <p:cSld>
+    <p:spTree>
+      <p:nvGrpSpPr>
+        <p:cNvPr id="1" name=""/>
+        <p:cNvGrpSpPr/>
+        <p:nvPr/>
+      </p:nvGrpSpPr>
+      <p:grpSpPr>
+        <a:xfrm>
+          <a:off x="0" y="0"/>
+          <a:ext cx="0" cy="0"/>
+          <a:chOff x="0" y="0"/>
+          <a:chExt cx="0" cy="0"/>
+        </a:xfrm>
+      </p:grpSpPr>
+      <p:sp>
+        <p:nvSpPr>
+          <p:cNvPr id="2" name="Title 1">
+            <a:extLst>
+              <a:ext uri="{FF2B5EF4-FFF2-40B4-BE49-F238E27FC236}">
+                <a16:creationId xmlns:a16="http://schemas.microsoft.com/office/drawing/2014/main" id="{E9F8B391-AB0F-4381-9068-F18D6873D455}"/>
+              </a:ext>
+            </a:extLst>
+          </p:cNvPr>
+          <p:cNvSpPr>
+            <a:spLocks noGrp="1"/>
+          </p:cNvSpPr>
+          <p:nvPr>
+            <p:ph type="title"/>
+          </p:nvPr>
+        </p:nvSpPr>
+        <p:spPr/>
+        <p:txBody>
+          <a:bodyPr/>
+          <a:lstStyle/>
+          <a:p>
+            <a:r>
+              <a:rPr lang="en-US" dirty="0"/>
+              <a:t>Caching</a:t>
+            </a:r>
+          </a:p>
+        </p:txBody>
+      </p:sp>
+      <p:sp>
+        <p:nvSpPr>
+          <p:cNvPr id="3" name="Content Placeholder 2">
+            <a:extLst>
+              <a:ext uri="{FF2B5EF4-FFF2-40B4-BE49-F238E27FC236}">
+                <a16:creationId xmlns:a16="http://schemas.microsoft.com/office/drawing/2014/main" id="{B0B5DF01-9A4A-4415-B7F2-70F3939DB4E1}"/>
+              </a:ext>
+            </a:extLst>
+          </p:cNvPr>
+          <p:cNvSpPr>
+            <a:spLocks noGrp="1"/>
+          </p:cNvSpPr>
+          <p:nvPr>
+            <p:ph idx="1"/>
+          </p:nvPr>
+        </p:nvSpPr>
+        <p:spPr/>
+        <p:txBody>
+          <a:bodyPr/>
+          <a:lstStyle/>
+          <a:p>
+            <a:r>
+              <a:rPr lang="en-US" dirty="0" err="1"/>
+              <a:t>IDistributeCache</a:t>
+            </a:r>
+            <a:endParaRPr lang="en-US" dirty="0"/>
+          </a:p>
+        </p:txBody>
+      </p:sp>
+    </p:spTree>
+    <p:extLst>
+      <p:ext uri="{BB962C8B-B14F-4D97-AF65-F5344CB8AC3E}">
+        <p14:creationId xmlns:p14="http://schemas.microsoft.com/office/powerpoint/2010/main" val="1939781846"/>
+      </p:ext>
+    </p:extLst>
+  </p:cSld>
+  <p:clrMapOvr>
+    <a:masterClrMapping/>
+  </p:clrMapOvr>
+</p:sld>
+</file>
+
+<file path=ppt/slides/slide22.xml><?xml version="1.0" encoding="utf-8"?>
+<p:sld xmlns:a="http://schemas.openxmlformats.org/drawingml/2006/main" xmlns:r="http://schemas.openxmlformats.org/officeDocument/2006/relationships" xmlns:p="http://schemas.openxmlformats.org/presentationml/2006/main">
+  <p:cSld>
+    <p:spTree>
+      <p:nvGrpSpPr>
+        <p:cNvPr id="1" name=""/>
+        <p:cNvGrpSpPr/>
+        <p:nvPr/>
+      </p:nvGrpSpPr>
+      <p:grpSpPr>
+        <a:xfrm>
+          <a:off x="0" y="0"/>
+          <a:ext cx="0" cy="0"/>
+          <a:chOff x="0" y="0"/>
+          <a:chExt cx="0" cy="0"/>
+        </a:xfrm>
+      </p:grpSpPr>
+      <p:sp>
+        <p:nvSpPr>
+          <p:cNvPr id="4" name="Title 3">
+            <a:extLst>
+              <a:ext uri="{FF2B5EF4-FFF2-40B4-BE49-F238E27FC236}">
+                <a16:creationId xmlns:a16="http://schemas.microsoft.com/office/drawing/2014/main" id="{169E3C5D-2B2C-43E3-84C4-29DFDD20F14A}"/>
+              </a:ext>
+            </a:extLst>
+          </p:cNvPr>
+          <p:cNvSpPr>
+            <a:spLocks noGrp="1"/>
+          </p:cNvSpPr>
+          <p:nvPr>
+            <p:ph type="title"/>
+          </p:nvPr>
+        </p:nvSpPr>
+        <p:spPr/>
+        <p:txBody>
+          <a:bodyPr/>
+          <a:lstStyle/>
+          <a:p>
+            <a:r>
+              <a:rPr lang="en-US" dirty="0"/>
+              <a:t>Demo/Discussions</a:t>
+            </a:r>
+          </a:p>
+        </p:txBody>
+      </p:sp>
+      <p:sp>
+        <p:nvSpPr>
+          <p:cNvPr id="5" name="Text Placeholder 4">
+            <a:extLst>
+              <a:ext uri="{FF2B5EF4-FFF2-40B4-BE49-F238E27FC236}">
+                <a16:creationId xmlns:a16="http://schemas.microsoft.com/office/drawing/2014/main" id="{F4EDD6D9-951E-410E-B58C-2B7A46AE97E9}"/>
+              </a:ext>
+            </a:extLst>
+          </p:cNvPr>
+          <p:cNvSpPr>
+            <a:spLocks noGrp="1"/>
+          </p:cNvSpPr>
+          <p:nvPr>
+            <p:ph type="body" idx="1"/>
+          </p:nvPr>
+        </p:nvSpPr>
+        <p:spPr/>
+        <p:txBody>
+          <a:bodyPr/>
+          <a:lstStyle/>
+          <a:p>
+            <a:r>
+              <a:rPr lang="en-US" dirty="0"/>
+              <a:t>Making some Cache</a:t>
+            </a:r>
+          </a:p>
+        </p:txBody>
+      </p:sp>
+    </p:spTree>
+    <p:extLst>
+      <p:ext uri="{BB962C8B-B14F-4D97-AF65-F5344CB8AC3E}">
+        <p14:creationId xmlns:p14="http://schemas.microsoft.com/office/powerpoint/2010/main" val="1077179974"/>
+      </p:ext>
+    </p:extLst>
+  </p:cSld>
+  <p:clrMapOvr>
+    <a:masterClrMapping/>
+  </p:clrMapOvr>
+</p:sld>
+</file>
+
+<file path=ppt/slides/slide23.xml><?xml version="1.0" encoding="utf-8"?>
+<p:sld xmlns:a="http://schemas.openxmlformats.org/drawingml/2006/main" xmlns:r="http://schemas.openxmlformats.org/officeDocument/2006/relationships" xmlns:p="http://schemas.openxmlformats.org/presentationml/2006/main">
+  <p:cSld>
+    <p:spTree>
+      <p:nvGrpSpPr>
+        <p:cNvPr id="1" name=""/>
+        <p:cNvGrpSpPr/>
+        <p:nvPr/>
+      </p:nvGrpSpPr>
+      <p:grpSpPr>
+        <a:xfrm>
+          <a:off x="0" y="0"/>
+          <a:ext cx="0" cy="0"/>
+          <a:chOff x="0" y="0"/>
+          <a:chExt cx="0" cy="0"/>
+        </a:xfrm>
+      </p:grpSpPr>
+      <p:sp>
+        <p:nvSpPr>
+          <p:cNvPr id="2" name="Title 1">
+            <a:extLst>
+              <a:ext uri="{FF2B5EF4-FFF2-40B4-BE49-F238E27FC236}">
+                <a16:creationId xmlns:a16="http://schemas.microsoft.com/office/drawing/2014/main" id="{DC268D94-29CA-405C-82A4-E31CA7FA7A76}"/>
+              </a:ext>
+            </a:extLst>
+          </p:cNvPr>
+          <p:cNvSpPr>
+            <a:spLocks noGrp="1"/>
+          </p:cNvSpPr>
+          <p:nvPr>
+            <p:ph type="title"/>
+          </p:nvPr>
+        </p:nvSpPr>
+        <p:spPr/>
+        <p:txBody>
+          <a:bodyPr/>
+          <a:lstStyle/>
+          <a:p>
+            <a:r>
+              <a:rPr lang="en-US" dirty="0"/>
+              <a:t>Distribution</a:t>
+            </a:r>
+          </a:p>
+        </p:txBody>
+      </p:sp>
+      <p:sp>
+        <p:nvSpPr>
+          <p:cNvPr id="3" name="Content Placeholder 2">
+            <a:extLst>
+              <a:ext uri="{FF2B5EF4-FFF2-40B4-BE49-F238E27FC236}">
+                <a16:creationId xmlns:a16="http://schemas.microsoft.com/office/drawing/2014/main" id="{AB6E5523-2AA7-4DAB-A776-906FD8941288}"/>
+              </a:ext>
+            </a:extLst>
+          </p:cNvPr>
+          <p:cNvSpPr>
+            <a:spLocks noGrp="1"/>
+          </p:cNvSpPr>
+          <p:nvPr>
+            <p:ph idx="1"/>
+          </p:nvPr>
+        </p:nvSpPr>
+        <p:spPr/>
+        <p:txBody>
+          <a:bodyPr/>
+          <a:lstStyle/>
+          <a:p>
+            <a:endParaRPr lang="en-US"/>
+          </a:p>
+        </p:txBody>
+      </p:sp>
+    </p:spTree>
+    <p:extLst>
+      <p:ext uri="{BB962C8B-B14F-4D97-AF65-F5344CB8AC3E}">
+        <p14:creationId xmlns:p14="http://schemas.microsoft.com/office/powerpoint/2010/main" val="2521945178"/>
+      </p:ext>
+    </p:extLst>
+  </p:cSld>
+  <p:clrMapOvr>
+    <a:masterClrMapping/>
+  </p:clrMapOvr>
+</p:sld>
+</file>
+
+<file path=ppt/slides/slide24.xml><?xml version="1.0" encoding="utf-8"?>
+<p:sld xmlns:a="http://schemas.openxmlformats.org/drawingml/2006/main" xmlns:r="http://schemas.openxmlformats.org/officeDocument/2006/relationships" xmlns:p="http://schemas.openxmlformats.org/presentationml/2006/main">
+  <p:cSld>
+    <p:spTree>
+      <p:nvGrpSpPr>
+        <p:cNvPr id="1" name=""/>
+        <p:cNvGrpSpPr/>
+        <p:nvPr/>
+      </p:nvGrpSpPr>
+      <p:grpSpPr>
+        <a:xfrm>
+          <a:off x="0" y="0"/>
+          <a:ext cx="0" cy="0"/>
+          <a:chOff x="0" y="0"/>
+          <a:chExt cx="0" cy="0"/>
+        </a:xfrm>
+      </p:grpSpPr>
+      <p:sp>
+        <p:nvSpPr>
+          <p:cNvPr id="2" name="Title 1">
+            <a:extLst>
+              <a:ext uri="{FF2B5EF4-FFF2-40B4-BE49-F238E27FC236}">
+                <a16:creationId xmlns:a16="http://schemas.microsoft.com/office/drawing/2014/main" id="{DC268D94-29CA-405C-82A4-E31CA7FA7A76}"/>
+              </a:ext>
+            </a:extLst>
+          </p:cNvPr>
+          <p:cNvSpPr>
+            <a:spLocks noGrp="1"/>
+          </p:cNvSpPr>
+          <p:nvPr>
+            <p:ph type="title"/>
+          </p:nvPr>
+        </p:nvSpPr>
+        <p:spPr/>
+        <p:txBody>
+          <a:bodyPr/>
+          <a:lstStyle/>
+          <a:p>
+            <a:r>
+              <a:rPr lang="en-US" dirty="0"/>
+              <a:t>Distribution</a:t>
+            </a:r>
+          </a:p>
+        </p:txBody>
+      </p:sp>
+      <p:sp>
+        <p:nvSpPr>
+          <p:cNvPr id="3" name="Content Placeholder 2">
+            <a:extLst>
+              <a:ext uri="{FF2B5EF4-FFF2-40B4-BE49-F238E27FC236}">
+                <a16:creationId xmlns:a16="http://schemas.microsoft.com/office/drawing/2014/main" id="{AB6E5523-2AA7-4DAB-A776-906FD8941288}"/>
+              </a:ext>
+            </a:extLst>
+          </p:cNvPr>
+          <p:cNvSpPr>
+            <a:spLocks noGrp="1"/>
+          </p:cNvSpPr>
+          <p:nvPr>
+            <p:ph idx="1"/>
+          </p:nvPr>
+        </p:nvSpPr>
+        <p:spPr/>
+        <p:txBody>
+          <a:bodyPr/>
+          <a:lstStyle/>
+          <a:p>
+            <a:endParaRPr lang="en-US"/>
+          </a:p>
+        </p:txBody>
+      </p:sp>
+    </p:spTree>
+    <p:extLst>
+      <p:ext uri="{BB962C8B-B14F-4D97-AF65-F5344CB8AC3E}">
+        <p14:creationId xmlns:p14="http://schemas.microsoft.com/office/powerpoint/2010/main" val="715533140"/>
+      </p:ext>
+    </p:extLst>
+  </p:cSld>
+  <p:clrMapOvr>
+    <a:masterClrMapping/>
+  </p:clrMapOvr>
+</p:sld>
+</file>
+
+<file path=ppt/slides/slide25.xml><?xml version="1.0" encoding="utf-8"?>
+<p:sld xmlns:a="http://schemas.openxmlformats.org/drawingml/2006/main" xmlns:r="http://schemas.openxmlformats.org/officeDocument/2006/relationships" xmlns:p="http://schemas.openxmlformats.org/presentationml/2006/main">
+  <p:cSld>
+    <p:spTree>
+      <p:nvGrpSpPr>
+        <p:cNvPr id="1" name=""/>
+        <p:cNvGrpSpPr/>
+        <p:nvPr/>
+      </p:nvGrpSpPr>
+      <p:grpSpPr>
+        <a:xfrm>
+          <a:off x="0" y="0"/>
+          <a:ext cx="0" cy="0"/>
+          <a:chOff x="0" y="0"/>
+          <a:chExt cx="0" cy="0"/>
+        </a:xfrm>
+      </p:grpSpPr>
+      <p:sp>
+        <p:nvSpPr>
+          <p:cNvPr id="2" name="Title 1">
+            <a:extLst>
+              <a:ext uri="{FF2B5EF4-FFF2-40B4-BE49-F238E27FC236}">
+                <a16:creationId xmlns:a16="http://schemas.microsoft.com/office/drawing/2014/main" id="{DC268D94-29CA-405C-82A4-E31CA7FA7A76}"/>
+              </a:ext>
+            </a:extLst>
+          </p:cNvPr>
+          <p:cNvSpPr>
+            <a:spLocks noGrp="1"/>
+          </p:cNvSpPr>
+          <p:nvPr>
+            <p:ph type="title"/>
+          </p:nvPr>
+        </p:nvSpPr>
+        <p:spPr/>
+        <p:txBody>
+          <a:bodyPr/>
+          <a:lstStyle/>
+          <a:p>
+            <a:r>
+              <a:rPr lang="en-US" dirty="0"/>
+              <a:t>Distribution</a:t>
+            </a:r>
+          </a:p>
+        </p:txBody>
+      </p:sp>
+      <p:sp>
+        <p:nvSpPr>
+          <p:cNvPr id="3" name="Content Placeholder 2">
+            <a:extLst>
+              <a:ext uri="{FF2B5EF4-FFF2-40B4-BE49-F238E27FC236}">
+                <a16:creationId xmlns:a16="http://schemas.microsoft.com/office/drawing/2014/main" id="{AB6E5523-2AA7-4DAB-A776-906FD8941288}"/>
+              </a:ext>
+            </a:extLst>
+          </p:cNvPr>
+          <p:cNvSpPr>
+            <a:spLocks noGrp="1"/>
+          </p:cNvSpPr>
+          <p:nvPr>
+            <p:ph idx="1"/>
+          </p:nvPr>
+        </p:nvSpPr>
+        <p:spPr/>
+        <p:txBody>
+          <a:bodyPr/>
+          <a:lstStyle/>
+          <a:p>
+            <a:endParaRPr lang="en-US"/>
+          </a:p>
+        </p:txBody>
+      </p:sp>
+    </p:spTree>
+    <p:extLst>
+      <p:ext uri="{BB962C8B-B14F-4D97-AF65-F5344CB8AC3E}">
+        <p14:creationId xmlns:p14="http://schemas.microsoft.com/office/powerpoint/2010/main" val="3067867300"/>
+      </p:ext>
+    </p:extLst>
+  </p:cSld>
+  <p:clrMapOvr>
+    <a:masterClrMapping/>
+  </p:clrMapOvr>
+</p:sld>
+</file>
+
+<file path=ppt/slides/slide26.xml><?xml version="1.0" encoding="utf-8"?>
+<p:sld xmlns:a="http://schemas.openxmlformats.org/drawingml/2006/main" xmlns:r="http://schemas.openxmlformats.org/officeDocument/2006/relationships" xmlns:p="http://schemas.openxmlformats.org/presentationml/2006/main">
+  <p:cSld>
+    <p:spTree>
+      <p:nvGrpSpPr>
+        <p:cNvPr id="1" name=""/>
+        <p:cNvGrpSpPr/>
+        <p:nvPr/>
+      </p:nvGrpSpPr>
+      <p:grpSpPr>
+        <a:xfrm>
+          <a:off x="0" y="0"/>
+          <a:ext cx="0" cy="0"/>
+          <a:chOff x="0" y="0"/>
+          <a:chExt cx="0" cy="0"/>
+        </a:xfrm>
+      </p:grpSpPr>
       <p:sp>
         <p:nvSpPr>
           <p:cNvPr id="2" name="Title 1">
@@ -5828,7 +9038,7 @@
 </p:sld>
 </file>
 
-<file path=ppt/slides/slide15.xml><?xml version="1.0" encoding="utf-8"?>
+<file path=ppt/slides/slide27.xml><?xml version="1.0" encoding="utf-8"?>
 <p:sld xmlns:a="http://schemas.openxmlformats.org/drawingml/2006/main" xmlns:r="http://schemas.openxmlformats.org/officeDocument/2006/relationships" xmlns:p="http://schemas.openxmlformats.org/presentationml/2006/main">
   <p:cSld>
     <p:spTree>
@@ -5933,7 +9143,7 @@
 </p:sld>
 </file>
 
-<file path=ppt/slides/slide16.xml><?xml version="1.0" encoding="utf-8"?>
+<file path=ppt/slides/slide28.xml><?xml version="1.0" encoding="utf-8"?>
 <p:sld xmlns:a="http://schemas.openxmlformats.org/drawingml/2006/main" xmlns:r="http://schemas.openxmlformats.org/officeDocument/2006/relationships" xmlns:p="http://schemas.openxmlformats.org/presentationml/2006/main">
   <p:cSld>
     <p:spTree>
@@ -5991,7 +9201,7 @@
 </p:sld>
 </file>
 
-<file path=ppt/slides/slide17.xml><?xml version="1.0" encoding="utf-8"?>
+<file path=ppt/slides/slide29.xml><?xml version="1.0" encoding="utf-8"?>
 <p:sld xmlns:a="http://schemas.openxmlformats.org/drawingml/2006/main" xmlns:r="http://schemas.openxmlformats.org/officeDocument/2006/relationships" xmlns:p="http://schemas.openxmlformats.org/presentationml/2006/main">
   <p:cSld>
     <p:spTree>
@@ -6040,205 +9250,6 @@
     <p:extLst>
       <p:ext uri="{BB962C8B-B14F-4D97-AF65-F5344CB8AC3E}">
         <p14:creationId xmlns:p14="http://schemas.microsoft.com/office/powerpoint/2010/main" val="1000718808"/>
-      </p:ext>
-    </p:extLst>
-  </p:cSld>
-  <p:clrMapOvr>
-    <a:masterClrMapping/>
-  </p:clrMapOvr>
-</p:sld>
-</file>
-
-<file path=ppt/slides/slide18.xml><?xml version="1.0" encoding="utf-8"?>
-<p:sld xmlns:a="http://schemas.openxmlformats.org/drawingml/2006/main" xmlns:r="http://schemas.openxmlformats.org/officeDocument/2006/relationships" xmlns:p="http://schemas.openxmlformats.org/presentationml/2006/main">
-  <p:cSld>
-    <p:spTree>
-      <p:nvGrpSpPr>
-        <p:cNvPr id="1" name=""/>
-        <p:cNvGrpSpPr/>
-        <p:nvPr/>
-      </p:nvGrpSpPr>
-      <p:grpSpPr>
-        <a:xfrm>
-          <a:off x="0" y="0"/>
-          <a:ext cx="0" cy="0"/>
-          <a:chOff x="0" y="0"/>
-          <a:chExt cx="0" cy="0"/>
-        </a:xfrm>
-      </p:grpSpPr>
-      <p:sp>
-        <p:nvSpPr>
-          <p:cNvPr id="2" name="Title 1">
-            <a:extLst>
-              <a:ext uri="{FF2B5EF4-FFF2-40B4-BE49-F238E27FC236}">
-                <a16:creationId xmlns:a16="http://schemas.microsoft.com/office/drawing/2014/main" id="{99E701A6-9CB5-405E-99F1-FB14D4A61A7F}"/>
-              </a:ext>
-            </a:extLst>
-          </p:cNvPr>
-          <p:cNvSpPr>
-            <a:spLocks noGrp="1"/>
-          </p:cNvSpPr>
-          <p:nvPr>
-            <p:ph type="title"/>
-          </p:nvPr>
-        </p:nvSpPr>
-        <p:spPr/>
-        <p:txBody>
-          <a:bodyPr/>
-          <a:lstStyle/>
-          <a:p>
-            <a:r>
-              <a:rPr lang="en-US" dirty="0"/>
-              <a:t>Consistency</a:t>
-            </a:r>
-          </a:p>
-        </p:txBody>
-      </p:sp>
-    </p:spTree>
-    <p:extLst>
-      <p:ext uri="{BB962C8B-B14F-4D97-AF65-F5344CB8AC3E}">
-        <p14:creationId xmlns:p14="http://schemas.microsoft.com/office/powerpoint/2010/main" val="2737353805"/>
-      </p:ext>
-    </p:extLst>
-  </p:cSld>
-  <p:clrMapOvr>
-    <a:masterClrMapping/>
-  </p:clrMapOvr>
-</p:sld>
-</file>
-
-<file path=ppt/slides/slide19.xml><?xml version="1.0" encoding="utf-8"?>
-<p:sld xmlns:a="http://schemas.openxmlformats.org/drawingml/2006/main" xmlns:r="http://schemas.openxmlformats.org/officeDocument/2006/relationships" xmlns:p="http://schemas.openxmlformats.org/presentationml/2006/main">
-  <p:cSld>
-    <p:spTree>
-      <p:nvGrpSpPr>
-        <p:cNvPr id="1" name=""/>
-        <p:cNvGrpSpPr/>
-        <p:nvPr/>
-      </p:nvGrpSpPr>
-      <p:grpSpPr>
-        <a:xfrm>
-          <a:off x="0" y="0"/>
-          <a:ext cx="0" cy="0"/>
-          <a:chOff x="0" y="0"/>
-          <a:chExt cx="0" cy="0"/>
-        </a:xfrm>
-      </p:grpSpPr>
-      <p:sp>
-        <p:nvSpPr>
-          <p:cNvPr id="2" name="Title 1">
-            <a:extLst>
-              <a:ext uri="{FF2B5EF4-FFF2-40B4-BE49-F238E27FC236}">
-                <a16:creationId xmlns:a16="http://schemas.microsoft.com/office/drawing/2014/main" id="{99E701A6-9CB5-405E-99F1-FB14D4A61A7F}"/>
-              </a:ext>
-            </a:extLst>
-          </p:cNvPr>
-          <p:cNvSpPr>
-            <a:spLocks noGrp="1"/>
-          </p:cNvSpPr>
-          <p:nvPr>
-            <p:ph type="title"/>
-          </p:nvPr>
-        </p:nvSpPr>
-        <p:spPr/>
-        <p:txBody>
-          <a:bodyPr/>
-          <a:lstStyle/>
-          <a:p>
-            <a:r>
-              <a:rPr lang="en-US" dirty="0"/>
-              <a:t>Consistency</a:t>
-            </a:r>
-          </a:p>
-        </p:txBody>
-      </p:sp>
-    </p:spTree>
-    <p:extLst>
-      <p:ext uri="{BB962C8B-B14F-4D97-AF65-F5344CB8AC3E}">
-        <p14:creationId xmlns:p14="http://schemas.microsoft.com/office/powerpoint/2010/main" val="2227865231"/>
-      </p:ext>
-    </p:extLst>
-  </p:cSld>
-  <p:clrMapOvr>
-    <a:masterClrMapping/>
-  </p:clrMapOvr>
-</p:sld>
-</file>
-
-<file path=ppt/slides/slide2.xml><?xml version="1.0" encoding="utf-8"?>
-<p:sld xmlns:a="http://schemas.openxmlformats.org/drawingml/2006/main" xmlns:r="http://schemas.openxmlformats.org/officeDocument/2006/relationships" xmlns:p="http://schemas.openxmlformats.org/presentationml/2006/main">
-  <p:cSld>
-    <p:spTree>
-      <p:nvGrpSpPr>
-        <p:cNvPr id="1" name=""/>
-        <p:cNvGrpSpPr/>
-        <p:nvPr/>
-      </p:nvGrpSpPr>
-      <p:grpSpPr>
-        <a:xfrm>
-          <a:off x="0" y="0"/>
-          <a:ext cx="0" cy="0"/>
-          <a:chOff x="0" y="0"/>
-          <a:chExt cx="0" cy="0"/>
-        </a:xfrm>
-      </p:grpSpPr>
-      <p:sp>
-        <p:nvSpPr>
-          <p:cNvPr id="2" name="Title 1">
-            <a:extLst>
-              <a:ext uri="{FF2B5EF4-FFF2-40B4-BE49-F238E27FC236}">
-                <a16:creationId xmlns:a16="http://schemas.microsoft.com/office/drawing/2014/main" id="{6C06E75B-C673-42D6-B752-75134919AB20}"/>
-              </a:ext>
-            </a:extLst>
-          </p:cNvPr>
-          <p:cNvSpPr>
-            <a:spLocks noGrp="1"/>
-          </p:cNvSpPr>
-          <p:nvPr>
-            <p:ph type="title"/>
-          </p:nvPr>
-        </p:nvSpPr>
-        <p:spPr/>
-        <p:txBody>
-          <a:bodyPr/>
-          <a:lstStyle/>
-          <a:p>
-            <a:r>
-              <a:rPr lang="en-US" dirty="0"/>
-              <a:t>Designing for Speed and Scalability</a:t>
-            </a:r>
-          </a:p>
-        </p:txBody>
-      </p:sp>
-      <p:sp>
-        <p:nvSpPr>
-          <p:cNvPr id="3" name="Text Placeholder 2">
-            <a:extLst>
-              <a:ext uri="{FF2B5EF4-FFF2-40B4-BE49-F238E27FC236}">
-                <a16:creationId xmlns:a16="http://schemas.microsoft.com/office/drawing/2014/main" id="{03D7A275-6B57-4A18-A068-0B4AF659298C}"/>
-              </a:ext>
-            </a:extLst>
-          </p:cNvPr>
-          <p:cNvSpPr>
-            <a:spLocks noGrp="1"/>
-          </p:cNvSpPr>
-          <p:nvPr>
-            <p:ph type="body" idx="1"/>
-          </p:nvPr>
-        </p:nvSpPr>
-        <p:spPr/>
-        <p:txBody>
-          <a:bodyPr/>
-          <a:lstStyle/>
-          <a:p>
-            <a:endParaRPr lang="en-US"/>
-          </a:p>
-        </p:txBody>
-      </p:sp>
-    </p:spTree>
-    <p:extLst>
-      <p:ext uri="{BB962C8B-B14F-4D97-AF65-F5344CB8AC3E}">
-        <p14:creationId xmlns:p14="http://schemas.microsoft.com/office/powerpoint/2010/main" val="2013712679"/>
       </p:ext>
     </p:extLst>
   </p:cSld>
@@ -6267,51 +9278,39 @@
       </p:grpSpPr>
       <p:sp>
         <p:nvSpPr>
-          <p:cNvPr id="2" name="Title 1">
-            <a:extLst>
-              <a:ext uri="{FF2B5EF4-FFF2-40B4-BE49-F238E27FC236}">
-                <a16:creationId xmlns:a16="http://schemas.microsoft.com/office/drawing/2014/main" id="{4CCA50F6-2050-4B5F-A7BD-822F13CD8BBF}"/>
-              </a:ext>
-            </a:extLst>
-          </p:cNvPr>
-          <p:cNvSpPr>
-            <a:spLocks noGrp="1"/>
-          </p:cNvSpPr>
-          <p:nvPr>
-            <p:ph type="title"/>
-          </p:nvPr>
-        </p:nvSpPr>
-        <p:spPr/>
-        <p:txBody>
-          <a:bodyPr/>
-          <a:lstStyle/>
-          <a:p>
-            <a:endParaRPr lang="en-US"/>
-          </a:p>
-        </p:txBody>
-      </p:sp>
-      <p:sp>
-        <p:nvSpPr>
-          <p:cNvPr id="3" name="Text Placeholder 2">
-            <a:extLst>
-              <a:ext uri="{FF2B5EF4-FFF2-40B4-BE49-F238E27FC236}">
-                <a16:creationId xmlns:a16="http://schemas.microsoft.com/office/drawing/2014/main" id="{1A9FD576-6817-474A-B6A1-A9D3BA19FD43}"/>
-              </a:ext>
-            </a:extLst>
-          </p:cNvPr>
-          <p:cNvSpPr>
-            <a:spLocks noGrp="1"/>
-          </p:cNvSpPr>
-          <p:nvPr>
-            <p:ph type="body" idx="1"/>
-          </p:nvPr>
-        </p:nvSpPr>
-        <p:spPr/>
-        <p:txBody>
-          <a:bodyPr/>
-          <a:lstStyle/>
-          <a:p>
-            <a:endParaRPr lang="en-US"/>
+          <p:cNvPr id="5" name="TextBox 4">
+            <a:extLst>
+              <a:ext uri="{FF2B5EF4-FFF2-40B4-BE49-F238E27FC236}">
+                <a16:creationId xmlns:a16="http://schemas.microsoft.com/office/drawing/2014/main" id="{370007B4-2FA4-4093-9A89-EC723A4AFEE5}"/>
+              </a:ext>
+            </a:extLst>
+          </p:cNvPr>
+          <p:cNvSpPr txBox="1"/>
+          <p:nvPr/>
+        </p:nvSpPr>
+        <p:spPr>
+          <a:xfrm>
+            <a:off x="723900" y="1720840"/>
+            <a:ext cx="11074400" cy="3416320"/>
+          </a:xfrm>
+          <a:prstGeom prst="rect">
+            <a:avLst/>
+          </a:prstGeom>
+          <a:noFill/>
+        </p:spPr>
+        <p:txBody>
+          <a:bodyPr wrap="square">
+            <a:spAutoFit/>
+          </a:bodyPr>
+          <a:lstStyle/>
+          <a:p>
+            <a:pPr marL="0" indent="0" algn="ctr">
+              <a:buNone/>
+            </a:pPr>
+            <a:r>
+              <a:rPr lang="en-US" sz="7200" baseline="0" dirty="0"/>
+              <a:t>Scaling is the ability to cope and perform under an increasing workload. </a:t>
+            </a:r>
           </a:p>
         </p:txBody>
       </p:sp>
@@ -6319,6 +9318,122 @@
     <p:extLst>
       <p:ext uri="{BB962C8B-B14F-4D97-AF65-F5344CB8AC3E}">
         <p14:creationId xmlns:p14="http://schemas.microsoft.com/office/powerpoint/2010/main" val="2661999575"/>
+      </p:ext>
+    </p:extLst>
+  </p:cSld>
+  <p:clrMapOvr>
+    <a:masterClrMapping/>
+  </p:clrMapOvr>
+</p:sld>
+</file>
+
+<file path=ppt/slides/slide30.xml><?xml version="1.0" encoding="utf-8"?>
+<p:sld xmlns:a="http://schemas.openxmlformats.org/drawingml/2006/main" xmlns:r="http://schemas.openxmlformats.org/officeDocument/2006/relationships" xmlns:p="http://schemas.openxmlformats.org/presentationml/2006/main">
+  <p:cSld>
+    <p:spTree>
+      <p:nvGrpSpPr>
+        <p:cNvPr id="1" name=""/>
+        <p:cNvGrpSpPr/>
+        <p:nvPr/>
+      </p:nvGrpSpPr>
+      <p:grpSpPr>
+        <a:xfrm>
+          <a:off x="0" y="0"/>
+          <a:ext cx="0" cy="0"/>
+          <a:chOff x="0" y="0"/>
+          <a:chExt cx="0" cy="0"/>
+        </a:xfrm>
+      </p:grpSpPr>
+      <p:sp>
+        <p:nvSpPr>
+          <p:cNvPr id="2" name="Title 1">
+            <a:extLst>
+              <a:ext uri="{FF2B5EF4-FFF2-40B4-BE49-F238E27FC236}">
+                <a16:creationId xmlns:a16="http://schemas.microsoft.com/office/drawing/2014/main" id="{99E701A6-9CB5-405E-99F1-FB14D4A61A7F}"/>
+              </a:ext>
+            </a:extLst>
+          </p:cNvPr>
+          <p:cNvSpPr>
+            <a:spLocks noGrp="1"/>
+          </p:cNvSpPr>
+          <p:nvPr>
+            <p:ph type="title"/>
+          </p:nvPr>
+        </p:nvSpPr>
+        <p:spPr/>
+        <p:txBody>
+          <a:bodyPr/>
+          <a:lstStyle/>
+          <a:p>
+            <a:r>
+              <a:rPr lang="en-US" dirty="0"/>
+              <a:t>Consistency</a:t>
+            </a:r>
+          </a:p>
+        </p:txBody>
+      </p:sp>
+    </p:spTree>
+    <p:extLst>
+      <p:ext uri="{BB962C8B-B14F-4D97-AF65-F5344CB8AC3E}">
+        <p14:creationId xmlns:p14="http://schemas.microsoft.com/office/powerpoint/2010/main" val="2737353805"/>
+      </p:ext>
+    </p:extLst>
+  </p:cSld>
+  <p:clrMapOvr>
+    <a:masterClrMapping/>
+  </p:clrMapOvr>
+</p:sld>
+</file>
+
+<file path=ppt/slides/slide31.xml><?xml version="1.0" encoding="utf-8"?>
+<p:sld xmlns:a="http://schemas.openxmlformats.org/drawingml/2006/main" xmlns:r="http://schemas.openxmlformats.org/officeDocument/2006/relationships" xmlns:p="http://schemas.openxmlformats.org/presentationml/2006/main">
+  <p:cSld>
+    <p:spTree>
+      <p:nvGrpSpPr>
+        <p:cNvPr id="1" name=""/>
+        <p:cNvGrpSpPr/>
+        <p:nvPr/>
+      </p:nvGrpSpPr>
+      <p:grpSpPr>
+        <a:xfrm>
+          <a:off x="0" y="0"/>
+          <a:ext cx="0" cy="0"/>
+          <a:chOff x="0" y="0"/>
+          <a:chExt cx="0" cy="0"/>
+        </a:xfrm>
+      </p:grpSpPr>
+      <p:sp>
+        <p:nvSpPr>
+          <p:cNvPr id="2" name="Title 1">
+            <a:extLst>
+              <a:ext uri="{FF2B5EF4-FFF2-40B4-BE49-F238E27FC236}">
+                <a16:creationId xmlns:a16="http://schemas.microsoft.com/office/drawing/2014/main" id="{99E701A6-9CB5-405E-99F1-FB14D4A61A7F}"/>
+              </a:ext>
+            </a:extLst>
+          </p:cNvPr>
+          <p:cNvSpPr>
+            <a:spLocks noGrp="1"/>
+          </p:cNvSpPr>
+          <p:nvPr>
+            <p:ph type="title"/>
+          </p:nvPr>
+        </p:nvSpPr>
+        <p:spPr/>
+        <p:txBody>
+          <a:bodyPr/>
+          <a:lstStyle/>
+          <a:p>
+            <a:r>
+              <a:rPr lang="en-US" dirty="0"/>
+              <a:t>Consistency</a:t>
+            </a:r>
+          </a:p>
+        </p:txBody>
+      </p:sp>
+    </p:spTree>
+    <p:extLst>
+      <p:ext uri="{BB962C8B-B14F-4D97-AF65-F5344CB8AC3E}">
+        <p14:creationId xmlns:p14="http://schemas.microsoft.com/office/powerpoint/2010/main" val="2227865231"/>
       </p:ext>
     </p:extLst>
   </p:cSld>
@@ -6347,28 +9462,38 @@
       </p:grpSpPr>
       <p:sp>
         <p:nvSpPr>
-          <p:cNvPr id="2" name="Title 1">
-            <a:extLst>
-              <a:ext uri="{FF2B5EF4-FFF2-40B4-BE49-F238E27FC236}">
-                <a16:creationId xmlns:a16="http://schemas.microsoft.com/office/drawing/2014/main" id="{655B9142-9C74-405F-AD1E-66683BCCDEFF}"/>
-              </a:ext>
-            </a:extLst>
-          </p:cNvPr>
-          <p:cNvSpPr>
-            <a:spLocks noGrp="1"/>
-          </p:cNvSpPr>
-          <p:nvPr>
-            <p:ph type="title"/>
-          </p:nvPr>
-        </p:nvSpPr>
-        <p:spPr/>
-        <p:txBody>
-          <a:bodyPr/>
-          <a:lstStyle/>
-          <a:p>
-            <a:r>
-              <a:rPr lang="en-US" dirty="0"/>
-              <a:t>Asynchronous Processing</a:t>
+          <p:cNvPr id="5" name="TextBox 4">
+            <a:extLst>
+              <a:ext uri="{FF2B5EF4-FFF2-40B4-BE49-F238E27FC236}">
+                <a16:creationId xmlns:a16="http://schemas.microsoft.com/office/drawing/2014/main" id="{370007B4-2FA4-4093-9A89-EC723A4AFEE5}"/>
+              </a:ext>
+            </a:extLst>
+          </p:cNvPr>
+          <p:cNvSpPr txBox="1"/>
+          <p:nvPr/>
+        </p:nvSpPr>
+        <p:spPr>
+          <a:xfrm>
+            <a:off x="558800" y="1166843"/>
+            <a:ext cx="11074400" cy="4524315"/>
+          </a:xfrm>
+          <a:prstGeom prst="rect">
+            <a:avLst/>
+          </a:prstGeom>
+          <a:noFill/>
+        </p:spPr>
+        <p:txBody>
+          <a:bodyPr wrap="square">
+            <a:spAutoFit/>
+          </a:bodyPr>
+          <a:lstStyle/>
+          <a:p>
+            <a:pPr marL="0" indent="0" algn="ctr">
+              <a:buNone/>
+            </a:pPr>
+            <a:r>
+              <a:rPr lang="en-US" sz="7200" baseline="0" dirty="0"/>
+              <a:t>Being available is really about a request being completed in a period of time.</a:t>
             </a:r>
           </a:p>
         </p:txBody>
@@ -6376,7 +9501,7 @@
     </p:spTree>
     <p:extLst>
       <p:ext uri="{BB962C8B-B14F-4D97-AF65-F5344CB8AC3E}">
-        <p14:creationId xmlns:p14="http://schemas.microsoft.com/office/powerpoint/2010/main" val="2759490271"/>
+        <p14:creationId xmlns:p14="http://schemas.microsoft.com/office/powerpoint/2010/main" val="2316217511"/>
       </p:ext>
     </p:extLst>
   </p:cSld>
@@ -6405,64 +9530,47 @@
       </p:grpSpPr>
       <p:sp>
         <p:nvSpPr>
-          <p:cNvPr id="4" name="Title 3">
-            <a:extLst>
-              <a:ext uri="{FF2B5EF4-FFF2-40B4-BE49-F238E27FC236}">
-                <a16:creationId xmlns:a16="http://schemas.microsoft.com/office/drawing/2014/main" id="{169E3C5D-2B2C-43E3-84C4-29DFDD20F14A}"/>
-              </a:ext>
-            </a:extLst>
-          </p:cNvPr>
-          <p:cNvSpPr>
-            <a:spLocks noGrp="1"/>
-          </p:cNvSpPr>
-          <p:nvPr>
-            <p:ph type="title"/>
-          </p:nvPr>
-        </p:nvSpPr>
-        <p:spPr/>
-        <p:txBody>
-          <a:bodyPr/>
-          <a:lstStyle/>
-          <a:p>
-            <a:r>
-              <a:rPr lang="en-US" dirty="0"/>
-              <a:t>Demo/Discussions</a:t>
-            </a:r>
-          </a:p>
-        </p:txBody>
-      </p:sp>
-      <p:sp>
-        <p:nvSpPr>
-          <p:cNvPr id="5" name="Text Placeholder 4">
-            <a:extLst>
-              <a:ext uri="{FF2B5EF4-FFF2-40B4-BE49-F238E27FC236}">
-                <a16:creationId xmlns:a16="http://schemas.microsoft.com/office/drawing/2014/main" id="{F4EDD6D9-951E-410E-B58C-2B7A46AE97E9}"/>
-              </a:ext>
-            </a:extLst>
-          </p:cNvPr>
-          <p:cNvSpPr>
-            <a:spLocks noGrp="1"/>
-          </p:cNvSpPr>
-          <p:nvPr>
-            <p:ph type="body" idx="1"/>
-          </p:nvPr>
-        </p:nvSpPr>
-        <p:spPr/>
-        <p:txBody>
-          <a:bodyPr/>
-          <a:lstStyle/>
-          <a:p>
-            <a:r>
-              <a:rPr lang="en-US" dirty="0"/>
-              <a:t>Let’s Send Some Emails</a:t>
-            </a:r>
+          <p:cNvPr id="5" name="TextBox 4">
+            <a:extLst>
+              <a:ext uri="{FF2B5EF4-FFF2-40B4-BE49-F238E27FC236}">
+                <a16:creationId xmlns:a16="http://schemas.microsoft.com/office/drawing/2014/main" id="{370007B4-2FA4-4093-9A89-EC723A4AFEE5}"/>
+              </a:ext>
+            </a:extLst>
+          </p:cNvPr>
+          <p:cNvSpPr txBox="1"/>
+          <p:nvPr/>
+        </p:nvSpPr>
+        <p:spPr>
+          <a:xfrm>
+            <a:off x="558800" y="1166843"/>
+            <a:ext cx="11074400" cy="3154710"/>
+          </a:xfrm>
+          <a:prstGeom prst="rect">
+            <a:avLst/>
+          </a:prstGeom>
+          <a:noFill/>
+        </p:spPr>
+        <p:txBody>
+          <a:bodyPr wrap="square">
+            <a:spAutoFit/>
+          </a:bodyPr>
+          <a:lstStyle/>
+          <a:p>
+            <a:pPr marL="0" indent="0" algn="ctr">
+              <a:buNone/>
+            </a:pPr>
+            <a:r>
+              <a:rPr lang="en-US" sz="19900" dirty="0"/>
+              <a:t>ACD⚡C</a:t>
+            </a:r>
+            <a:endParaRPr lang="en-US" sz="19900" baseline="0" dirty="0"/>
           </a:p>
         </p:txBody>
       </p:sp>
     </p:spTree>
     <p:extLst>
       <p:ext uri="{BB962C8B-B14F-4D97-AF65-F5344CB8AC3E}">
-        <p14:creationId xmlns:p14="http://schemas.microsoft.com/office/powerpoint/2010/main" val="2162110331"/>
+        <p14:creationId xmlns:p14="http://schemas.microsoft.com/office/powerpoint/2010/main" val="1644529810"/>
       </p:ext>
     </p:extLst>
   </p:cSld>
@@ -6491,61 +9599,90 @@
       </p:grpSpPr>
       <p:sp>
         <p:nvSpPr>
-          <p:cNvPr id="2" name="Title 1">
-            <a:extLst>
-              <a:ext uri="{FF2B5EF4-FFF2-40B4-BE49-F238E27FC236}">
-                <a16:creationId xmlns:a16="http://schemas.microsoft.com/office/drawing/2014/main" id="{E9F8B391-AB0F-4381-9068-F18D6873D455}"/>
-              </a:ext>
-            </a:extLst>
-          </p:cNvPr>
-          <p:cNvSpPr>
-            <a:spLocks noGrp="1"/>
-          </p:cNvSpPr>
-          <p:nvPr>
-            <p:ph type="title"/>
-          </p:nvPr>
-        </p:nvSpPr>
-        <p:spPr/>
-        <p:txBody>
-          <a:bodyPr/>
-          <a:lstStyle/>
-          <a:p>
-            <a:r>
-              <a:rPr lang="en-US" dirty="0"/>
-              <a:t>Caching</a:t>
-            </a:r>
-          </a:p>
-        </p:txBody>
-      </p:sp>
-      <p:sp>
-        <p:nvSpPr>
-          <p:cNvPr id="3" name="Content Placeholder 2">
-            <a:extLst>
-              <a:ext uri="{FF2B5EF4-FFF2-40B4-BE49-F238E27FC236}">
-                <a16:creationId xmlns:a16="http://schemas.microsoft.com/office/drawing/2014/main" id="{B0B5DF01-9A4A-4415-B7F2-70F3939DB4E1}"/>
-              </a:ext>
-            </a:extLst>
-          </p:cNvPr>
-          <p:cNvSpPr>
-            <a:spLocks noGrp="1"/>
-          </p:cNvSpPr>
-          <p:nvPr>
-            <p:ph idx="1"/>
-          </p:nvPr>
-        </p:nvSpPr>
-        <p:spPr/>
-        <p:txBody>
-          <a:bodyPr/>
-          <a:lstStyle/>
-          <a:p>
-            <a:endParaRPr lang="en-US"/>
+          <p:cNvPr id="5" name="TextBox 4">
+            <a:extLst>
+              <a:ext uri="{FF2B5EF4-FFF2-40B4-BE49-F238E27FC236}">
+                <a16:creationId xmlns:a16="http://schemas.microsoft.com/office/drawing/2014/main" id="{370007B4-2FA4-4093-9A89-EC723A4AFEE5}"/>
+              </a:ext>
+            </a:extLst>
+          </p:cNvPr>
+          <p:cNvSpPr txBox="1"/>
+          <p:nvPr/>
+        </p:nvSpPr>
+        <p:spPr>
+          <a:xfrm>
+            <a:off x="558800" y="1166843"/>
+            <a:ext cx="11074400" cy="4524315"/>
+          </a:xfrm>
+          <a:prstGeom prst="rect">
+            <a:avLst/>
+          </a:prstGeom>
+          <a:noFill/>
+        </p:spPr>
+        <p:txBody>
+          <a:bodyPr wrap="square">
+            <a:spAutoFit/>
+          </a:bodyPr>
+          <a:lstStyle/>
+          <a:p>
+            <a:pPr marL="0" indent="0">
+              <a:buNone/>
+            </a:pPr>
+            <a:r>
+              <a:rPr lang="en-US" sz="7200" b="1" baseline="0" dirty="0"/>
+              <a:t>A</a:t>
+            </a:r>
+            <a:r>
+              <a:rPr lang="en-US" sz="7200" baseline="0" dirty="0"/>
+              <a:t>synchronous Processing</a:t>
+            </a:r>
+          </a:p>
+          <a:p>
+            <a:pPr marL="0" indent="0">
+              <a:buNone/>
+            </a:pPr>
+            <a:r>
+              <a:rPr lang="en-US" sz="7200" b="1" dirty="0"/>
+              <a:t>C</a:t>
+            </a:r>
+            <a:r>
+              <a:rPr lang="en-US" sz="7200" dirty="0"/>
+              <a:t>aching</a:t>
+            </a:r>
+          </a:p>
+          <a:p>
+            <a:pPr marL="0" indent="0">
+              <a:buNone/>
+            </a:pPr>
+            <a:r>
+              <a:rPr lang="en-US" sz="7200" b="1" baseline="0" dirty="0"/>
+              <a:t>D</a:t>
+            </a:r>
+            <a:r>
+              <a:rPr lang="en-US" sz="7200" baseline="0" dirty="0"/>
+              <a:t>istribution</a:t>
+            </a:r>
+          </a:p>
+          <a:p>
+            <a:pPr marL="0" indent="0">
+              <a:buNone/>
+            </a:pPr>
+            <a:r>
+              <a:rPr lang="en-US" sz="7200" b="1" dirty="0"/>
+              <a:t>C</a:t>
+            </a:r>
+            <a:r>
+              <a:rPr lang="en-US" sz="7200" dirty="0"/>
+              <a:t>onsistency</a:t>
+            </a:r>
+            <a:endParaRPr lang="en-US" sz="7200" baseline="0" dirty="0"/>
           </a:p>
         </p:txBody>
       </p:sp>
     </p:spTree>
     <p:extLst>
       <p:ext uri="{BB962C8B-B14F-4D97-AF65-F5344CB8AC3E}">
-        <p14:creationId xmlns:p14="http://schemas.microsoft.com/office/powerpoint/2010/main" val="3458276994"/>
+        <p14:creationId xmlns:p14="http://schemas.microsoft.com/office/powerpoint/2010/main" val="1237632119"/>
       </p:ext>
     </p:extLst>
   </p:cSld>
@@ -6577,7 +9714,7 @@
           <p:cNvPr id="2" name="Title 1">
             <a:extLst>
               <a:ext uri="{FF2B5EF4-FFF2-40B4-BE49-F238E27FC236}">
-                <a16:creationId xmlns:a16="http://schemas.microsoft.com/office/drawing/2014/main" id="{E9F8B391-AB0F-4381-9068-F18D6873D455}"/>
+                <a16:creationId xmlns:a16="http://schemas.microsoft.com/office/drawing/2014/main" id="{655B9142-9C74-405F-AD1E-66683BCCDEFF}"/>
               </a:ext>
             </a:extLst>
           </p:cNvPr>
@@ -6595,17 +9732,17 @@
           <a:p>
             <a:r>
               <a:rPr lang="en-US" dirty="0"/>
-              <a:t>Caching</a:t>
-            </a:r>
-          </a:p>
-        </p:txBody>
-      </p:sp>
-      <p:sp>
-        <p:nvSpPr>
-          <p:cNvPr id="3" name="Content Placeholder 2">
-            <a:extLst>
-              <a:ext uri="{FF2B5EF4-FFF2-40B4-BE49-F238E27FC236}">
-                <a16:creationId xmlns:a16="http://schemas.microsoft.com/office/drawing/2014/main" id="{B0B5DF01-9A4A-4415-B7F2-70F3939DB4E1}"/>
+              <a:t>Asynchronous Processing</a:t>
+            </a:r>
+          </a:p>
+        </p:txBody>
+      </p:sp>
+      <p:sp>
+        <p:nvSpPr>
+          <p:cNvPr id="4" name="Content Placeholder 3">
+            <a:extLst>
+              <a:ext uri="{FF2B5EF4-FFF2-40B4-BE49-F238E27FC236}">
+                <a16:creationId xmlns:a16="http://schemas.microsoft.com/office/drawing/2014/main" id="{B96CECE8-6AA8-4FE9-B67B-B11906C31303}"/>
               </a:ext>
             </a:extLst>
           </p:cNvPr>
@@ -6621,14 +9758,50 @@
           <a:bodyPr/>
           <a:lstStyle/>
           <a:p>
-            <a:endParaRPr lang="en-US"/>
+            <a:r>
+              <a:rPr lang="en-US" dirty="0"/>
+              <a:t>Work doesn’t need to happen “on demand”</a:t>
+            </a:r>
+          </a:p>
+          <a:p>
+            <a:r>
+              <a:rPr lang="en-US" dirty="0"/>
+              <a:t>Decouple operations to reduce the workflow for a critical path</a:t>
+            </a:r>
+          </a:p>
+          <a:p>
+            <a:endParaRPr lang="en-US" dirty="0"/>
+          </a:p>
+          <a:p>
+            <a:r>
+              <a:rPr lang="en-US" dirty="0"/>
+              <a:t>What is the “critical path” for a process?</a:t>
+            </a:r>
+          </a:p>
+          <a:p>
+            <a:pPr lvl="1"/>
+            <a:r>
+              <a:rPr lang="en-US" dirty="0"/>
+              <a:t>Meaning: what steps need to happen NOW to make sure to </a:t>
+            </a:r>
+            <a:br>
+              <a:rPr lang="en-US" dirty="0"/>
+            </a:br>
+            <a:r>
+              <a:rPr lang="en-US" dirty="0"/>
+              <a:t>give a user 👍or 👎?</a:t>
+            </a:r>
+          </a:p>
+          <a:p>
+            <a:pPr lvl="1"/>
+            <a:endParaRPr lang="en-US" dirty="0"/>
           </a:p>
         </p:txBody>
       </p:sp>
     </p:spTree>
     <p:extLst>
       <p:ext uri="{BB962C8B-B14F-4D97-AF65-F5344CB8AC3E}">
-        <p14:creationId xmlns:p14="http://schemas.microsoft.com/office/powerpoint/2010/main" val="1652664455"/>
+        <p14:creationId xmlns:p14="http://schemas.microsoft.com/office/powerpoint/2010/main" val="2759490271"/>
       </p:ext>
     </p:extLst>
   </p:cSld>
@@ -6660,7 +9833,7 @@
           <p:cNvPr id="2" name="Title 1">
             <a:extLst>
               <a:ext uri="{FF2B5EF4-FFF2-40B4-BE49-F238E27FC236}">
-                <a16:creationId xmlns:a16="http://schemas.microsoft.com/office/drawing/2014/main" id="{E9F8B391-AB0F-4381-9068-F18D6873D455}"/>
+                <a16:creationId xmlns:a16="http://schemas.microsoft.com/office/drawing/2014/main" id="{64B86574-1AE5-443B-A4C7-88357D85E4C7}"/>
               </a:ext>
             </a:extLst>
           </p:cNvPr>
@@ -6678,40 +9851,699 @@
           <a:p>
             <a:r>
               <a:rPr lang="en-US" dirty="0"/>
-              <a:t>Caching</a:t>
-            </a:r>
-          </a:p>
-        </p:txBody>
-      </p:sp>
-      <p:sp>
-        <p:nvSpPr>
-          <p:cNvPr id="3" name="Content Placeholder 2">
-            <a:extLst>
-              <a:ext uri="{FF2B5EF4-FFF2-40B4-BE49-F238E27FC236}">
-                <a16:creationId xmlns:a16="http://schemas.microsoft.com/office/drawing/2014/main" id="{B0B5DF01-9A4A-4415-B7F2-70F3939DB4E1}"/>
-              </a:ext>
-            </a:extLst>
-          </p:cNvPr>
-          <p:cNvSpPr>
-            <a:spLocks noGrp="1"/>
-          </p:cNvSpPr>
-          <p:nvPr>
-            <p:ph idx="1"/>
-          </p:nvPr>
-        </p:nvSpPr>
-        <p:spPr/>
-        <p:txBody>
-          <a:bodyPr/>
-          <a:lstStyle/>
-          <a:p>
-            <a:endParaRPr lang="en-US"/>
-          </a:p>
-        </p:txBody>
-      </p:sp>
+              <a:t>Asynchronous Processing</a:t>
+            </a:r>
+          </a:p>
+        </p:txBody>
+      </p:sp>
+      <p:sp>
+        <p:nvSpPr>
+          <p:cNvPr id="4" name="Cloud 3">
+            <a:extLst>
+              <a:ext uri="{FF2B5EF4-FFF2-40B4-BE49-F238E27FC236}">
+                <a16:creationId xmlns:a16="http://schemas.microsoft.com/office/drawing/2014/main" id="{D5854160-E4FF-4811-8451-723AFBB3AEE5}"/>
+              </a:ext>
+            </a:extLst>
+          </p:cNvPr>
+          <p:cNvSpPr/>
+          <p:nvPr/>
+        </p:nvSpPr>
+        <p:spPr>
+          <a:xfrm>
+            <a:off x="546100" y="3009900"/>
+            <a:ext cx="2197100" cy="1422400"/>
+          </a:xfrm>
+          <a:prstGeom prst="cloud">
+            <a:avLst/>
+          </a:prstGeom>
+        </p:spPr>
+        <p:style>
+          <a:lnRef idx="2">
+            <a:schemeClr val="accent1">
+              <a:shade val="50000"/>
+            </a:schemeClr>
+          </a:lnRef>
+          <a:fillRef idx="1">
+            <a:schemeClr val="accent1"/>
+          </a:fillRef>
+          <a:effectRef idx="0">
+            <a:schemeClr val="accent1"/>
+          </a:effectRef>
+          <a:fontRef idx="minor">
+            <a:schemeClr val="lt1"/>
+          </a:fontRef>
+        </p:style>
+        <p:txBody>
+          <a:bodyPr rtlCol="0" anchor="ctr"/>
+          <a:lstStyle/>
+          <a:p>
+            <a:pPr algn="ctr"/>
+            <a:endParaRPr lang="en-US" dirty="0"/>
+          </a:p>
+        </p:txBody>
+      </p:sp>
+      <p:sp>
+        <p:nvSpPr>
+          <p:cNvPr id="5" name="Rectangle 4">
+            <a:extLst>
+              <a:ext uri="{FF2B5EF4-FFF2-40B4-BE49-F238E27FC236}">
+                <a16:creationId xmlns:a16="http://schemas.microsoft.com/office/drawing/2014/main" id="{A0AA5804-5E60-4AA6-96A2-43AEA81DD253}"/>
+              </a:ext>
+            </a:extLst>
+          </p:cNvPr>
+          <p:cNvSpPr/>
+          <p:nvPr/>
+        </p:nvSpPr>
+        <p:spPr>
+          <a:xfrm>
+            <a:off x="3968751" y="3086100"/>
+            <a:ext cx="1866900" cy="1269999"/>
+          </a:xfrm>
+          <a:prstGeom prst="rect">
+            <a:avLst/>
+          </a:prstGeom>
+        </p:spPr>
+        <p:style>
+          <a:lnRef idx="2">
+            <a:schemeClr val="accent1">
+              <a:shade val="50000"/>
+            </a:schemeClr>
+          </a:lnRef>
+          <a:fillRef idx="1">
+            <a:schemeClr val="accent1"/>
+          </a:fillRef>
+          <a:effectRef idx="0">
+            <a:schemeClr val="accent1"/>
+          </a:effectRef>
+          <a:fontRef idx="minor">
+            <a:schemeClr val="lt1"/>
+          </a:fontRef>
+        </p:style>
+        <p:txBody>
+          <a:bodyPr rtlCol="0" anchor="ctr"/>
+          <a:lstStyle/>
+          <a:p>
+            <a:pPr algn="ctr"/>
+            <a:r>
+              <a:rPr lang="en-US" dirty="0"/>
+              <a:t>POST /orders</a:t>
+            </a:r>
+          </a:p>
+        </p:txBody>
+      </p:sp>
+      <p:sp>
+        <p:nvSpPr>
+          <p:cNvPr id="6" name="Rectangle 5">
+            <a:extLst>
+              <a:ext uri="{FF2B5EF4-FFF2-40B4-BE49-F238E27FC236}">
+                <a16:creationId xmlns:a16="http://schemas.microsoft.com/office/drawing/2014/main" id="{78D95DF6-D1B1-40C2-BA9B-DF1433625A6A}"/>
+              </a:ext>
+            </a:extLst>
+          </p:cNvPr>
+          <p:cNvSpPr/>
+          <p:nvPr/>
+        </p:nvSpPr>
+        <p:spPr>
+          <a:xfrm>
+            <a:off x="7289800" y="1773246"/>
+            <a:ext cx="2362200" cy="419097"/>
+          </a:xfrm>
+          <a:prstGeom prst="rect">
+            <a:avLst/>
+          </a:prstGeom>
+        </p:spPr>
+        <p:style>
+          <a:lnRef idx="2">
+            <a:schemeClr val="accent1">
+              <a:shade val="50000"/>
+            </a:schemeClr>
+          </a:lnRef>
+          <a:fillRef idx="1">
+            <a:schemeClr val="accent1"/>
+          </a:fillRef>
+          <a:effectRef idx="0">
+            <a:schemeClr val="accent1"/>
+          </a:effectRef>
+          <a:fontRef idx="minor">
+            <a:schemeClr val="lt1"/>
+          </a:fontRef>
+        </p:style>
+        <p:txBody>
+          <a:bodyPr rtlCol="0" anchor="ctr"/>
+          <a:lstStyle/>
+          <a:p>
+            <a:pPr algn="ctr"/>
+            <a:r>
+              <a:rPr lang="en-US" dirty="0"/>
+              <a:t>Check Inventory</a:t>
+            </a:r>
+          </a:p>
+        </p:txBody>
+      </p:sp>
+      <p:sp>
+        <p:nvSpPr>
+          <p:cNvPr id="7" name="Rectangle 6">
+            <a:extLst>
+              <a:ext uri="{FF2B5EF4-FFF2-40B4-BE49-F238E27FC236}">
+                <a16:creationId xmlns:a16="http://schemas.microsoft.com/office/drawing/2014/main" id="{BE2EA353-D52F-4D91-A9DE-35BA5E847A12}"/>
+              </a:ext>
+            </a:extLst>
+          </p:cNvPr>
+          <p:cNvSpPr/>
+          <p:nvPr/>
+        </p:nvSpPr>
+        <p:spPr>
+          <a:xfrm>
+            <a:off x="7289800" y="2831711"/>
+            <a:ext cx="2362200" cy="419097"/>
+          </a:xfrm>
+          <a:prstGeom prst="rect">
+            <a:avLst/>
+          </a:prstGeom>
+        </p:spPr>
+        <p:style>
+          <a:lnRef idx="2">
+            <a:schemeClr val="accent1">
+              <a:shade val="50000"/>
+            </a:schemeClr>
+          </a:lnRef>
+          <a:fillRef idx="1">
+            <a:schemeClr val="accent1"/>
+          </a:fillRef>
+          <a:effectRef idx="0">
+            <a:schemeClr val="accent1"/>
+          </a:effectRef>
+          <a:fontRef idx="minor">
+            <a:schemeClr val="lt1"/>
+          </a:fontRef>
+        </p:style>
+        <p:txBody>
+          <a:bodyPr rtlCol="0" anchor="ctr"/>
+          <a:lstStyle/>
+          <a:p>
+            <a:pPr algn="ctr"/>
+            <a:r>
+              <a:rPr lang="en-US" dirty="0"/>
+              <a:t>Create Fulfillment</a:t>
+            </a:r>
+          </a:p>
+        </p:txBody>
+      </p:sp>
+      <p:sp>
+        <p:nvSpPr>
+          <p:cNvPr id="8" name="Rectangle 7">
+            <a:extLst>
+              <a:ext uri="{FF2B5EF4-FFF2-40B4-BE49-F238E27FC236}">
+                <a16:creationId xmlns:a16="http://schemas.microsoft.com/office/drawing/2014/main" id="{053B3E12-F347-45DB-BBA6-C91614485AB7}"/>
+              </a:ext>
+            </a:extLst>
+          </p:cNvPr>
+          <p:cNvSpPr/>
+          <p:nvPr/>
+        </p:nvSpPr>
+        <p:spPr>
+          <a:xfrm>
+            <a:off x="7289800" y="3890176"/>
+            <a:ext cx="2362200" cy="419097"/>
+          </a:xfrm>
+          <a:prstGeom prst="rect">
+            <a:avLst/>
+          </a:prstGeom>
+        </p:spPr>
+        <p:style>
+          <a:lnRef idx="2">
+            <a:schemeClr val="accent1">
+              <a:shade val="50000"/>
+            </a:schemeClr>
+          </a:lnRef>
+          <a:fillRef idx="1">
+            <a:schemeClr val="accent1"/>
+          </a:fillRef>
+          <a:effectRef idx="0">
+            <a:schemeClr val="accent1"/>
+          </a:effectRef>
+          <a:fontRef idx="minor">
+            <a:schemeClr val="lt1"/>
+          </a:fontRef>
+        </p:style>
+        <p:txBody>
+          <a:bodyPr rtlCol="0" anchor="ctr"/>
+          <a:lstStyle/>
+          <a:p>
+            <a:pPr algn="ctr"/>
+            <a:r>
+              <a:rPr lang="en-US" dirty="0"/>
+              <a:t>Charge Payment</a:t>
+            </a:r>
+          </a:p>
+        </p:txBody>
+      </p:sp>
+      <p:sp>
+        <p:nvSpPr>
+          <p:cNvPr id="9" name="Rectangle 8">
+            <a:extLst>
+              <a:ext uri="{FF2B5EF4-FFF2-40B4-BE49-F238E27FC236}">
+                <a16:creationId xmlns:a16="http://schemas.microsoft.com/office/drawing/2014/main" id="{C30D3463-1A4A-4064-AA5F-9F0468643684}"/>
+              </a:ext>
+            </a:extLst>
+          </p:cNvPr>
+          <p:cNvSpPr/>
+          <p:nvPr/>
+        </p:nvSpPr>
+        <p:spPr>
+          <a:xfrm>
+            <a:off x="7289800" y="4948641"/>
+            <a:ext cx="2362200" cy="419097"/>
+          </a:xfrm>
+          <a:prstGeom prst="rect">
+            <a:avLst/>
+          </a:prstGeom>
+        </p:spPr>
+        <p:style>
+          <a:lnRef idx="2">
+            <a:schemeClr val="accent1">
+              <a:shade val="50000"/>
+            </a:schemeClr>
+          </a:lnRef>
+          <a:fillRef idx="1">
+            <a:schemeClr val="accent1"/>
+          </a:fillRef>
+          <a:effectRef idx="0">
+            <a:schemeClr val="accent1"/>
+          </a:effectRef>
+          <a:fontRef idx="minor">
+            <a:schemeClr val="lt1"/>
+          </a:fontRef>
+        </p:style>
+        <p:txBody>
+          <a:bodyPr rtlCol="0" anchor="ctr"/>
+          <a:lstStyle/>
+          <a:p>
+            <a:pPr algn="ctr"/>
+            <a:r>
+              <a:rPr lang="en-US" dirty="0"/>
+              <a:t>Send Confirmation</a:t>
+            </a:r>
+          </a:p>
+        </p:txBody>
+      </p:sp>
+      <p:sp>
+        <p:nvSpPr>
+          <p:cNvPr id="10" name="Rectangle 9">
+            <a:extLst>
+              <a:ext uri="{FF2B5EF4-FFF2-40B4-BE49-F238E27FC236}">
+                <a16:creationId xmlns:a16="http://schemas.microsoft.com/office/drawing/2014/main" id="{96BF175D-2356-4CEE-B185-B54BF7ABF9CB}"/>
+              </a:ext>
+            </a:extLst>
+          </p:cNvPr>
+          <p:cNvSpPr/>
+          <p:nvPr/>
+        </p:nvSpPr>
+        <p:spPr>
+          <a:xfrm>
+            <a:off x="7289800" y="6007107"/>
+            <a:ext cx="2362200" cy="419097"/>
+          </a:xfrm>
+          <a:prstGeom prst="rect">
+            <a:avLst/>
+          </a:prstGeom>
+        </p:spPr>
+        <p:style>
+          <a:lnRef idx="2">
+            <a:schemeClr val="accent1">
+              <a:shade val="50000"/>
+            </a:schemeClr>
+          </a:lnRef>
+          <a:fillRef idx="1">
+            <a:schemeClr val="accent1"/>
+          </a:fillRef>
+          <a:effectRef idx="0">
+            <a:schemeClr val="accent1"/>
+          </a:effectRef>
+          <a:fontRef idx="minor">
+            <a:schemeClr val="lt1"/>
+          </a:fontRef>
+        </p:style>
+        <p:txBody>
+          <a:bodyPr rtlCol="0" anchor="ctr"/>
+          <a:lstStyle/>
+          <a:p>
+            <a:pPr algn="ctr"/>
+            <a:r>
+              <a:rPr lang="en-US" dirty="0"/>
+              <a:t>Ship</a:t>
+            </a:r>
+          </a:p>
+        </p:txBody>
+      </p:sp>
+      <p:cxnSp>
+        <p:nvCxnSpPr>
+          <p:cNvPr id="12" name="Straight Arrow Connector 11">
+            <a:extLst>
+              <a:ext uri="{FF2B5EF4-FFF2-40B4-BE49-F238E27FC236}">
+                <a16:creationId xmlns:a16="http://schemas.microsoft.com/office/drawing/2014/main" id="{F7B0B350-415E-4318-B85F-C891F99F4C5D}"/>
+              </a:ext>
+            </a:extLst>
+          </p:cNvPr>
+          <p:cNvCxnSpPr>
+            <a:cxnSpLocks/>
+          </p:cNvCxnSpPr>
+          <p:nvPr/>
+        </p:nvCxnSpPr>
+        <p:spPr>
+          <a:xfrm>
+            <a:off x="2946400" y="3250808"/>
+            <a:ext cx="1022351" cy="0"/>
+          </a:xfrm>
+          <a:prstGeom prst="straightConnector1">
+            <a:avLst/>
+          </a:prstGeom>
+          <a:ln w="76200">
+            <a:tailEnd type="triangle"/>
+          </a:ln>
+        </p:spPr>
+        <p:style>
+          <a:lnRef idx="1">
+            <a:schemeClr val="accent6"/>
+          </a:lnRef>
+          <a:fillRef idx="0">
+            <a:schemeClr val="accent6"/>
+          </a:fillRef>
+          <a:effectRef idx="0">
+            <a:schemeClr val="accent6"/>
+          </a:effectRef>
+          <a:fontRef idx="minor">
+            <a:schemeClr val="tx1"/>
+          </a:fontRef>
+        </p:style>
+      </p:cxnSp>
+      <p:cxnSp>
+        <p:nvCxnSpPr>
+          <p:cNvPr id="16" name="Connector: Elbow 15">
+            <a:extLst>
+              <a:ext uri="{FF2B5EF4-FFF2-40B4-BE49-F238E27FC236}">
+                <a16:creationId xmlns:a16="http://schemas.microsoft.com/office/drawing/2014/main" id="{33A9B970-7CB2-4F09-B36B-D4115571042A}"/>
+              </a:ext>
+            </a:extLst>
+          </p:cNvPr>
+          <p:cNvCxnSpPr>
+            <a:stCxn id="5" idx="3"/>
+            <a:endCxn id="6" idx="1"/>
+          </p:cNvCxnSpPr>
+          <p:nvPr/>
+        </p:nvCxnSpPr>
+        <p:spPr>
+          <a:xfrm flipV="1">
+            <a:off x="5835651" y="1982795"/>
+            <a:ext cx="1454149" cy="1738305"/>
+          </a:xfrm>
+          <a:prstGeom prst="bentConnector3">
+            <a:avLst/>
+          </a:prstGeom>
+          <a:ln w="57150">
+            <a:tailEnd type="triangle"/>
+          </a:ln>
+        </p:spPr>
+        <p:style>
+          <a:lnRef idx="1">
+            <a:schemeClr val="accent6"/>
+          </a:lnRef>
+          <a:fillRef idx="0">
+            <a:schemeClr val="accent6"/>
+          </a:fillRef>
+          <a:effectRef idx="0">
+            <a:schemeClr val="accent6"/>
+          </a:effectRef>
+          <a:fontRef idx="minor">
+            <a:schemeClr val="tx1"/>
+          </a:fontRef>
+        </p:style>
+      </p:cxnSp>
+      <p:cxnSp>
+        <p:nvCxnSpPr>
+          <p:cNvPr id="21" name="Connector: Elbow 20">
+            <a:extLst>
+              <a:ext uri="{FF2B5EF4-FFF2-40B4-BE49-F238E27FC236}">
+                <a16:creationId xmlns:a16="http://schemas.microsoft.com/office/drawing/2014/main" id="{41062EC8-903E-4FC4-8F24-E8C50A0C441C}"/>
+              </a:ext>
+            </a:extLst>
+          </p:cNvPr>
+          <p:cNvCxnSpPr>
+            <a:stCxn id="6" idx="3"/>
+            <a:endCxn id="7" idx="3"/>
+          </p:cNvCxnSpPr>
+          <p:nvPr/>
+        </p:nvCxnSpPr>
+        <p:spPr>
+          <a:xfrm>
+            <a:off x="9652000" y="1982795"/>
+            <a:ext cx="12700" cy="1058465"/>
+          </a:xfrm>
+          <a:prstGeom prst="bentConnector3">
+            <a:avLst>
+              <a:gd name="adj1" fmla="val 3400000"/>
+            </a:avLst>
+          </a:prstGeom>
+          <a:ln w="57150">
+            <a:tailEnd type="triangle"/>
+          </a:ln>
+        </p:spPr>
+        <p:style>
+          <a:lnRef idx="1">
+            <a:schemeClr val="accent6"/>
+          </a:lnRef>
+          <a:fillRef idx="0">
+            <a:schemeClr val="accent6"/>
+          </a:fillRef>
+          <a:effectRef idx="0">
+            <a:schemeClr val="accent6"/>
+          </a:effectRef>
+          <a:fontRef idx="minor">
+            <a:schemeClr val="tx1"/>
+          </a:fontRef>
+        </p:style>
+      </p:cxnSp>
+      <p:cxnSp>
+        <p:nvCxnSpPr>
+          <p:cNvPr id="25" name="Connector: Elbow 24">
+            <a:extLst>
+              <a:ext uri="{FF2B5EF4-FFF2-40B4-BE49-F238E27FC236}">
+                <a16:creationId xmlns:a16="http://schemas.microsoft.com/office/drawing/2014/main" id="{ABA3BF1E-5799-450A-BFF4-7E8EF201ED23}"/>
+              </a:ext>
+            </a:extLst>
+          </p:cNvPr>
+          <p:cNvCxnSpPr>
+            <a:stCxn id="7" idx="1"/>
+            <a:endCxn id="8" idx="1"/>
+          </p:cNvCxnSpPr>
+          <p:nvPr/>
+        </p:nvCxnSpPr>
+        <p:spPr>
+          <a:xfrm rot="10800000" flipV="1">
+            <a:off x="7289800" y="3041259"/>
+            <a:ext cx="12700" cy="1058465"/>
+          </a:xfrm>
+          <a:prstGeom prst="bentConnector3">
+            <a:avLst>
+              <a:gd name="adj1" fmla="val 3400000"/>
+            </a:avLst>
+          </a:prstGeom>
+          <a:ln w="57150">
+            <a:tailEnd type="triangle"/>
+          </a:ln>
+        </p:spPr>
+        <p:style>
+          <a:lnRef idx="1">
+            <a:schemeClr val="accent6"/>
+          </a:lnRef>
+          <a:fillRef idx="0">
+            <a:schemeClr val="accent6"/>
+          </a:fillRef>
+          <a:effectRef idx="0">
+            <a:schemeClr val="accent6"/>
+          </a:effectRef>
+          <a:fontRef idx="minor">
+            <a:schemeClr val="tx1"/>
+          </a:fontRef>
+        </p:style>
+      </p:cxnSp>
+      <p:cxnSp>
+        <p:nvCxnSpPr>
+          <p:cNvPr id="27" name="Connector: Elbow 26">
+            <a:extLst>
+              <a:ext uri="{FF2B5EF4-FFF2-40B4-BE49-F238E27FC236}">
+                <a16:creationId xmlns:a16="http://schemas.microsoft.com/office/drawing/2014/main" id="{A1FA8F15-5BE1-4482-96F8-6FFD97D9D099}"/>
+              </a:ext>
+            </a:extLst>
+          </p:cNvPr>
+          <p:cNvCxnSpPr>
+            <a:stCxn id="8" idx="3"/>
+            <a:endCxn id="9" idx="3"/>
+          </p:cNvCxnSpPr>
+          <p:nvPr/>
+        </p:nvCxnSpPr>
+        <p:spPr>
+          <a:xfrm>
+            <a:off x="9652000" y="4099725"/>
+            <a:ext cx="12700" cy="1058465"/>
+          </a:xfrm>
+          <a:prstGeom prst="bentConnector3">
+            <a:avLst>
+              <a:gd name="adj1" fmla="val 3800000"/>
+            </a:avLst>
+          </a:prstGeom>
+          <a:ln w="57150">
+            <a:tailEnd type="triangle"/>
+          </a:ln>
+        </p:spPr>
+        <p:style>
+          <a:lnRef idx="1">
+            <a:schemeClr val="accent6"/>
+          </a:lnRef>
+          <a:fillRef idx="0">
+            <a:schemeClr val="accent6"/>
+          </a:fillRef>
+          <a:effectRef idx="0">
+            <a:schemeClr val="accent6"/>
+          </a:effectRef>
+          <a:fontRef idx="minor">
+            <a:schemeClr val="tx1"/>
+          </a:fontRef>
+        </p:style>
+      </p:cxnSp>
+      <p:cxnSp>
+        <p:nvCxnSpPr>
+          <p:cNvPr id="29" name="Connector: Elbow 28">
+            <a:extLst>
+              <a:ext uri="{FF2B5EF4-FFF2-40B4-BE49-F238E27FC236}">
+                <a16:creationId xmlns:a16="http://schemas.microsoft.com/office/drawing/2014/main" id="{A6E6BBFB-F29D-4A2B-A0C0-70C6E02003AC}"/>
+              </a:ext>
+            </a:extLst>
+          </p:cNvPr>
+          <p:cNvCxnSpPr>
+            <a:stCxn id="9" idx="1"/>
+            <a:endCxn id="10" idx="1"/>
+          </p:cNvCxnSpPr>
+          <p:nvPr/>
+        </p:nvCxnSpPr>
+        <p:spPr>
+          <a:xfrm rot="10800000" flipV="1">
+            <a:off x="7289800" y="5158190"/>
+            <a:ext cx="12700" cy="1058466"/>
+          </a:xfrm>
+          <a:prstGeom prst="bentConnector3">
+            <a:avLst>
+              <a:gd name="adj1" fmla="val 3500000"/>
+            </a:avLst>
+          </a:prstGeom>
+          <a:ln w="57150">
+            <a:tailEnd type="triangle"/>
+          </a:ln>
+        </p:spPr>
+        <p:style>
+          <a:lnRef idx="1">
+            <a:schemeClr val="accent6"/>
+          </a:lnRef>
+          <a:fillRef idx="0">
+            <a:schemeClr val="accent6"/>
+          </a:fillRef>
+          <a:effectRef idx="0">
+            <a:schemeClr val="accent6"/>
+          </a:effectRef>
+          <a:fontRef idx="minor">
+            <a:schemeClr val="tx1"/>
+          </a:fontRef>
+        </p:style>
+      </p:cxnSp>
+      <p:cxnSp>
+        <p:nvCxnSpPr>
+          <p:cNvPr id="31" name="Connector: Elbow 30">
+            <a:extLst>
+              <a:ext uri="{FF2B5EF4-FFF2-40B4-BE49-F238E27FC236}">
+                <a16:creationId xmlns:a16="http://schemas.microsoft.com/office/drawing/2014/main" id="{622253B3-85A7-4A91-B7EE-3D80444387B4}"/>
+              </a:ext>
+            </a:extLst>
+          </p:cNvPr>
+          <p:cNvCxnSpPr>
+            <a:stCxn id="10" idx="2"/>
+            <a:endCxn id="5" idx="2"/>
+          </p:cNvCxnSpPr>
+          <p:nvPr/>
+        </p:nvCxnSpPr>
+        <p:spPr>
+          <a:xfrm rot="5400000" flipH="1">
+            <a:off x="5651498" y="3606803"/>
+            <a:ext cx="2070105" cy="3568699"/>
+          </a:xfrm>
+          <a:prstGeom prst="bentConnector3">
+            <a:avLst>
+              <a:gd name="adj1" fmla="val -11043"/>
+            </a:avLst>
+          </a:prstGeom>
+          <a:ln w="57150">
+            <a:tailEnd type="triangle"/>
+          </a:ln>
+        </p:spPr>
+        <p:style>
+          <a:lnRef idx="1">
+            <a:schemeClr val="accent6"/>
+          </a:lnRef>
+          <a:fillRef idx="0">
+            <a:schemeClr val="accent6"/>
+          </a:fillRef>
+          <a:effectRef idx="0">
+            <a:schemeClr val="accent6"/>
+          </a:effectRef>
+          <a:fontRef idx="minor">
+            <a:schemeClr val="tx1"/>
+          </a:fontRef>
+        </p:style>
+      </p:cxnSp>
+      <p:cxnSp>
+        <p:nvCxnSpPr>
+          <p:cNvPr id="37" name="Straight Arrow Connector 36">
+            <a:extLst>
+              <a:ext uri="{FF2B5EF4-FFF2-40B4-BE49-F238E27FC236}">
+                <a16:creationId xmlns:a16="http://schemas.microsoft.com/office/drawing/2014/main" id="{8EE1B171-8403-47C1-9F0F-E9DC2AB2D89F}"/>
+              </a:ext>
+            </a:extLst>
+          </p:cNvPr>
+          <p:cNvCxnSpPr>
+            <a:cxnSpLocks/>
+          </p:cNvCxnSpPr>
+          <p:nvPr/>
+        </p:nvCxnSpPr>
+        <p:spPr>
+          <a:xfrm flipH="1">
+            <a:off x="2946400" y="4099724"/>
+            <a:ext cx="949324" cy="0"/>
+          </a:xfrm>
+          <a:prstGeom prst="straightConnector1">
+            <a:avLst/>
+          </a:prstGeom>
+          <a:ln w="76200">
+            <a:tailEnd type="triangle"/>
+          </a:ln>
+        </p:spPr>
+        <p:style>
+          <a:lnRef idx="1">
+            <a:schemeClr val="accent6"/>
+          </a:lnRef>
+          <a:fillRef idx="0">
+            <a:schemeClr val="accent6"/>
+          </a:fillRef>
+          <a:effectRef idx="0">
+            <a:schemeClr val="accent6"/>
+          </a:effectRef>
+          <a:fontRef idx="minor">
+            <a:schemeClr val="tx1"/>
+          </a:fontRef>
+        </p:style>
+      </p:cxnSp>
     </p:spTree>
     <p:extLst>
       <p:ext uri="{BB962C8B-B14F-4D97-AF65-F5344CB8AC3E}">
-        <p14:creationId xmlns:p14="http://schemas.microsoft.com/office/powerpoint/2010/main" val="2403625915"/>
+        <p14:creationId xmlns:p14="http://schemas.microsoft.com/office/powerpoint/2010/main" val="3222086458"/>
       </p:ext>
     </p:extLst>
   </p:cSld>
@@ -6743,7 +10575,7 @@
           <p:cNvPr id="2" name="Title 1">
             <a:extLst>
               <a:ext uri="{FF2B5EF4-FFF2-40B4-BE49-F238E27FC236}">
-                <a16:creationId xmlns:a16="http://schemas.microsoft.com/office/drawing/2014/main" id="{E9F8B391-AB0F-4381-9068-F18D6873D455}"/>
+                <a16:creationId xmlns:a16="http://schemas.microsoft.com/office/drawing/2014/main" id="{64B86574-1AE5-443B-A4C7-88357D85E4C7}"/>
               </a:ext>
             </a:extLst>
           </p:cNvPr>
@@ -6761,40 +10593,976 @@
           <a:p>
             <a:r>
               <a:rPr lang="en-US" dirty="0"/>
-              <a:t>Caching</a:t>
-            </a:r>
-          </a:p>
-        </p:txBody>
-      </p:sp>
-      <p:sp>
-        <p:nvSpPr>
-          <p:cNvPr id="3" name="Content Placeholder 2">
-            <a:extLst>
-              <a:ext uri="{FF2B5EF4-FFF2-40B4-BE49-F238E27FC236}">
-                <a16:creationId xmlns:a16="http://schemas.microsoft.com/office/drawing/2014/main" id="{B0B5DF01-9A4A-4415-B7F2-70F3939DB4E1}"/>
-              </a:ext>
-            </a:extLst>
-          </p:cNvPr>
-          <p:cNvSpPr>
-            <a:spLocks noGrp="1"/>
-          </p:cNvSpPr>
-          <p:nvPr>
-            <p:ph idx="1"/>
-          </p:nvPr>
-        </p:nvSpPr>
-        <p:spPr/>
-        <p:txBody>
-          <a:bodyPr/>
-          <a:lstStyle/>
-          <a:p>
-            <a:endParaRPr lang="en-US"/>
-          </a:p>
-        </p:txBody>
-      </p:sp>
+              <a:t>Asynchronous Processing</a:t>
+            </a:r>
+          </a:p>
+        </p:txBody>
+      </p:sp>
+      <p:sp>
+        <p:nvSpPr>
+          <p:cNvPr id="4" name="Cloud 3">
+            <a:extLst>
+              <a:ext uri="{FF2B5EF4-FFF2-40B4-BE49-F238E27FC236}">
+                <a16:creationId xmlns:a16="http://schemas.microsoft.com/office/drawing/2014/main" id="{D5854160-E4FF-4811-8451-723AFBB3AEE5}"/>
+              </a:ext>
+            </a:extLst>
+          </p:cNvPr>
+          <p:cNvSpPr/>
+          <p:nvPr/>
+        </p:nvSpPr>
+        <p:spPr>
+          <a:xfrm>
+            <a:off x="546100" y="3009900"/>
+            <a:ext cx="2197100" cy="1422400"/>
+          </a:xfrm>
+          <a:prstGeom prst="cloud">
+            <a:avLst/>
+          </a:prstGeom>
+        </p:spPr>
+        <p:style>
+          <a:lnRef idx="2">
+            <a:schemeClr val="accent1">
+              <a:shade val="50000"/>
+            </a:schemeClr>
+          </a:lnRef>
+          <a:fillRef idx="1">
+            <a:schemeClr val="accent1"/>
+          </a:fillRef>
+          <a:effectRef idx="0">
+            <a:schemeClr val="accent1"/>
+          </a:effectRef>
+          <a:fontRef idx="minor">
+            <a:schemeClr val="lt1"/>
+          </a:fontRef>
+        </p:style>
+        <p:txBody>
+          <a:bodyPr rtlCol="0" anchor="ctr"/>
+          <a:lstStyle/>
+          <a:p>
+            <a:pPr algn="ctr"/>
+            <a:endParaRPr lang="en-US" dirty="0"/>
+          </a:p>
+        </p:txBody>
+      </p:sp>
+      <p:sp>
+        <p:nvSpPr>
+          <p:cNvPr id="5" name="Rectangle 4">
+            <a:extLst>
+              <a:ext uri="{FF2B5EF4-FFF2-40B4-BE49-F238E27FC236}">
+                <a16:creationId xmlns:a16="http://schemas.microsoft.com/office/drawing/2014/main" id="{A0AA5804-5E60-4AA6-96A2-43AEA81DD253}"/>
+              </a:ext>
+            </a:extLst>
+          </p:cNvPr>
+          <p:cNvSpPr/>
+          <p:nvPr/>
+        </p:nvSpPr>
+        <p:spPr>
+          <a:xfrm>
+            <a:off x="3968751" y="3086100"/>
+            <a:ext cx="1866900" cy="1269999"/>
+          </a:xfrm>
+          <a:prstGeom prst="rect">
+            <a:avLst/>
+          </a:prstGeom>
+        </p:spPr>
+        <p:style>
+          <a:lnRef idx="2">
+            <a:schemeClr val="accent1">
+              <a:shade val="50000"/>
+            </a:schemeClr>
+          </a:lnRef>
+          <a:fillRef idx="1">
+            <a:schemeClr val="accent1"/>
+          </a:fillRef>
+          <a:effectRef idx="0">
+            <a:schemeClr val="accent1"/>
+          </a:effectRef>
+          <a:fontRef idx="minor">
+            <a:schemeClr val="lt1"/>
+          </a:fontRef>
+        </p:style>
+        <p:txBody>
+          <a:bodyPr rtlCol="0" anchor="ctr"/>
+          <a:lstStyle/>
+          <a:p>
+            <a:pPr algn="ctr"/>
+            <a:r>
+              <a:rPr lang="en-US" dirty="0"/>
+              <a:t>POST /orders</a:t>
+            </a:r>
+          </a:p>
+        </p:txBody>
+      </p:sp>
+      <p:sp>
+        <p:nvSpPr>
+          <p:cNvPr id="6" name="Rectangle 5">
+            <a:extLst>
+              <a:ext uri="{FF2B5EF4-FFF2-40B4-BE49-F238E27FC236}">
+                <a16:creationId xmlns:a16="http://schemas.microsoft.com/office/drawing/2014/main" id="{78D95DF6-D1B1-40C2-BA9B-DF1433625A6A}"/>
+              </a:ext>
+            </a:extLst>
+          </p:cNvPr>
+          <p:cNvSpPr/>
+          <p:nvPr/>
+        </p:nvSpPr>
+        <p:spPr>
+          <a:xfrm>
+            <a:off x="8737600" y="1690688"/>
+            <a:ext cx="2362200" cy="419097"/>
+          </a:xfrm>
+          <a:prstGeom prst="rect">
+            <a:avLst/>
+          </a:prstGeom>
+        </p:spPr>
+        <p:style>
+          <a:lnRef idx="2">
+            <a:schemeClr val="accent1">
+              <a:shade val="50000"/>
+            </a:schemeClr>
+          </a:lnRef>
+          <a:fillRef idx="1">
+            <a:schemeClr val="accent1"/>
+          </a:fillRef>
+          <a:effectRef idx="0">
+            <a:schemeClr val="accent1"/>
+          </a:effectRef>
+          <a:fontRef idx="minor">
+            <a:schemeClr val="lt1"/>
+          </a:fontRef>
+        </p:style>
+        <p:txBody>
+          <a:bodyPr rtlCol="0" anchor="ctr"/>
+          <a:lstStyle/>
+          <a:p>
+            <a:pPr algn="ctr"/>
+            <a:r>
+              <a:rPr lang="en-US" dirty="0"/>
+              <a:t>Check Inventory</a:t>
+            </a:r>
+          </a:p>
+        </p:txBody>
+      </p:sp>
+      <p:sp>
+        <p:nvSpPr>
+          <p:cNvPr id="7" name="Rectangle 6">
+            <a:extLst>
+              <a:ext uri="{FF2B5EF4-FFF2-40B4-BE49-F238E27FC236}">
+                <a16:creationId xmlns:a16="http://schemas.microsoft.com/office/drawing/2014/main" id="{BE2EA353-D52F-4D91-A9DE-35BA5E847A12}"/>
+              </a:ext>
+            </a:extLst>
+          </p:cNvPr>
+          <p:cNvSpPr/>
+          <p:nvPr/>
+        </p:nvSpPr>
+        <p:spPr>
+          <a:xfrm>
+            <a:off x="8737600" y="2749153"/>
+            <a:ext cx="2362200" cy="419097"/>
+          </a:xfrm>
+          <a:prstGeom prst="rect">
+            <a:avLst/>
+          </a:prstGeom>
+        </p:spPr>
+        <p:style>
+          <a:lnRef idx="2">
+            <a:schemeClr val="accent1">
+              <a:shade val="50000"/>
+            </a:schemeClr>
+          </a:lnRef>
+          <a:fillRef idx="1">
+            <a:schemeClr val="accent1"/>
+          </a:fillRef>
+          <a:effectRef idx="0">
+            <a:schemeClr val="accent1"/>
+          </a:effectRef>
+          <a:fontRef idx="minor">
+            <a:schemeClr val="lt1"/>
+          </a:fontRef>
+        </p:style>
+        <p:txBody>
+          <a:bodyPr rtlCol="0" anchor="ctr"/>
+          <a:lstStyle/>
+          <a:p>
+            <a:pPr algn="ctr"/>
+            <a:r>
+              <a:rPr lang="en-US" dirty="0"/>
+              <a:t>Create Fulfillment</a:t>
+            </a:r>
+          </a:p>
+        </p:txBody>
+      </p:sp>
+      <p:sp>
+        <p:nvSpPr>
+          <p:cNvPr id="8" name="Rectangle 7">
+            <a:extLst>
+              <a:ext uri="{FF2B5EF4-FFF2-40B4-BE49-F238E27FC236}">
+                <a16:creationId xmlns:a16="http://schemas.microsoft.com/office/drawing/2014/main" id="{053B3E12-F347-45DB-BBA6-C91614485AB7}"/>
+              </a:ext>
+            </a:extLst>
+          </p:cNvPr>
+          <p:cNvSpPr/>
+          <p:nvPr/>
+        </p:nvSpPr>
+        <p:spPr>
+          <a:xfrm>
+            <a:off x="8737600" y="3807618"/>
+            <a:ext cx="2362200" cy="419097"/>
+          </a:xfrm>
+          <a:prstGeom prst="rect">
+            <a:avLst/>
+          </a:prstGeom>
+        </p:spPr>
+        <p:style>
+          <a:lnRef idx="2">
+            <a:schemeClr val="accent1">
+              <a:shade val="50000"/>
+            </a:schemeClr>
+          </a:lnRef>
+          <a:fillRef idx="1">
+            <a:schemeClr val="accent1"/>
+          </a:fillRef>
+          <a:effectRef idx="0">
+            <a:schemeClr val="accent1"/>
+          </a:effectRef>
+          <a:fontRef idx="minor">
+            <a:schemeClr val="lt1"/>
+          </a:fontRef>
+        </p:style>
+        <p:txBody>
+          <a:bodyPr rtlCol="0" anchor="ctr"/>
+          <a:lstStyle/>
+          <a:p>
+            <a:pPr algn="ctr"/>
+            <a:r>
+              <a:rPr lang="en-US" dirty="0"/>
+              <a:t>Charge Payment</a:t>
+            </a:r>
+          </a:p>
+        </p:txBody>
+      </p:sp>
+      <p:sp>
+        <p:nvSpPr>
+          <p:cNvPr id="9" name="Rectangle 8">
+            <a:extLst>
+              <a:ext uri="{FF2B5EF4-FFF2-40B4-BE49-F238E27FC236}">
+                <a16:creationId xmlns:a16="http://schemas.microsoft.com/office/drawing/2014/main" id="{C30D3463-1A4A-4064-AA5F-9F0468643684}"/>
+              </a:ext>
+            </a:extLst>
+          </p:cNvPr>
+          <p:cNvSpPr/>
+          <p:nvPr/>
+        </p:nvSpPr>
+        <p:spPr>
+          <a:xfrm>
+            <a:off x="8737600" y="4866083"/>
+            <a:ext cx="2362200" cy="419097"/>
+          </a:xfrm>
+          <a:prstGeom prst="rect">
+            <a:avLst/>
+          </a:prstGeom>
+        </p:spPr>
+        <p:style>
+          <a:lnRef idx="2">
+            <a:schemeClr val="accent1">
+              <a:shade val="50000"/>
+            </a:schemeClr>
+          </a:lnRef>
+          <a:fillRef idx="1">
+            <a:schemeClr val="accent1"/>
+          </a:fillRef>
+          <a:effectRef idx="0">
+            <a:schemeClr val="accent1"/>
+          </a:effectRef>
+          <a:fontRef idx="minor">
+            <a:schemeClr val="lt1"/>
+          </a:fontRef>
+        </p:style>
+        <p:txBody>
+          <a:bodyPr rtlCol="0" anchor="ctr"/>
+          <a:lstStyle/>
+          <a:p>
+            <a:pPr algn="ctr"/>
+            <a:r>
+              <a:rPr lang="en-US" dirty="0"/>
+              <a:t>Send Confirmation</a:t>
+            </a:r>
+          </a:p>
+        </p:txBody>
+      </p:sp>
+      <p:sp>
+        <p:nvSpPr>
+          <p:cNvPr id="10" name="Rectangle 9">
+            <a:extLst>
+              <a:ext uri="{FF2B5EF4-FFF2-40B4-BE49-F238E27FC236}">
+                <a16:creationId xmlns:a16="http://schemas.microsoft.com/office/drawing/2014/main" id="{96BF175D-2356-4CEE-B185-B54BF7ABF9CB}"/>
+              </a:ext>
+            </a:extLst>
+          </p:cNvPr>
+          <p:cNvSpPr/>
+          <p:nvPr/>
+        </p:nvSpPr>
+        <p:spPr>
+          <a:xfrm>
+            <a:off x="8737600" y="5924549"/>
+            <a:ext cx="2362200" cy="419097"/>
+          </a:xfrm>
+          <a:prstGeom prst="rect">
+            <a:avLst/>
+          </a:prstGeom>
+        </p:spPr>
+        <p:style>
+          <a:lnRef idx="2">
+            <a:schemeClr val="accent1">
+              <a:shade val="50000"/>
+            </a:schemeClr>
+          </a:lnRef>
+          <a:fillRef idx="1">
+            <a:schemeClr val="accent1"/>
+          </a:fillRef>
+          <a:effectRef idx="0">
+            <a:schemeClr val="accent1"/>
+          </a:effectRef>
+          <a:fontRef idx="minor">
+            <a:schemeClr val="lt1"/>
+          </a:fontRef>
+        </p:style>
+        <p:txBody>
+          <a:bodyPr rtlCol="0" anchor="ctr"/>
+          <a:lstStyle/>
+          <a:p>
+            <a:pPr algn="ctr"/>
+            <a:r>
+              <a:rPr lang="en-US" dirty="0"/>
+              <a:t>Ship</a:t>
+            </a:r>
+          </a:p>
+        </p:txBody>
+      </p:sp>
+      <p:cxnSp>
+        <p:nvCxnSpPr>
+          <p:cNvPr id="12" name="Straight Arrow Connector 11">
+            <a:extLst>
+              <a:ext uri="{FF2B5EF4-FFF2-40B4-BE49-F238E27FC236}">
+                <a16:creationId xmlns:a16="http://schemas.microsoft.com/office/drawing/2014/main" id="{F7B0B350-415E-4318-B85F-C891F99F4C5D}"/>
+              </a:ext>
+            </a:extLst>
+          </p:cNvPr>
+          <p:cNvCxnSpPr>
+            <a:cxnSpLocks/>
+          </p:cNvCxnSpPr>
+          <p:nvPr/>
+        </p:nvCxnSpPr>
+        <p:spPr>
+          <a:xfrm>
+            <a:off x="2946400" y="3250808"/>
+            <a:ext cx="1022351" cy="0"/>
+          </a:xfrm>
+          <a:prstGeom prst="straightConnector1">
+            <a:avLst/>
+          </a:prstGeom>
+          <a:ln w="76200">
+            <a:tailEnd type="triangle"/>
+          </a:ln>
+        </p:spPr>
+        <p:style>
+          <a:lnRef idx="1">
+            <a:schemeClr val="accent6"/>
+          </a:lnRef>
+          <a:fillRef idx="0">
+            <a:schemeClr val="accent6"/>
+          </a:fillRef>
+          <a:effectRef idx="0">
+            <a:schemeClr val="accent6"/>
+          </a:effectRef>
+          <a:fontRef idx="minor">
+            <a:schemeClr val="tx1"/>
+          </a:fontRef>
+        </p:style>
+      </p:cxnSp>
+      <p:cxnSp>
+        <p:nvCxnSpPr>
+          <p:cNvPr id="21" name="Connector: Elbow 20">
+            <a:extLst>
+              <a:ext uri="{FF2B5EF4-FFF2-40B4-BE49-F238E27FC236}">
+                <a16:creationId xmlns:a16="http://schemas.microsoft.com/office/drawing/2014/main" id="{41062EC8-903E-4FC4-8F24-E8C50A0C441C}"/>
+              </a:ext>
+            </a:extLst>
+          </p:cNvPr>
+          <p:cNvCxnSpPr>
+            <a:stCxn id="6" idx="3"/>
+            <a:endCxn id="7" idx="3"/>
+          </p:cNvCxnSpPr>
+          <p:nvPr/>
+        </p:nvCxnSpPr>
+        <p:spPr>
+          <a:xfrm>
+            <a:off x="11099800" y="1900237"/>
+            <a:ext cx="12700" cy="1058465"/>
+          </a:xfrm>
+          <a:prstGeom prst="bentConnector3">
+            <a:avLst>
+              <a:gd name="adj1" fmla="val 3400000"/>
+            </a:avLst>
+          </a:prstGeom>
+          <a:ln w="57150">
+            <a:tailEnd type="triangle"/>
+          </a:ln>
+        </p:spPr>
+        <p:style>
+          <a:lnRef idx="1">
+            <a:schemeClr val="accent6"/>
+          </a:lnRef>
+          <a:fillRef idx="0">
+            <a:schemeClr val="accent6"/>
+          </a:fillRef>
+          <a:effectRef idx="0">
+            <a:schemeClr val="accent6"/>
+          </a:effectRef>
+          <a:fontRef idx="minor">
+            <a:schemeClr val="tx1"/>
+          </a:fontRef>
+        </p:style>
+      </p:cxnSp>
+      <p:cxnSp>
+        <p:nvCxnSpPr>
+          <p:cNvPr id="25" name="Connector: Elbow 24">
+            <a:extLst>
+              <a:ext uri="{FF2B5EF4-FFF2-40B4-BE49-F238E27FC236}">
+                <a16:creationId xmlns:a16="http://schemas.microsoft.com/office/drawing/2014/main" id="{ABA3BF1E-5799-450A-BFF4-7E8EF201ED23}"/>
+              </a:ext>
+            </a:extLst>
+          </p:cNvPr>
+          <p:cNvCxnSpPr>
+            <a:stCxn id="7" idx="1"/>
+            <a:endCxn id="8" idx="1"/>
+          </p:cNvCxnSpPr>
+          <p:nvPr/>
+        </p:nvCxnSpPr>
+        <p:spPr>
+          <a:xfrm rot="10800000" flipV="1">
+            <a:off x="8737600" y="2958701"/>
+            <a:ext cx="12700" cy="1058465"/>
+          </a:xfrm>
+          <a:prstGeom prst="bentConnector3">
+            <a:avLst>
+              <a:gd name="adj1" fmla="val 3400000"/>
+            </a:avLst>
+          </a:prstGeom>
+          <a:ln w="57150">
+            <a:tailEnd type="triangle"/>
+          </a:ln>
+        </p:spPr>
+        <p:style>
+          <a:lnRef idx="1">
+            <a:schemeClr val="accent6"/>
+          </a:lnRef>
+          <a:fillRef idx="0">
+            <a:schemeClr val="accent6"/>
+          </a:fillRef>
+          <a:effectRef idx="0">
+            <a:schemeClr val="accent6"/>
+          </a:effectRef>
+          <a:fontRef idx="minor">
+            <a:schemeClr val="tx1"/>
+          </a:fontRef>
+        </p:style>
+      </p:cxnSp>
+      <p:cxnSp>
+        <p:nvCxnSpPr>
+          <p:cNvPr id="27" name="Connector: Elbow 26">
+            <a:extLst>
+              <a:ext uri="{FF2B5EF4-FFF2-40B4-BE49-F238E27FC236}">
+                <a16:creationId xmlns:a16="http://schemas.microsoft.com/office/drawing/2014/main" id="{A1FA8F15-5BE1-4482-96F8-6FFD97D9D099}"/>
+              </a:ext>
+            </a:extLst>
+          </p:cNvPr>
+          <p:cNvCxnSpPr>
+            <a:stCxn id="8" idx="3"/>
+            <a:endCxn id="9" idx="3"/>
+          </p:cNvCxnSpPr>
+          <p:nvPr/>
+        </p:nvCxnSpPr>
+        <p:spPr>
+          <a:xfrm>
+            <a:off x="11099800" y="4017167"/>
+            <a:ext cx="12700" cy="1058465"/>
+          </a:xfrm>
+          <a:prstGeom prst="bentConnector3">
+            <a:avLst>
+              <a:gd name="adj1" fmla="val 3800000"/>
+            </a:avLst>
+          </a:prstGeom>
+          <a:ln w="57150">
+            <a:tailEnd type="triangle"/>
+          </a:ln>
+        </p:spPr>
+        <p:style>
+          <a:lnRef idx="1">
+            <a:schemeClr val="accent6"/>
+          </a:lnRef>
+          <a:fillRef idx="0">
+            <a:schemeClr val="accent6"/>
+          </a:fillRef>
+          <a:effectRef idx="0">
+            <a:schemeClr val="accent6"/>
+          </a:effectRef>
+          <a:fontRef idx="minor">
+            <a:schemeClr val="tx1"/>
+          </a:fontRef>
+        </p:style>
+      </p:cxnSp>
+      <p:cxnSp>
+        <p:nvCxnSpPr>
+          <p:cNvPr id="29" name="Connector: Elbow 28">
+            <a:extLst>
+              <a:ext uri="{FF2B5EF4-FFF2-40B4-BE49-F238E27FC236}">
+                <a16:creationId xmlns:a16="http://schemas.microsoft.com/office/drawing/2014/main" id="{A6E6BBFB-F29D-4A2B-A0C0-70C6E02003AC}"/>
+              </a:ext>
+            </a:extLst>
+          </p:cNvPr>
+          <p:cNvCxnSpPr>
+            <a:stCxn id="9" idx="1"/>
+            <a:endCxn id="10" idx="1"/>
+          </p:cNvCxnSpPr>
+          <p:nvPr/>
+        </p:nvCxnSpPr>
+        <p:spPr>
+          <a:xfrm rot="10800000" flipV="1">
+            <a:off x="8737600" y="5075632"/>
+            <a:ext cx="12700" cy="1058466"/>
+          </a:xfrm>
+          <a:prstGeom prst="bentConnector3">
+            <a:avLst>
+              <a:gd name="adj1" fmla="val 3500000"/>
+            </a:avLst>
+          </a:prstGeom>
+          <a:ln w="57150">
+            <a:tailEnd type="triangle"/>
+          </a:ln>
+        </p:spPr>
+        <p:style>
+          <a:lnRef idx="1">
+            <a:schemeClr val="accent6"/>
+          </a:lnRef>
+          <a:fillRef idx="0">
+            <a:schemeClr val="accent6"/>
+          </a:fillRef>
+          <a:effectRef idx="0">
+            <a:schemeClr val="accent6"/>
+          </a:effectRef>
+          <a:fontRef idx="minor">
+            <a:schemeClr val="tx1"/>
+          </a:fontRef>
+        </p:style>
+      </p:cxnSp>
+      <p:cxnSp>
+        <p:nvCxnSpPr>
+          <p:cNvPr id="31" name="Connector: Elbow 30">
+            <a:extLst>
+              <a:ext uri="{FF2B5EF4-FFF2-40B4-BE49-F238E27FC236}">
+                <a16:creationId xmlns:a16="http://schemas.microsoft.com/office/drawing/2014/main" id="{622253B3-85A7-4A91-B7EE-3D80444387B4}"/>
+              </a:ext>
+            </a:extLst>
+          </p:cNvPr>
+          <p:cNvCxnSpPr>
+            <a:cxnSpLocks/>
+            <a:stCxn id="20" idx="2"/>
+            <a:endCxn id="5" idx="2"/>
+          </p:cNvCxnSpPr>
+          <p:nvPr/>
+        </p:nvCxnSpPr>
+        <p:spPr>
+          <a:xfrm rot="5400000" flipH="1">
+            <a:off x="5368823" y="3889477"/>
+            <a:ext cx="1174953" cy="2108198"/>
+          </a:xfrm>
+          <a:prstGeom prst="bentConnector3">
+            <a:avLst>
+              <a:gd name="adj1" fmla="val -19456"/>
+            </a:avLst>
+          </a:prstGeom>
+          <a:ln w="57150">
+            <a:tailEnd type="triangle"/>
+          </a:ln>
+        </p:spPr>
+        <p:style>
+          <a:lnRef idx="1">
+            <a:schemeClr val="accent6"/>
+          </a:lnRef>
+          <a:fillRef idx="0">
+            <a:schemeClr val="accent6"/>
+          </a:fillRef>
+          <a:effectRef idx="0">
+            <a:schemeClr val="accent6"/>
+          </a:effectRef>
+          <a:fontRef idx="minor">
+            <a:schemeClr val="tx1"/>
+          </a:fontRef>
+        </p:style>
+      </p:cxnSp>
+      <p:cxnSp>
+        <p:nvCxnSpPr>
+          <p:cNvPr id="37" name="Straight Arrow Connector 36">
+            <a:extLst>
+              <a:ext uri="{FF2B5EF4-FFF2-40B4-BE49-F238E27FC236}">
+                <a16:creationId xmlns:a16="http://schemas.microsoft.com/office/drawing/2014/main" id="{8EE1B171-8403-47C1-9F0F-E9DC2AB2D89F}"/>
+              </a:ext>
+            </a:extLst>
+          </p:cNvPr>
+          <p:cNvCxnSpPr>
+            <a:cxnSpLocks/>
+          </p:cNvCxnSpPr>
+          <p:nvPr/>
+        </p:nvCxnSpPr>
+        <p:spPr>
+          <a:xfrm flipH="1">
+            <a:off x="2946400" y="4099724"/>
+            <a:ext cx="949324" cy="0"/>
+          </a:xfrm>
+          <a:prstGeom prst="straightConnector1">
+            <a:avLst/>
+          </a:prstGeom>
+          <a:ln w="76200">
+            <a:tailEnd type="triangle"/>
+          </a:ln>
+        </p:spPr>
+        <p:style>
+          <a:lnRef idx="1">
+            <a:schemeClr val="accent6"/>
+          </a:lnRef>
+          <a:fillRef idx="0">
+            <a:schemeClr val="accent6"/>
+          </a:fillRef>
+          <a:effectRef idx="0">
+            <a:schemeClr val="accent6"/>
+          </a:effectRef>
+          <a:fontRef idx="minor">
+            <a:schemeClr val="tx1"/>
+          </a:fontRef>
+        </p:style>
+      </p:cxnSp>
+      <p:sp>
+        <p:nvSpPr>
+          <p:cNvPr id="19" name="Rectangle 18">
+            <a:extLst>
+              <a:ext uri="{FF2B5EF4-FFF2-40B4-BE49-F238E27FC236}">
+                <a16:creationId xmlns:a16="http://schemas.microsoft.com/office/drawing/2014/main" id="{2CDC9FCA-371B-46AB-BC9B-81F8E49C1921}"/>
+              </a:ext>
+            </a:extLst>
+          </p:cNvPr>
+          <p:cNvSpPr/>
+          <p:nvPr/>
+        </p:nvSpPr>
+        <p:spPr>
+          <a:xfrm>
+            <a:off x="6221414" y="3579908"/>
+            <a:ext cx="1565272" cy="664969"/>
+          </a:xfrm>
+          <a:prstGeom prst="rect">
+            <a:avLst/>
+          </a:prstGeom>
+        </p:spPr>
+        <p:style>
+          <a:lnRef idx="2">
+            <a:schemeClr val="accent1">
+              <a:shade val="50000"/>
+            </a:schemeClr>
+          </a:lnRef>
+          <a:fillRef idx="1">
+            <a:schemeClr val="accent1"/>
+          </a:fillRef>
+          <a:effectRef idx="0">
+            <a:schemeClr val="accent1"/>
+          </a:effectRef>
+          <a:fontRef idx="minor">
+            <a:schemeClr val="lt1"/>
+          </a:fontRef>
+        </p:style>
+        <p:txBody>
+          <a:bodyPr rtlCol="0" anchor="ctr"/>
+          <a:lstStyle/>
+          <a:p>
+            <a:pPr algn="ctr"/>
+            <a:r>
+              <a:rPr lang="en-US" dirty="0"/>
+              <a:t>Order Queue</a:t>
+            </a:r>
+          </a:p>
+        </p:txBody>
+      </p:sp>
+      <p:sp>
+        <p:nvSpPr>
+          <p:cNvPr id="20" name="Rectangle 19">
+            <a:extLst>
+              <a:ext uri="{FF2B5EF4-FFF2-40B4-BE49-F238E27FC236}">
+                <a16:creationId xmlns:a16="http://schemas.microsoft.com/office/drawing/2014/main" id="{38AB9650-171C-43F4-9D36-40C54ECDA29D}"/>
+              </a:ext>
+            </a:extLst>
+          </p:cNvPr>
+          <p:cNvSpPr/>
+          <p:nvPr/>
+        </p:nvSpPr>
+        <p:spPr>
+          <a:xfrm>
+            <a:off x="6227763" y="4866083"/>
+            <a:ext cx="1565272" cy="664969"/>
+          </a:xfrm>
+          <a:prstGeom prst="rect">
+            <a:avLst/>
+          </a:prstGeom>
+        </p:spPr>
+        <p:style>
+          <a:lnRef idx="2">
+            <a:schemeClr val="accent1">
+              <a:shade val="50000"/>
+            </a:schemeClr>
+          </a:lnRef>
+          <a:fillRef idx="1">
+            <a:schemeClr val="accent1"/>
+          </a:fillRef>
+          <a:effectRef idx="0">
+            <a:schemeClr val="accent1"/>
+          </a:effectRef>
+          <a:fontRef idx="minor">
+            <a:schemeClr val="lt1"/>
+          </a:fontRef>
+        </p:style>
+        <p:txBody>
+          <a:bodyPr rtlCol="0" anchor="ctr"/>
+          <a:lstStyle/>
+          <a:p>
+            <a:pPr algn="ctr"/>
+            <a:r>
+              <a:rPr lang="en-US" dirty="0"/>
+              <a:t>Create Confirmation</a:t>
+            </a:r>
+          </a:p>
+        </p:txBody>
+      </p:sp>
+      <p:sp>
+        <p:nvSpPr>
+          <p:cNvPr id="23" name="Rectangle 22">
+            <a:extLst>
+              <a:ext uri="{FF2B5EF4-FFF2-40B4-BE49-F238E27FC236}">
+                <a16:creationId xmlns:a16="http://schemas.microsoft.com/office/drawing/2014/main" id="{DEB39346-EBC2-4F40-9B8A-55AD07F502AE}"/>
+              </a:ext>
+            </a:extLst>
+          </p:cNvPr>
+          <p:cNvSpPr/>
+          <p:nvPr/>
+        </p:nvSpPr>
+        <p:spPr>
+          <a:xfrm>
+            <a:off x="6221414" y="2293732"/>
+            <a:ext cx="1565272" cy="664969"/>
+          </a:xfrm>
+          <a:prstGeom prst="rect">
+            <a:avLst/>
+          </a:prstGeom>
+        </p:spPr>
+        <p:style>
+          <a:lnRef idx="2">
+            <a:schemeClr val="accent1">
+              <a:shade val="50000"/>
+            </a:schemeClr>
+          </a:lnRef>
+          <a:fillRef idx="1">
+            <a:schemeClr val="accent1"/>
+          </a:fillRef>
+          <a:effectRef idx="0">
+            <a:schemeClr val="accent1"/>
+          </a:effectRef>
+          <a:fontRef idx="minor">
+            <a:schemeClr val="lt1"/>
+          </a:fontRef>
+        </p:style>
+        <p:txBody>
+          <a:bodyPr rtlCol="0" anchor="ctr"/>
+          <a:lstStyle/>
+          <a:p>
+            <a:pPr algn="ctr"/>
+            <a:r>
+              <a:rPr lang="en-US" dirty="0"/>
+              <a:t>Confirm Order</a:t>
+            </a:r>
+          </a:p>
+        </p:txBody>
+      </p:sp>
+      <p:cxnSp>
+        <p:nvCxnSpPr>
+          <p:cNvPr id="17" name="Connector: Elbow 16">
+            <a:extLst>
+              <a:ext uri="{FF2B5EF4-FFF2-40B4-BE49-F238E27FC236}">
+                <a16:creationId xmlns:a16="http://schemas.microsoft.com/office/drawing/2014/main" id="{8CAAA612-1A3B-4957-99B4-9479281DFC3E}"/>
+              </a:ext>
+            </a:extLst>
+          </p:cNvPr>
+          <p:cNvCxnSpPr>
+            <a:cxnSpLocks/>
+            <a:stCxn id="5" idx="0"/>
+            <a:endCxn id="23" idx="1"/>
+          </p:cNvCxnSpPr>
+          <p:nvPr/>
+        </p:nvCxnSpPr>
+        <p:spPr>
+          <a:xfrm rot="5400000" flipH="1" flipV="1">
+            <a:off x="5331866" y="2196553"/>
+            <a:ext cx="459883" cy="1319213"/>
+          </a:xfrm>
+          <a:prstGeom prst="bentConnector2">
+            <a:avLst/>
+          </a:prstGeom>
+          <a:ln w="57150">
+            <a:tailEnd type="triangle"/>
+          </a:ln>
+        </p:spPr>
+        <p:style>
+          <a:lnRef idx="1">
+            <a:schemeClr val="accent6"/>
+          </a:lnRef>
+          <a:fillRef idx="0">
+            <a:schemeClr val="accent6"/>
+          </a:fillRef>
+          <a:effectRef idx="0">
+            <a:schemeClr val="accent6"/>
+          </a:effectRef>
+          <a:fontRef idx="minor">
+            <a:schemeClr val="tx1"/>
+          </a:fontRef>
+        </p:style>
+      </p:cxnSp>
+      <p:cxnSp>
+        <p:nvCxnSpPr>
+          <p:cNvPr id="30" name="Straight Arrow Connector 29">
+            <a:extLst>
+              <a:ext uri="{FF2B5EF4-FFF2-40B4-BE49-F238E27FC236}">
+                <a16:creationId xmlns:a16="http://schemas.microsoft.com/office/drawing/2014/main" id="{04ACE096-0475-4993-900E-6C103F86A693}"/>
+              </a:ext>
+            </a:extLst>
+          </p:cNvPr>
+          <p:cNvCxnSpPr>
+            <a:stCxn id="23" idx="2"/>
+            <a:endCxn id="19" idx="0"/>
+          </p:cNvCxnSpPr>
+          <p:nvPr/>
+        </p:nvCxnSpPr>
+        <p:spPr>
+          <a:xfrm>
+            <a:off x="7004050" y="2958701"/>
+            <a:ext cx="0" cy="621207"/>
+          </a:xfrm>
+          <a:prstGeom prst="straightConnector1">
+            <a:avLst/>
+          </a:prstGeom>
+          <a:ln w="57150">
+            <a:tailEnd type="triangle"/>
+          </a:ln>
+        </p:spPr>
+        <p:style>
+          <a:lnRef idx="1">
+            <a:schemeClr val="accent6"/>
+          </a:lnRef>
+          <a:fillRef idx="0">
+            <a:schemeClr val="accent6"/>
+          </a:fillRef>
+          <a:effectRef idx="0">
+            <a:schemeClr val="accent6"/>
+          </a:effectRef>
+          <a:fontRef idx="minor">
+            <a:schemeClr val="tx1"/>
+          </a:fontRef>
+        </p:style>
+      </p:cxnSp>
+      <p:cxnSp>
+        <p:nvCxnSpPr>
+          <p:cNvPr id="33" name="Straight Arrow Connector 32">
+            <a:extLst>
+              <a:ext uri="{FF2B5EF4-FFF2-40B4-BE49-F238E27FC236}">
+                <a16:creationId xmlns:a16="http://schemas.microsoft.com/office/drawing/2014/main" id="{04BC9CA6-B2ED-4A7C-895A-0111254476CA}"/>
+              </a:ext>
+            </a:extLst>
+          </p:cNvPr>
+          <p:cNvCxnSpPr>
+            <a:stCxn id="19" idx="2"/>
+            <a:endCxn id="20" idx="0"/>
+          </p:cNvCxnSpPr>
+          <p:nvPr/>
+        </p:nvCxnSpPr>
+        <p:spPr>
+          <a:xfrm>
+            <a:off x="7004050" y="4244877"/>
+            <a:ext cx="6349" cy="621206"/>
+          </a:xfrm>
+          <a:prstGeom prst="straightConnector1">
+            <a:avLst/>
+          </a:prstGeom>
+          <a:ln w="57150">
+            <a:tailEnd type="triangle"/>
+          </a:ln>
+        </p:spPr>
+        <p:style>
+          <a:lnRef idx="1">
+            <a:schemeClr val="accent6"/>
+          </a:lnRef>
+          <a:fillRef idx="0">
+            <a:schemeClr val="accent6"/>
+          </a:fillRef>
+          <a:effectRef idx="0">
+            <a:schemeClr val="accent6"/>
+          </a:effectRef>
+          <a:fontRef idx="minor">
+            <a:schemeClr val="tx1"/>
+          </a:fontRef>
+        </p:style>
+      </p:cxnSp>
+      <p:cxnSp>
+        <p:nvCxnSpPr>
+          <p:cNvPr id="38" name="Connector: Elbow 37">
+            <a:extLst>
+              <a:ext uri="{FF2B5EF4-FFF2-40B4-BE49-F238E27FC236}">
+                <a16:creationId xmlns:a16="http://schemas.microsoft.com/office/drawing/2014/main" id="{755E79E9-799A-48A5-A384-687CB99CB29D}"/>
+              </a:ext>
+            </a:extLst>
+          </p:cNvPr>
+          <p:cNvCxnSpPr>
+            <a:stCxn id="19" idx="3"/>
+            <a:endCxn id="6" idx="1"/>
+          </p:cNvCxnSpPr>
+          <p:nvPr/>
+        </p:nvCxnSpPr>
+        <p:spPr>
+          <a:xfrm flipV="1">
+            <a:off x="7786686" y="1900237"/>
+            <a:ext cx="950914" cy="2012156"/>
+          </a:xfrm>
+          <a:prstGeom prst="bentConnector3">
+            <a:avLst>
+              <a:gd name="adj1" fmla="val 37980"/>
+            </a:avLst>
+          </a:prstGeom>
+          <a:ln w="57150">
+            <a:tailEnd type="triangle"/>
+          </a:ln>
+        </p:spPr>
+        <p:style>
+          <a:lnRef idx="2">
+            <a:schemeClr val="accent4"/>
+          </a:lnRef>
+          <a:fillRef idx="0">
+            <a:schemeClr val="accent4"/>
+          </a:fillRef>
+          <a:effectRef idx="1">
+            <a:schemeClr val="accent4"/>
+          </a:effectRef>
+          <a:fontRef idx="minor">
+            <a:schemeClr val="tx1"/>
+          </a:fontRef>
+        </p:style>
+      </p:cxnSp>
     </p:spTree>
     <p:extLst>
       <p:ext uri="{BB962C8B-B14F-4D97-AF65-F5344CB8AC3E}">
-        <p14:creationId xmlns:p14="http://schemas.microsoft.com/office/powerpoint/2010/main" val="1939781846"/>
+        <p14:creationId xmlns:p14="http://schemas.microsoft.com/office/powerpoint/2010/main" val="66362596"/>
       </p:ext>
     </p:extLst>
   </p:cSld>

--- a/Slides/02_DesignForSpeed.pptx
+++ b/Slides/02_DesignForSpeed.pptx
@@ -5,7 +5,7 @@
     <p:sldMasterId id="2147483648" r:id="rId1"/>
   </p:sldMasterIdLst>
   <p:notesMasterIdLst>
-    <p:notesMasterId r:id="rId33"/>
+    <p:notesMasterId r:id="rId35"/>
   </p:notesMasterIdLst>
   <p:sldIdLst>
     <p:sldId id="256" r:id="rId2"/>
@@ -39,6 +39,8 @@
     <p:sldId id="273" r:id="rId30"/>
     <p:sldId id="275" r:id="rId31"/>
     <p:sldId id="276" r:id="rId32"/>
+    <p:sldId id="291" r:id="rId33"/>
+    <p:sldId id="292" r:id="rId34"/>
   </p:sldIdLst>
   <p:sldSz cx="12192000" cy="6858000"/>
   <p:notesSz cx="6858000" cy="9144000"/>
@@ -239,7 +241,7 @@
           <a:p>
             <a:fld id="{261C14E1-C103-401C-B620-BEE64F52BB7D}" type="datetimeFigureOut">
               <a:rPr lang="en-US" smtClean="0"/>
-              <a:t>12/29/2021</a:t>
+              <a:t>12/30/2021</a:t>
             </a:fld>
             <a:endParaRPr lang="en-US"/>
           </a:p>
@@ -2237,6 +2239,234 @@
 </p:notes>
 </file>
 
+<file path=ppt/notesSlides/notesSlide24.xml><?xml version="1.0" encoding="utf-8"?>
+<p:notes xmlns:a="http://schemas.openxmlformats.org/drawingml/2006/main" xmlns:r="http://schemas.openxmlformats.org/officeDocument/2006/relationships" xmlns:p="http://schemas.openxmlformats.org/presentationml/2006/main">
+  <p:cSld>
+    <p:spTree>
+      <p:nvGrpSpPr>
+        <p:cNvPr id="1" name=""/>
+        <p:cNvGrpSpPr/>
+        <p:nvPr/>
+      </p:nvGrpSpPr>
+      <p:grpSpPr>
+        <a:xfrm>
+          <a:off x="0" y="0"/>
+          <a:ext cx="0" cy="0"/>
+          <a:chOff x="0" y="0"/>
+          <a:chExt cx="0" cy="0"/>
+        </a:xfrm>
+      </p:grpSpPr>
+      <p:sp>
+        <p:nvSpPr>
+          <p:cNvPr id="2" name="Slide Image Placeholder 1"/>
+          <p:cNvSpPr>
+            <a:spLocks noGrp="1" noRot="1" noChangeAspect="1"/>
+          </p:cNvSpPr>
+          <p:nvPr>
+            <p:ph type="sldImg"/>
+          </p:nvPr>
+        </p:nvSpPr>
+        <p:spPr/>
+      </p:sp>
+      <p:sp>
+        <p:nvSpPr>
+          <p:cNvPr id="3" name="Notes Placeholder 2"/>
+          <p:cNvSpPr>
+            <a:spLocks noGrp="1"/>
+          </p:cNvSpPr>
+          <p:nvPr>
+            <p:ph type="body" idx="1"/>
+          </p:nvPr>
+        </p:nvSpPr>
+        <p:spPr/>
+        <p:txBody>
+          <a:bodyPr/>
+          <a:lstStyle/>
+          <a:p>
+            <a:r>
+              <a:rPr lang="en-US" dirty="0"/>
+              <a:t>HOW WE TRIED TO SOLVE IT</a:t>
+            </a:r>
+          </a:p>
+          <a:p>
+            <a:endParaRPr lang="en-US" dirty="0"/>
+          </a:p>
+          <a:p>
+            <a:r>
+              <a:rPr lang="en-US" dirty="0"/>
+              <a:t>SHIP and SHORE both write to databases as they normally would.  And as you might thinking SHIP PK 500 &lt;&gt; SHORE PK 500.  </a:t>
+            </a:r>
+          </a:p>
+          <a:p>
+            <a:endParaRPr lang="en-US" dirty="0"/>
+          </a:p>
+          <a:p>
+            <a:r>
+              <a:rPr lang="en-US" dirty="0"/>
+              <a:t>SHORE was designated ultimate source of truth for database keys.</a:t>
+            </a:r>
+          </a:p>
+          <a:p>
+            <a:endParaRPr lang="en-US" dirty="0"/>
+          </a:p>
+          <a:p>
+            <a:r>
+              <a:rPr lang="en-US" dirty="0"/>
+              <a:t>SHIP would send a transaction log to SHORE</a:t>
+            </a:r>
+          </a:p>
+        </p:txBody>
+      </p:sp>
+      <p:sp>
+        <p:nvSpPr>
+          <p:cNvPr id="4" name="Slide Number Placeholder 3"/>
+          <p:cNvSpPr>
+            <a:spLocks noGrp="1"/>
+          </p:cNvSpPr>
+          <p:nvPr>
+            <p:ph type="sldNum" sz="quarter" idx="5"/>
+          </p:nvPr>
+        </p:nvSpPr>
+        <p:spPr/>
+        <p:txBody>
+          <a:bodyPr/>
+          <a:lstStyle/>
+          <a:p>
+            <a:fld id="{C1319246-450C-4CF9-A58A-2A51F73A13BE}" type="slidenum">
+              <a:rPr lang="en-US" smtClean="0"/>
+              <a:t>32</a:t>
+            </a:fld>
+            <a:endParaRPr lang="en-US"/>
+          </a:p>
+        </p:txBody>
+      </p:sp>
+    </p:spTree>
+    <p:extLst>
+      <p:ext uri="{BB962C8B-B14F-4D97-AF65-F5344CB8AC3E}">
+        <p14:creationId xmlns:p14="http://schemas.microsoft.com/office/powerpoint/2010/main" val="2571928933"/>
+      </p:ext>
+    </p:extLst>
+  </p:cSld>
+  <p:clrMapOvr>
+    <a:masterClrMapping/>
+  </p:clrMapOvr>
+</p:notes>
+</file>
+
+<file path=ppt/notesSlides/notesSlide25.xml><?xml version="1.0" encoding="utf-8"?>
+<p:notes xmlns:a="http://schemas.openxmlformats.org/drawingml/2006/main" xmlns:r="http://schemas.openxmlformats.org/officeDocument/2006/relationships" xmlns:p="http://schemas.openxmlformats.org/presentationml/2006/main">
+  <p:cSld>
+    <p:spTree>
+      <p:nvGrpSpPr>
+        <p:cNvPr id="1" name=""/>
+        <p:cNvGrpSpPr/>
+        <p:nvPr/>
+      </p:nvGrpSpPr>
+      <p:grpSpPr>
+        <a:xfrm>
+          <a:off x="0" y="0"/>
+          <a:ext cx="0" cy="0"/>
+          <a:chOff x="0" y="0"/>
+          <a:chExt cx="0" cy="0"/>
+        </a:xfrm>
+      </p:grpSpPr>
+      <p:sp>
+        <p:nvSpPr>
+          <p:cNvPr id="2" name="Slide Image Placeholder 1"/>
+          <p:cNvSpPr>
+            <a:spLocks noGrp="1" noRot="1" noChangeAspect="1"/>
+          </p:cNvSpPr>
+          <p:nvPr>
+            <p:ph type="sldImg"/>
+          </p:nvPr>
+        </p:nvSpPr>
+        <p:spPr/>
+      </p:sp>
+      <p:sp>
+        <p:nvSpPr>
+          <p:cNvPr id="3" name="Notes Placeholder 2"/>
+          <p:cNvSpPr>
+            <a:spLocks noGrp="1"/>
+          </p:cNvSpPr>
+          <p:nvPr>
+            <p:ph type="body" idx="1"/>
+          </p:nvPr>
+        </p:nvSpPr>
+        <p:spPr/>
+        <p:txBody>
+          <a:bodyPr/>
+          <a:lstStyle/>
+          <a:p>
+            <a:r>
+              <a:rPr lang="en-US" dirty="0"/>
+              <a:t>HOW WE TRIED TO SOLVE IT</a:t>
+            </a:r>
+          </a:p>
+          <a:p>
+            <a:endParaRPr lang="en-US" dirty="0"/>
+          </a:p>
+          <a:p>
+            <a:r>
+              <a:rPr lang="en-US" dirty="0"/>
+              <a:t>SHIP and SHORE both write to databases as they normally would.  And as you might thinking SHIP PK 500 &lt;&gt; SHORE PK 500.  </a:t>
+            </a:r>
+          </a:p>
+          <a:p>
+            <a:endParaRPr lang="en-US" dirty="0"/>
+          </a:p>
+          <a:p>
+            <a:r>
+              <a:rPr lang="en-US" dirty="0"/>
+              <a:t>SHORE was designated ultimate source of truth for database keys.</a:t>
+            </a:r>
+          </a:p>
+          <a:p>
+            <a:endParaRPr lang="en-US" dirty="0"/>
+          </a:p>
+          <a:p>
+            <a:r>
+              <a:rPr lang="en-US" dirty="0"/>
+              <a:t>SHIP would send a transaction log to SHORE</a:t>
+            </a:r>
+          </a:p>
+        </p:txBody>
+      </p:sp>
+      <p:sp>
+        <p:nvSpPr>
+          <p:cNvPr id="4" name="Slide Number Placeholder 3"/>
+          <p:cNvSpPr>
+            <a:spLocks noGrp="1"/>
+          </p:cNvSpPr>
+          <p:nvPr>
+            <p:ph type="sldNum" sz="quarter" idx="5"/>
+          </p:nvPr>
+        </p:nvSpPr>
+        <p:spPr/>
+        <p:txBody>
+          <a:bodyPr/>
+          <a:lstStyle/>
+          <a:p>
+            <a:fld id="{C1319246-450C-4CF9-A58A-2A51F73A13BE}" type="slidenum">
+              <a:rPr lang="en-US" smtClean="0"/>
+              <a:t>33</a:t>
+            </a:fld>
+            <a:endParaRPr lang="en-US"/>
+          </a:p>
+        </p:txBody>
+      </p:sp>
+    </p:spTree>
+    <p:extLst>
+      <p:ext uri="{BB962C8B-B14F-4D97-AF65-F5344CB8AC3E}">
+        <p14:creationId xmlns:p14="http://schemas.microsoft.com/office/powerpoint/2010/main" val="1773816816"/>
+      </p:ext>
+    </p:extLst>
+  </p:cSld>
+  <p:clrMapOvr>
+    <a:masterClrMapping/>
+  </p:clrMapOvr>
+</p:notes>
+</file>
+
 <file path=ppt/notesSlides/notesSlide3.xml><?xml version="1.0" encoding="utf-8"?>
 <p:notes xmlns:a="http://schemas.openxmlformats.org/drawingml/2006/main" xmlns:r="http://schemas.openxmlformats.org/officeDocument/2006/relationships" xmlns:p="http://schemas.openxmlformats.org/presentationml/2006/main">
   <p:cSld>
@@ -3014,7 +3244,7 @@
           <a:p>
             <a:fld id="{2185751B-154C-48B3-90FA-C17C05FCF1B7}" type="datetimeFigureOut">
               <a:rPr lang="en-US" smtClean="0"/>
-              <a:t>12/29/2021</a:t>
+              <a:t>12/30/2021</a:t>
             </a:fld>
             <a:endParaRPr lang="en-US"/>
           </a:p>
@@ -3212,7 +3442,7 @@
           <a:p>
             <a:fld id="{2185751B-154C-48B3-90FA-C17C05FCF1B7}" type="datetimeFigureOut">
               <a:rPr lang="en-US" smtClean="0"/>
-              <a:t>12/29/2021</a:t>
+              <a:t>12/30/2021</a:t>
             </a:fld>
             <a:endParaRPr lang="en-US"/>
           </a:p>
@@ -3420,7 +3650,7 @@
           <a:p>
             <a:fld id="{2185751B-154C-48B3-90FA-C17C05FCF1B7}" type="datetimeFigureOut">
               <a:rPr lang="en-US" smtClean="0"/>
-              <a:t>12/29/2021</a:t>
+              <a:t>12/30/2021</a:t>
             </a:fld>
             <a:endParaRPr lang="en-US"/>
           </a:p>
@@ -3618,7 +3848,7 @@
           <a:p>
             <a:fld id="{2185751B-154C-48B3-90FA-C17C05FCF1B7}" type="datetimeFigureOut">
               <a:rPr lang="en-US" smtClean="0"/>
-              <a:t>12/29/2021</a:t>
+              <a:t>12/30/2021</a:t>
             </a:fld>
             <a:endParaRPr lang="en-US"/>
           </a:p>
@@ -3893,7 +4123,7 @@
           <a:p>
             <a:fld id="{2185751B-154C-48B3-90FA-C17C05FCF1B7}" type="datetimeFigureOut">
               <a:rPr lang="en-US" smtClean="0"/>
-              <a:t>12/29/2021</a:t>
+              <a:t>12/30/2021</a:t>
             </a:fld>
             <a:endParaRPr lang="en-US"/>
           </a:p>
@@ -4158,7 +4388,7 @@
           <a:p>
             <a:fld id="{2185751B-154C-48B3-90FA-C17C05FCF1B7}" type="datetimeFigureOut">
               <a:rPr lang="en-US" smtClean="0"/>
-              <a:t>12/29/2021</a:t>
+              <a:t>12/30/2021</a:t>
             </a:fld>
             <a:endParaRPr lang="en-US"/>
           </a:p>
@@ -4570,7 +4800,7 @@
           <a:p>
             <a:fld id="{2185751B-154C-48B3-90FA-C17C05FCF1B7}" type="datetimeFigureOut">
               <a:rPr lang="en-US" smtClean="0"/>
-              <a:t>12/29/2021</a:t>
+              <a:t>12/30/2021</a:t>
             </a:fld>
             <a:endParaRPr lang="en-US"/>
           </a:p>
@@ -4711,7 +4941,7 @@
           <a:p>
             <a:fld id="{2185751B-154C-48B3-90FA-C17C05FCF1B7}" type="datetimeFigureOut">
               <a:rPr lang="en-US" smtClean="0"/>
-              <a:t>12/29/2021</a:t>
+              <a:t>12/30/2021</a:t>
             </a:fld>
             <a:endParaRPr lang="en-US"/>
           </a:p>
@@ -4824,7 +5054,7 @@
           <a:p>
             <a:fld id="{2185751B-154C-48B3-90FA-C17C05FCF1B7}" type="datetimeFigureOut">
               <a:rPr lang="en-US" smtClean="0"/>
-              <a:t>12/29/2021</a:t>
+              <a:t>12/30/2021</a:t>
             </a:fld>
             <a:endParaRPr lang="en-US"/>
           </a:p>
@@ -5135,7 +5365,7 @@
           <a:p>
             <a:fld id="{2185751B-154C-48B3-90FA-C17C05FCF1B7}" type="datetimeFigureOut">
               <a:rPr lang="en-US" smtClean="0"/>
-              <a:t>12/29/2021</a:t>
+              <a:t>12/30/2021</a:t>
             </a:fld>
             <a:endParaRPr lang="en-US"/>
           </a:p>
@@ -5423,7 +5653,7 @@
           <a:p>
             <a:fld id="{2185751B-154C-48B3-90FA-C17C05FCF1B7}" type="datetimeFigureOut">
               <a:rPr lang="en-US" smtClean="0"/>
-              <a:t>12/29/2021</a:t>
+              <a:t>12/30/2021</a:t>
             </a:fld>
             <a:endParaRPr lang="en-US"/>
           </a:p>
@@ -5664,7 +5894,7 @@
           <a:p>
             <a:fld id="{2185751B-154C-48B3-90FA-C17C05FCF1B7}" type="datetimeFigureOut">
               <a:rPr lang="en-US" smtClean="0"/>
-              <a:t>12/29/2021</a:t>
+              <a:t>12/30/2021</a:t>
             </a:fld>
             <a:endParaRPr lang="en-US"/>
           </a:p>
@@ -9188,6 +9418,1005 @@
           </a:p>
         </p:txBody>
       </p:sp>
+      <p:graphicFrame>
+        <p:nvGraphicFramePr>
+          <p:cNvPr id="3" name="Table 3">
+            <a:extLst>
+              <a:ext uri="{FF2B5EF4-FFF2-40B4-BE49-F238E27FC236}">
+                <a16:creationId xmlns:a16="http://schemas.microsoft.com/office/drawing/2014/main" id="{473F43F6-3598-4BDA-81C3-6DDF32876495}"/>
+              </a:ext>
+            </a:extLst>
+          </p:cNvPr>
+          <p:cNvGraphicFramePr>
+            <a:graphicFrameLocks noGrp="1"/>
+          </p:cNvGraphicFramePr>
+          <p:nvPr>
+            <p:extLst>
+              <p:ext uri="{D42A27DB-BD31-4B8C-83A1-F6EECF244321}">
+                <p14:modId xmlns:p14="http://schemas.microsoft.com/office/powerpoint/2010/main" val="1739481776"/>
+              </p:ext>
+            </p:extLst>
+          </p:nvPr>
+        </p:nvGraphicFramePr>
+        <p:xfrm>
+          <a:off x="655020" y="2585421"/>
+          <a:ext cx="5440980" cy="2194560"/>
+        </p:xfrm>
+        <a:graphic>
+          <a:graphicData uri="http://schemas.openxmlformats.org/drawingml/2006/table">
+            <a:tbl>
+              <a:tblPr firstRow="1" bandRow="1">
+                <a:tableStyleId>{5C22544A-7EE6-4342-B048-85BDC9FD1C3A}</a:tableStyleId>
+              </a:tblPr>
+              <a:tblGrid>
+                <a:gridCol w="1813660">
+                  <a:extLst>
+                    <a:ext uri="{9D8B030D-6E8A-4147-A177-3AD203B41FA5}">
+                      <a16:colId xmlns:a16="http://schemas.microsoft.com/office/drawing/2014/main" val="188685320"/>
+                    </a:ext>
+                  </a:extLst>
+                </a:gridCol>
+                <a:gridCol w="1813660">
+                  <a:extLst>
+                    <a:ext uri="{9D8B030D-6E8A-4147-A177-3AD203B41FA5}">
+                      <a16:colId xmlns:a16="http://schemas.microsoft.com/office/drawing/2014/main" val="2216059015"/>
+                    </a:ext>
+                  </a:extLst>
+                </a:gridCol>
+                <a:gridCol w="1813660">
+                  <a:extLst>
+                    <a:ext uri="{9D8B030D-6E8A-4147-A177-3AD203B41FA5}">
+                      <a16:colId xmlns:a16="http://schemas.microsoft.com/office/drawing/2014/main" val="1910021152"/>
+                    </a:ext>
+                  </a:extLst>
+                </a:gridCol>
+              </a:tblGrid>
+              <a:tr h="255793">
+                <a:tc>
+                  <a:txBody>
+                    <a:bodyPr/>
+                    <a:lstStyle/>
+                    <a:p>
+                      <a:r>
+                        <a:rPr lang="en-US" dirty="0"/>
+                        <a:t>Id</a:t>
+                      </a:r>
+                    </a:p>
+                  </a:txBody>
+                  <a:tcPr/>
+                </a:tc>
+                <a:tc>
+                  <a:txBody>
+                    <a:bodyPr/>
+                    <a:lstStyle/>
+                    <a:p>
+                      <a:r>
+                        <a:rPr lang="en-US" dirty="0"/>
+                        <a:t>Column</a:t>
+                      </a:r>
+                    </a:p>
+                  </a:txBody>
+                  <a:tcPr/>
+                </a:tc>
+                <a:tc>
+                  <a:txBody>
+                    <a:bodyPr/>
+                    <a:lstStyle/>
+                    <a:p>
+                      <a:r>
+                        <a:rPr lang="en-US" dirty="0"/>
+                        <a:t>Column</a:t>
+                      </a:r>
+                    </a:p>
+                  </a:txBody>
+                  <a:tcPr/>
+                </a:tc>
+                <a:extLst>
+                  <a:ext uri="{0D108BD9-81ED-4DB2-BD59-A6C34878D82A}">
+                    <a16:rowId xmlns:a16="http://schemas.microsoft.com/office/drawing/2014/main" val="3986786355"/>
+                  </a:ext>
+                </a:extLst>
+              </a:tr>
+              <a:tr h="255793">
+                <a:tc>
+                  <a:txBody>
+                    <a:bodyPr/>
+                    <a:lstStyle/>
+                    <a:p>
+                      <a:r>
+                        <a:rPr lang="en-US" dirty="0"/>
+                        <a:t>1</a:t>
+                      </a:r>
+                    </a:p>
+                  </a:txBody>
+                  <a:tcPr/>
+                </a:tc>
+                <a:tc>
+                  <a:txBody>
+                    <a:bodyPr/>
+                    <a:lstStyle/>
+                    <a:p>
+                      <a:r>
+                        <a:rPr lang="en-US" dirty="0"/>
+                        <a:t>Foo</a:t>
+                      </a:r>
+                    </a:p>
+                  </a:txBody>
+                  <a:tcPr/>
+                </a:tc>
+                <a:tc>
+                  <a:txBody>
+                    <a:bodyPr/>
+                    <a:lstStyle/>
+                    <a:p>
+                      <a:r>
+                        <a:rPr lang="en-US" dirty="0"/>
+                        <a:t>Bar</a:t>
+                      </a:r>
+                    </a:p>
+                  </a:txBody>
+                  <a:tcPr/>
+                </a:tc>
+                <a:extLst>
+                  <a:ext uri="{0D108BD9-81ED-4DB2-BD59-A6C34878D82A}">
+                    <a16:rowId xmlns:a16="http://schemas.microsoft.com/office/drawing/2014/main" val="1260512336"/>
+                  </a:ext>
+                </a:extLst>
+              </a:tr>
+              <a:tr h="255793">
+                <a:tc>
+                  <a:txBody>
+                    <a:bodyPr/>
+                    <a:lstStyle/>
+                    <a:p>
+                      <a:r>
+                        <a:rPr lang="en-US" dirty="0"/>
+                        <a:t>2</a:t>
+                      </a:r>
+                    </a:p>
+                  </a:txBody>
+                  <a:tcPr/>
+                </a:tc>
+                <a:tc>
+                  <a:txBody>
+                    <a:bodyPr/>
+                    <a:lstStyle/>
+                    <a:p>
+                      <a:r>
+                        <a:rPr lang="en-US" dirty="0"/>
+                        <a:t>Bar</a:t>
+                      </a:r>
+                    </a:p>
+                  </a:txBody>
+                  <a:tcPr/>
+                </a:tc>
+                <a:tc>
+                  <a:txBody>
+                    <a:bodyPr/>
+                    <a:lstStyle/>
+                    <a:p>
+                      <a:r>
+                        <a:rPr lang="en-US" dirty="0"/>
+                        <a:t>Foo</a:t>
+                      </a:r>
+                    </a:p>
+                  </a:txBody>
+                  <a:tcPr/>
+                </a:tc>
+                <a:extLst>
+                  <a:ext uri="{0D108BD9-81ED-4DB2-BD59-A6C34878D82A}">
+                    <a16:rowId xmlns:a16="http://schemas.microsoft.com/office/drawing/2014/main" val="2473083762"/>
+                  </a:ext>
+                </a:extLst>
+              </a:tr>
+              <a:tr h="255793">
+                <a:tc>
+                  <a:txBody>
+                    <a:bodyPr/>
+                    <a:lstStyle/>
+                    <a:p>
+                      <a:r>
+                        <a:rPr lang="en-US" dirty="0"/>
+                        <a:t>3</a:t>
+                      </a:r>
+                    </a:p>
+                  </a:txBody>
+                  <a:tcPr/>
+                </a:tc>
+                <a:tc>
+                  <a:txBody>
+                    <a:bodyPr/>
+                    <a:lstStyle/>
+                    <a:p>
+                      <a:r>
+                        <a:rPr lang="en-US" dirty="0"/>
+                        <a:t>Boo</a:t>
+                      </a:r>
+                    </a:p>
+                  </a:txBody>
+                  <a:tcPr/>
+                </a:tc>
+                <a:tc>
+                  <a:txBody>
+                    <a:bodyPr/>
+                    <a:lstStyle/>
+                    <a:p>
+                      <a:r>
+                        <a:rPr lang="en-US" dirty="0"/>
+                        <a:t>Far</a:t>
+                      </a:r>
+                    </a:p>
+                  </a:txBody>
+                  <a:tcPr/>
+                </a:tc>
+                <a:extLst>
+                  <a:ext uri="{0D108BD9-81ED-4DB2-BD59-A6C34878D82A}">
+                    <a16:rowId xmlns:a16="http://schemas.microsoft.com/office/drawing/2014/main" val="2355888422"/>
+                  </a:ext>
+                </a:extLst>
+              </a:tr>
+              <a:tr h="255793">
+                <a:tc>
+                  <a:txBody>
+                    <a:bodyPr/>
+                    <a:lstStyle/>
+                    <a:p>
+                      <a:r>
+                        <a:rPr lang="en-US" dirty="0"/>
+                        <a:t>4</a:t>
+                      </a:r>
+                    </a:p>
+                  </a:txBody>
+                  <a:tcPr/>
+                </a:tc>
+                <a:tc>
+                  <a:txBody>
+                    <a:bodyPr/>
+                    <a:lstStyle/>
+                    <a:p>
+                      <a:r>
+                        <a:rPr lang="en-US" dirty="0"/>
+                        <a:t>Far</a:t>
+                      </a:r>
+                    </a:p>
+                  </a:txBody>
+                  <a:tcPr/>
+                </a:tc>
+                <a:tc>
+                  <a:txBody>
+                    <a:bodyPr/>
+                    <a:lstStyle/>
+                    <a:p>
+                      <a:r>
+                        <a:rPr lang="en-US" dirty="0"/>
+                        <a:t>Boo</a:t>
+                      </a:r>
+                    </a:p>
+                  </a:txBody>
+                  <a:tcPr/>
+                </a:tc>
+                <a:extLst>
+                  <a:ext uri="{0D108BD9-81ED-4DB2-BD59-A6C34878D82A}">
+                    <a16:rowId xmlns:a16="http://schemas.microsoft.com/office/drawing/2014/main" val="3704615067"/>
+                  </a:ext>
+                </a:extLst>
+              </a:tr>
+              <a:tr h="255793">
+                <a:tc>
+                  <a:txBody>
+                    <a:bodyPr/>
+                    <a:lstStyle/>
+                    <a:p>
+                      <a:r>
+                        <a:rPr lang="en-US" dirty="0"/>
+                        <a:t>5</a:t>
+                      </a:r>
+                    </a:p>
+                  </a:txBody>
+                  <a:tcPr/>
+                </a:tc>
+                <a:tc>
+                  <a:txBody>
+                    <a:bodyPr/>
+                    <a:lstStyle/>
+                    <a:p>
+                      <a:r>
+                        <a:rPr lang="en-US" dirty="0"/>
+                        <a:t>Hello</a:t>
+                      </a:r>
+                    </a:p>
+                  </a:txBody>
+                  <a:tcPr/>
+                </a:tc>
+                <a:tc>
+                  <a:txBody>
+                    <a:bodyPr/>
+                    <a:lstStyle/>
+                    <a:p>
+                      <a:r>
+                        <a:rPr lang="en-US" dirty="0"/>
+                        <a:t>World</a:t>
+                      </a:r>
+                    </a:p>
+                  </a:txBody>
+                  <a:tcPr/>
+                </a:tc>
+                <a:extLst>
+                  <a:ext uri="{0D108BD9-81ED-4DB2-BD59-A6C34878D82A}">
+                    <a16:rowId xmlns:a16="http://schemas.microsoft.com/office/drawing/2014/main" val="925531847"/>
+                  </a:ext>
+                </a:extLst>
+              </a:tr>
+            </a:tbl>
+          </a:graphicData>
+        </a:graphic>
+      </p:graphicFrame>
+      <p:graphicFrame>
+        <p:nvGraphicFramePr>
+          <p:cNvPr id="6" name="Table 6">
+            <a:extLst>
+              <a:ext uri="{FF2B5EF4-FFF2-40B4-BE49-F238E27FC236}">
+                <a16:creationId xmlns:a16="http://schemas.microsoft.com/office/drawing/2014/main" id="{F24050F8-4D14-4A0C-AC0D-E55F5E6FDDE5}"/>
+              </a:ext>
+            </a:extLst>
+          </p:cNvPr>
+          <p:cNvGraphicFramePr>
+            <a:graphicFrameLocks noGrp="1"/>
+          </p:cNvGraphicFramePr>
+          <p:nvPr>
+            <p:extLst>
+              <p:ext uri="{D42A27DB-BD31-4B8C-83A1-F6EECF244321}">
+                <p14:modId xmlns:p14="http://schemas.microsoft.com/office/powerpoint/2010/main" val="2142505114"/>
+              </p:ext>
+            </p:extLst>
+          </p:nvPr>
+        </p:nvGraphicFramePr>
+        <p:xfrm>
+          <a:off x="7078532" y="1334643"/>
+          <a:ext cx="4098666" cy="2194560"/>
+        </p:xfrm>
+        <a:graphic>
+          <a:graphicData uri="http://schemas.openxmlformats.org/drawingml/2006/table">
+            <a:tbl>
+              <a:tblPr firstRow="1" bandRow="1">
+                <a:tableStyleId>{5C22544A-7EE6-4342-B048-85BDC9FD1C3A}</a:tableStyleId>
+              </a:tblPr>
+              <a:tblGrid>
+                <a:gridCol w="1366222">
+                  <a:extLst>
+                    <a:ext uri="{9D8B030D-6E8A-4147-A177-3AD203B41FA5}">
+                      <a16:colId xmlns:a16="http://schemas.microsoft.com/office/drawing/2014/main" val="115659269"/>
+                    </a:ext>
+                  </a:extLst>
+                </a:gridCol>
+                <a:gridCol w="1366222">
+                  <a:extLst>
+                    <a:ext uri="{9D8B030D-6E8A-4147-A177-3AD203B41FA5}">
+                      <a16:colId xmlns:a16="http://schemas.microsoft.com/office/drawing/2014/main" val="878123335"/>
+                    </a:ext>
+                  </a:extLst>
+                </a:gridCol>
+                <a:gridCol w="1366222">
+                  <a:extLst>
+                    <a:ext uri="{9D8B030D-6E8A-4147-A177-3AD203B41FA5}">
+                      <a16:colId xmlns:a16="http://schemas.microsoft.com/office/drawing/2014/main" val="3042141257"/>
+                    </a:ext>
+                  </a:extLst>
+                </a:gridCol>
+              </a:tblGrid>
+              <a:tr h="279815">
+                <a:tc>
+                  <a:txBody>
+                    <a:bodyPr/>
+                    <a:lstStyle/>
+                    <a:p>
+                      <a:r>
+                        <a:rPr lang="en-US" dirty="0"/>
+                        <a:t>Id</a:t>
+                      </a:r>
+                    </a:p>
+                  </a:txBody>
+                  <a:tcPr/>
+                </a:tc>
+                <a:tc>
+                  <a:txBody>
+                    <a:bodyPr/>
+                    <a:lstStyle/>
+                    <a:p>
+                      <a:r>
+                        <a:rPr lang="en-US" dirty="0"/>
+                        <a:t>FK_ID</a:t>
+                      </a:r>
+                    </a:p>
+                  </a:txBody>
+                  <a:tcPr/>
+                </a:tc>
+                <a:tc>
+                  <a:txBody>
+                    <a:bodyPr/>
+                    <a:lstStyle/>
+                    <a:p>
+                      <a:r>
+                        <a:rPr lang="en-US" dirty="0"/>
+                        <a:t>Column</a:t>
+                      </a:r>
+                    </a:p>
+                  </a:txBody>
+                  <a:tcPr/>
+                </a:tc>
+                <a:extLst>
+                  <a:ext uri="{0D108BD9-81ED-4DB2-BD59-A6C34878D82A}">
+                    <a16:rowId xmlns:a16="http://schemas.microsoft.com/office/drawing/2014/main" val="1551591474"/>
+                  </a:ext>
+                </a:extLst>
+              </a:tr>
+              <a:tr h="279815">
+                <a:tc>
+                  <a:txBody>
+                    <a:bodyPr/>
+                    <a:lstStyle/>
+                    <a:p>
+                      <a:r>
+                        <a:rPr lang="en-US" dirty="0"/>
+                        <a:t>1</a:t>
+                      </a:r>
+                    </a:p>
+                  </a:txBody>
+                  <a:tcPr/>
+                </a:tc>
+                <a:tc>
+                  <a:txBody>
+                    <a:bodyPr/>
+                    <a:lstStyle/>
+                    <a:p>
+                      <a:r>
+                        <a:rPr lang="en-US" dirty="0"/>
+                        <a:t>1</a:t>
+                      </a:r>
+                    </a:p>
+                  </a:txBody>
+                  <a:tcPr/>
+                </a:tc>
+                <a:tc>
+                  <a:txBody>
+                    <a:bodyPr/>
+                    <a:lstStyle/>
+                    <a:p>
+                      <a:r>
+                        <a:rPr lang="en-US" dirty="0"/>
+                        <a:t>AAA</a:t>
+                      </a:r>
+                    </a:p>
+                  </a:txBody>
+                  <a:tcPr/>
+                </a:tc>
+                <a:extLst>
+                  <a:ext uri="{0D108BD9-81ED-4DB2-BD59-A6C34878D82A}">
+                    <a16:rowId xmlns:a16="http://schemas.microsoft.com/office/drawing/2014/main" val="1550810362"/>
+                  </a:ext>
+                </a:extLst>
+              </a:tr>
+              <a:tr h="279815">
+                <a:tc>
+                  <a:txBody>
+                    <a:bodyPr/>
+                    <a:lstStyle/>
+                    <a:p>
+                      <a:r>
+                        <a:rPr lang="en-US" dirty="0"/>
+                        <a:t>2</a:t>
+                      </a:r>
+                    </a:p>
+                  </a:txBody>
+                  <a:tcPr/>
+                </a:tc>
+                <a:tc>
+                  <a:txBody>
+                    <a:bodyPr/>
+                    <a:lstStyle/>
+                    <a:p>
+                      <a:r>
+                        <a:rPr lang="en-US" dirty="0"/>
+                        <a:t>1</a:t>
+                      </a:r>
+                    </a:p>
+                  </a:txBody>
+                  <a:tcPr/>
+                </a:tc>
+                <a:tc>
+                  <a:txBody>
+                    <a:bodyPr/>
+                    <a:lstStyle/>
+                    <a:p>
+                      <a:r>
+                        <a:rPr lang="en-US" dirty="0"/>
+                        <a:t>AAB</a:t>
+                      </a:r>
+                    </a:p>
+                  </a:txBody>
+                  <a:tcPr/>
+                </a:tc>
+                <a:extLst>
+                  <a:ext uri="{0D108BD9-81ED-4DB2-BD59-A6C34878D82A}">
+                    <a16:rowId xmlns:a16="http://schemas.microsoft.com/office/drawing/2014/main" val="2787774613"/>
+                  </a:ext>
+                </a:extLst>
+              </a:tr>
+              <a:tr h="279815">
+                <a:tc>
+                  <a:txBody>
+                    <a:bodyPr/>
+                    <a:lstStyle/>
+                    <a:p>
+                      <a:r>
+                        <a:rPr lang="en-US" dirty="0"/>
+                        <a:t>3</a:t>
+                      </a:r>
+                    </a:p>
+                  </a:txBody>
+                  <a:tcPr/>
+                </a:tc>
+                <a:tc>
+                  <a:txBody>
+                    <a:bodyPr/>
+                    <a:lstStyle/>
+                    <a:p>
+                      <a:r>
+                        <a:rPr lang="en-US" dirty="0"/>
+                        <a:t>2</a:t>
+                      </a:r>
+                    </a:p>
+                  </a:txBody>
+                  <a:tcPr/>
+                </a:tc>
+                <a:tc>
+                  <a:txBody>
+                    <a:bodyPr/>
+                    <a:lstStyle/>
+                    <a:p>
+                      <a:r>
+                        <a:rPr lang="en-US" dirty="0"/>
+                        <a:t>AAC</a:t>
+                      </a:r>
+                    </a:p>
+                  </a:txBody>
+                  <a:tcPr/>
+                </a:tc>
+                <a:extLst>
+                  <a:ext uri="{0D108BD9-81ED-4DB2-BD59-A6C34878D82A}">
+                    <a16:rowId xmlns:a16="http://schemas.microsoft.com/office/drawing/2014/main" val="1825120445"/>
+                  </a:ext>
+                </a:extLst>
+              </a:tr>
+              <a:tr h="279815">
+                <a:tc>
+                  <a:txBody>
+                    <a:bodyPr/>
+                    <a:lstStyle/>
+                    <a:p>
+                      <a:r>
+                        <a:rPr lang="en-US" dirty="0"/>
+                        <a:t>4</a:t>
+                      </a:r>
+                    </a:p>
+                  </a:txBody>
+                  <a:tcPr/>
+                </a:tc>
+                <a:tc>
+                  <a:txBody>
+                    <a:bodyPr/>
+                    <a:lstStyle/>
+                    <a:p>
+                      <a:r>
+                        <a:rPr lang="en-US" dirty="0"/>
+                        <a:t>3</a:t>
+                      </a:r>
+                    </a:p>
+                  </a:txBody>
+                  <a:tcPr/>
+                </a:tc>
+                <a:tc>
+                  <a:txBody>
+                    <a:bodyPr/>
+                    <a:lstStyle/>
+                    <a:p>
+                      <a:r>
+                        <a:rPr lang="en-US" dirty="0"/>
+                        <a:t>AAD</a:t>
+                      </a:r>
+                    </a:p>
+                  </a:txBody>
+                  <a:tcPr/>
+                </a:tc>
+                <a:extLst>
+                  <a:ext uri="{0D108BD9-81ED-4DB2-BD59-A6C34878D82A}">
+                    <a16:rowId xmlns:a16="http://schemas.microsoft.com/office/drawing/2014/main" val="967950687"/>
+                  </a:ext>
+                </a:extLst>
+              </a:tr>
+              <a:tr h="279815">
+                <a:tc>
+                  <a:txBody>
+                    <a:bodyPr/>
+                    <a:lstStyle/>
+                    <a:p>
+                      <a:r>
+                        <a:rPr lang="en-US" dirty="0"/>
+                        <a:t>5</a:t>
+                      </a:r>
+                    </a:p>
+                  </a:txBody>
+                  <a:tcPr/>
+                </a:tc>
+                <a:tc>
+                  <a:txBody>
+                    <a:bodyPr/>
+                    <a:lstStyle/>
+                    <a:p>
+                      <a:r>
+                        <a:rPr lang="en-US" dirty="0"/>
+                        <a:t>4</a:t>
+                      </a:r>
+                    </a:p>
+                  </a:txBody>
+                  <a:tcPr/>
+                </a:tc>
+                <a:tc>
+                  <a:txBody>
+                    <a:bodyPr/>
+                    <a:lstStyle/>
+                    <a:p>
+                      <a:r>
+                        <a:rPr lang="en-US" dirty="0"/>
+                        <a:t>AAE</a:t>
+                      </a:r>
+                    </a:p>
+                  </a:txBody>
+                  <a:tcPr/>
+                </a:tc>
+                <a:extLst>
+                  <a:ext uri="{0D108BD9-81ED-4DB2-BD59-A6C34878D82A}">
+                    <a16:rowId xmlns:a16="http://schemas.microsoft.com/office/drawing/2014/main" val="615111260"/>
+                  </a:ext>
+                </a:extLst>
+              </a:tr>
+            </a:tbl>
+          </a:graphicData>
+        </a:graphic>
+      </p:graphicFrame>
+      <p:graphicFrame>
+        <p:nvGraphicFramePr>
+          <p:cNvPr id="7" name="Table 6">
+            <a:extLst>
+              <a:ext uri="{FF2B5EF4-FFF2-40B4-BE49-F238E27FC236}">
+                <a16:creationId xmlns:a16="http://schemas.microsoft.com/office/drawing/2014/main" id="{B962EC66-60EC-4199-8293-CEC8884D5DED}"/>
+              </a:ext>
+            </a:extLst>
+          </p:cNvPr>
+          <p:cNvGraphicFramePr>
+            <a:graphicFrameLocks noGrp="1"/>
+          </p:cNvGraphicFramePr>
+          <p:nvPr>
+            <p:extLst>
+              <p:ext uri="{D42A27DB-BD31-4B8C-83A1-F6EECF244321}">
+                <p14:modId xmlns:p14="http://schemas.microsoft.com/office/powerpoint/2010/main" val="670109613"/>
+              </p:ext>
+            </p:extLst>
+          </p:nvPr>
+        </p:nvGraphicFramePr>
+        <p:xfrm>
+          <a:off x="7078532" y="4058120"/>
+          <a:ext cx="4098666" cy="2194560"/>
+        </p:xfrm>
+        <a:graphic>
+          <a:graphicData uri="http://schemas.openxmlformats.org/drawingml/2006/table">
+            <a:tbl>
+              <a:tblPr firstRow="1" bandRow="1">
+                <a:tableStyleId>{5C22544A-7EE6-4342-B048-85BDC9FD1C3A}</a:tableStyleId>
+              </a:tblPr>
+              <a:tblGrid>
+                <a:gridCol w="1366222">
+                  <a:extLst>
+                    <a:ext uri="{9D8B030D-6E8A-4147-A177-3AD203B41FA5}">
+                      <a16:colId xmlns:a16="http://schemas.microsoft.com/office/drawing/2014/main" val="115659269"/>
+                    </a:ext>
+                  </a:extLst>
+                </a:gridCol>
+                <a:gridCol w="1366222">
+                  <a:extLst>
+                    <a:ext uri="{9D8B030D-6E8A-4147-A177-3AD203B41FA5}">
+                      <a16:colId xmlns:a16="http://schemas.microsoft.com/office/drawing/2014/main" val="878123335"/>
+                    </a:ext>
+                  </a:extLst>
+                </a:gridCol>
+                <a:gridCol w="1366222">
+                  <a:extLst>
+                    <a:ext uri="{9D8B030D-6E8A-4147-A177-3AD203B41FA5}">
+                      <a16:colId xmlns:a16="http://schemas.microsoft.com/office/drawing/2014/main" val="3042141257"/>
+                    </a:ext>
+                  </a:extLst>
+                </a:gridCol>
+              </a:tblGrid>
+              <a:tr h="279815">
+                <a:tc>
+                  <a:txBody>
+                    <a:bodyPr/>
+                    <a:lstStyle/>
+                    <a:p>
+                      <a:r>
+                        <a:rPr lang="en-US" dirty="0"/>
+                        <a:t>Id</a:t>
+                      </a:r>
+                    </a:p>
+                  </a:txBody>
+                  <a:tcPr/>
+                </a:tc>
+                <a:tc>
+                  <a:txBody>
+                    <a:bodyPr/>
+                    <a:lstStyle/>
+                    <a:p>
+                      <a:r>
+                        <a:rPr lang="en-US" dirty="0"/>
+                        <a:t>FK_ID</a:t>
+                      </a:r>
+                    </a:p>
+                  </a:txBody>
+                  <a:tcPr/>
+                </a:tc>
+                <a:tc>
+                  <a:txBody>
+                    <a:bodyPr/>
+                    <a:lstStyle/>
+                    <a:p>
+                      <a:r>
+                        <a:rPr lang="en-US" dirty="0"/>
+                        <a:t>Column</a:t>
+                      </a:r>
+                    </a:p>
+                  </a:txBody>
+                  <a:tcPr/>
+                </a:tc>
+                <a:extLst>
+                  <a:ext uri="{0D108BD9-81ED-4DB2-BD59-A6C34878D82A}">
+                    <a16:rowId xmlns:a16="http://schemas.microsoft.com/office/drawing/2014/main" val="1551591474"/>
+                  </a:ext>
+                </a:extLst>
+              </a:tr>
+              <a:tr h="279815">
+                <a:tc>
+                  <a:txBody>
+                    <a:bodyPr/>
+                    <a:lstStyle/>
+                    <a:p>
+                      <a:r>
+                        <a:rPr lang="en-US" dirty="0"/>
+                        <a:t>1</a:t>
+                      </a:r>
+                    </a:p>
+                  </a:txBody>
+                  <a:tcPr/>
+                </a:tc>
+                <a:tc>
+                  <a:txBody>
+                    <a:bodyPr/>
+                    <a:lstStyle/>
+                    <a:p>
+                      <a:r>
+                        <a:rPr lang="en-US" dirty="0"/>
+                        <a:t>1</a:t>
+                      </a:r>
+                    </a:p>
+                  </a:txBody>
+                  <a:tcPr/>
+                </a:tc>
+                <a:tc>
+                  <a:txBody>
+                    <a:bodyPr/>
+                    <a:lstStyle/>
+                    <a:p>
+                      <a:r>
+                        <a:rPr lang="en-US" dirty="0"/>
+                        <a:t>XYZ</a:t>
+                      </a:r>
+                    </a:p>
+                  </a:txBody>
+                  <a:tcPr/>
+                </a:tc>
+                <a:extLst>
+                  <a:ext uri="{0D108BD9-81ED-4DB2-BD59-A6C34878D82A}">
+                    <a16:rowId xmlns:a16="http://schemas.microsoft.com/office/drawing/2014/main" val="1550810362"/>
+                  </a:ext>
+                </a:extLst>
+              </a:tr>
+              <a:tr h="279815">
+                <a:tc>
+                  <a:txBody>
+                    <a:bodyPr/>
+                    <a:lstStyle/>
+                    <a:p>
+                      <a:r>
+                        <a:rPr lang="en-US" dirty="0"/>
+                        <a:t>2</a:t>
+                      </a:r>
+                    </a:p>
+                  </a:txBody>
+                  <a:tcPr/>
+                </a:tc>
+                <a:tc>
+                  <a:txBody>
+                    <a:bodyPr/>
+                    <a:lstStyle/>
+                    <a:p>
+                      <a:r>
+                        <a:rPr lang="en-US" dirty="0"/>
+                        <a:t>1</a:t>
+                      </a:r>
+                    </a:p>
+                  </a:txBody>
+                  <a:tcPr/>
+                </a:tc>
+                <a:tc>
+                  <a:txBody>
+                    <a:bodyPr/>
+                    <a:lstStyle/>
+                    <a:p>
+                      <a:r>
+                        <a:rPr lang="en-US" dirty="0"/>
+                        <a:t>YZX</a:t>
+                      </a:r>
+                    </a:p>
+                  </a:txBody>
+                  <a:tcPr/>
+                </a:tc>
+                <a:extLst>
+                  <a:ext uri="{0D108BD9-81ED-4DB2-BD59-A6C34878D82A}">
+                    <a16:rowId xmlns:a16="http://schemas.microsoft.com/office/drawing/2014/main" val="2787774613"/>
+                  </a:ext>
+                </a:extLst>
+              </a:tr>
+              <a:tr h="279815">
+                <a:tc>
+                  <a:txBody>
+                    <a:bodyPr/>
+                    <a:lstStyle/>
+                    <a:p>
+                      <a:r>
+                        <a:rPr lang="en-US" dirty="0"/>
+                        <a:t>3</a:t>
+                      </a:r>
+                    </a:p>
+                  </a:txBody>
+                  <a:tcPr/>
+                </a:tc>
+                <a:tc>
+                  <a:txBody>
+                    <a:bodyPr/>
+                    <a:lstStyle/>
+                    <a:p>
+                      <a:r>
+                        <a:rPr lang="en-US" dirty="0"/>
+                        <a:t>2</a:t>
+                      </a:r>
+                    </a:p>
+                  </a:txBody>
+                  <a:tcPr/>
+                </a:tc>
+                <a:tc>
+                  <a:txBody>
+                    <a:bodyPr/>
+                    <a:lstStyle/>
+                    <a:p>
+                      <a:r>
+                        <a:rPr lang="en-US" dirty="0"/>
+                        <a:t>ZXY</a:t>
+                      </a:r>
+                    </a:p>
+                  </a:txBody>
+                  <a:tcPr/>
+                </a:tc>
+                <a:extLst>
+                  <a:ext uri="{0D108BD9-81ED-4DB2-BD59-A6C34878D82A}">
+                    <a16:rowId xmlns:a16="http://schemas.microsoft.com/office/drawing/2014/main" val="1825120445"/>
+                  </a:ext>
+                </a:extLst>
+              </a:tr>
+              <a:tr h="279815">
+                <a:tc>
+                  <a:txBody>
+                    <a:bodyPr/>
+                    <a:lstStyle/>
+                    <a:p>
+                      <a:r>
+                        <a:rPr lang="en-US" dirty="0"/>
+                        <a:t>4</a:t>
+                      </a:r>
+                    </a:p>
+                  </a:txBody>
+                  <a:tcPr/>
+                </a:tc>
+                <a:tc>
+                  <a:txBody>
+                    <a:bodyPr/>
+                    <a:lstStyle/>
+                    <a:p>
+                      <a:r>
+                        <a:rPr lang="en-US" dirty="0"/>
+                        <a:t>3</a:t>
+                      </a:r>
+                    </a:p>
+                  </a:txBody>
+                  <a:tcPr/>
+                </a:tc>
+                <a:tc>
+                  <a:txBody>
+                    <a:bodyPr/>
+                    <a:lstStyle/>
+                    <a:p>
+                      <a:r>
+                        <a:rPr lang="en-US" dirty="0"/>
+                        <a:t>AQR</a:t>
+                      </a:r>
+                    </a:p>
+                  </a:txBody>
+                  <a:tcPr/>
+                </a:tc>
+                <a:extLst>
+                  <a:ext uri="{0D108BD9-81ED-4DB2-BD59-A6C34878D82A}">
+                    <a16:rowId xmlns:a16="http://schemas.microsoft.com/office/drawing/2014/main" val="967950687"/>
+                  </a:ext>
+                </a:extLst>
+              </a:tr>
+              <a:tr h="279815">
+                <a:tc>
+                  <a:txBody>
+                    <a:bodyPr/>
+                    <a:lstStyle/>
+                    <a:p>
+                      <a:r>
+                        <a:rPr lang="en-US" dirty="0"/>
+                        <a:t>5</a:t>
+                      </a:r>
+                    </a:p>
+                  </a:txBody>
+                  <a:tcPr/>
+                </a:tc>
+                <a:tc>
+                  <a:txBody>
+                    <a:bodyPr/>
+                    <a:lstStyle/>
+                    <a:p>
+                      <a:r>
+                        <a:rPr lang="en-US" dirty="0"/>
+                        <a:t>4</a:t>
+                      </a:r>
+                    </a:p>
+                  </a:txBody>
+                  <a:tcPr/>
+                </a:tc>
+                <a:tc>
+                  <a:txBody>
+                    <a:bodyPr/>
+                    <a:lstStyle/>
+                    <a:p>
+                      <a:r>
+                        <a:rPr lang="en-US" dirty="0"/>
+                        <a:t>TRY</a:t>
+                      </a:r>
+                    </a:p>
+                  </a:txBody>
+                  <a:tcPr/>
+                </a:tc>
+                <a:extLst>
+                  <a:ext uri="{0D108BD9-81ED-4DB2-BD59-A6C34878D82A}">
+                    <a16:rowId xmlns:a16="http://schemas.microsoft.com/office/drawing/2014/main" val="615111260"/>
+                  </a:ext>
+                </a:extLst>
+              </a:tr>
+            </a:tbl>
+          </a:graphicData>
+        </a:graphic>
+      </p:graphicFrame>
     </p:spTree>
     <p:extLst>
       <p:ext uri="{BB962C8B-B14F-4D97-AF65-F5344CB8AC3E}">
@@ -9246,6 +10475,236 @@
           </a:p>
         </p:txBody>
       </p:sp>
+      <p:pic>
+        <p:nvPicPr>
+          <p:cNvPr id="4" name="Graphic 3" descr="Tugboat">
+            <a:extLst>
+              <a:ext uri="{FF2B5EF4-FFF2-40B4-BE49-F238E27FC236}">
+                <a16:creationId xmlns:a16="http://schemas.microsoft.com/office/drawing/2014/main" id="{AD38E66F-AED8-4418-BC22-9E405D08FD28}"/>
+              </a:ext>
+            </a:extLst>
+          </p:cNvPr>
+          <p:cNvPicPr>
+            <a:picLocks noChangeAspect="1"/>
+          </p:cNvPicPr>
+          <p:nvPr/>
+        </p:nvPicPr>
+        <p:blipFill>
+          <a:blip r:embed="rId3">
+            <a:extLst>
+              <a:ext uri="{28A0092B-C50C-407E-A947-70E740481C1C}">
+                <a14:useLocalDpi xmlns:a14="http://schemas.microsoft.com/office/drawing/2010/main" val="0"/>
+              </a:ext>
+              <a:ext uri="{96DAC541-7B7A-43D3-8B79-37D633B846F1}">
+                <asvg:svgBlip xmlns:asvg="http://schemas.microsoft.com/office/drawing/2016/SVG/main" r:embed="rId4"/>
+              </a:ext>
+            </a:extLst>
+          </a:blip>
+          <a:stretch>
+            <a:fillRect/>
+          </a:stretch>
+        </p:blipFill>
+        <p:spPr>
+          <a:xfrm>
+            <a:off x="6359563" y="3406588"/>
+            <a:ext cx="914400" cy="914400"/>
+          </a:xfrm>
+          <a:prstGeom prst="rect">
+            <a:avLst/>
+          </a:prstGeom>
+          <a:effectLst>
+            <a:outerShdw blurRad="50800" dist="38100" dir="2700000" algn="tl" rotWithShape="0">
+              <a:prstClr val="black">
+                <a:alpha val="40000"/>
+              </a:prstClr>
+            </a:outerShdw>
+          </a:effectLst>
+        </p:spPr>
+      </p:pic>
+      <p:pic>
+        <p:nvPicPr>
+          <p:cNvPr id="5" name="Graphic 4" descr="Tugboat">
+            <a:extLst>
+              <a:ext uri="{FF2B5EF4-FFF2-40B4-BE49-F238E27FC236}">
+                <a16:creationId xmlns:a16="http://schemas.microsoft.com/office/drawing/2014/main" id="{2017594F-F180-4D50-B66D-45911630EB65}"/>
+              </a:ext>
+            </a:extLst>
+          </p:cNvPr>
+          <p:cNvPicPr>
+            <a:picLocks noChangeAspect="1"/>
+          </p:cNvPicPr>
+          <p:nvPr/>
+        </p:nvPicPr>
+        <p:blipFill>
+          <a:blip r:embed="rId3">
+            <a:extLst>
+              <a:ext uri="{28A0092B-C50C-407E-A947-70E740481C1C}">
+                <a14:useLocalDpi xmlns:a14="http://schemas.microsoft.com/office/drawing/2010/main" val="0"/>
+              </a:ext>
+              <a:ext uri="{96DAC541-7B7A-43D3-8B79-37D633B846F1}">
+                <asvg:svgBlip xmlns:asvg="http://schemas.microsoft.com/office/drawing/2016/SVG/main" r:embed="rId4"/>
+              </a:ext>
+            </a:extLst>
+          </a:blip>
+          <a:stretch>
+            <a:fillRect/>
+          </a:stretch>
+        </p:blipFill>
+        <p:spPr>
+          <a:xfrm>
+            <a:off x="1939962" y="4458148"/>
+            <a:ext cx="914400" cy="914400"/>
+          </a:xfrm>
+          <a:prstGeom prst="rect">
+            <a:avLst/>
+          </a:prstGeom>
+          <a:effectLst>
+            <a:outerShdw blurRad="50800" dist="38100" dir="2700000" algn="tl" rotWithShape="0">
+              <a:prstClr val="black">
+                <a:alpha val="40000"/>
+              </a:prstClr>
+            </a:outerShdw>
+          </a:effectLst>
+        </p:spPr>
+      </p:pic>
+      <p:pic>
+        <p:nvPicPr>
+          <p:cNvPr id="6" name="Graphic 5" descr="Tugboat">
+            <a:extLst>
+              <a:ext uri="{FF2B5EF4-FFF2-40B4-BE49-F238E27FC236}">
+                <a16:creationId xmlns:a16="http://schemas.microsoft.com/office/drawing/2014/main" id="{7A142A96-A1DE-4F8D-943B-BBC4DAD375A2}"/>
+              </a:ext>
+            </a:extLst>
+          </p:cNvPr>
+          <p:cNvPicPr>
+            <a:picLocks noChangeAspect="1"/>
+          </p:cNvPicPr>
+          <p:nvPr/>
+        </p:nvPicPr>
+        <p:blipFill>
+          <a:blip r:embed="rId3">
+            <a:extLst>
+              <a:ext uri="{28A0092B-C50C-407E-A947-70E740481C1C}">
+                <a14:useLocalDpi xmlns:a14="http://schemas.microsoft.com/office/drawing/2010/main" val="0"/>
+              </a:ext>
+              <a:ext uri="{96DAC541-7B7A-43D3-8B79-37D633B846F1}">
+                <asvg:svgBlip xmlns:asvg="http://schemas.microsoft.com/office/drawing/2016/SVG/main" r:embed="rId4"/>
+              </a:ext>
+            </a:extLst>
+          </a:blip>
+          <a:stretch>
+            <a:fillRect/>
+          </a:stretch>
+        </p:blipFill>
+        <p:spPr>
+          <a:xfrm>
+            <a:off x="7426362" y="5254215"/>
+            <a:ext cx="914400" cy="914400"/>
+          </a:xfrm>
+          <a:prstGeom prst="rect">
+            <a:avLst/>
+          </a:prstGeom>
+          <a:effectLst>
+            <a:outerShdw blurRad="50800" dist="38100" dir="2700000" algn="tl" rotWithShape="0">
+              <a:prstClr val="black">
+                <a:alpha val="40000"/>
+              </a:prstClr>
+            </a:outerShdw>
+          </a:effectLst>
+        </p:spPr>
+      </p:pic>
+      <p:pic>
+        <p:nvPicPr>
+          <p:cNvPr id="7" name="Graphic 6" descr="Tugboat">
+            <a:extLst>
+              <a:ext uri="{FF2B5EF4-FFF2-40B4-BE49-F238E27FC236}">
+                <a16:creationId xmlns:a16="http://schemas.microsoft.com/office/drawing/2014/main" id="{EEC0E685-D332-49EF-A675-BC725B1BE715}"/>
+              </a:ext>
+            </a:extLst>
+          </p:cNvPr>
+          <p:cNvPicPr>
+            <a:picLocks noChangeAspect="1"/>
+          </p:cNvPicPr>
+          <p:nvPr/>
+        </p:nvPicPr>
+        <p:blipFill>
+          <a:blip r:embed="rId3">
+            <a:extLst>
+              <a:ext uri="{28A0092B-C50C-407E-A947-70E740481C1C}">
+                <a14:useLocalDpi xmlns:a14="http://schemas.microsoft.com/office/drawing/2010/main" val="0"/>
+              </a:ext>
+              <a:ext uri="{96DAC541-7B7A-43D3-8B79-37D633B846F1}">
+                <asvg:svgBlip xmlns:asvg="http://schemas.microsoft.com/office/drawing/2016/SVG/main" r:embed="rId4"/>
+              </a:ext>
+            </a:extLst>
+          </a:blip>
+          <a:stretch>
+            <a:fillRect/>
+          </a:stretch>
+        </p:blipFill>
+        <p:spPr>
+          <a:xfrm>
+            <a:off x="9104556" y="2025548"/>
+            <a:ext cx="914400" cy="914400"/>
+          </a:xfrm>
+          <a:prstGeom prst="rect">
+            <a:avLst/>
+          </a:prstGeom>
+          <a:effectLst>
+            <a:outerShdw blurRad="50800" dist="38100" dir="2700000" algn="tl" rotWithShape="0">
+              <a:prstClr val="black">
+                <a:alpha val="40000"/>
+              </a:prstClr>
+            </a:outerShdw>
+          </a:effectLst>
+        </p:spPr>
+      </p:pic>
+      <p:pic>
+        <p:nvPicPr>
+          <p:cNvPr id="8" name="Graphic 7" descr="Tugboat">
+            <a:extLst>
+              <a:ext uri="{FF2B5EF4-FFF2-40B4-BE49-F238E27FC236}">
+                <a16:creationId xmlns:a16="http://schemas.microsoft.com/office/drawing/2014/main" id="{2D93EDA7-7063-43BB-97CB-81726A4B0680}"/>
+              </a:ext>
+            </a:extLst>
+          </p:cNvPr>
+          <p:cNvPicPr>
+            <a:picLocks noChangeAspect="1"/>
+          </p:cNvPicPr>
+          <p:nvPr/>
+        </p:nvPicPr>
+        <p:blipFill>
+          <a:blip r:embed="rId3">
+            <a:extLst>
+              <a:ext uri="{28A0092B-C50C-407E-A947-70E740481C1C}">
+                <a14:useLocalDpi xmlns:a14="http://schemas.microsoft.com/office/drawing/2010/main" val="0"/>
+              </a:ext>
+              <a:ext uri="{96DAC541-7B7A-43D3-8B79-37D633B846F1}">
+                <asvg:svgBlip xmlns:asvg="http://schemas.microsoft.com/office/drawing/2016/SVG/main" r:embed="rId4"/>
+              </a:ext>
+            </a:extLst>
+          </a:blip>
+          <a:stretch>
+            <a:fillRect/>
+          </a:stretch>
+        </p:blipFill>
+        <p:spPr>
+          <a:xfrm>
+            <a:off x="3426311" y="1939487"/>
+            <a:ext cx="914400" cy="914400"/>
+          </a:xfrm>
+          <a:prstGeom prst="rect">
+            <a:avLst/>
+          </a:prstGeom>
+          <a:effectLst>
+            <a:outerShdw blurRad="50800" dist="38100" dir="2700000" algn="tl" rotWithShape="0">
+              <a:prstClr val="black">
+                <a:alpha val="40000"/>
+              </a:prstClr>
+            </a:outerShdw>
+          </a:effectLst>
+        </p:spPr>
+      </p:pic>
     </p:spTree>
     <p:extLst>
       <p:ext uri="{BB962C8B-B14F-4D97-AF65-F5344CB8AC3E}">
@@ -9372,6 +10831,371 @@
           </a:p>
         </p:txBody>
       </p:sp>
+      <p:pic>
+        <p:nvPicPr>
+          <p:cNvPr id="1026" name="Picture 2">
+            <a:extLst>
+              <a:ext uri="{FF2B5EF4-FFF2-40B4-BE49-F238E27FC236}">
+                <a16:creationId xmlns:a16="http://schemas.microsoft.com/office/drawing/2014/main" id="{182FF8D4-43FE-491C-83D7-9B50A30B94D7}"/>
+              </a:ext>
+            </a:extLst>
+          </p:cNvPr>
+          <p:cNvPicPr>
+            <a:picLocks noChangeAspect="1" noChangeArrowheads="1"/>
+          </p:cNvPicPr>
+          <p:nvPr/>
+        </p:nvPicPr>
+        <p:blipFill>
+          <a:blip r:embed="rId3">
+            <a:extLst>
+              <a:ext uri="{28A0092B-C50C-407E-A947-70E740481C1C}">
+                <a14:useLocalDpi xmlns:a14="http://schemas.microsoft.com/office/drawing/2010/main" val="0"/>
+              </a:ext>
+            </a:extLst>
+          </a:blip>
+          <a:srcRect/>
+          <a:stretch>
+            <a:fillRect/>
+          </a:stretch>
+        </p:blipFill>
+        <p:spPr bwMode="auto">
+          <a:xfrm>
+            <a:off x="6597701" y="-2690582"/>
+            <a:ext cx="4311666" cy="9548582"/>
+          </a:xfrm>
+          <a:prstGeom prst="rect">
+            <a:avLst/>
+          </a:prstGeom>
+          <a:noFill/>
+          <a:extLst>
+            <a:ext uri="{909E8E84-426E-40DD-AFC4-6F175D3DCCD1}">
+              <a14:hiddenFill xmlns:a14="http://schemas.microsoft.com/office/drawing/2010/main">
+                <a:solidFill>
+                  <a:srgbClr val="FFFFFF"/>
+                </a:solidFill>
+              </a14:hiddenFill>
+            </a:ext>
+          </a:extLst>
+        </p:spPr>
+      </p:pic>
+      <p:pic>
+        <p:nvPicPr>
+          <p:cNvPr id="11" name="Graphic 10" descr="Database">
+            <a:extLst>
+              <a:ext uri="{FF2B5EF4-FFF2-40B4-BE49-F238E27FC236}">
+                <a16:creationId xmlns:a16="http://schemas.microsoft.com/office/drawing/2014/main" id="{BB3CBB88-12F1-4D10-8783-5475B90BF432}"/>
+              </a:ext>
+            </a:extLst>
+          </p:cNvPr>
+          <p:cNvPicPr>
+            <a:picLocks noChangeAspect="1"/>
+          </p:cNvPicPr>
+          <p:nvPr/>
+        </p:nvPicPr>
+        <p:blipFill>
+          <a:blip r:embed="rId4">
+            <a:extLst>
+              <a:ext uri="{28A0092B-C50C-407E-A947-70E740481C1C}">
+                <a14:useLocalDpi xmlns:a14="http://schemas.microsoft.com/office/drawing/2010/main" val="0"/>
+              </a:ext>
+              <a:ext uri="{96DAC541-7B7A-43D3-8B79-37D633B846F1}">
+                <asvg:svgBlip xmlns:asvg="http://schemas.microsoft.com/office/drawing/2016/SVG/main" r:embed="rId5"/>
+              </a:ext>
+            </a:extLst>
+          </a:blip>
+          <a:stretch>
+            <a:fillRect/>
+          </a:stretch>
+        </p:blipFill>
+        <p:spPr>
+          <a:xfrm>
+            <a:off x="9633285" y="3145055"/>
+            <a:ext cx="914400" cy="914400"/>
+          </a:xfrm>
+          <a:prstGeom prst="rect">
+            <a:avLst/>
+          </a:prstGeom>
+        </p:spPr>
+      </p:pic>
+      <p:pic>
+        <p:nvPicPr>
+          <p:cNvPr id="13" name="Graphic 12" descr="Tugboat">
+            <a:extLst>
+              <a:ext uri="{FF2B5EF4-FFF2-40B4-BE49-F238E27FC236}">
+                <a16:creationId xmlns:a16="http://schemas.microsoft.com/office/drawing/2014/main" id="{214632E2-ED14-44E1-90F7-81B305D9B83E}"/>
+              </a:ext>
+            </a:extLst>
+          </p:cNvPr>
+          <p:cNvPicPr>
+            <a:picLocks noChangeAspect="1"/>
+          </p:cNvPicPr>
+          <p:nvPr/>
+        </p:nvPicPr>
+        <p:blipFill>
+          <a:blip r:embed="rId6">
+            <a:extLst>
+              <a:ext uri="{28A0092B-C50C-407E-A947-70E740481C1C}">
+                <a14:useLocalDpi xmlns:a14="http://schemas.microsoft.com/office/drawing/2010/main" val="0"/>
+              </a:ext>
+              <a:ext uri="{96DAC541-7B7A-43D3-8B79-37D633B846F1}">
+                <asvg:svgBlip xmlns:asvg="http://schemas.microsoft.com/office/drawing/2016/SVG/main" r:embed="rId7"/>
+              </a:ext>
+            </a:extLst>
+          </a:blip>
+          <a:stretch>
+            <a:fillRect/>
+          </a:stretch>
+        </p:blipFill>
+        <p:spPr>
+          <a:xfrm>
+            <a:off x="1164375" y="2083709"/>
+            <a:ext cx="914400" cy="914400"/>
+          </a:xfrm>
+          <a:prstGeom prst="rect">
+            <a:avLst/>
+          </a:prstGeom>
+          <a:effectLst>
+            <a:outerShdw blurRad="50800" dist="38100" dir="2700000" algn="tl" rotWithShape="0">
+              <a:prstClr val="black">
+                <a:alpha val="40000"/>
+              </a:prstClr>
+            </a:outerShdw>
+          </a:effectLst>
+        </p:spPr>
+      </p:pic>
+      <p:pic>
+        <p:nvPicPr>
+          <p:cNvPr id="14" name="Graphic 13" descr="Tugboat">
+            <a:extLst>
+              <a:ext uri="{FF2B5EF4-FFF2-40B4-BE49-F238E27FC236}">
+                <a16:creationId xmlns:a16="http://schemas.microsoft.com/office/drawing/2014/main" id="{8258E333-ACC7-4296-99E4-A63D958F87B8}"/>
+              </a:ext>
+            </a:extLst>
+          </p:cNvPr>
+          <p:cNvPicPr>
+            <a:picLocks noChangeAspect="1"/>
+          </p:cNvPicPr>
+          <p:nvPr/>
+        </p:nvPicPr>
+        <p:blipFill>
+          <a:blip r:embed="rId6">
+            <a:extLst>
+              <a:ext uri="{28A0092B-C50C-407E-A947-70E740481C1C}">
+                <a14:useLocalDpi xmlns:a14="http://schemas.microsoft.com/office/drawing/2010/main" val="0"/>
+              </a:ext>
+              <a:ext uri="{96DAC541-7B7A-43D3-8B79-37D633B846F1}">
+                <asvg:svgBlip xmlns:asvg="http://schemas.microsoft.com/office/drawing/2016/SVG/main" r:embed="rId7"/>
+              </a:ext>
+            </a:extLst>
+          </a:blip>
+          <a:stretch>
+            <a:fillRect/>
+          </a:stretch>
+        </p:blipFill>
+        <p:spPr>
+          <a:xfrm>
+            <a:off x="2693751" y="3457081"/>
+            <a:ext cx="914400" cy="914400"/>
+          </a:xfrm>
+          <a:prstGeom prst="rect">
+            <a:avLst/>
+          </a:prstGeom>
+          <a:effectLst>
+            <a:outerShdw blurRad="50800" dist="38100" dir="2700000" algn="tl" rotWithShape="0">
+              <a:prstClr val="black">
+                <a:alpha val="40000"/>
+              </a:prstClr>
+            </a:outerShdw>
+          </a:effectLst>
+        </p:spPr>
+      </p:pic>
+      <p:pic>
+        <p:nvPicPr>
+          <p:cNvPr id="15" name="Graphic 14" descr="Tugboat">
+            <a:extLst>
+              <a:ext uri="{FF2B5EF4-FFF2-40B4-BE49-F238E27FC236}">
+                <a16:creationId xmlns:a16="http://schemas.microsoft.com/office/drawing/2014/main" id="{8E18E74A-7D3E-43C3-8E10-B91749FE17B2}"/>
+              </a:ext>
+            </a:extLst>
+          </p:cNvPr>
+          <p:cNvPicPr>
+            <a:picLocks noChangeAspect="1"/>
+          </p:cNvPicPr>
+          <p:nvPr/>
+        </p:nvPicPr>
+        <p:blipFill>
+          <a:blip r:embed="rId6">
+            <a:extLst>
+              <a:ext uri="{28A0092B-C50C-407E-A947-70E740481C1C}">
+                <a14:useLocalDpi xmlns:a14="http://schemas.microsoft.com/office/drawing/2010/main" val="0"/>
+              </a:ext>
+              <a:ext uri="{96DAC541-7B7A-43D3-8B79-37D633B846F1}">
+                <asvg:svgBlip xmlns:asvg="http://schemas.microsoft.com/office/drawing/2016/SVG/main" r:embed="rId7"/>
+              </a:ext>
+            </a:extLst>
+          </a:blip>
+          <a:stretch>
+            <a:fillRect/>
+          </a:stretch>
+        </p:blipFill>
+        <p:spPr>
+          <a:xfrm>
+            <a:off x="4196332" y="1887198"/>
+            <a:ext cx="914400" cy="914400"/>
+          </a:xfrm>
+          <a:prstGeom prst="rect">
+            <a:avLst/>
+          </a:prstGeom>
+          <a:effectLst>
+            <a:outerShdw blurRad="50800" dist="38100" dir="2700000" algn="tl" rotWithShape="0">
+              <a:prstClr val="black">
+                <a:alpha val="40000"/>
+              </a:prstClr>
+            </a:outerShdw>
+          </a:effectLst>
+        </p:spPr>
+      </p:pic>
+      <p:pic>
+        <p:nvPicPr>
+          <p:cNvPr id="16" name="Graphic 15" descr="Tugboat">
+            <a:extLst>
+              <a:ext uri="{FF2B5EF4-FFF2-40B4-BE49-F238E27FC236}">
+                <a16:creationId xmlns:a16="http://schemas.microsoft.com/office/drawing/2014/main" id="{2B6CC890-8E26-4829-BDB0-FDF31315EA69}"/>
+              </a:ext>
+            </a:extLst>
+          </p:cNvPr>
+          <p:cNvPicPr>
+            <a:picLocks noChangeAspect="1"/>
+          </p:cNvPicPr>
+          <p:nvPr/>
+        </p:nvPicPr>
+        <p:blipFill>
+          <a:blip r:embed="rId6">
+            <a:extLst>
+              <a:ext uri="{28A0092B-C50C-407E-A947-70E740481C1C}">
+                <a14:useLocalDpi xmlns:a14="http://schemas.microsoft.com/office/drawing/2010/main" val="0"/>
+              </a:ext>
+              <a:ext uri="{96DAC541-7B7A-43D3-8B79-37D633B846F1}">
+                <asvg:svgBlip xmlns:asvg="http://schemas.microsoft.com/office/drawing/2016/SVG/main" r:embed="rId7"/>
+              </a:ext>
+            </a:extLst>
+          </a:blip>
+          <a:stretch>
+            <a:fillRect/>
+          </a:stretch>
+        </p:blipFill>
+        <p:spPr>
+          <a:xfrm>
+            <a:off x="4489903" y="5221702"/>
+            <a:ext cx="914400" cy="914400"/>
+          </a:xfrm>
+          <a:prstGeom prst="rect">
+            <a:avLst/>
+          </a:prstGeom>
+          <a:effectLst>
+            <a:outerShdw blurRad="50800" dist="38100" dir="2700000" algn="tl" rotWithShape="0">
+              <a:prstClr val="black">
+                <a:alpha val="40000"/>
+              </a:prstClr>
+            </a:outerShdw>
+          </a:effectLst>
+        </p:spPr>
+      </p:pic>
+      <p:pic>
+        <p:nvPicPr>
+          <p:cNvPr id="17" name="Graphic 16" descr="Tugboat">
+            <a:extLst>
+              <a:ext uri="{FF2B5EF4-FFF2-40B4-BE49-F238E27FC236}">
+                <a16:creationId xmlns:a16="http://schemas.microsoft.com/office/drawing/2014/main" id="{F6BC952E-BB46-4912-BA51-CF022223D1D1}"/>
+              </a:ext>
+            </a:extLst>
+          </p:cNvPr>
+          <p:cNvPicPr>
+            <a:picLocks noChangeAspect="1"/>
+          </p:cNvPicPr>
+          <p:nvPr/>
+        </p:nvPicPr>
+        <p:blipFill>
+          <a:blip r:embed="rId6">
+            <a:extLst>
+              <a:ext uri="{28A0092B-C50C-407E-A947-70E740481C1C}">
+                <a14:useLocalDpi xmlns:a14="http://schemas.microsoft.com/office/drawing/2010/main" val="0"/>
+              </a:ext>
+              <a:ext uri="{96DAC541-7B7A-43D3-8B79-37D633B846F1}">
+                <asvg:svgBlip xmlns:asvg="http://schemas.microsoft.com/office/drawing/2016/SVG/main" r:embed="rId7"/>
+              </a:ext>
+            </a:extLst>
+          </a:blip>
+          <a:stretch>
+            <a:fillRect/>
+          </a:stretch>
+        </p:blipFill>
+        <p:spPr>
+          <a:xfrm>
+            <a:off x="1126134" y="5058073"/>
+            <a:ext cx="914400" cy="914400"/>
+          </a:xfrm>
+          <a:prstGeom prst="rect">
+            <a:avLst/>
+          </a:prstGeom>
+          <a:effectLst>
+            <a:outerShdw blurRad="50800" dist="38100" dir="2700000" algn="tl" rotWithShape="0">
+              <a:prstClr val="black">
+                <a:alpha val="40000"/>
+              </a:prstClr>
+            </a:outerShdw>
+          </a:effectLst>
+        </p:spPr>
+      </p:pic>
+      <p:sp>
+        <p:nvSpPr>
+          <p:cNvPr id="12" name="Arrow: Left-Right 11">
+            <a:extLst>
+              <a:ext uri="{FF2B5EF4-FFF2-40B4-BE49-F238E27FC236}">
+                <a16:creationId xmlns:a16="http://schemas.microsoft.com/office/drawing/2014/main" id="{1D911013-E519-479D-8AAC-B00628176F39}"/>
+              </a:ext>
+            </a:extLst>
+          </p:cNvPr>
+          <p:cNvSpPr/>
+          <p:nvPr/>
+        </p:nvSpPr>
+        <p:spPr>
+          <a:xfrm>
+            <a:off x="4331368" y="3301465"/>
+            <a:ext cx="5166881" cy="612816"/>
+          </a:xfrm>
+          <a:prstGeom prst="leftRightArrow">
+            <a:avLst/>
+          </a:prstGeom>
+        </p:spPr>
+        <p:style>
+          <a:lnRef idx="2">
+            <a:schemeClr val="accent1">
+              <a:shade val="50000"/>
+            </a:schemeClr>
+          </a:lnRef>
+          <a:fillRef idx="1">
+            <a:schemeClr val="accent1"/>
+          </a:fillRef>
+          <a:effectRef idx="0">
+            <a:schemeClr val="accent1"/>
+          </a:effectRef>
+          <a:fontRef idx="minor">
+            <a:schemeClr val="lt1"/>
+          </a:fontRef>
+        </p:style>
+        <p:txBody>
+          <a:bodyPr rtlCol="0" anchor="ctr"/>
+          <a:lstStyle/>
+          <a:p>
+            <a:pPr algn="ctr"/>
+            <a:r>
+              <a:rPr lang="en-US" dirty="0"/>
+              <a:t>Sync</a:t>
+            </a:r>
+          </a:p>
+        </p:txBody>
+      </p:sp>
     </p:spTree>
     <p:extLst>
       <p:ext uri="{BB962C8B-B14F-4D97-AF65-F5344CB8AC3E}">
@@ -9430,10 +11254,2567 @@
           </a:p>
         </p:txBody>
       </p:sp>
+      <p:pic>
+        <p:nvPicPr>
+          <p:cNvPr id="3" name="Picture 2">
+            <a:extLst>
+              <a:ext uri="{FF2B5EF4-FFF2-40B4-BE49-F238E27FC236}">
+                <a16:creationId xmlns:a16="http://schemas.microsoft.com/office/drawing/2014/main" id="{09D9D5A3-1CB7-4959-83BB-15C8AE5C3C8F}"/>
+              </a:ext>
+            </a:extLst>
+          </p:cNvPr>
+          <p:cNvPicPr>
+            <a:picLocks noChangeAspect="1" noChangeArrowheads="1"/>
+          </p:cNvPicPr>
+          <p:nvPr/>
+        </p:nvPicPr>
+        <p:blipFill>
+          <a:blip r:embed="rId3">
+            <a:extLst>
+              <a:ext uri="{28A0092B-C50C-407E-A947-70E740481C1C}">
+                <a14:useLocalDpi xmlns:a14="http://schemas.microsoft.com/office/drawing/2010/main" val="0"/>
+              </a:ext>
+            </a:extLst>
+          </a:blip>
+          <a:srcRect/>
+          <a:stretch>
+            <a:fillRect/>
+          </a:stretch>
+        </p:blipFill>
+        <p:spPr bwMode="auto">
+          <a:xfrm>
+            <a:off x="6597701" y="-2690582"/>
+            <a:ext cx="4311666" cy="9548582"/>
+          </a:xfrm>
+          <a:prstGeom prst="rect">
+            <a:avLst/>
+          </a:prstGeom>
+          <a:noFill/>
+          <a:extLst>
+            <a:ext uri="{909E8E84-426E-40DD-AFC4-6F175D3DCCD1}">
+              <a14:hiddenFill xmlns:a14="http://schemas.microsoft.com/office/drawing/2010/main">
+                <a:solidFill>
+                  <a:srgbClr val="FFFFFF"/>
+                </a:solidFill>
+              </a14:hiddenFill>
+            </a:ext>
+          </a:extLst>
+        </p:spPr>
+      </p:pic>
+      <p:pic>
+        <p:nvPicPr>
+          <p:cNvPr id="4" name="Graphic 3" descr="Database">
+            <a:extLst>
+              <a:ext uri="{FF2B5EF4-FFF2-40B4-BE49-F238E27FC236}">
+                <a16:creationId xmlns:a16="http://schemas.microsoft.com/office/drawing/2014/main" id="{226C4225-70BF-4173-8ABC-1BB32BA84AC6}"/>
+              </a:ext>
+            </a:extLst>
+          </p:cNvPr>
+          <p:cNvPicPr>
+            <a:picLocks noChangeAspect="1"/>
+          </p:cNvPicPr>
+          <p:nvPr/>
+        </p:nvPicPr>
+        <p:blipFill>
+          <a:blip r:embed="rId4">
+            <a:extLst>
+              <a:ext uri="{28A0092B-C50C-407E-A947-70E740481C1C}">
+                <a14:useLocalDpi xmlns:a14="http://schemas.microsoft.com/office/drawing/2010/main" val="0"/>
+              </a:ext>
+              <a:ext uri="{96DAC541-7B7A-43D3-8B79-37D633B846F1}">
+                <asvg:svgBlip xmlns:asvg="http://schemas.microsoft.com/office/drawing/2016/SVG/main" r:embed="rId5"/>
+              </a:ext>
+            </a:extLst>
+          </a:blip>
+          <a:stretch>
+            <a:fillRect/>
+          </a:stretch>
+        </p:blipFill>
+        <p:spPr>
+          <a:xfrm>
+            <a:off x="9633285" y="3145055"/>
+            <a:ext cx="914400" cy="914400"/>
+          </a:xfrm>
+          <a:prstGeom prst="rect">
+            <a:avLst/>
+          </a:prstGeom>
+        </p:spPr>
+      </p:pic>
+      <p:pic>
+        <p:nvPicPr>
+          <p:cNvPr id="5" name="Graphic 4" descr="Tugboat">
+            <a:extLst>
+              <a:ext uri="{FF2B5EF4-FFF2-40B4-BE49-F238E27FC236}">
+                <a16:creationId xmlns:a16="http://schemas.microsoft.com/office/drawing/2014/main" id="{996F061D-32EE-4B8B-A9F0-413743CB8366}"/>
+              </a:ext>
+            </a:extLst>
+          </p:cNvPr>
+          <p:cNvPicPr>
+            <a:picLocks noChangeAspect="1"/>
+          </p:cNvPicPr>
+          <p:nvPr/>
+        </p:nvPicPr>
+        <p:blipFill>
+          <a:blip r:embed="rId6">
+            <a:extLst>
+              <a:ext uri="{28A0092B-C50C-407E-A947-70E740481C1C}">
+                <a14:useLocalDpi xmlns:a14="http://schemas.microsoft.com/office/drawing/2010/main" val="0"/>
+              </a:ext>
+              <a:ext uri="{96DAC541-7B7A-43D3-8B79-37D633B846F1}">
+                <asvg:svgBlip xmlns:asvg="http://schemas.microsoft.com/office/drawing/2016/SVG/main" r:embed="rId7"/>
+              </a:ext>
+            </a:extLst>
+          </a:blip>
+          <a:stretch>
+            <a:fillRect/>
+          </a:stretch>
+        </p:blipFill>
+        <p:spPr>
+          <a:xfrm>
+            <a:off x="2693751" y="3457081"/>
+            <a:ext cx="914400" cy="914400"/>
+          </a:xfrm>
+          <a:prstGeom prst="rect">
+            <a:avLst/>
+          </a:prstGeom>
+          <a:effectLst>
+            <a:outerShdw blurRad="50800" dist="38100" dir="2700000" algn="tl" rotWithShape="0">
+              <a:prstClr val="black">
+                <a:alpha val="40000"/>
+              </a:prstClr>
+            </a:outerShdw>
+          </a:effectLst>
+        </p:spPr>
+      </p:pic>
+      <p:graphicFrame>
+        <p:nvGraphicFramePr>
+          <p:cNvPr id="6" name="Table 3">
+            <a:extLst>
+              <a:ext uri="{FF2B5EF4-FFF2-40B4-BE49-F238E27FC236}">
+                <a16:creationId xmlns:a16="http://schemas.microsoft.com/office/drawing/2014/main" id="{15C8F909-65B4-423E-9228-3FBF13D60F87}"/>
+              </a:ext>
+            </a:extLst>
+          </p:cNvPr>
+          <p:cNvGraphicFramePr>
+            <a:graphicFrameLocks noGrp="1"/>
+          </p:cNvGraphicFramePr>
+          <p:nvPr>
+            <p:extLst>
+              <p:ext uri="{D42A27DB-BD31-4B8C-83A1-F6EECF244321}">
+                <p14:modId xmlns:p14="http://schemas.microsoft.com/office/powerpoint/2010/main" val="3892997761"/>
+              </p:ext>
+            </p:extLst>
+          </p:nvPr>
+        </p:nvGraphicFramePr>
+        <p:xfrm>
+          <a:off x="549142" y="4462347"/>
+          <a:ext cx="5440980" cy="2194560"/>
+        </p:xfrm>
+        <a:graphic>
+          <a:graphicData uri="http://schemas.openxmlformats.org/drawingml/2006/table">
+            <a:tbl>
+              <a:tblPr firstRow="1" bandRow="1">
+                <a:tableStyleId>{5C22544A-7EE6-4342-B048-85BDC9FD1C3A}</a:tableStyleId>
+              </a:tblPr>
+              <a:tblGrid>
+                <a:gridCol w="1813660">
+                  <a:extLst>
+                    <a:ext uri="{9D8B030D-6E8A-4147-A177-3AD203B41FA5}">
+                      <a16:colId xmlns:a16="http://schemas.microsoft.com/office/drawing/2014/main" val="188685320"/>
+                    </a:ext>
+                  </a:extLst>
+                </a:gridCol>
+                <a:gridCol w="1813660">
+                  <a:extLst>
+                    <a:ext uri="{9D8B030D-6E8A-4147-A177-3AD203B41FA5}">
+                      <a16:colId xmlns:a16="http://schemas.microsoft.com/office/drawing/2014/main" val="2216059015"/>
+                    </a:ext>
+                  </a:extLst>
+                </a:gridCol>
+                <a:gridCol w="1813660">
+                  <a:extLst>
+                    <a:ext uri="{9D8B030D-6E8A-4147-A177-3AD203B41FA5}">
+                      <a16:colId xmlns:a16="http://schemas.microsoft.com/office/drawing/2014/main" val="1910021152"/>
+                    </a:ext>
+                  </a:extLst>
+                </a:gridCol>
+              </a:tblGrid>
+              <a:tr h="255793">
+                <a:tc>
+                  <a:txBody>
+                    <a:bodyPr/>
+                    <a:lstStyle/>
+                    <a:p>
+                      <a:r>
+                        <a:rPr lang="en-US" dirty="0"/>
+                        <a:t>Id</a:t>
+                      </a:r>
+                    </a:p>
+                  </a:txBody>
+                  <a:tcPr/>
+                </a:tc>
+                <a:tc>
+                  <a:txBody>
+                    <a:bodyPr/>
+                    <a:lstStyle/>
+                    <a:p>
+                      <a:r>
+                        <a:rPr lang="en-US" dirty="0"/>
+                        <a:t>Column</a:t>
+                      </a:r>
+                    </a:p>
+                  </a:txBody>
+                  <a:tcPr/>
+                </a:tc>
+                <a:tc>
+                  <a:txBody>
+                    <a:bodyPr/>
+                    <a:lstStyle/>
+                    <a:p>
+                      <a:r>
+                        <a:rPr lang="en-US" dirty="0"/>
+                        <a:t>Column</a:t>
+                      </a:r>
+                    </a:p>
+                  </a:txBody>
+                  <a:tcPr/>
+                </a:tc>
+                <a:extLst>
+                  <a:ext uri="{0D108BD9-81ED-4DB2-BD59-A6C34878D82A}">
+                    <a16:rowId xmlns:a16="http://schemas.microsoft.com/office/drawing/2014/main" val="3986786355"/>
+                  </a:ext>
+                </a:extLst>
+              </a:tr>
+              <a:tr h="255793">
+                <a:tc>
+                  <a:txBody>
+                    <a:bodyPr/>
+                    <a:lstStyle/>
+                    <a:p>
+                      <a:r>
+                        <a:rPr lang="en-US" dirty="0"/>
+                        <a:t>1</a:t>
+                      </a:r>
+                    </a:p>
+                  </a:txBody>
+                  <a:tcPr/>
+                </a:tc>
+                <a:tc>
+                  <a:txBody>
+                    <a:bodyPr/>
+                    <a:lstStyle/>
+                    <a:p>
+                      <a:r>
+                        <a:rPr lang="en-US" dirty="0"/>
+                        <a:t>Foo</a:t>
+                      </a:r>
+                    </a:p>
+                  </a:txBody>
+                  <a:tcPr/>
+                </a:tc>
+                <a:tc>
+                  <a:txBody>
+                    <a:bodyPr/>
+                    <a:lstStyle/>
+                    <a:p>
+                      <a:r>
+                        <a:rPr lang="en-US" dirty="0"/>
+                        <a:t>Bar</a:t>
+                      </a:r>
+                    </a:p>
+                  </a:txBody>
+                  <a:tcPr/>
+                </a:tc>
+                <a:extLst>
+                  <a:ext uri="{0D108BD9-81ED-4DB2-BD59-A6C34878D82A}">
+                    <a16:rowId xmlns:a16="http://schemas.microsoft.com/office/drawing/2014/main" val="1260512336"/>
+                  </a:ext>
+                </a:extLst>
+              </a:tr>
+              <a:tr h="255793">
+                <a:tc>
+                  <a:txBody>
+                    <a:bodyPr/>
+                    <a:lstStyle/>
+                    <a:p>
+                      <a:r>
+                        <a:rPr lang="en-US" dirty="0"/>
+                        <a:t>2</a:t>
+                      </a:r>
+                    </a:p>
+                  </a:txBody>
+                  <a:tcPr/>
+                </a:tc>
+                <a:tc>
+                  <a:txBody>
+                    <a:bodyPr/>
+                    <a:lstStyle/>
+                    <a:p>
+                      <a:r>
+                        <a:rPr lang="en-US" dirty="0"/>
+                        <a:t>Bar</a:t>
+                      </a:r>
+                    </a:p>
+                  </a:txBody>
+                  <a:tcPr/>
+                </a:tc>
+                <a:tc>
+                  <a:txBody>
+                    <a:bodyPr/>
+                    <a:lstStyle/>
+                    <a:p>
+                      <a:r>
+                        <a:rPr lang="en-US" dirty="0"/>
+                        <a:t>Foo</a:t>
+                      </a:r>
+                    </a:p>
+                  </a:txBody>
+                  <a:tcPr/>
+                </a:tc>
+                <a:extLst>
+                  <a:ext uri="{0D108BD9-81ED-4DB2-BD59-A6C34878D82A}">
+                    <a16:rowId xmlns:a16="http://schemas.microsoft.com/office/drawing/2014/main" val="2473083762"/>
+                  </a:ext>
+                </a:extLst>
+              </a:tr>
+              <a:tr h="255793">
+                <a:tc>
+                  <a:txBody>
+                    <a:bodyPr/>
+                    <a:lstStyle/>
+                    <a:p>
+                      <a:r>
+                        <a:rPr lang="en-US" dirty="0"/>
+                        <a:t>3</a:t>
+                      </a:r>
+                    </a:p>
+                  </a:txBody>
+                  <a:tcPr/>
+                </a:tc>
+                <a:tc>
+                  <a:txBody>
+                    <a:bodyPr/>
+                    <a:lstStyle/>
+                    <a:p>
+                      <a:r>
+                        <a:rPr lang="en-US" dirty="0"/>
+                        <a:t>Boo</a:t>
+                      </a:r>
+                    </a:p>
+                  </a:txBody>
+                  <a:tcPr/>
+                </a:tc>
+                <a:tc>
+                  <a:txBody>
+                    <a:bodyPr/>
+                    <a:lstStyle/>
+                    <a:p>
+                      <a:r>
+                        <a:rPr lang="en-US" dirty="0"/>
+                        <a:t>Far</a:t>
+                      </a:r>
+                    </a:p>
+                  </a:txBody>
+                  <a:tcPr/>
+                </a:tc>
+                <a:extLst>
+                  <a:ext uri="{0D108BD9-81ED-4DB2-BD59-A6C34878D82A}">
+                    <a16:rowId xmlns:a16="http://schemas.microsoft.com/office/drawing/2014/main" val="2355888422"/>
+                  </a:ext>
+                </a:extLst>
+              </a:tr>
+              <a:tr h="255793">
+                <a:tc>
+                  <a:txBody>
+                    <a:bodyPr/>
+                    <a:lstStyle/>
+                    <a:p>
+                      <a:r>
+                        <a:rPr lang="en-US" dirty="0"/>
+                        <a:t>4</a:t>
+                      </a:r>
+                    </a:p>
+                  </a:txBody>
+                  <a:tcPr/>
+                </a:tc>
+                <a:tc>
+                  <a:txBody>
+                    <a:bodyPr/>
+                    <a:lstStyle/>
+                    <a:p>
+                      <a:r>
+                        <a:rPr lang="en-US" dirty="0"/>
+                        <a:t>Far</a:t>
+                      </a:r>
+                    </a:p>
+                  </a:txBody>
+                  <a:tcPr/>
+                </a:tc>
+                <a:tc>
+                  <a:txBody>
+                    <a:bodyPr/>
+                    <a:lstStyle/>
+                    <a:p>
+                      <a:r>
+                        <a:rPr lang="en-US" dirty="0"/>
+                        <a:t>Boo</a:t>
+                      </a:r>
+                    </a:p>
+                  </a:txBody>
+                  <a:tcPr/>
+                </a:tc>
+                <a:extLst>
+                  <a:ext uri="{0D108BD9-81ED-4DB2-BD59-A6C34878D82A}">
+                    <a16:rowId xmlns:a16="http://schemas.microsoft.com/office/drawing/2014/main" val="3704615067"/>
+                  </a:ext>
+                </a:extLst>
+              </a:tr>
+              <a:tr h="255793">
+                <a:tc>
+                  <a:txBody>
+                    <a:bodyPr/>
+                    <a:lstStyle/>
+                    <a:p>
+                      <a:r>
+                        <a:rPr lang="en-US" dirty="0"/>
+                        <a:t>5</a:t>
+                      </a:r>
+                    </a:p>
+                  </a:txBody>
+                  <a:tcPr/>
+                </a:tc>
+                <a:tc>
+                  <a:txBody>
+                    <a:bodyPr/>
+                    <a:lstStyle/>
+                    <a:p>
+                      <a:r>
+                        <a:rPr lang="en-US" dirty="0"/>
+                        <a:t>Hello</a:t>
+                      </a:r>
+                    </a:p>
+                  </a:txBody>
+                  <a:tcPr/>
+                </a:tc>
+                <a:tc>
+                  <a:txBody>
+                    <a:bodyPr/>
+                    <a:lstStyle/>
+                    <a:p>
+                      <a:r>
+                        <a:rPr lang="en-US" dirty="0"/>
+                        <a:t>World</a:t>
+                      </a:r>
+                    </a:p>
+                  </a:txBody>
+                  <a:tcPr/>
+                </a:tc>
+                <a:extLst>
+                  <a:ext uri="{0D108BD9-81ED-4DB2-BD59-A6C34878D82A}">
+                    <a16:rowId xmlns:a16="http://schemas.microsoft.com/office/drawing/2014/main" val="925531847"/>
+                  </a:ext>
+                </a:extLst>
+              </a:tr>
+            </a:tbl>
+          </a:graphicData>
+        </a:graphic>
+      </p:graphicFrame>
+      <p:graphicFrame>
+        <p:nvGraphicFramePr>
+          <p:cNvPr id="7" name="Table 3">
+            <a:extLst>
+              <a:ext uri="{FF2B5EF4-FFF2-40B4-BE49-F238E27FC236}">
+                <a16:creationId xmlns:a16="http://schemas.microsoft.com/office/drawing/2014/main" id="{79D90135-59ED-4BE6-94F3-093D84B53EEE}"/>
+              </a:ext>
+            </a:extLst>
+          </p:cNvPr>
+          <p:cNvGraphicFramePr>
+            <a:graphicFrameLocks noGrp="1"/>
+          </p:cNvGraphicFramePr>
+          <p:nvPr>
+            <p:extLst>
+              <p:ext uri="{D42A27DB-BD31-4B8C-83A1-F6EECF244321}">
+                <p14:modId xmlns:p14="http://schemas.microsoft.com/office/powerpoint/2010/main" val="2832056899"/>
+              </p:ext>
+            </p:extLst>
+          </p:nvPr>
+        </p:nvGraphicFramePr>
+        <p:xfrm>
+          <a:off x="6401302" y="379325"/>
+          <a:ext cx="5440980" cy="2194560"/>
+        </p:xfrm>
+        <a:graphic>
+          <a:graphicData uri="http://schemas.openxmlformats.org/drawingml/2006/table">
+            <a:tbl>
+              <a:tblPr firstRow="1" bandRow="1">
+                <a:tableStyleId>{5C22544A-7EE6-4342-B048-85BDC9FD1C3A}</a:tableStyleId>
+              </a:tblPr>
+              <a:tblGrid>
+                <a:gridCol w="1813660">
+                  <a:extLst>
+                    <a:ext uri="{9D8B030D-6E8A-4147-A177-3AD203B41FA5}">
+                      <a16:colId xmlns:a16="http://schemas.microsoft.com/office/drawing/2014/main" val="188685320"/>
+                    </a:ext>
+                  </a:extLst>
+                </a:gridCol>
+                <a:gridCol w="1813660">
+                  <a:extLst>
+                    <a:ext uri="{9D8B030D-6E8A-4147-A177-3AD203B41FA5}">
+                      <a16:colId xmlns:a16="http://schemas.microsoft.com/office/drawing/2014/main" val="2216059015"/>
+                    </a:ext>
+                  </a:extLst>
+                </a:gridCol>
+                <a:gridCol w="1813660">
+                  <a:extLst>
+                    <a:ext uri="{9D8B030D-6E8A-4147-A177-3AD203B41FA5}">
+                      <a16:colId xmlns:a16="http://schemas.microsoft.com/office/drawing/2014/main" val="1910021152"/>
+                    </a:ext>
+                  </a:extLst>
+                </a:gridCol>
+              </a:tblGrid>
+              <a:tr h="255793">
+                <a:tc>
+                  <a:txBody>
+                    <a:bodyPr/>
+                    <a:lstStyle/>
+                    <a:p>
+                      <a:r>
+                        <a:rPr lang="en-US" b="0" dirty="0"/>
+                        <a:t>Id</a:t>
+                      </a:r>
+                    </a:p>
+                  </a:txBody>
+                  <a:tcPr/>
+                </a:tc>
+                <a:tc>
+                  <a:txBody>
+                    <a:bodyPr/>
+                    <a:lstStyle/>
+                    <a:p>
+                      <a:r>
+                        <a:rPr lang="en-US" b="0" dirty="0"/>
+                        <a:t>Column</a:t>
+                      </a:r>
+                    </a:p>
+                  </a:txBody>
+                  <a:tcPr/>
+                </a:tc>
+                <a:tc>
+                  <a:txBody>
+                    <a:bodyPr/>
+                    <a:lstStyle/>
+                    <a:p>
+                      <a:r>
+                        <a:rPr lang="en-US" b="0" dirty="0"/>
+                        <a:t>Column</a:t>
+                      </a:r>
+                    </a:p>
+                  </a:txBody>
+                  <a:tcPr/>
+                </a:tc>
+                <a:extLst>
+                  <a:ext uri="{0D108BD9-81ED-4DB2-BD59-A6C34878D82A}">
+                    <a16:rowId xmlns:a16="http://schemas.microsoft.com/office/drawing/2014/main" val="3986786355"/>
+                  </a:ext>
+                </a:extLst>
+              </a:tr>
+              <a:tr h="255793">
+                <a:tc>
+                  <a:txBody>
+                    <a:bodyPr/>
+                    <a:lstStyle/>
+                    <a:p>
+                      <a:r>
+                        <a:rPr lang="en-US" b="0" dirty="0"/>
+                        <a:t>1</a:t>
+                      </a:r>
+                    </a:p>
+                  </a:txBody>
+                  <a:tcPr/>
+                </a:tc>
+                <a:tc>
+                  <a:txBody>
+                    <a:bodyPr/>
+                    <a:lstStyle/>
+                    <a:p>
+                      <a:r>
+                        <a:rPr lang="en-US" b="0" dirty="0"/>
+                        <a:t>Foo</a:t>
+                      </a:r>
+                    </a:p>
+                  </a:txBody>
+                  <a:tcPr/>
+                </a:tc>
+                <a:tc>
+                  <a:txBody>
+                    <a:bodyPr/>
+                    <a:lstStyle/>
+                    <a:p>
+                      <a:r>
+                        <a:rPr lang="en-US" b="0" dirty="0"/>
+                        <a:t>Bar</a:t>
+                      </a:r>
+                    </a:p>
+                  </a:txBody>
+                  <a:tcPr/>
+                </a:tc>
+                <a:extLst>
+                  <a:ext uri="{0D108BD9-81ED-4DB2-BD59-A6C34878D82A}">
+                    <a16:rowId xmlns:a16="http://schemas.microsoft.com/office/drawing/2014/main" val="1260512336"/>
+                  </a:ext>
+                </a:extLst>
+              </a:tr>
+              <a:tr h="255793">
+                <a:tc>
+                  <a:txBody>
+                    <a:bodyPr/>
+                    <a:lstStyle/>
+                    <a:p>
+                      <a:r>
+                        <a:rPr lang="en-US" b="0" dirty="0"/>
+                        <a:t>2</a:t>
+                      </a:r>
+                    </a:p>
+                  </a:txBody>
+                  <a:tcPr/>
+                </a:tc>
+                <a:tc>
+                  <a:txBody>
+                    <a:bodyPr/>
+                    <a:lstStyle/>
+                    <a:p>
+                      <a:r>
+                        <a:rPr lang="en-US" b="0" dirty="0"/>
+                        <a:t>Bar</a:t>
+                      </a:r>
+                    </a:p>
+                  </a:txBody>
+                  <a:tcPr/>
+                </a:tc>
+                <a:tc>
+                  <a:txBody>
+                    <a:bodyPr/>
+                    <a:lstStyle/>
+                    <a:p>
+                      <a:r>
+                        <a:rPr lang="en-US" b="0" dirty="0"/>
+                        <a:t>Foo</a:t>
+                      </a:r>
+                    </a:p>
+                  </a:txBody>
+                  <a:tcPr/>
+                </a:tc>
+                <a:extLst>
+                  <a:ext uri="{0D108BD9-81ED-4DB2-BD59-A6C34878D82A}">
+                    <a16:rowId xmlns:a16="http://schemas.microsoft.com/office/drawing/2014/main" val="2473083762"/>
+                  </a:ext>
+                </a:extLst>
+              </a:tr>
+              <a:tr h="255793">
+                <a:tc>
+                  <a:txBody>
+                    <a:bodyPr/>
+                    <a:lstStyle/>
+                    <a:p>
+                      <a:r>
+                        <a:rPr lang="en-US" b="0" dirty="0"/>
+                        <a:t>3</a:t>
+                      </a:r>
+                    </a:p>
+                  </a:txBody>
+                  <a:tcPr/>
+                </a:tc>
+                <a:tc>
+                  <a:txBody>
+                    <a:bodyPr/>
+                    <a:lstStyle/>
+                    <a:p>
+                      <a:r>
+                        <a:rPr lang="en-US" b="0" dirty="0"/>
+                        <a:t>Yellow</a:t>
+                      </a:r>
+                    </a:p>
+                  </a:txBody>
+                  <a:tcPr/>
+                </a:tc>
+                <a:tc>
+                  <a:txBody>
+                    <a:bodyPr/>
+                    <a:lstStyle/>
+                    <a:p>
+                      <a:r>
+                        <a:rPr lang="en-US" b="0" dirty="0"/>
+                        <a:t>Green</a:t>
+                      </a:r>
+                    </a:p>
+                  </a:txBody>
+                  <a:tcPr/>
+                </a:tc>
+                <a:extLst>
+                  <a:ext uri="{0D108BD9-81ED-4DB2-BD59-A6C34878D82A}">
+                    <a16:rowId xmlns:a16="http://schemas.microsoft.com/office/drawing/2014/main" val="2355888422"/>
+                  </a:ext>
+                </a:extLst>
+              </a:tr>
+              <a:tr h="255793">
+                <a:tc>
+                  <a:txBody>
+                    <a:bodyPr/>
+                    <a:lstStyle/>
+                    <a:p>
+                      <a:r>
+                        <a:rPr lang="en-US" b="0" dirty="0"/>
+                        <a:t>4</a:t>
+                      </a:r>
+                    </a:p>
+                  </a:txBody>
+                  <a:tcPr/>
+                </a:tc>
+                <a:tc>
+                  <a:txBody>
+                    <a:bodyPr/>
+                    <a:lstStyle/>
+                    <a:p>
+                      <a:r>
+                        <a:rPr lang="en-US" b="0" dirty="0"/>
+                        <a:t>Brown</a:t>
+                      </a:r>
+                    </a:p>
+                  </a:txBody>
+                  <a:tcPr/>
+                </a:tc>
+                <a:tc>
+                  <a:txBody>
+                    <a:bodyPr/>
+                    <a:lstStyle/>
+                    <a:p>
+                      <a:r>
+                        <a:rPr lang="en-US" b="0" dirty="0"/>
+                        <a:t>Black</a:t>
+                      </a:r>
+                    </a:p>
+                  </a:txBody>
+                  <a:tcPr/>
+                </a:tc>
+                <a:extLst>
+                  <a:ext uri="{0D108BD9-81ED-4DB2-BD59-A6C34878D82A}">
+                    <a16:rowId xmlns:a16="http://schemas.microsoft.com/office/drawing/2014/main" val="3704615067"/>
+                  </a:ext>
+                </a:extLst>
+              </a:tr>
+              <a:tr h="255793">
+                <a:tc>
+                  <a:txBody>
+                    <a:bodyPr/>
+                    <a:lstStyle/>
+                    <a:p>
+                      <a:r>
+                        <a:rPr lang="en-US" b="0" dirty="0"/>
+                        <a:t>5</a:t>
+                      </a:r>
+                    </a:p>
+                  </a:txBody>
+                  <a:tcPr/>
+                </a:tc>
+                <a:tc>
+                  <a:txBody>
+                    <a:bodyPr/>
+                    <a:lstStyle/>
+                    <a:p>
+                      <a:r>
+                        <a:rPr lang="en-US" b="0" dirty="0"/>
+                        <a:t>Boo</a:t>
+                      </a:r>
+                    </a:p>
+                  </a:txBody>
+                  <a:tcPr/>
+                </a:tc>
+                <a:tc>
+                  <a:txBody>
+                    <a:bodyPr/>
+                    <a:lstStyle/>
+                    <a:p>
+                      <a:r>
+                        <a:rPr lang="en-US" b="0" dirty="0"/>
+                        <a:t>Far</a:t>
+                      </a:r>
+                    </a:p>
+                  </a:txBody>
+                  <a:tcPr/>
+                </a:tc>
+                <a:extLst>
+                  <a:ext uri="{0D108BD9-81ED-4DB2-BD59-A6C34878D82A}">
+                    <a16:rowId xmlns:a16="http://schemas.microsoft.com/office/drawing/2014/main" val="925531847"/>
+                  </a:ext>
+                </a:extLst>
+              </a:tr>
+            </a:tbl>
+          </a:graphicData>
+        </a:graphic>
+      </p:graphicFrame>
     </p:spTree>
     <p:extLst>
       <p:ext uri="{BB962C8B-B14F-4D97-AF65-F5344CB8AC3E}">
         <p14:creationId xmlns:p14="http://schemas.microsoft.com/office/powerpoint/2010/main" val="2227865231"/>
+      </p:ext>
+    </p:extLst>
+  </p:cSld>
+  <p:clrMapOvr>
+    <a:masterClrMapping/>
+  </p:clrMapOvr>
+</p:sld>
+</file>
+
+<file path=ppt/slides/slide32.xml><?xml version="1.0" encoding="utf-8"?>
+<p:sld xmlns:a="http://schemas.openxmlformats.org/drawingml/2006/main" xmlns:r="http://schemas.openxmlformats.org/officeDocument/2006/relationships" xmlns:p="http://schemas.openxmlformats.org/presentationml/2006/main">
+  <p:cSld>
+    <p:spTree>
+      <p:nvGrpSpPr>
+        <p:cNvPr id="1" name=""/>
+        <p:cNvGrpSpPr/>
+        <p:nvPr/>
+      </p:nvGrpSpPr>
+      <p:grpSpPr>
+        <a:xfrm>
+          <a:off x="0" y="0"/>
+          <a:ext cx="0" cy="0"/>
+          <a:chOff x="0" y="0"/>
+          <a:chExt cx="0" cy="0"/>
+        </a:xfrm>
+      </p:grpSpPr>
+      <p:sp>
+        <p:nvSpPr>
+          <p:cNvPr id="2" name="Title 1">
+            <a:extLst>
+              <a:ext uri="{FF2B5EF4-FFF2-40B4-BE49-F238E27FC236}">
+                <a16:creationId xmlns:a16="http://schemas.microsoft.com/office/drawing/2014/main" id="{99E701A6-9CB5-405E-99F1-FB14D4A61A7F}"/>
+              </a:ext>
+            </a:extLst>
+          </p:cNvPr>
+          <p:cNvSpPr>
+            <a:spLocks noGrp="1"/>
+          </p:cNvSpPr>
+          <p:nvPr>
+            <p:ph type="title"/>
+          </p:nvPr>
+        </p:nvSpPr>
+        <p:spPr/>
+        <p:txBody>
+          <a:bodyPr/>
+          <a:lstStyle/>
+          <a:p>
+            <a:r>
+              <a:rPr lang="en-US" dirty="0"/>
+              <a:t>Consistency</a:t>
+            </a:r>
+          </a:p>
+        </p:txBody>
+      </p:sp>
+      <p:pic>
+        <p:nvPicPr>
+          <p:cNvPr id="3" name="Picture 2">
+            <a:extLst>
+              <a:ext uri="{FF2B5EF4-FFF2-40B4-BE49-F238E27FC236}">
+                <a16:creationId xmlns:a16="http://schemas.microsoft.com/office/drawing/2014/main" id="{09D9D5A3-1CB7-4959-83BB-15C8AE5C3C8F}"/>
+              </a:ext>
+            </a:extLst>
+          </p:cNvPr>
+          <p:cNvPicPr>
+            <a:picLocks noChangeAspect="1" noChangeArrowheads="1"/>
+          </p:cNvPicPr>
+          <p:nvPr/>
+        </p:nvPicPr>
+        <p:blipFill>
+          <a:blip r:embed="rId3">
+            <a:extLst>
+              <a:ext uri="{28A0092B-C50C-407E-A947-70E740481C1C}">
+                <a14:useLocalDpi xmlns:a14="http://schemas.microsoft.com/office/drawing/2010/main" val="0"/>
+              </a:ext>
+            </a:extLst>
+          </a:blip>
+          <a:srcRect/>
+          <a:stretch>
+            <a:fillRect/>
+          </a:stretch>
+        </p:blipFill>
+        <p:spPr bwMode="auto">
+          <a:xfrm>
+            <a:off x="6597701" y="-2690582"/>
+            <a:ext cx="4311666" cy="9548582"/>
+          </a:xfrm>
+          <a:prstGeom prst="rect">
+            <a:avLst/>
+          </a:prstGeom>
+          <a:noFill/>
+          <a:extLst>
+            <a:ext uri="{909E8E84-426E-40DD-AFC4-6F175D3DCCD1}">
+              <a14:hiddenFill xmlns:a14="http://schemas.microsoft.com/office/drawing/2010/main">
+                <a:solidFill>
+                  <a:srgbClr val="FFFFFF"/>
+                </a:solidFill>
+              </a14:hiddenFill>
+            </a:ext>
+          </a:extLst>
+        </p:spPr>
+      </p:pic>
+      <p:pic>
+        <p:nvPicPr>
+          <p:cNvPr id="4" name="Graphic 3" descr="Database">
+            <a:extLst>
+              <a:ext uri="{FF2B5EF4-FFF2-40B4-BE49-F238E27FC236}">
+                <a16:creationId xmlns:a16="http://schemas.microsoft.com/office/drawing/2014/main" id="{226C4225-70BF-4173-8ABC-1BB32BA84AC6}"/>
+              </a:ext>
+            </a:extLst>
+          </p:cNvPr>
+          <p:cNvPicPr>
+            <a:picLocks noChangeAspect="1"/>
+          </p:cNvPicPr>
+          <p:nvPr/>
+        </p:nvPicPr>
+        <p:blipFill>
+          <a:blip r:embed="rId4">
+            <a:extLst>
+              <a:ext uri="{28A0092B-C50C-407E-A947-70E740481C1C}">
+                <a14:useLocalDpi xmlns:a14="http://schemas.microsoft.com/office/drawing/2010/main" val="0"/>
+              </a:ext>
+              <a:ext uri="{96DAC541-7B7A-43D3-8B79-37D633B846F1}">
+                <asvg:svgBlip xmlns:asvg="http://schemas.microsoft.com/office/drawing/2016/SVG/main" r:embed="rId5"/>
+              </a:ext>
+            </a:extLst>
+          </a:blip>
+          <a:stretch>
+            <a:fillRect/>
+          </a:stretch>
+        </p:blipFill>
+        <p:spPr>
+          <a:xfrm>
+            <a:off x="9633285" y="3145055"/>
+            <a:ext cx="914400" cy="914400"/>
+          </a:xfrm>
+          <a:prstGeom prst="rect">
+            <a:avLst/>
+          </a:prstGeom>
+        </p:spPr>
+      </p:pic>
+      <p:pic>
+        <p:nvPicPr>
+          <p:cNvPr id="5" name="Graphic 4" descr="Tugboat">
+            <a:extLst>
+              <a:ext uri="{FF2B5EF4-FFF2-40B4-BE49-F238E27FC236}">
+                <a16:creationId xmlns:a16="http://schemas.microsoft.com/office/drawing/2014/main" id="{996F061D-32EE-4B8B-A9F0-413743CB8366}"/>
+              </a:ext>
+            </a:extLst>
+          </p:cNvPr>
+          <p:cNvPicPr>
+            <a:picLocks noChangeAspect="1"/>
+          </p:cNvPicPr>
+          <p:nvPr/>
+        </p:nvPicPr>
+        <p:blipFill>
+          <a:blip r:embed="rId6">
+            <a:extLst>
+              <a:ext uri="{28A0092B-C50C-407E-A947-70E740481C1C}">
+                <a14:useLocalDpi xmlns:a14="http://schemas.microsoft.com/office/drawing/2010/main" val="0"/>
+              </a:ext>
+              <a:ext uri="{96DAC541-7B7A-43D3-8B79-37D633B846F1}">
+                <asvg:svgBlip xmlns:asvg="http://schemas.microsoft.com/office/drawing/2016/SVG/main" r:embed="rId7"/>
+              </a:ext>
+            </a:extLst>
+          </a:blip>
+          <a:stretch>
+            <a:fillRect/>
+          </a:stretch>
+        </p:blipFill>
+        <p:spPr>
+          <a:xfrm>
+            <a:off x="2693751" y="3457081"/>
+            <a:ext cx="914400" cy="914400"/>
+          </a:xfrm>
+          <a:prstGeom prst="rect">
+            <a:avLst/>
+          </a:prstGeom>
+          <a:effectLst>
+            <a:outerShdw blurRad="50800" dist="38100" dir="2700000" algn="tl" rotWithShape="0">
+              <a:prstClr val="black">
+                <a:alpha val="40000"/>
+              </a:prstClr>
+            </a:outerShdw>
+          </a:effectLst>
+        </p:spPr>
+      </p:pic>
+      <p:graphicFrame>
+        <p:nvGraphicFramePr>
+          <p:cNvPr id="6" name="Table 3">
+            <a:extLst>
+              <a:ext uri="{FF2B5EF4-FFF2-40B4-BE49-F238E27FC236}">
+                <a16:creationId xmlns:a16="http://schemas.microsoft.com/office/drawing/2014/main" id="{15C8F909-65B4-423E-9228-3FBF13D60F87}"/>
+              </a:ext>
+            </a:extLst>
+          </p:cNvPr>
+          <p:cNvGraphicFramePr>
+            <a:graphicFrameLocks noGrp="1"/>
+          </p:cNvGraphicFramePr>
+          <p:nvPr>
+            <p:extLst>
+              <p:ext uri="{D42A27DB-BD31-4B8C-83A1-F6EECF244321}">
+                <p14:modId xmlns:p14="http://schemas.microsoft.com/office/powerpoint/2010/main" val="3900119247"/>
+              </p:ext>
+            </p:extLst>
+          </p:nvPr>
+        </p:nvGraphicFramePr>
+        <p:xfrm>
+          <a:off x="549142" y="4462347"/>
+          <a:ext cx="5440980" cy="2194560"/>
+        </p:xfrm>
+        <a:graphic>
+          <a:graphicData uri="http://schemas.openxmlformats.org/drawingml/2006/table">
+            <a:tbl>
+              <a:tblPr firstRow="1" bandRow="1">
+                <a:tableStyleId>{5C22544A-7EE6-4342-B048-85BDC9FD1C3A}</a:tableStyleId>
+              </a:tblPr>
+              <a:tblGrid>
+                <a:gridCol w="1813660">
+                  <a:extLst>
+                    <a:ext uri="{9D8B030D-6E8A-4147-A177-3AD203B41FA5}">
+                      <a16:colId xmlns:a16="http://schemas.microsoft.com/office/drawing/2014/main" val="188685320"/>
+                    </a:ext>
+                  </a:extLst>
+                </a:gridCol>
+                <a:gridCol w="1813660">
+                  <a:extLst>
+                    <a:ext uri="{9D8B030D-6E8A-4147-A177-3AD203B41FA5}">
+                      <a16:colId xmlns:a16="http://schemas.microsoft.com/office/drawing/2014/main" val="2216059015"/>
+                    </a:ext>
+                  </a:extLst>
+                </a:gridCol>
+                <a:gridCol w="1813660">
+                  <a:extLst>
+                    <a:ext uri="{9D8B030D-6E8A-4147-A177-3AD203B41FA5}">
+                      <a16:colId xmlns:a16="http://schemas.microsoft.com/office/drawing/2014/main" val="1910021152"/>
+                    </a:ext>
+                  </a:extLst>
+                </a:gridCol>
+              </a:tblGrid>
+              <a:tr h="255793">
+                <a:tc>
+                  <a:txBody>
+                    <a:bodyPr/>
+                    <a:lstStyle/>
+                    <a:p>
+                      <a:r>
+                        <a:rPr lang="en-US" dirty="0"/>
+                        <a:t>Id</a:t>
+                      </a:r>
+                    </a:p>
+                  </a:txBody>
+                  <a:tcPr/>
+                </a:tc>
+                <a:tc>
+                  <a:txBody>
+                    <a:bodyPr/>
+                    <a:lstStyle/>
+                    <a:p>
+                      <a:r>
+                        <a:rPr lang="en-US" dirty="0"/>
+                        <a:t>Column</a:t>
+                      </a:r>
+                    </a:p>
+                  </a:txBody>
+                  <a:tcPr/>
+                </a:tc>
+                <a:tc>
+                  <a:txBody>
+                    <a:bodyPr/>
+                    <a:lstStyle/>
+                    <a:p>
+                      <a:r>
+                        <a:rPr lang="en-US" dirty="0"/>
+                        <a:t>Date</a:t>
+                      </a:r>
+                    </a:p>
+                  </a:txBody>
+                  <a:tcPr/>
+                </a:tc>
+                <a:extLst>
+                  <a:ext uri="{0D108BD9-81ED-4DB2-BD59-A6C34878D82A}">
+                    <a16:rowId xmlns:a16="http://schemas.microsoft.com/office/drawing/2014/main" val="3986786355"/>
+                  </a:ext>
+                </a:extLst>
+              </a:tr>
+              <a:tr h="255793">
+                <a:tc>
+                  <a:txBody>
+                    <a:bodyPr/>
+                    <a:lstStyle/>
+                    <a:p>
+                      <a:r>
+                        <a:rPr lang="en-US" b="1" dirty="0"/>
+                        <a:t>1</a:t>
+                      </a:r>
+                    </a:p>
+                  </a:txBody>
+                  <a:tcPr/>
+                </a:tc>
+                <a:tc>
+                  <a:txBody>
+                    <a:bodyPr/>
+                    <a:lstStyle/>
+                    <a:p>
+                      <a:r>
+                        <a:rPr lang="en-US" b="1" dirty="0"/>
+                        <a:t>Foo</a:t>
+                      </a:r>
+                    </a:p>
+                  </a:txBody>
+                  <a:tcPr/>
+                </a:tc>
+                <a:tc>
+                  <a:txBody>
+                    <a:bodyPr/>
+                    <a:lstStyle/>
+                    <a:p>
+                      <a:r>
+                        <a:rPr lang="en-US" b="1" dirty="0"/>
+                        <a:t>1/1/2022 1300</a:t>
+                      </a:r>
+                    </a:p>
+                  </a:txBody>
+                  <a:tcPr/>
+                </a:tc>
+                <a:extLst>
+                  <a:ext uri="{0D108BD9-81ED-4DB2-BD59-A6C34878D82A}">
+                    <a16:rowId xmlns:a16="http://schemas.microsoft.com/office/drawing/2014/main" val="1260512336"/>
+                  </a:ext>
+                </a:extLst>
+              </a:tr>
+              <a:tr h="255793">
+                <a:tc>
+                  <a:txBody>
+                    <a:bodyPr/>
+                    <a:lstStyle/>
+                    <a:p>
+                      <a:r>
+                        <a:rPr lang="en-US" b="1" dirty="0"/>
+                        <a:t>2</a:t>
+                      </a:r>
+                    </a:p>
+                  </a:txBody>
+                  <a:tcPr/>
+                </a:tc>
+                <a:tc>
+                  <a:txBody>
+                    <a:bodyPr/>
+                    <a:lstStyle/>
+                    <a:p>
+                      <a:r>
+                        <a:rPr lang="en-US" b="1" dirty="0"/>
+                        <a:t>Bar</a:t>
+                      </a:r>
+                    </a:p>
+                  </a:txBody>
+                  <a:tcPr/>
+                </a:tc>
+                <a:tc>
+                  <a:txBody>
+                    <a:bodyPr/>
+                    <a:lstStyle/>
+                    <a:p>
+                      <a:pPr marL="0" marR="0" lvl="0" indent="0" algn="l" defTabSz="914400" rtl="0" eaLnBrk="1" fontAlgn="auto" latinLnBrk="0" hangingPunct="1">
+                        <a:lnSpc>
+                          <a:spcPct val="100000"/>
+                        </a:lnSpc>
+                        <a:spcBef>
+                          <a:spcPts val="0"/>
+                        </a:spcBef>
+                        <a:spcAft>
+                          <a:spcPts val="0"/>
+                        </a:spcAft>
+                        <a:buClrTx/>
+                        <a:buSzTx/>
+                        <a:buFontTx/>
+                        <a:buNone/>
+                        <a:tabLst/>
+                        <a:defRPr/>
+                      </a:pPr>
+                      <a:r>
+                        <a:rPr lang="en-US" b="1" dirty="0"/>
+                        <a:t>1/1/2022 1400</a:t>
+                      </a:r>
+                    </a:p>
+                  </a:txBody>
+                  <a:tcPr/>
+                </a:tc>
+                <a:extLst>
+                  <a:ext uri="{0D108BD9-81ED-4DB2-BD59-A6C34878D82A}">
+                    <a16:rowId xmlns:a16="http://schemas.microsoft.com/office/drawing/2014/main" val="2473083762"/>
+                  </a:ext>
+                </a:extLst>
+              </a:tr>
+              <a:tr h="255793">
+                <a:tc>
+                  <a:txBody>
+                    <a:bodyPr/>
+                    <a:lstStyle/>
+                    <a:p>
+                      <a:r>
+                        <a:rPr lang="en-US"/>
+                        <a:t>3</a:t>
+                      </a:r>
+                      <a:endParaRPr lang="en-US" dirty="0"/>
+                    </a:p>
+                  </a:txBody>
+                  <a:tcPr/>
+                </a:tc>
+                <a:tc>
+                  <a:txBody>
+                    <a:bodyPr/>
+                    <a:lstStyle/>
+                    <a:p>
+                      <a:r>
+                        <a:rPr lang="en-US"/>
+                        <a:t>Boo</a:t>
+                      </a:r>
+                      <a:endParaRPr lang="en-US" dirty="0"/>
+                    </a:p>
+                  </a:txBody>
+                  <a:tcPr/>
+                </a:tc>
+                <a:tc>
+                  <a:txBody>
+                    <a:bodyPr/>
+                    <a:lstStyle/>
+                    <a:p>
+                      <a:pPr marL="0" marR="0" lvl="0" indent="0" algn="l" defTabSz="914400" rtl="0" eaLnBrk="1" fontAlgn="auto" latinLnBrk="0" hangingPunct="1">
+                        <a:lnSpc>
+                          <a:spcPct val="100000"/>
+                        </a:lnSpc>
+                        <a:spcBef>
+                          <a:spcPts val="0"/>
+                        </a:spcBef>
+                        <a:spcAft>
+                          <a:spcPts val="0"/>
+                        </a:spcAft>
+                        <a:buClrTx/>
+                        <a:buSzTx/>
+                        <a:buFontTx/>
+                        <a:buNone/>
+                        <a:tabLst/>
+                        <a:defRPr/>
+                      </a:pPr>
+                      <a:r>
+                        <a:rPr lang="en-US" b="0" dirty="0"/>
+                        <a:t>1/1/2022 1500</a:t>
+                      </a:r>
+                    </a:p>
+                  </a:txBody>
+                  <a:tcPr/>
+                </a:tc>
+                <a:extLst>
+                  <a:ext uri="{0D108BD9-81ED-4DB2-BD59-A6C34878D82A}">
+                    <a16:rowId xmlns:a16="http://schemas.microsoft.com/office/drawing/2014/main" val="2355888422"/>
+                  </a:ext>
+                </a:extLst>
+              </a:tr>
+              <a:tr h="255793">
+                <a:tc>
+                  <a:txBody>
+                    <a:bodyPr/>
+                    <a:lstStyle/>
+                    <a:p>
+                      <a:r>
+                        <a:rPr lang="en-US"/>
+                        <a:t>4</a:t>
+                      </a:r>
+                      <a:endParaRPr lang="en-US" dirty="0"/>
+                    </a:p>
+                  </a:txBody>
+                  <a:tcPr/>
+                </a:tc>
+                <a:tc>
+                  <a:txBody>
+                    <a:bodyPr/>
+                    <a:lstStyle/>
+                    <a:p>
+                      <a:r>
+                        <a:rPr lang="en-US"/>
+                        <a:t>Far</a:t>
+                      </a:r>
+                      <a:endParaRPr lang="en-US" dirty="0"/>
+                    </a:p>
+                  </a:txBody>
+                  <a:tcPr/>
+                </a:tc>
+                <a:tc>
+                  <a:txBody>
+                    <a:bodyPr/>
+                    <a:lstStyle/>
+                    <a:p>
+                      <a:pPr marL="0" marR="0" lvl="0" indent="0" algn="l" defTabSz="914400" rtl="0" eaLnBrk="1" fontAlgn="auto" latinLnBrk="0" hangingPunct="1">
+                        <a:lnSpc>
+                          <a:spcPct val="100000"/>
+                        </a:lnSpc>
+                        <a:spcBef>
+                          <a:spcPts val="0"/>
+                        </a:spcBef>
+                        <a:spcAft>
+                          <a:spcPts val="0"/>
+                        </a:spcAft>
+                        <a:buClrTx/>
+                        <a:buSzTx/>
+                        <a:buFontTx/>
+                        <a:buNone/>
+                        <a:tabLst/>
+                        <a:defRPr/>
+                      </a:pPr>
+                      <a:r>
+                        <a:rPr lang="en-US" b="0" dirty="0"/>
+                        <a:t>1/1/2022 1600</a:t>
+                      </a:r>
+                    </a:p>
+                  </a:txBody>
+                  <a:tcPr/>
+                </a:tc>
+                <a:extLst>
+                  <a:ext uri="{0D108BD9-81ED-4DB2-BD59-A6C34878D82A}">
+                    <a16:rowId xmlns:a16="http://schemas.microsoft.com/office/drawing/2014/main" val="3704615067"/>
+                  </a:ext>
+                </a:extLst>
+              </a:tr>
+              <a:tr h="255793">
+                <a:tc>
+                  <a:txBody>
+                    <a:bodyPr/>
+                    <a:lstStyle/>
+                    <a:p>
+                      <a:r>
+                        <a:rPr lang="en-US"/>
+                        <a:t>5</a:t>
+                      </a:r>
+                      <a:endParaRPr lang="en-US" dirty="0"/>
+                    </a:p>
+                  </a:txBody>
+                  <a:tcPr/>
+                </a:tc>
+                <a:tc>
+                  <a:txBody>
+                    <a:bodyPr/>
+                    <a:lstStyle/>
+                    <a:p>
+                      <a:r>
+                        <a:rPr lang="en-US"/>
+                        <a:t>Hello</a:t>
+                      </a:r>
+                      <a:endParaRPr lang="en-US" dirty="0"/>
+                    </a:p>
+                  </a:txBody>
+                  <a:tcPr/>
+                </a:tc>
+                <a:tc>
+                  <a:txBody>
+                    <a:bodyPr/>
+                    <a:lstStyle/>
+                    <a:p>
+                      <a:pPr marL="0" marR="0" lvl="0" indent="0" algn="l" defTabSz="914400" rtl="0" eaLnBrk="1" fontAlgn="auto" latinLnBrk="0" hangingPunct="1">
+                        <a:lnSpc>
+                          <a:spcPct val="100000"/>
+                        </a:lnSpc>
+                        <a:spcBef>
+                          <a:spcPts val="0"/>
+                        </a:spcBef>
+                        <a:spcAft>
+                          <a:spcPts val="0"/>
+                        </a:spcAft>
+                        <a:buClrTx/>
+                        <a:buSzTx/>
+                        <a:buFontTx/>
+                        <a:buNone/>
+                        <a:tabLst/>
+                        <a:defRPr/>
+                      </a:pPr>
+                      <a:r>
+                        <a:rPr lang="en-US" b="0" dirty="0"/>
+                        <a:t>1/1/2022 1700</a:t>
+                      </a:r>
+                    </a:p>
+                  </a:txBody>
+                  <a:tcPr/>
+                </a:tc>
+                <a:extLst>
+                  <a:ext uri="{0D108BD9-81ED-4DB2-BD59-A6C34878D82A}">
+                    <a16:rowId xmlns:a16="http://schemas.microsoft.com/office/drawing/2014/main" val="925531847"/>
+                  </a:ext>
+                </a:extLst>
+              </a:tr>
+            </a:tbl>
+          </a:graphicData>
+        </a:graphic>
+      </p:graphicFrame>
+      <p:graphicFrame>
+        <p:nvGraphicFramePr>
+          <p:cNvPr id="7" name="Table 3">
+            <a:extLst>
+              <a:ext uri="{FF2B5EF4-FFF2-40B4-BE49-F238E27FC236}">
+                <a16:creationId xmlns:a16="http://schemas.microsoft.com/office/drawing/2014/main" id="{79D90135-59ED-4BE6-94F3-093D84B53EEE}"/>
+              </a:ext>
+            </a:extLst>
+          </p:cNvPr>
+          <p:cNvGraphicFramePr>
+            <a:graphicFrameLocks noGrp="1"/>
+          </p:cNvGraphicFramePr>
+          <p:nvPr>
+            <p:extLst>
+              <p:ext uri="{D42A27DB-BD31-4B8C-83A1-F6EECF244321}">
+                <p14:modId xmlns:p14="http://schemas.microsoft.com/office/powerpoint/2010/main" val="634156073"/>
+              </p:ext>
+            </p:extLst>
+          </p:nvPr>
+        </p:nvGraphicFramePr>
+        <p:xfrm>
+          <a:off x="6401302" y="379325"/>
+          <a:ext cx="5440980" cy="2194560"/>
+        </p:xfrm>
+        <a:graphic>
+          <a:graphicData uri="http://schemas.openxmlformats.org/drawingml/2006/table">
+            <a:tbl>
+              <a:tblPr firstRow="1" bandRow="1">
+                <a:tableStyleId>{5C22544A-7EE6-4342-B048-85BDC9FD1C3A}</a:tableStyleId>
+              </a:tblPr>
+              <a:tblGrid>
+                <a:gridCol w="1813660">
+                  <a:extLst>
+                    <a:ext uri="{9D8B030D-6E8A-4147-A177-3AD203B41FA5}">
+                      <a16:colId xmlns:a16="http://schemas.microsoft.com/office/drawing/2014/main" val="188685320"/>
+                    </a:ext>
+                  </a:extLst>
+                </a:gridCol>
+                <a:gridCol w="1813660">
+                  <a:extLst>
+                    <a:ext uri="{9D8B030D-6E8A-4147-A177-3AD203B41FA5}">
+                      <a16:colId xmlns:a16="http://schemas.microsoft.com/office/drawing/2014/main" val="2216059015"/>
+                    </a:ext>
+                  </a:extLst>
+                </a:gridCol>
+                <a:gridCol w="1813660">
+                  <a:extLst>
+                    <a:ext uri="{9D8B030D-6E8A-4147-A177-3AD203B41FA5}">
+                      <a16:colId xmlns:a16="http://schemas.microsoft.com/office/drawing/2014/main" val="1910021152"/>
+                    </a:ext>
+                  </a:extLst>
+                </a:gridCol>
+              </a:tblGrid>
+              <a:tr h="255793">
+                <a:tc>
+                  <a:txBody>
+                    <a:bodyPr/>
+                    <a:lstStyle/>
+                    <a:p>
+                      <a:r>
+                        <a:rPr lang="en-US" b="0" dirty="0"/>
+                        <a:t>Id</a:t>
+                      </a:r>
+                    </a:p>
+                  </a:txBody>
+                  <a:tcPr/>
+                </a:tc>
+                <a:tc>
+                  <a:txBody>
+                    <a:bodyPr/>
+                    <a:lstStyle/>
+                    <a:p>
+                      <a:r>
+                        <a:rPr lang="en-US" b="0" dirty="0"/>
+                        <a:t>Column</a:t>
+                      </a:r>
+                    </a:p>
+                  </a:txBody>
+                  <a:tcPr/>
+                </a:tc>
+                <a:tc>
+                  <a:txBody>
+                    <a:bodyPr/>
+                    <a:lstStyle/>
+                    <a:p>
+                      <a:r>
+                        <a:rPr lang="en-US" b="0" dirty="0"/>
+                        <a:t>Column</a:t>
+                      </a:r>
+                    </a:p>
+                  </a:txBody>
+                  <a:tcPr/>
+                </a:tc>
+                <a:extLst>
+                  <a:ext uri="{0D108BD9-81ED-4DB2-BD59-A6C34878D82A}">
+                    <a16:rowId xmlns:a16="http://schemas.microsoft.com/office/drawing/2014/main" val="3986786355"/>
+                  </a:ext>
+                </a:extLst>
+              </a:tr>
+              <a:tr h="255793">
+                <a:tc>
+                  <a:txBody>
+                    <a:bodyPr/>
+                    <a:lstStyle/>
+                    <a:p>
+                      <a:r>
+                        <a:rPr lang="en-US" b="1" dirty="0"/>
+                        <a:t>1</a:t>
+                      </a:r>
+                    </a:p>
+                  </a:txBody>
+                  <a:tcPr/>
+                </a:tc>
+                <a:tc>
+                  <a:txBody>
+                    <a:bodyPr/>
+                    <a:lstStyle/>
+                    <a:p>
+                      <a:r>
+                        <a:rPr lang="en-US" b="1" dirty="0"/>
+                        <a:t>Foo</a:t>
+                      </a:r>
+                    </a:p>
+                  </a:txBody>
+                  <a:tcPr/>
+                </a:tc>
+                <a:tc>
+                  <a:txBody>
+                    <a:bodyPr/>
+                    <a:lstStyle/>
+                    <a:p>
+                      <a:r>
+                        <a:rPr lang="en-US" b="1" dirty="0"/>
+                        <a:t>Bar</a:t>
+                      </a:r>
+                    </a:p>
+                  </a:txBody>
+                  <a:tcPr/>
+                </a:tc>
+                <a:extLst>
+                  <a:ext uri="{0D108BD9-81ED-4DB2-BD59-A6C34878D82A}">
+                    <a16:rowId xmlns:a16="http://schemas.microsoft.com/office/drawing/2014/main" val="1260512336"/>
+                  </a:ext>
+                </a:extLst>
+              </a:tr>
+              <a:tr h="255793">
+                <a:tc>
+                  <a:txBody>
+                    <a:bodyPr/>
+                    <a:lstStyle/>
+                    <a:p>
+                      <a:r>
+                        <a:rPr lang="en-US" b="1" dirty="0"/>
+                        <a:t>2</a:t>
+                      </a:r>
+                    </a:p>
+                  </a:txBody>
+                  <a:tcPr/>
+                </a:tc>
+                <a:tc>
+                  <a:txBody>
+                    <a:bodyPr/>
+                    <a:lstStyle/>
+                    <a:p>
+                      <a:r>
+                        <a:rPr lang="en-US" b="1" dirty="0"/>
+                        <a:t>Bar</a:t>
+                      </a:r>
+                    </a:p>
+                  </a:txBody>
+                  <a:tcPr/>
+                </a:tc>
+                <a:tc>
+                  <a:txBody>
+                    <a:bodyPr/>
+                    <a:lstStyle/>
+                    <a:p>
+                      <a:r>
+                        <a:rPr lang="en-US" b="1" dirty="0"/>
+                        <a:t>Foo</a:t>
+                      </a:r>
+                    </a:p>
+                  </a:txBody>
+                  <a:tcPr/>
+                </a:tc>
+                <a:extLst>
+                  <a:ext uri="{0D108BD9-81ED-4DB2-BD59-A6C34878D82A}">
+                    <a16:rowId xmlns:a16="http://schemas.microsoft.com/office/drawing/2014/main" val="2473083762"/>
+                  </a:ext>
+                </a:extLst>
+              </a:tr>
+              <a:tr h="255793">
+                <a:tc>
+                  <a:txBody>
+                    <a:bodyPr/>
+                    <a:lstStyle/>
+                    <a:p>
+                      <a:r>
+                        <a:rPr lang="en-US" b="0" dirty="0"/>
+                        <a:t>3</a:t>
+                      </a:r>
+                    </a:p>
+                  </a:txBody>
+                  <a:tcPr/>
+                </a:tc>
+                <a:tc>
+                  <a:txBody>
+                    <a:bodyPr/>
+                    <a:lstStyle/>
+                    <a:p>
+                      <a:r>
+                        <a:rPr lang="en-US" b="0" dirty="0"/>
+                        <a:t>Yellow</a:t>
+                      </a:r>
+                    </a:p>
+                  </a:txBody>
+                  <a:tcPr/>
+                </a:tc>
+                <a:tc>
+                  <a:txBody>
+                    <a:bodyPr/>
+                    <a:lstStyle/>
+                    <a:p>
+                      <a:r>
+                        <a:rPr lang="en-US" b="0" dirty="0"/>
+                        <a:t>Green</a:t>
+                      </a:r>
+                    </a:p>
+                  </a:txBody>
+                  <a:tcPr/>
+                </a:tc>
+                <a:extLst>
+                  <a:ext uri="{0D108BD9-81ED-4DB2-BD59-A6C34878D82A}">
+                    <a16:rowId xmlns:a16="http://schemas.microsoft.com/office/drawing/2014/main" val="2355888422"/>
+                  </a:ext>
+                </a:extLst>
+              </a:tr>
+              <a:tr h="255793">
+                <a:tc>
+                  <a:txBody>
+                    <a:bodyPr/>
+                    <a:lstStyle/>
+                    <a:p>
+                      <a:r>
+                        <a:rPr lang="en-US" b="0" dirty="0"/>
+                        <a:t>4</a:t>
+                      </a:r>
+                    </a:p>
+                  </a:txBody>
+                  <a:tcPr/>
+                </a:tc>
+                <a:tc>
+                  <a:txBody>
+                    <a:bodyPr/>
+                    <a:lstStyle/>
+                    <a:p>
+                      <a:r>
+                        <a:rPr lang="en-US" b="0" dirty="0"/>
+                        <a:t>Brown</a:t>
+                      </a:r>
+                    </a:p>
+                  </a:txBody>
+                  <a:tcPr/>
+                </a:tc>
+                <a:tc>
+                  <a:txBody>
+                    <a:bodyPr/>
+                    <a:lstStyle/>
+                    <a:p>
+                      <a:r>
+                        <a:rPr lang="en-US" b="0" dirty="0"/>
+                        <a:t>Black</a:t>
+                      </a:r>
+                    </a:p>
+                  </a:txBody>
+                  <a:tcPr/>
+                </a:tc>
+                <a:extLst>
+                  <a:ext uri="{0D108BD9-81ED-4DB2-BD59-A6C34878D82A}">
+                    <a16:rowId xmlns:a16="http://schemas.microsoft.com/office/drawing/2014/main" val="3704615067"/>
+                  </a:ext>
+                </a:extLst>
+              </a:tr>
+              <a:tr h="255793">
+                <a:tc>
+                  <a:txBody>
+                    <a:bodyPr/>
+                    <a:lstStyle/>
+                    <a:p>
+                      <a:r>
+                        <a:rPr lang="en-US" b="0" dirty="0"/>
+                        <a:t>5</a:t>
+                      </a:r>
+                    </a:p>
+                  </a:txBody>
+                  <a:tcPr/>
+                </a:tc>
+                <a:tc>
+                  <a:txBody>
+                    <a:bodyPr/>
+                    <a:lstStyle/>
+                    <a:p>
+                      <a:r>
+                        <a:rPr lang="en-US" b="0" dirty="0"/>
+                        <a:t>Green</a:t>
+                      </a:r>
+                    </a:p>
+                  </a:txBody>
+                  <a:tcPr/>
+                </a:tc>
+                <a:tc>
+                  <a:txBody>
+                    <a:bodyPr/>
+                    <a:lstStyle/>
+                    <a:p>
+                      <a:r>
+                        <a:rPr lang="en-US" b="0" dirty="0"/>
+                        <a:t>Pink</a:t>
+                      </a:r>
+                    </a:p>
+                  </a:txBody>
+                  <a:tcPr/>
+                </a:tc>
+                <a:extLst>
+                  <a:ext uri="{0D108BD9-81ED-4DB2-BD59-A6C34878D82A}">
+                    <a16:rowId xmlns:a16="http://schemas.microsoft.com/office/drawing/2014/main" val="925531847"/>
+                  </a:ext>
+                </a:extLst>
+              </a:tr>
+            </a:tbl>
+          </a:graphicData>
+        </a:graphic>
+      </p:graphicFrame>
+    </p:spTree>
+    <p:extLst>
+      <p:ext uri="{BB962C8B-B14F-4D97-AF65-F5344CB8AC3E}">
+        <p14:creationId xmlns:p14="http://schemas.microsoft.com/office/powerpoint/2010/main" val="2696832188"/>
+      </p:ext>
+    </p:extLst>
+  </p:cSld>
+  <p:clrMapOvr>
+    <a:masterClrMapping/>
+  </p:clrMapOvr>
+</p:sld>
+</file>
+
+<file path=ppt/slides/slide33.xml><?xml version="1.0" encoding="utf-8"?>
+<p:sld xmlns:a="http://schemas.openxmlformats.org/drawingml/2006/main" xmlns:r="http://schemas.openxmlformats.org/officeDocument/2006/relationships" xmlns:p="http://schemas.openxmlformats.org/presentationml/2006/main">
+  <p:cSld>
+    <p:spTree>
+      <p:nvGrpSpPr>
+        <p:cNvPr id="1" name=""/>
+        <p:cNvGrpSpPr/>
+        <p:nvPr/>
+      </p:nvGrpSpPr>
+      <p:grpSpPr>
+        <a:xfrm>
+          <a:off x="0" y="0"/>
+          <a:ext cx="0" cy="0"/>
+          <a:chOff x="0" y="0"/>
+          <a:chExt cx="0" cy="0"/>
+        </a:xfrm>
+      </p:grpSpPr>
+      <p:sp>
+        <p:nvSpPr>
+          <p:cNvPr id="2" name="Title 1">
+            <a:extLst>
+              <a:ext uri="{FF2B5EF4-FFF2-40B4-BE49-F238E27FC236}">
+                <a16:creationId xmlns:a16="http://schemas.microsoft.com/office/drawing/2014/main" id="{99E701A6-9CB5-405E-99F1-FB14D4A61A7F}"/>
+              </a:ext>
+            </a:extLst>
+          </p:cNvPr>
+          <p:cNvSpPr>
+            <a:spLocks noGrp="1"/>
+          </p:cNvSpPr>
+          <p:nvPr>
+            <p:ph type="title"/>
+          </p:nvPr>
+        </p:nvSpPr>
+        <p:spPr/>
+        <p:txBody>
+          <a:bodyPr/>
+          <a:lstStyle/>
+          <a:p>
+            <a:r>
+              <a:rPr lang="en-US" dirty="0"/>
+              <a:t>Consistency</a:t>
+            </a:r>
+          </a:p>
+        </p:txBody>
+      </p:sp>
+      <p:pic>
+        <p:nvPicPr>
+          <p:cNvPr id="3" name="Picture 2">
+            <a:extLst>
+              <a:ext uri="{FF2B5EF4-FFF2-40B4-BE49-F238E27FC236}">
+                <a16:creationId xmlns:a16="http://schemas.microsoft.com/office/drawing/2014/main" id="{09D9D5A3-1CB7-4959-83BB-15C8AE5C3C8F}"/>
+              </a:ext>
+            </a:extLst>
+          </p:cNvPr>
+          <p:cNvPicPr>
+            <a:picLocks noChangeAspect="1" noChangeArrowheads="1"/>
+          </p:cNvPicPr>
+          <p:nvPr/>
+        </p:nvPicPr>
+        <p:blipFill>
+          <a:blip r:embed="rId3">
+            <a:extLst>
+              <a:ext uri="{28A0092B-C50C-407E-A947-70E740481C1C}">
+                <a14:useLocalDpi xmlns:a14="http://schemas.microsoft.com/office/drawing/2010/main" val="0"/>
+              </a:ext>
+            </a:extLst>
+          </a:blip>
+          <a:srcRect/>
+          <a:stretch>
+            <a:fillRect/>
+          </a:stretch>
+        </p:blipFill>
+        <p:spPr bwMode="auto">
+          <a:xfrm>
+            <a:off x="6597701" y="-2690582"/>
+            <a:ext cx="4311666" cy="9548582"/>
+          </a:xfrm>
+          <a:prstGeom prst="rect">
+            <a:avLst/>
+          </a:prstGeom>
+          <a:noFill/>
+          <a:extLst>
+            <a:ext uri="{909E8E84-426E-40DD-AFC4-6F175D3DCCD1}">
+              <a14:hiddenFill xmlns:a14="http://schemas.microsoft.com/office/drawing/2010/main">
+                <a:solidFill>
+                  <a:srgbClr val="FFFFFF"/>
+                </a:solidFill>
+              </a14:hiddenFill>
+            </a:ext>
+          </a:extLst>
+        </p:spPr>
+      </p:pic>
+      <p:pic>
+        <p:nvPicPr>
+          <p:cNvPr id="4" name="Graphic 3" descr="Database">
+            <a:extLst>
+              <a:ext uri="{FF2B5EF4-FFF2-40B4-BE49-F238E27FC236}">
+                <a16:creationId xmlns:a16="http://schemas.microsoft.com/office/drawing/2014/main" id="{226C4225-70BF-4173-8ABC-1BB32BA84AC6}"/>
+              </a:ext>
+            </a:extLst>
+          </p:cNvPr>
+          <p:cNvPicPr>
+            <a:picLocks noChangeAspect="1"/>
+          </p:cNvPicPr>
+          <p:nvPr/>
+        </p:nvPicPr>
+        <p:blipFill>
+          <a:blip r:embed="rId4">
+            <a:extLst>
+              <a:ext uri="{28A0092B-C50C-407E-A947-70E740481C1C}">
+                <a14:useLocalDpi xmlns:a14="http://schemas.microsoft.com/office/drawing/2010/main" val="0"/>
+              </a:ext>
+              <a:ext uri="{96DAC541-7B7A-43D3-8B79-37D633B846F1}">
+                <asvg:svgBlip xmlns:asvg="http://schemas.microsoft.com/office/drawing/2016/SVG/main" r:embed="rId5"/>
+              </a:ext>
+            </a:extLst>
+          </a:blip>
+          <a:stretch>
+            <a:fillRect/>
+          </a:stretch>
+        </p:blipFill>
+        <p:spPr>
+          <a:xfrm>
+            <a:off x="9633285" y="3145055"/>
+            <a:ext cx="914400" cy="914400"/>
+          </a:xfrm>
+          <a:prstGeom prst="rect">
+            <a:avLst/>
+          </a:prstGeom>
+        </p:spPr>
+      </p:pic>
+      <p:pic>
+        <p:nvPicPr>
+          <p:cNvPr id="5" name="Graphic 4" descr="Tugboat">
+            <a:extLst>
+              <a:ext uri="{FF2B5EF4-FFF2-40B4-BE49-F238E27FC236}">
+                <a16:creationId xmlns:a16="http://schemas.microsoft.com/office/drawing/2014/main" id="{996F061D-32EE-4B8B-A9F0-413743CB8366}"/>
+              </a:ext>
+            </a:extLst>
+          </p:cNvPr>
+          <p:cNvPicPr>
+            <a:picLocks noChangeAspect="1"/>
+          </p:cNvPicPr>
+          <p:nvPr/>
+        </p:nvPicPr>
+        <p:blipFill>
+          <a:blip r:embed="rId6">
+            <a:extLst>
+              <a:ext uri="{28A0092B-C50C-407E-A947-70E740481C1C}">
+                <a14:useLocalDpi xmlns:a14="http://schemas.microsoft.com/office/drawing/2010/main" val="0"/>
+              </a:ext>
+              <a:ext uri="{96DAC541-7B7A-43D3-8B79-37D633B846F1}">
+                <asvg:svgBlip xmlns:asvg="http://schemas.microsoft.com/office/drawing/2016/SVG/main" r:embed="rId7"/>
+              </a:ext>
+            </a:extLst>
+          </a:blip>
+          <a:stretch>
+            <a:fillRect/>
+          </a:stretch>
+        </p:blipFill>
+        <p:spPr>
+          <a:xfrm>
+            <a:off x="2693751" y="3457081"/>
+            <a:ext cx="914400" cy="914400"/>
+          </a:xfrm>
+          <a:prstGeom prst="rect">
+            <a:avLst/>
+          </a:prstGeom>
+          <a:effectLst>
+            <a:outerShdw blurRad="50800" dist="38100" dir="2700000" algn="tl" rotWithShape="0">
+              <a:prstClr val="black">
+                <a:alpha val="40000"/>
+              </a:prstClr>
+            </a:outerShdw>
+          </a:effectLst>
+        </p:spPr>
+      </p:pic>
+      <p:graphicFrame>
+        <p:nvGraphicFramePr>
+          <p:cNvPr id="6" name="Table 3">
+            <a:extLst>
+              <a:ext uri="{FF2B5EF4-FFF2-40B4-BE49-F238E27FC236}">
+                <a16:creationId xmlns:a16="http://schemas.microsoft.com/office/drawing/2014/main" id="{15C8F909-65B4-423E-9228-3FBF13D60F87}"/>
+              </a:ext>
+            </a:extLst>
+          </p:cNvPr>
+          <p:cNvGraphicFramePr>
+            <a:graphicFrameLocks noGrp="1"/>
+          </p:cNvGraphicFramePr>
+          <p:nvPr>
+            <p:extLst>
+              <p:ext uri="{D42A27DB-BD31-4B8C-83A1-F6EECF244321}">
+                <p14:modId xmlns:p14="http://schemas.microsoft.com/office/powerpoint/2010/main" val="129713956"/>
+              </p:ext>
+            </p:extLst>
+          </p:nvPr>
+        </p:nvGraphicFramePr>
+        <p:xfrm>
+          <a:off x="549142" y="4462347"/>
+          <a:ext cx="5440980" cy="2194560"/>
+        </p:xfrm>
+        <a:graphic>
+          <a:graphicData uri="http://schemas.openxmlformats.org/drawingml/2006/table">
+            <a:tbl>
+              <a:tblPr firstRow="1" bandRow="1">
+                <a:tableStyleId>{5C22544A-7EE6-4342-B048-85BDC9FD1C3A}</a:tableStyleId>
+              </a:tblPr>
+              <a:tblGrid>
+                <a:gridCol w="1813660">
+                  <a:extLst>
+                    <a:ext uri="{9D8B030D-6E8A-4147-A177-3AD203B41FA5}">
+                      <a16:colId xmlns:a16="http://schemas.microsoft.com/office/drawing/2014/main" val="188685320"/>
+                    </a:ext>
+                  </a:extLst>
+                </a:gridCol>
+                <a:gridCol w="1813660">
+                  <a:extLst>
+                    <a:ext uri="{9D8B030D-6E8A-4147-A177-3AD203B41FA5}">
+                      <a16:colId xmlns:a16="http://schemas.microsoft.com/office/drawing/2014/main" val="2216059015"/>
+                    </a:ext>
+                  </a:extLst>
+                </a:gridCol>
+                <a:gridCol w="1813660">
+                  <a:extLst>
+                    <a:ext uri="{9D8B030D-6E8A-4147-A177-3AD203B41FA5}">
+                      <a16:colId xmlns:a16="http://schemas.microsoft.com/office/drawing/2014/main" val="1910021152"/>
+                    </a:ext>
+                  </a:extLst>
+                </a:gridCol>
+              </a:tblGrid>
+              <a:tr h="255793">
+                <a:tc>
+                  <a:txBody>
+                    <a:bodyPr/>
+                    <a:lstStyle/>
+                    <a:p>
+                      <a:r>
+                        <a:rPr lang="en-US" dirty="0"/>
+                        <a:t>Id</a:t>
+                      </a:r>
+                    </a:p>
+                  </a:txBody>
+                  <a:tcPr/>
+                </a:tc>
+                <a:tc>
+                  <a:txBody>
+                    <a:bodyPr/>
+                    <a:lstStyle/>
+                    <a:p>
+                      <a:r>
+                        <a:rPr lang="en-US" dirty="0"/>
+                        <a:t>Column</a:t>
+                      </a:r>
+                    </a:p>
+                  </a:txBody>
+                  <a:tcPr/>
+                </a:tc>
+                <a:tc>
+                  <a:txBody>
+                    <a:bodyPr/>
+                    <a:lstStyle/>
+                    <a:p>
+                      <a:r>
+                        <a:rPr lang="en-US" dirty="0"/>
+                        <a:t>Column</a:t>
+                      </a:r>
+                    </a:p>
+                  </a:txBody>
+                  <a:tcPr/>
+                </a:tc>
+                <a:extLst>
+                  <a:ext uri="{0D108BD9-81ED-4DB2-BD59-A6C34878D82A}">
+                    <a16:rowId xmlns:a16="http://schemas.microsoft.com/office/drawing/2014/main" val="3986786355"/>
+                  </a:ext>
+                </a:extLst>
+              </a:tr>
+              <a:tr h="255793">
+                <a:tc>
+                  <a:txBody>
+                    <a:bodyPr/>
+                    <a:lstStyle/>
+                    <a:p>
+                      <a:r>
+                        <a:rPr lang="en-US" b="1" dirty="0"/>
+                        <a:t>1</a:t>
+                      </a:r>
+                    </a:p>
+                  </a:txBody>
+                  <a:tcPr/>
+                </a:tc>
+                <a:tc>
+                  <a:txBody>
+                    <a:bodyPr/>
+                    <a:lstStyle/>
+                    <a:p>
+                      <a:r>
+                        <a:rPr lang="en-US" b="1" dirty="0"/>
+                        <a:t>Foo</a:t>
+                      </a:r>
+                    </a:p>
+                  </a:txBody>
+                  <a:tcPr/>
+                </a:tc>
+                <a:tc>
+                  <a:txBody>
+                    <a:bodyPr/>
+                    <a:lstStyle/>
+                    <a:p>
+                      <a:r>
+                        <a:rPr lang="en-US" b="1" dirty="0"/>
+                        <a:t>Bar</a:t>
+                      </a:r>
+                    </a:p>
+                  </a:txBody>
+                  <a:tcPr/>
+                </a:tc>
+                <a:extLst>
+                  <a:ext uri="{0D108BD9-81ED-4DB2-BD59-A6C34878D82A}">
+                    <a16:rowId xmlns:a16="http://schemas.microsoft.com/office/drawing/2014/main" val="1260512336"/>
+                  </a:ext>
+                </a:extLst>
+              </a:tr>
+              <a:tr h="255793">
+                <a:tc>
+                  <a:txBody>
+                    <a:bodyPr/>
+                    <a:lstStyle/>
+                    <a:p>
+                      <a:r>
+                        <a:rPr lang="en-US" b="1" dirty="0"/>
+                        <a:t>2</a:t>
+                      </a:r>
+                    </a:p>
+                  </a:txBody>
+                  <a:tcPr/>
+                </a:tc>
+                <a:tc>
+                  <a:txBody>
+                    <a:bodyPr/>
+                    <a:lstStyle/>
+                    <a:p>
+                      <a:r>
+                        <a:rPr lang="en-US" b="1" dirty="0"/>
+                        <a:t>Bar</a:t>
+                      </a:r>
+                    </a:p>
+                  </a:txBody>
+                  <a:tcPr/>
+                </a:tc>
+                <a:tc>
+                  <a:txBody>
+                    <a:bodyPr/>
+                    <a:lstStyle/>
+                    <a:p>
+                      <a:r>
+                        <a:rPr lang="en-US" b="1" dirty="0"/>
+                        <a:t>Foo</a:t>
+                      </a:r>
+                    </a:p>
+                  </a:txBody>
+                  <a:tcPr/>
+                </a:tc>
+                <a:extLst>
+                  <a:ext uri="{0D108BD9-81ED-4DB2-BD59-A6C34878D82A}">
+                    <a16:rowId xmlns:a16="http://schemas.microsoft.com/office/drawing/2014/main" val="2473083762"/>
+                  </a:ext>
+                </a:extLst>
+              </a:tr>
+              <a:tr h="255793">
+                <a:tc>
+                  <a:txBody>
+                    <a:bodyPr/>
+                    <a:lstStyle/>
+                    <a:p>
+                      <a:endParaRPr lang="en-US" dirty="0"/>
+                    </a:p>
+                  </a:txBody>
+                  <a:tcPr/>
+                </a:tc>
+                <a:tc>
+                  <a:txBody>
+                    <a:bodyPr/>
+                    <a:lstStyle/>
+                    <a:p>
+                      <a:endParaRPr lang="en-US" dirty="0"/>
+                    </a:p>
+                  </a:txBody>
+                  <a:tcPr/>
+                </a:tc>
+                <a:tc>
+                  <a:txBody>
+                    <a:bodyPr/>
+                    <a:lstStyle/>
+                    <a:p>
+                      <a:endParaRPr lang="en-US" dirty="0"/>
+                    </a:p>
+                  </a:txBody>
+                  <a:tcPr/>
+                </a:tc>
+                <a:extLst>
+                  <a:ext uri="{0D108BD9-81ED-4DB2-BD59-A6C34878D82A}">
+                    <a16:rowId xmlns:a16="http://schemas.microsoft.com/office/drawing/2014/main" val="2355888422"/>
+                  </a:ext>
+                </a:extLst>
+              </a:tr>
+              <a:tr h="255793">
+                <a:tc>
+                  <a:txBody>
+                    <a:bodyPr/>
+                    <a:lstStyle/>
+                    <a:p>
+                      <a:endParaRPr lang="en-US" dirty="0"/>
+                    </a:p>
+                  </a:txBody>
+                  <a:tcPr/>
+                </a:tc>
+                <a:tc>
+                  <a:txBody>
+                    <a:bodyPr/>
+                    <a:lstStyle/>
+                    <a:p>
+                      <a:endParaRPr lang="en-US" dirty="0"/>
+                    </a:p>
+                  </a:txBody>
+                  <a:tcPr/>
+                </a:tc>
+                <a:tc>
+                  <a:txBody>
+                    <a:bodyPr/>
+                    <a:lstStyle/>
+                    <a:p>
+                      <a:endParaRPr lang="en-US" dirty="0"/>
+                    </a:p>
+                  </a:txBody>
+                  <a:tcPr/>
+                </a:tc>
+                <a:extLst>
+                  <a:ext uri="{0D108BD9-81ED-4DB2-BD59-A6C34878D82A}">
+                    <a16:rowId xmlns:a16="http://schemas.microsoft.com/office/drawing/2014/main" val="3704615067"/>
+                  </a:ext>
+                </a:extLst>
+              </a:tr>
+              <a:tr h="255793">
+                <a:tc>
+                  <a:txBody>
+                    <a:bodyPr/>
+                    <a:lstStyle/>
+                    <a:p>
+                      <a:endParaRPr lang="en-US" dirty="0"/>
+                    </a:p>
+                  </a:txBody>
+                  <a:tcPr/>
+                </a:tc>
+                <a:tc>
+                  <a:txBody>
+                    <a:bodyPr/>
+                    <a:lstStyle/>
+                    <a:p>
+                      <a:endParaRPr lang="en-US" dirty="0"/>
+                    </a:p>
+                  </a:txBody>
+                  <a:tcPr/>
+                </a:tc>
+                <a:tc>
+                  <a:txBody>
+                    <a:bodyPr/>
+                    <a:lstStyle/>
+                    <a:p>
+                      <a:endParaRPr lang="en-US" dirty="0"/>
+                    </a:p>
+                  </a:txBody>
+                  <a:tcPr/>
+                </a:tc>
+                <a:extLst>
+                  <a:ext uri="{0D108BD9-81ED-4DB2-BD59-A6C34878D82A}">
+                    <a16:rowId xmlns:a16="http://schemas.microsoft.com/office/drawing/2014/main" val="925531847"/>
+                  </a:ext>
+                </a:extLst>
+              </a:tr>
+            </a:tbl>
+          </a:graphicData>
+        </a:graphic>
+      </p:graphicFrame>
+      <p:graphicFrame>
+        <p:nvGraphicFramePr>
+          <p:cNvPr id="7" name="Table 3">
+            <a:extLst>
+              <a:ext uri="{FF2B5EF4-FFF2-40B4-BE49-F238E27FC236}">
+                <a16:creationId xmlns:a16="http://schemas.microsoft.com/office/drawing/2014/main" id="{79D90135-59ED-4BE6-94F3-093D84B53EEE}"/>
+              </a:ext>
+            </a:extLst>
+          </p:cNvPr>
+          <p:cNvGraphicFramePr>
+            <a:graphicFrameLocks noGrp="1"/>
+          </p:cNvGraphicFramePr>
+          <p:nvPr>
+            <p:extLst>
+              <p:ext uri="{D42A27DB-BD31-4B8C-83A1-F6EECF244321}">
+                <p14:modId xmlns:p14="http://schemas.microsoft.com/office/powerpoint/2010/main" val="4216260983"/>
+              </p:ext>
+            </p:extLst>
+          </p:nvPr>
+        </p:nvGraphicFramePr>
+        <p:xfrm>
+          <a:off x="6401302" y="379325"/>
+          <a:ext cx="5440980" cy="2194560"/>
+        </p:xfrm>
+        <a:graphic>
+          <a:graphicData uri="http://schemas.openxmlformats.org/drawingml/2006/table">
+            <a:tbl>
+              <a:tblPr firstRow="1" bandRow="1">
+                <a:tableStyleId>{5C22544A-7EE6-4342-B048-85BDC9FD1C3A}</a:tableStyleId>
+              </a:tblPr>
+              <a:tblGrid>
+                <a:gridCol w="1813660">
+                  <a:extLst>
+                    <a:ext uri="{9D8B030D-6E8A-4147-A177-3AD203B41FA5}">
+                      <a16:colId xmlns:a16="http://schemas.microsoft.com/office/drawing/2014/main" val="188685320"/>
+                    </a:ext>
+                  </a:extLst>
+                </a:gridCol>
+                <a:gridCol w="1813660">
+                  <a:extLst>
+                    <a:ext uri="{9D8B030D-6E8A-4147-A177-3AD203B41FA5}">
+                      <a16:colId xmlns:a16="http://schemas.microsoft.com/office/drawing/2014/main" val="2216059015"/>
+                    </a:ext>
+                  </a:extLst>
+                </a:gridCol>
+                <a:gridCol w="1813660">
+                  <a:extLst>
+                    <a:ext uri="{9D8B030D-6E8A-4147-A177-3AD203B41FA5}">
+                      <a16:colId xmlns:a16="http://schemas.microsoft.com/office/drawing/2014/main" val="1910021152"/>
+                    </a:ext>
+                  </a:extLst>
+                </a:gridCol>
+              </a:tblGrid>
+              <a:tr h="255793">
+                <a:tc>
+                  <a:txBody>
+                    <a:bodyPr/>
+                    <a:lstStyle/>
+                    <a:p>
+                      <a:r>
+                        <a:rPr lang="en-US" b="0" dirty="0"/>
+                        <a:t>Id</a:t>
+                      </a:r>
+                    </a:p>
+                  </a:txBody>
+                  <a:tcPr/>
+                </a:tc>
+                <a:tc>
+                  <a:txBody>
+                    <a:bodyPr/>
+                    <a:lstStyle/>
+                    <a:p>
+                      <a:r>
+                        <a:rPr lang="en-US" b="0" dirty="0"/>
+                        <a:t>Column</a:t>
+                      </a:r>
+                    </a:p>
+                  </a:txBody>
+                  <a:tcPr/>
+                </a:tc>
+                <a:tc>
+                  <a:txBody>
+                    <a:bodyPr/>
+                    <a:lstStyle/>
+                    <a:p>
+                      <a:r>
+                        <a:rPr lang="en-US" b="0" dirty="0"/>
+                        <a:t>Column</a:t>
+                      </a:r>
+                    </a:p>
+                  </a:txBody>
+                  <a:tcPr/>
+                </a:tc>
+                <a:extLst>
+                  <a:ext uri="{0D108BD9-81ED-4DB2-BD59-A6C34878D82A}">
+                    <a16:rowId xmlns:a16="http://schemas.microsoft.com/office/drawing/2014/main" val="3986786355"/>
+                  </a:ext>
+                </a:extLst>
+              </a:tr>
+              <a:tr h="255793">
+                <a:tc>
+                  <a:txBody>
+                    <a:bodyPr/>
+                    <a:lstStyle/>
+                    <a:p>
+                      <a:r>
+                        <a:rPr lang="en-US" b="1" dirty="0"/>
+                        <a:t>1</a:t>
+                      </a:r>
+                    </a:p>
+                  </a:txBody>
+                  <a:tcPr/>
+                </a:tc>
+                <a:tc>
+                  <a:txBody>
+                    <a:bodyPr/>
+                    <a:lstStyle/>
+                    <a:p>
+                      <a:r>
+                        <a:rPr lang="en-US" b="1" dirty="0"/>
+                        <a:t>Foo</a:t>
+                      </a:r>
+                    </a:p>
+                  </a:txBody>
+                  <a:tcPr/>
+                </a:tc>
+                <a:tc>
+                  <a:txBody>
+                    <a:bodyPr/>
+                    <a:lstStyle/>
+                    <a:p>
+                      <a:r>
+                        <a:rPr lang="en-US" b="1" dirty="0"/>
+                        <a:t>Bar</a:t>
+                      </a:r>
+                    </a:p>
+                  </a:txBody>
+                  <a:tcPr/>
+                </a:tc>
+                <a:extLst>
+                  <a:ext uri="{0D108BD9-81ED-4DB2-BD59-A6C34878D82A}">
+                    <a16:rowId xmlns:a16="http://schemas.microsoft.com/office/drawing/2014/main" val="1260512336"/>
+                  </a:ext>
+                </a:extLst>
+              </a:tr>
+              <a:tr h="255793">
+                <a:tc>
+                  <a:txBody>
+                    <a:bodyPr/>
+                    <a:lstStyle/>
+                    <a:p>
+                      <a:r>
+                        <a:rPr lang="en-US" b="1" dirty="0"/>
+                        <a:t>2</a:t>
+                      </a:r>
+                    </a:p>
+                  </a:txBody>
+                  <a:tcPr/>
+                </a:tc>
+                <a:tc>
+                  <a:txBody>
+                    <a:bodyPr/>
+                    <a:lstStyle/>
+                    <a:p>
+                      <a:r>
+                        <a:rPr lang="en-US" b="1" dirty="0"/>
+                        <a:t>Bar</a:t>
+                      </a:r>
+                    </a:p>
+                  </a:txBody>
+                  <a:tcPr/>
+                </a:tc>
+                <a:tc>
+                  <a:txBody>
+                    <a:bodyPr/>
+                    <a:lstStyle/>
+                    <a:p>
+                      <a:r>
+                        <a:rPr lang="en-US" b="1" dirty="0"/>
+                        <a:t>Foo</a:t>
+                      </a:r>
+                    </a:p>
+                  </a:txBody>
+                  <a:tcPr/>
+                </a:tc>
+                <a:extLst>
+                  <a:ext uri="{0D108BD9-81ED-4DB2-BD59-A6C34878D82A}">
+                    <a16:rowId xmlns:a16="http://schemas.microsoft.com/office/drawing/2014/main" val="2473083762"/>
+                  </a:ext>
+                </a:extLst>
+              </a:tr>
+              <a:tr h="255793">
+                <a:tc>
+                  <a:txBody>
+                    <a:bodyPr/>
+                    <a:lstStyle/>
+                    <a:p>
+                      <a:r>
+                        <a:rPr lang="en-US" b="0" dirty="0"/>
+                        <a:t>3</a:t>
+                      </a:r>
+                    </a:p>
+                  </a:txBody>
+                  <a:tcPr/>
+                </a:tc>
+                <a:tc>
+                  <a:txBody>
+                    <a:bodyPr/>
+                    <a:lstStyle/>
+                    <a:p>
+                      <a:r>
+                        <a:rPr lang="en-US" b="0" dirty="0"/>
+                        <a:t>Yellow</a:t>
+                      </a:r>
+                    </a:p>
+                  </a:txBody>
+                  <a:tcPr/>
+                </a:tc>
+                <a:tc>
+                  <a:txBody>
+                    <a:bodyPr/>
+                    <a:lstStyle/>
+                    <a:p>
+                      <a:r>
+                        <a:rPr lang="en-US" b="0" dirty="0"/>
+                        <a:t>Green</a:t>
+                      </a:r>
+                    </a:p>
+                  </a:txBody>
+                  <a:tcPr/>
+                </a:tc>
+                <a:extLst>
+                  <a:ext uri="{0D108BD9-81ED-4DB2-BD59-A6C34878D82A}">
+                    <a16:rowId xmlns:a16="http://schemas.microsoft.com/office/drawing/2014/main" val="2355888422"/>
+                  </a:ext>
+                </a:extLst>
+              </a:tr>
+              <a:tr h="255793">
+                <a:tc>
+                  <a:txBody>
+                    <a:bodyPr/>
+                    <a:lstStyle/>
+                    <a:p>
+                      <a:r>
+                        <a:rPr lang="en-US" b="0" dirty="0"/>
+                        <a:t>4</a:t>
+                      </a:r>
+                    </a:p>
+                  </a:txBody>
+                  <a:tcPr/>
+                </a:tc>
+                <a:tc>
+                  <a:txBody>
+                    <a:bodyPr/>
+                    <a:lstStyle/>
+                    <a:p>
+                      <a:r>
+                        <a:rPr lang="en-US" b="0" dirty="0"/>
+                        <a:t>Brown</a:t>
+                      </a:r>
+                    </a:p>
+                  </a:txBody>
+                  <a:tcPr/>
+                </a:tc>
+                <a:tc>
+                  <a:txBody>
+                    <a:bodyPr/>
+                    <a:lstStyle/>
+                    <a:p>
+                      <a:r>
+                        <a:rPr lang="en-US" b="0" dirty="0"/>
+                        <a:t>Black</a:t>
+                      </a:r>
+                    </a:p>
+                  </a:txBody>
+                  <a:tcPr/>
+                </a:tc>
+                <a:extLst>
+                  <a:ext uri="{0D108BD9-81ED-4DB2-BD59-A6C34878D82A}">
+                    <a16:rowId xmlns:a16="http://schemas.microsoft.com/office/drawing/2014/main" val="3704615067"/>
+                  </a:ext>
+                </a:extLst>
+              </a:tr>
+              <a:tr h="255793">
+                <a:tc>
+                  <a:txBody>
+                    <a:bodyPr/>
+                    <a:lstStyle/>
+                    <a:p>
+                      <a:r>
+                        <a:rPr lang="en-US" b="0" dirty="0"/>
+                        <a:t>5</a:t>
+                      </a:r>
+                    </a:p>
+                  </a:txBody>
+                  <a:tcPr/>
+                </a:tc>
+                <a:tc>
+                  <a:txBody>
+                    <a:bodyPr/>
+                    <a:lstStyle/>
+                    <a:p>
+                      <a:r>
+                        <a:rPr lang="en-US" b="0" dirty="0"/>
+                        <a:t>Boo</a:t>
+                      </a:r>
+                    </a:p>
+                  </a:txBody>
+                  <a:tcPr/>
+                </a:tc>
+                <a:tc>
+                  <a:txBody>
+                    <a:bodyPr/>
+                    <a:lstStyle/>
+                    <a:p>
+                      <a:r>
+                        <a:rPr lang="en-US" b="0" dirty="0"/>
+                        <a:t>Far</a:t>
+                      </a:r>
+                    </a:p>
+                  </a:txBody>
+                  <a:tcPr/>
+                </a:tc>
+                <a:extLst>
+                  <a:ext uri="{0D108BD9-81ED-4DB2-BD59-A6C34878D82A}">
+                    <a16:rowId xmlns:a16="http://schemas.microsoft.com/office/drawing/2014/main" val="925531847"/>
+                  </a:ext>
+                </a:extLst>
+              </a:tr>
+            </a:tbl>
+          </a:graphicData>
+        </a:graphic>
+      </p:graphicFrame>
+    </p:spTree>
+    <p:extLst>
+      <p:ext uri="{BB962C8B-B14F-4D97-AF65-F5344CB8AC3E}">
+        <p14:creationId xmlns:p14="http://schemas.microsoft.com/office/powerpoint/2010/main" val="872136805"/>
       </p:ext>
     </p:extLst>
   </p:cSld>

--- a/Slides/02_DesignForSpeed.pptx
+++ b/Slides/02_DesignForSpeed.pptx
@@ -5,7 +5,7 @@
     <p:sldMasterId id="2147483648" r:id="rId1"/>
   </p:sldMasterIdLst>
   <p:notesMasterIdLst>
-    <p:notesMasterId r:id="rId35"/>
+    <p:notesMasterId r:id="rId38"/>
   </p:notesMasterIdLst>
   <p:sldIdLst>
     <p:sldId id="256" r:id="rId2"/>
@@ -41,6 +41,9 @@
     <p:sldId id="276" r:id="rId32"/>
     <p:sldId id="291" r:id="rId33"/>
     <p:sldId id="292" r:id="rId34"/>
+    <p:sldId id="293" r:id="rId35"/>
+    <p:sldId id="294" r:id="rId36"/>
+    <p:sldId id="295" r:id="rId37"/>
   </p:sldIdLst>
   <p:sldSz cx="12192000" cy="6858000"/>
   <p:notesSz cx="6858000" cy="9144000"/>
@@ -2285,34 +2288,7 @@
           <a:p>
             <a:r>
               <a:rPr lang="en-US" dirty="0"/>
-              <a:t>HOW WE TRIED TO SOLVE IT</a:t>
-            </a:r>
-          </a:p>
-          <a:p>
-            <a:endParaRPr lang="en-US" dirty="0"/>
-          </a:p>
-          <a:p>
-            <a:r>
-              <a:rPr lang="en-US" dirty="0"/>
-              <a:t>SHIP and SHORE both write to databases as they normally would.  And as you might thinking SHIP PK 500 &lt;&gt; SHORE PK 500.  </a:t>
-            </a:r>
-          </a:p>
-          <a:p>
-            <a:endParaRPr lang="en-US" dirty="0"/>
-          </a:p>
-          <a:p>
-            <a:r>
-              <a:rPr lang="en-US" dirty="0"/>
-              <a:t>SHORE was designated ultimate source of truth for database keys.</a:t>
-            </a:r>
-          </a:p>
-          <a:p>
-            <a:endParaRPr lang="en-US" dirty="0"/>
-          </a:p>
-          <a:p>
-            <a:r>
-              <a:rPr lang="en-US" dirty="0"/>
-              <a:t>SHIP would send a transaction log to SHORE</a:t>
+              <a:t>Shore would figure out where both databases agreed.</a:t>
             </a:r>
           </a:p>
         </p:txBody>
@@ -2399,7 +2375,7 @@
           <a:p>
             <a:r>
               <a:rPr lang="en-US" dirty="0"/>
-              <a:t>HOW WE TRIED TO SOLVE IT</a:t>
+              <a:t>Then it would rollback all the rows that happened to the SHIP and SHORE after they agreed.</a:t>
             </a:r>
           </a:p>
           <a:p>
@@ -2408,25 +2384,7 @@
           <a:p>
             <a:r>
               <a:rPr lang="en-US" dirty="0"/>
-              <a:t>SHIP and SHORE both write to databases as they normally would.  And as you might thinking SHIP PK 500 &lt;&gt; SHORE PK 500.  </a:t>
-            </a:r>
-          </a:p>
-          <a:p>
-            <a:endParaRPr lang="en-US" dirty="0"/>
-          </a:p>
-          <a:p>
-            <a:r>
-              <a:rPr lang="en-US" dirty="0"/>
-              <a:t>SHORE was designated ultimate source of truth for database keys.</a:t>
-            </a:r>
-          </a:p>
-          <a:p>
-            <a:endParaRPr lang="en-US" dirty="0"/>
-          </a:p>
-          <a:p>
-            <a:r>
-              <a:rPr lang="en-US" dirty="0"/>
-              <a:t>SHIP would send a transaction log to SHORE</a:t>
+              <a:t>Then it would replay the events, in the order they happened (in ‘real time’).  Then it would send this data back to the ship, telling the ship how it should rebuild its databases.</a:t>
             </a:r>
           </a:p>
         </p:txBody>
@@ -2458,6 +2416,201 @@
     <p:extLst>
       <p:ext uri="{BB962C8B-B14F-4D97-AF65-F5344CB8AC3E}">
         <p14:creationId xmlns:p14="http://schemas.microsoft.com/office/powerpoint/2010/main" val="1773816816"/>
+      </p:ext>
+    </p:extLst>
+  </p:cSld>
+  <p:clrMapOvr>
+    <a:masterClrMapping/>
+  </p:clrMapOvr>
+</p:notes>
+</file>
+
+<file path=ppt/notesSlides/notesSlide26.xml><?xml version="1.0" encoding="utf-8"?>
+<p:notes xmlns:a="http://schemas.openxmlformats.org/drawingml/2006/main" xmlns:r="http://schemas.openxmlformats.org/officeDocument/2006/relationships" xmlns:p="http://schemas.openxmlformats.org/presentationml/2006/main">
+  <p:cSld>
+    <p:spTree>
+      <p:nvGrpSpPr>
+        <p:cNvPr id="1" name=""/>
+        <p:cNvGrpSpPr/>
+        <p:nvPr/>
+      </p:nvGrpSpPr>
+      <p:grpSpPr>
+        <a:xfrm>
+          <a:off x="0" y="0"/>
+          <a:ext cx="0" cy="0"/>
+          <a:chOff x="0" y="0"/>
+          <a:chExt cx="0" cy="0"/>
+        </a:xfrm>
+      </p:grpSpPr>
+      <p:sp>
+        <p:nvSpPr>
+          <p:cNvPr id="2" name="Slide Image Placeholder 1"/>
+          <p:cNvSpPr>
+            <a:spLocks noGrp="1" noRot="1" noChangeAspect="1"/>
+          </p:cNvSpPr>
+          <p:nvPr>
+            <p:ph type="sldImg"/>
+          </p:nvPr>
+        </p:nvSpPr>
+        <p:spPr/>
+      </p:sp>
+      <p:sp>
+        <p:nvSpPr>
+          <p:cNvPr id="3" name="Notes Placeholder 2"/>
+          <p:cNvSpPr>
+            <a:spLocks noGrp="1"/>
+          </p:cNvSpPr>
+          <p:nvPr>
+            <p:ph type="body" idx="1"/>
+          </p:nvPr>
+        </p:nvSpPr>
+        <p:spPr/>
+        <p:txBody>
+          <a:bodyPr/>
+          <a:lstStyle/>
+          <a:p>
+            <a:r>
+              <a:rPr lang="en-US" dirty="0"/>
+              <a:t>BUT don’t forget, we didn’t have to rewrite ONE table – we had to rewrite the primary table and all the tables with foreign key relationships.  </a:t>
+            </a:r>
+          </a:p>
+          <a:p>
+            <a:endParaRPr lang="en-US" dirty="0"/>
+          </a:p>
+          <a:p>
+            <a:r>
+              <a:rPr lang="en-US" dirty="0"/>
+              <a:t>It.</a:t>
+            </a:r>
+          </a:p>
+          <a:p>
+            <a:r>
+              <a:rPr lang="en-US" dirty="0"/>
+              <a:t>Was.</a:t>
+            </a:r>
+          </a:p>
+          <a:p>
+            <a:r>
+              <a:rPr lang="en-US" dirty="0"/>
+              <a:t>Painful.</a:t>
+            </a:r>
+          </a:p>
+        </p:txBody>
+      </p:sp>
+      <p:sp>
+        <p:nvSpPr>
+          <p:cNvPr id="4" name="Slide Number Placeholder 3"/>
+          <p:cNvSpPr>
+            <a:spLocks noGrp="1"/>
+          </p:cNvSpPr>
+          <p:nvPr>
+            <p:ph type="sldNum" sz="quarter" idx="5"/>
+          </p:nvPr>
+        </p:nvSpPr>
+        <p:spPr/>
+        <p:txBody>
+          <a:bodyPr/>
+          <a:lstStyle/>
+          <a:p>
+            <a:fld id="{C1319246-450C-4CF9-A58A-2A51F73A13BE}" type="slidenum">
+              <a:rPr lang="en-US" smtClean="0"/>
+              <a:t>34</a:t>
+            </a:fld>
+            <a:endParaRPr lang="en-US"/>
+          </a:p>
+        </p:txBody>
+      </p:sp>
+    </p:spTree>
+    <p:extLst>
+      <p:ext uri="{BB962C8B-B14F-4D97-AF65-F5344CB8AC3E}">
+        <p14:creationId xmlns:p14="http://schemas.microsoft.com/office/powerpoint/2010/main" val="3791990574"/>
+      </p:ext>
+    </p:extLst>
+  </p:cSld>
+  <p:clrMapOvr>
+    <a:masterClrMapping/>
+  </p:clrMapOvr>
+</p:notes>
+</file>
+
+<file path=ppt/notesSlides/notesSlide27.xml><?xml version="1.0" encoding="utf-8"?>
+<p:notes xmlns:a="http://schemas.openxmlformats.org/drawingml/2006/main" xmlns:r="http://schemas.openxmlformats.org/officeDocument/2006/relationships" xmlns:p="http://schemas.openxmlformats.org/presentationml/2006/main">
+  <p:cSld>
+    <p:spTree>
+      <p:nvGrpSpPr>
+        <p:cNvPr id="1" name=""/>
+        <p:cNvGrpSpPr/>
+        <p:nvPr/>
+      </p:nvGrpSpPr>
+      <p:grpSpPr>
+        <a:xfrm>
+          <a:off x="0" y="0"/>
+          <a:ext cx="0" cy="0"/>
+          <a:chOff x="0" y="0"/>
+          <a:chExt cx="0" cy="0"/>
+        </a:xfrm>
+      </p:grpSpPr>
+      <p:sp>
+        <p:nvSpPr>
+          <p:cNvPr id="2" name="Slide Image Placeholder 1"/>
+          <p:cNvSpPr>
+            <a:spLocks noGrp="1" noRot="1" noChangeAspect="1"/>
+          </p:cNvSpPr>
+          <p:nvPr>
+            <p:ph type="sldImg"/>
+          </p:nvPr>
+        </p:nvSpPr>
+        <p:spPr/>
+      </p:sp>
+      <p:sp>
+        <p:nvSpPr>
+          <p:cNvPr id="3" name="Notes Placeholder 2"/>
+          <p:cNvSpPr>
+            <a:spLocks noGrp="1"/>
+          </p:cNvSpPr>
+          <p:nvPr>
+            <p:ph type="body" idx="1"/>
+          </p:nvPr>
+        </p:nvSpPr>
+        <p:spPr/>
+        <p:txBody>
+          <a:bodyPr/>
+          <a:lstStyle/>
+          <a:p>
+            <a:r>
+              <a:rPr lang="en-US" dirty="0"/>
+              <a:t>It “worked” --  but it wouldn’t been so much easier to work if we designed these tables with GUIDs instead of sequential integers.</a:t>
+            </a:r>
+          </a:p>
+        </p:txBody>
+      </p:sp>
+      <p:sp>
+        <p:nvSpPr>
+          <p:cNvPr id="4" name="Slide Number Placeholder 3"/>
+          <p:cNvSpPr>
+            <a:spLocks noGrp="1"/>
+          </p:cNvSpPr>
+          <p:nvPr>
+            <p:ph type="sldNum" sz="quarter" idx="5"/>
+          </p:nvPr>
+        </p:nvSpPr>
+        <p:spPr/>
+        <p:txBody>
+          <a:bodyPr/>
+          <a:lstStyle/>
+          <a:p>
+            <a:fld id="{C1319246-450C-4CF9-A58A-2A51F73A13BE}" type="slidenum">
+              <a:rPr lang="en-US" smtClean="0"/>
+              <a:t>35</a:t>
+            </a:fld>
+            <a:endParaRPr lang="en-US"/>
+          </a:p>
+        </p:txBody>
+      </p:sp>
+    </p:spTree>
+    <p:extLst>
+      <p:ext uri="{BB962C8B-B14F-4D97-AF65-F5344CB8AC3E}">
+        <p14:creationId xmlns:p14="http://schemas.microsoft.com/office/powerpoint/2010/main" val="1982945261"/>
       </p:ext>
     </p:extLst>
   </p:cSld>
@@ -11401,7 +11554,7 @@
           <p:nvPr>
             <p:extLst>
               <p:ext uri="{D42A27DB-BD31-4B8C-83A1-F6EECF244321}">
-                <p14:modId xmlns:p14="http://schemas.microsoft.com/office/powerpoint/2010/main" val="3892997761"/>
+                <p14:modId xmlns:p14="http://schemas.microsoft.com/office/powerpoint/2010/main" val="3070453316"/>
               </p:ext>
             </p:extLst>
           </p:nvPr>
@@ -12052,6 +12205,55 @@
           </a:graphicData>
         </a:graphic>
       </p:graphicFrame>
+      <p:sp>
+        <p:nvSpPr>
+          <p:cNvPr id="8" name="Arrow: Right 7">
+            <a:extLst>
+              <a:ext uri="{FF2B5EF4-FFF2-40B4-BE49-F238E27FC236}">
+                <a16:creationId xmlns:a16="http://schemas.microsoft.com/office/drawing/2014/main" id="{B6E5577A-5D8D-4391-A61E-4D89D923AE01}"/>
+              </a:ext>
+            </a:extLst>
+          </p:cNvPr>
+          <p:cNvSpPr/>
+          <p:nvPr/>
+        </p:nvSpPr>
+        <p:spPr>
+          <a:xfrm>
+            <a:off x="4331368" y="3301465"/>
+            <a:ext cx="5166881" cy="612816"/>
+          </a:xfrm>
+          <a:prstGeom prst="rightArrow">
+            <a:avLst/>
+          </a:prstGeom>
+        </p:spPr>
+        <p:style>
+          <a:lnRef idx="2">
+            <a:schemeClr val="accent1">
+              <a:shade val="50000"/>
+            </a:schemeClr>
+          </a:lnRef>
+          <a:fillRef idx="1">
+            <a:schemeClr val="accent1"/>
+          </a:fillRef>
+          <a:effectRef idx="0">
+            <a:schemeClr val="accent1"/>
+          </a:effectRef>
+          <a:fontRef idx="minor">
+            <a:schemeClr val="lt1"/>
+          </a:fontRef>
+        </p:style>
+        <p:txBody>
+          <a:bodyPr rtlCol="0" anchor="ctr"/>
+          <a:lstStyle/>
+          <a:p>
+            <a:pPr algn="ctr"/>
+            <a:r>
+              <a:rPr lang="en-US" dirty="0"/>
+              <a:t>Send to Shore</a:t>
+            </a:r>
+          </a:p>
+        </p:txBody>
+      </p:sp>
     </p:spTree>
     <p:extLst>
       <p:ext uri="{BB962C8B-B14F-4D97-AF65-F5344CB8AC3E}">
@@ -12244,10 +12446,10 @@
       </p:pic>
       <p:graphicFrame>
         <p:nvGraphicFramePr>
-          <p:cNvPr id="6" name="Table 3">
-            <a:extLst>
-              <a:ext uri="{FF2B5EF4-FFF2-40B4-BE49-F238E27FC236}">
-                <a16:creationId xmlns:a16="http://schemas.microsoft.com/office/drawing/2014/main" id="{15C8F909-65B4-423E-9228-3FBF13D60F87}"/>
+          <p:cNvPr id="7" name="Table 3">
+            <a:extLst>
+              <a:ext uri="{FF2B5EF4-FFF2-40B4-BE49-F238E27FC236}">
+                <a16:creationId xmlns:a16="http://schemas.microsoft.com/office/drawing/2014/main" id="{79D90135-59ED-4BE6-94F3-093D84B53EEE}"/>
               </a:ext>
             </a:extLst>
           </p:cNvPr>
@@ -12257,7 +12459,478 @@
           <p:nvPr>
             <p:extLst>
               <p:ext uri="{D42A27DB-BD31-4B8C-83A1-F6EECF244321}">
-                <p14:modId xmlns:p14="http://schemas.microsoft.com/office/powerpoint/2010/main" val="3900119247"/>
+                <p14:modId xmlns:p14="http://schemas.microsoft.com/office/powerpoint/2010/main" val="1442075286"/>
+              </p:ext>
+            </p:extLst>
+          </p:nvPr>
+        </p:nvGraphicFramePr>
+        <p:xfrm>
+          <a:off x="6401302" y="379325"/>
+          <a:ext cx="5440980" cy="3291840"/>
+        </p:xfrm>
+        <a:graphic>
+          <a:graphicData uri="http://schemas.openxmlformats.org/drawingml/2006/table">
+            <a:tbl>
+              <a:tblPr firstRow="1" bandRow="1">
+                <a:tableStyleId>{5C22544A-7EE6-4342-B048-85BDC9FD1C3A}</a:tableStyleId>
+              </a:tblPr>
+              <a:tblGrid>
+                <a:gridCol w="1813660">
+                  <a:extLst>
+                    <a:ext uri="{9D8B030D-6E8A-4147-A177-3AD203B41FA5}">
+                      <a16:colId xmlns:a16="http://schemas.microsoft.com/office/drawing/2014/main" val="188685320"/>
+                    </a:ext>
+                  </a:extLst>
+                </a:gridCol>
+                <a:gridCol w="1813660">
+                  <a:extLst>
+                    <a:ext uri="{9D8B030D-6E8A-4147-A177-3AD203B41FA5}">
+                      <a16:colId xmlns:a16="http://schemas.microsoft.com/office/drawing/2014/main" val="2216059015"/>
+                    </a:ext>
+                  </a:extLst>
+                </a:gridCol>
+                <a:gridCol w="1813660">
+                  <a:extLst>
+                    <a:ext uri="{9D8B030D-6E8A-4147-A177-3AD203B41FA5}">
+                      <a16:colId xmlns:a16="http://schemas.microsoft.com/office/drawing/2014/main" val="1910021152"/>
+                    </a:ext>
+                  </a:extLst>
+                </a:gridCol>
+              </a:tblGrid>
+              <a:tr h="255793">
+                <a:tc>
+                  <a:txBody>
+                    <a:bodyPr/>
+                    <a:lstStyle/>
+                    <a:p>
+                      <a:r>
+                        <a:rPr lang="en-US" b="0" dirty="0"/>
+                        <a:t>Id</a:t>
+                      </a:r>
+                    </a:p>
+                  </a:txBody>
+                  <a:tcPr/>
+                </a:tc>
+                <a:tc>
+                  <a:txBody>
+                    <a:bodyPr/>
+                    <a:lstStyle/>
+                    <a:p>
+                      <a:r>
+                        <a:rPr lang="en-US" b="0" dirty="0"/>
+                        <a:t>Column</a:t>
+                      </a:r>
+                    </a:p>
+                  </a:txBody>
+                  <a:tcPr/>
+                </a:tc>
+                <a:tc>
+                  <a:txBody>
+                    <a:bodyPr/>
+                    <a:lstStyle/>
+                    <a:p>
+                      <a:r>
+                        <a:rPr lang="en-US" b="0" dirty="0"/>
+                        <a:t>Column</a:t>
+                      </a:r>
+                    </a:p>
+                  </a:txBody>
+                  <a:tcPr/>
+                </a:tc>
+                <a:extLst>
+                  <a:ext uri="{0D108BD9-81ED-4DB2-BD59-A6C34878D82A}">
+                    <a16:rowId xmlns:a16="http://schemas.microsoft.com/office/drawing/2014/main" val="3986786355"/>
+                  </a:ext>
+                </a:extLst>
+              </a:tr>
+              <a:tr h="255793">
+                <a:tc>
+                  <a:txBody>
+                    <a:bodyPr/>
+                    <a:lstStyle/>
+                    <a:p>
+                      <a:r>
+                        <a:rPr lang="en-US" b="1" dirty="0"/>
+                        <a:t>1</a:t>
+                      </a:r>
+                    </a:p>
+                  </a:txBody>
+                  <a:tcPr/>
+                </a:tc>
+                <a:tc>
+                  <a:txBody>
+                    <a:bodyPr/>
+                    <a:lstStyle/>
+                    <a:p>
+                      <a:r>
+                        <a:rPr lang="en-US" b="1" dirty="0"/>
+                        <a:t>Foo</a:t>
+                      </a:r>
+                    </a:p>
+                  </a:txBody>
+                  <a:tcPr/>
+                </a:tc>
+                <a:tc>
+                  <a:txBody>
+                    <a:bodyPr/>
+                    <a:lstStyle/>
+                    <a:p>
+                      <a:r>
+                        <a:rPr lang="en-US" b="1" dirty="0"/>
+                        <a:t>Bar</a:t>
+                      </a:r>
+                    </a:p>
+                  </a:txBody>
+                  <a:tcPr/>
+                </a:tc>
+                <a:extLst>
+                  <a:ext uri="{0D108BD9-81ED-4DB2-BD59-A6C34878D82A}">
+                    <a16:rowId xmlns:a16="http://schemas.microsoft.com/office/drawing/2014/main" val="1260512336"/>
+                  </a:ext>
+                </a:extLst>
+              </a:tr>
+              <a:tr h="255793">
+                <a:tc>
+                  <a:txBody>
+                    <a:bodyPr/>
+                    <a:lstStyle/>
+                    <a:p>
+                      <a:r>
+                        <a:rPr lang="en-US" b="1" dirty="0"/>
+                        <a:t>2</a:t>
+                      </a:r>
+                    </a:p>
+                  </a:txBody>
+                  <a:tcPr/>
+                </a:tc>
+                <a:tc>
+                  <a:txBody>
+                    <a:bodyPr/>
+                    <a:lstStyle/>
+                    <a:p>
+                      <a:r>
+                        <a:rPr lang="en-US" b="1" dirty="0"/>
+                        <a:t>Bar</a:t>
+                      </a:r>
+                    </a:p>
+                  </a:txBody>
+                  <a:tcPr/>
+                </a:tc>
+                <a:tc>
+                  <a:txBody>
+                    <a:bodyPr/>
+                    <a:lstStyle/>
+                    <a:p>
+                      <a:r>
+                        <a:rPr lang="en-US" b="1" dirty="0"/>
+                        <a:t>Foo</a:t>
+                      </a:r>
+                    </a:p>
+                  </a:txBody>
+                  <a:tcPr/>
+                </a:tc>
+                <a:extLst>
+                  <a:ext uri="{0D108BD9-81ED-4DB2-BD59-A6C34878D82A}">
+                    <a16:rowId xmlns:a16="http://schemas.microsoft.com/office/drawing/2014/main" val="2473083762"/>
+                  </a:ext>
+                </a:extLst>
+              </a:tr>
+              <a:tr h="255793">
+                <a:tc>
+                  <a:txBody>
+                    <a:bodyPr/>
+                    <a:lstStyle/>
+                    <a:p>
+                      <a:r>
+                        <a:rPr lang="en-US" b="0" dirty="0"/>
+                        <a:t>3</a:t>
+                      </a:r>
+                    </a:p>
+                  </a:txBody>
+                  <a:tcPr/>
+                </a:tc>
+                <a:tc>
+                  <a:txBody>
+                    <a:bodyPr/>
+                    <a:lstStyle/>
+                    <a:p>
+                      <a:r>
+                        <a:rPr lang="en-US" b="0" dirty="0"/>
+                        <a:t>Yellow</a:t>
+                      </a:r>
+                    </a:p>
+                  </a:txBody>
+                  <a:tcPr/>
+                </a:tc>
+                <a:tc>
+                  <a:txBody>
+                    <a:bodyPr/>
+                    <a:lstStyle/>
+                    <a:p>
+                      <a:r>
+                        <a:rPr lang="en-US" b="0" dirty="0"/>
+                        <a:t>Green</a:t>
+                      </a:r>
+                    </a:p>
+                  </a:txBody>
+                  <a:tcPr/>
+                </a:tc>
+                <a:extLst>
+                  <a:ext uri="{0D108BD9-81ED-4DB2-BD59-A6C34878D82A}">
+                    <a16:rowId xmlns:a16="http://schemas.microsoft.com/office/drawing/2014/main" val="2355888422"/>
+                  </a:ext>
+                </a:extLst>
+              </a:tr>
+              <a:tr h="255793">
+                <a:tc>
+                  <a:txBody>
+                    <a:bodyPr/>
+                    <a:lstStyle/>
+                    <a:p>
+                      <a:r>
+                        <a:rPr lang="en-US" b="0" dirty="0"/>
+                        <a:t>4</a:t>
+                      </a:r>
+                    </a:p>
+                  </a:txBody>
+                  <a:tcPr/>
+                </a:tc>
+                <a:tc>
+                  <a:txBody>
+                    <a:bodyPr/>
+                    <a:lstStyle/>
+                    <a:p>
+                      <a:r>
+                        <a:rPr lang="en-US" b="0" dirty="0"/>
+                        <a:t>Brown</a:t>
+                      </a:r>
+                    </a:p>
+                  </a:txBody>
+                  <a:tcPr/>
+                </a:tc>
+                <a:tc>
+                  <a:txBody>
+                    <a:bodyPr/>
+                    <a:lstStyle/>
+                    <a:p>
+                      <a:r>
+                        <a:rPr lang="en-US" b="0" dirty="0"/>
+                        <a:t>Black</a:t>
+                      </a:r>
+                    </a:p>
+                  </a:txBody>
+                  <a:tcPr/>
+                </a:tc>
+                <a:extLst>
+                  <a:ext uri="{0D108BD9-81ED-4DB2-BD59-A6C34878D82A}">
+                    <a16:rowId xmlns:a16="http://schemas.microsoft.com/office/drawing/2014/main" val="3704615067"/>
+                  </a:ext>
+                </a:extLst>
+              </a:tr>
+              <a:tr h="255793">
+                <a:tc>
+                  <a:txBody>
+                    <a:bodyPr/>
+                    <a:lstStyle/>
+                    <a:p>
+                      <a:r>
+                        <a:rPr lang="en-US" b="0" dirty="0"/>
+                        <a:t>5</a:t>
+                      </a:r>
+                    </a:p>
+                  </a:txBody>
+                  <a:tcPr/>
+                </a:tc>
+                <a:tc>
+                  <a:txBody>
+                    <a:bodyPr/>
+                    <a:lstStyle/>
+                    <a:p>
+                      <a:r>
+                        <a:rPr lang="en-US" b="0" dirty="0"/>
+                        <a:t>Green</a:t>
+                      </a:r>
+                    </a:p>
+                  </a:txBody>
+                  <a:tcPr/>
+                </a:tc>
+                <a:tc>
+                  <a:txBody>
+                    <a:bodyPr/>
+                    <a:lstStyle/>
+                    <a:p>
+                      <a:r>
+                        <a:rPr lang="en-US" b="0" dirty="0"/>
+                        <a:t>Pink</a:t>
+                      </a:r>
+                    </a:p>
+                  </a:txBody>
+                  <a:tcPr/>
+                </a:tc>
+                <a:extLst>
+                  <a:ext uri="{0D108BD9-81ED-4DB2-BD59-A6C34878D82A}">
+                    <a16:rowId xmlns:a16="http://schemas.microsoft.com/office/drawing/2014/main" val="925531847"/>
+                  </a:ext>
+                </a:extLst>
+              </a:tr>
+              <a:tr h="255793">
+                <a:tc>
+                  <a:txBody>
+                    <a:bodyPr/>
+                    <a:lstStyle/>
+                    <a:p>
+                      <a:r>
+                        <a:rPr lang="en-US" dirty="0"/>
+                        <a:t>3</a:t>
+                      </a:r>
+                    </a:p>
+                  </a:txBody>
+                  <a:tcPr/>
+                </a:tc>
+                <a:tc>
+                  <a:txBody>
+                    <a:bodyPr/>
+                    <a:lstStyle/>
+                    <a:p>
+                      <a:r>
+                        <a:rPr lang="en-US" dirty="0"/>
+                        <a:t>Boo</a:t>
+                      </a:r>
+                    </a:p>
+                  </a:txBody>
+                  <a:tcPr/>
+                </a:tc>
+                <a:tc>
+                  <a:txBody>
+                    <a:bodyPr/>
+                    <a:lstStyle/>
+                    <a:p>
+                      <a:r>
+                        <a:rPr lang="en-US" dirty="0"/>
+                        <a:t>Far</a:t>
+                      </a:r>
+                    </a:p>
+                  </a:txBody>
+                  <a:tcPr/>
+                </a:tc>
+                <a:extLst>
+                  <a:ext uri="{0D108BD9-81ED-4DB2-BD59-A6C34878D82A}">
+                    <a16:rowId xmlns:a16="http://schemas.microsoft.com/office/drawing/2014/main" val="3023812170"/>
+                  </a:ext>
+                </a:extLst>
+              </a:tr>
+              <a:tr h="255793">
+                <a:tc>
+                  <a:txBody>
+                    <a:bodyPr/>
+                    <a:lstStyle/>
+                    <a:p>
+                      <a:r>
+                        <a:rPr lang="en-US" dirty="0"/>
+                        <a:t>4</a:t>
+                      </a:r>
+                    </a:p>
+                  </a:txBody>
+                  <a:tcPr/>
+                </a:tc>
+                <a:tc>
+                  <a:txBody>
+                    <a:bodyPr/>
+                    <a:lstStyle/>
+                    <a:p>
+                      <a:r>
+                        <a:rPr lang="en-US" dirty="0"/>
+                        <a:t>Far</a:t>
+                      </a:r>
+                    </a:p>
+                  </a:txBody>
+                  <a:tcPr/>
+                </a:tc>
+                <a:tc>
+                  <a:txBody>
+                    <a:bodyPr/>
+                    <a:lstStyle/>
+                    <a:p>
+                      <a:r>
+                        <a:rPr lang="en-US" dirty="0"/>
+                        <a:t>Boo</a:t>
+                      </a:r>
+                    </a:p>
+                  </a:txBody>
+                  <a:tcPr/>
+                </a:tc>
+                <a:extLst>
+                  <a:ext uri="{0D108BD9-81ED-4DB2-BD59-A6C34878D82A}">
+                    <a16:rowId xmlns:a16="http://schemas.microsoft.com/office/drawing/2014/main" val="4291217709"/>
+                  </a:ext>
+                </a:extLst>
+              </a:tr>
+              <a:tr h="255793">
+                <a:tc>
+                  <a:txBody>
+                    <a:bodyPr/>
+                    <a:lstStyle/>
+                    <a:p>
+                      <a:r>
+                        <a:rPr lang="en-US" dirty="0"/>
+                        <a:t>5</a:t>
+                      </a:r>
+                    </a:p>
+                  </a:txBody>
+                  <a:tcPr/>
+                </a:tc>
+                <a:tc>
+                  <a:txBody>
+                    <a:bodyPr/>
+                    <a:lstStyle/>
+                    <a:p>
+                      <a:r>
+                        <a:rPr lang="en-US" dirty="0"/>
+                        <a:t>Hello</a:t>
+                      </a:r>
+                    </a:p>
+                  </a:txBody>
+                  <a:tcPr/>
+                </a:tc>
+                <a:tc>
+                  <a:txBody>
+                    <a:bodyPr/>
+                    <a:lstStyle/>
+                    <a:p>
+                      <a:r>
+                        <a:rPr lang="en-US" dirty="0"/>
+                        <a:t>World</a:t>
+                      </a:r>
+                    </a:p>
+                  </a:txBody>
+                  <a:tcPr/>
+                </a:tc>
+                <a:extLst>
+                  <a:ext uri="{0D108BD9-81ED-4DB2-BD59-A6C34878D82A}">
+                    <a16:rowId xmlns:a16="http://schemas.microsoft.com/office/drawing/2014/main" val="113278274"/>
+                  </a:ext>
+                </a:extLst>
+              </a:tr>
+            </a:tbl>
+          </a:graphicData>
+        </a:graphic>
+      </p:graphicFrame>
+      <p:graphicFrame>
+        <p:nvGraphicFramePr>
+          <p:cNvPr id="8" name="Table 3">
+            <a:extLst>
+              <a:ext uri="{FF2B5EF4-FFF2-40B4-BE49-F238E27FC236}">
+                <a16:creationId xmlns:a16="http://schemas.microsoft.com/office/drawing/2014/main" id="{8510E521-347A-4011-A29E-7DF5FD2FCD86}"/>
+              </a:ext>
+            </a:extLst>
+          </p:cNvPr>
+          <p:cNvGraphicFramePr>
+            <a:graphicFrameLocks noGrp="1"/>
+          </p:cNvGraphicFramePr>
+          <p:nvPr>
+            <p:extLst>
+              <p:ext uri="{D42A27DB-BD31-4B8C-83A1-F6EECF244321}">
+                <p14:modId xmlns:p14="http://schemas.microsoft.com/office/powerpoint/2010/main" val="3072187721"/>
               </p:ext>
             </p:extLst>
           </p:nvPr>
@@ -12329,7 +13002,7 @@
                     <a:p>
                       <a:r>
                         <a:rPr lang="en-US" dirty="0"/>
-                        <a:t>Date</a:t>
+                        <a:t>Column</a:t>
                       </a:r>
                     </a:p>
                   </a:txBody>
@@ -12375,7 +13048,7 @@
                     <a:p>
                       <a:r>
                         <a:rPr lang="en-US" b="1" dirty="0"/>
-                        <a:t>1/1/2022 1300</a:t>
+                        <a:t>Bar</a:t>
                       </a:r>
                     </a:p>
                   </a:txBody>
@@ -12419,26 +13092,9 @@
                     <a:bodyPr/>
                     <a:lstStyle/>
                     <a:p>
-                      <a:pPr marL="0" marR="0" lvl="0" indent="0" algn="l" defTabSz="914400" rtl="0" eaLnBrk="1" fontAlgn="auto" latinLnBrk="0" hangingPunct="1">
-                        <a:lnSpc>
-                          <a:spcPct val="100000"/>
-                        </a:lnSpc>
-                        <a:spcBef>
-                          <a:spcPts val="0"/>
-                        </a:spcBef>
-                        <a:spcAft>
-                          <a:spcPts val="0"/>
-                        </a:spcAft>
-                        <a:buClrTx/>
-                        <a:buSzTx/>
-                        <a:buFontTx/>
-                        <a:buNone/>
-                        <a:tabLst/>
-                        <a:defRPr/>
-                      </a:pPr>
                       <a:r>
                         <a:rPr lang="en-US" b="1" dirty="0"/>
-                        <a:t>1/1/2022 1400</a:t>
+                        <a:t>Foo</a:t>
                       </a:r>
                     </a:p>
                   </a:txBody>
@@ -12457,53 +13113,34 @@
                     <a:lstStyle/>
                     <a:p>
                       <a:r>
-                        <a:rPr lang="en-US"/>
+                        <a:rPr lang="en-US" dirty="0"/>
                         <a:t>3</a:t>
                       </a:r>
-                      <a:endParaRPr lang="en-US" dirty="0"/>
-                    </a:p>
-                  </a:txBody>
-                  <a:tcPr/>
-                </a:tc>
-                <a:tc>
-                  <a:txBody>
-                    <a:bodyPr/>
-                    <a:lstStyle/>
-                    <a:p>
-                      <a:r>
-                        <a:rPr lang="en-US"/>
+                    </a:p>
+                  </a:txBody>
+                  <a:tcPr/>
+                </a:tc>
+                <a:tc>
+                  <a:txBody>
+                    <a:bodyPr/>
+                    <a:lstStyle/>
+                    <a:p>
+                      <a:r>
+                        <a:rPr lang="en-US" dirty="0"/>
                         <a:t>Boo</a:t>
                       </a:r>
-                      <a:endParaRPr lang="en-US" dirty="0"/>
-                    </a:p>
-                  </a:txBody>
-                  <a:tcPr/>
-                </a:tc>
-                <a:tc>
-                  <a:txBody>
-                    <a:bodyPr/>
-                    <a:lstStyle/>
-                    <a:p>
-                      <a:pPr marL="0" marR="0" lvl="0" indent="0" algn="l" defTabSz="914400" rtl="0" eaLnBrk="1" fontAlgn="auto" latinLnBrk="0" hangingPunct="1">
-                        <a:lnSpc>
-                          <a:spcPct val="100000"/>
-                        </a:lnSpc>
-                        <a:spcBef>
-                          <a:spcPts val="0"/>
-                        </a:spcBef>
-                        <a:spcAft>
-                          <a:spcPts val="0"/>
-                        </a:spcAft>
-                        <a:buClrTx/>
-                        <a:buSzTx/>
-                        <a:buFontTx/>
-                        <a:buNone/>
-                        <a:tabLst/>
-                        <a:defRPr/>
-                      </a:pPr>
-                      <a:r>
-                        <a:rPr lang="en-US" b="0" dirty="0"/>
-                        <a:t>1/1/2022 1500</a:t>
+                    </a:p>
+                  </a:txBody>
+                  <a:tcPr/>
+                </a:tc>
+                <a:tc>
+                  <a:txBody>
+                    <a:bodyPr/>
+                    <a:lstStyle/>
+                    <a:p>
+                      <a:r>
+                        <a:rPr lang="en-US" dirty="0"/>
+                        <a:t>Far</a:t>
                       </a:r>
                     </a:p>
                   </a:txBody>
@@ -12522,53 +13159,34 @@
                     <a:lstStyle/>
                     <a:p>
                       <a:r>
-                        <a:rPr lang="en-US"/>
+                        <a:rPr lang="en-US" dirty="0"/>
                         <a:t>4</a:t>
                       </a:r>
-                      <a:endParaRPr lang="en-US" dirty="0"/>
-                    </a:p>
-                  </a:txBody>
-                  <a:tcPr/>
-                </a:tc>
-                <a:tc>
-                  <a:txBody>
-                    <a:bodyPr/>
-                    <a:lstStyle/>
-                    <a:p>
-                      <a:r>
-                        <a:rPr lang="en-US"/>
+                    </a:p>
+                  </a:txBody>
+                  <a:tcPr/>
+                </a:tc>
+                <a:tc>
+                  <a:txBody>
+                    <a:bodyPr/>
+                    <a:lstStyle/>
+                    <a:p>
+                      <a:r>
+                        <a:rPr lang="en-US" dirty="0"/>
                         <a:t>Far</a:t>
                       </a:r>
-                      <a:endParaRPr lang="en-US" dirty="0"/>
-                    </a:p>
-                  </a:txBody>
-                  <a:tcPr/>
-                </a:tc>
-                <a:tc>
-                  <a:txBody>
-                    <a:bodyPr/>
-                    <a:lstStyle/>
-                    <a:p>
-                      <a:pPr marL="0" marR="0" lvl="0" indent="0" algn="l" defTabSz="914400" rtl="0" eaLnBrk="1" fontAlgn="auto" latinLnBrk="0" hangingPunct="1">
-                        <a:lnSpc>
-                          <a:spcPct val="100000"/>
-                        </a:lnSpc>
-                        <a:spcBef>
-                          <a:spcPts val="0"/>
-                        </a:spcBef>
-                        <a:spcAft>
-                          <a:spcPts val="0"/>
-                        </a:spcAft>
-                        <a:buClrTx/>
-                        <a:buSzTx/>
-                        <a:buFontTx/>
-                        <a:buNone/>
-                        <a:tabLst/>
-                        <a:defRPr/>
-                      </a:pPr>
-                      <a:r>
-                        <a:rPr lang="en-US" b="0" dirty="0"/>
-                        <a:t>1/1/2022 1600</a:t>
+                    </a:p>
+                  </a:txBody>
+                  <a:tcPr/>
+                </a:tc>
+                <a:tc>
+                  <a:txBody>
+                    <a:bodyPr/>
+                    <a:lstStyle/>
+                    <a:p>
+                      <a:r>
+                        <a:rPr lang="en-US" dirty="0"/>
+                        <a:t>Boo</a:t>
                       </a:r>
                     </a:p>
                   </a:txBody>
@@ -12587,386 +13205,34 @@
                     <a:lstStyle/>
                     <a:p>
                       <a:r>
-                        <a:rPr lang="en-US"/>
+                        <a:rPr lang="en-US" dirty="0"/>
                         <a:t>5</a:t>
                       </a:r>
-                      <a:endParaRPr lang="en-US" dirty="0"/>
-                    </a:p>
-                  </a:txBody>
-                  <a:tcPr/>
-                </a:tc>
-                <a:tc>
-                  <a:txBody>
-                    <a:bodyPr/>
-                    <a:lstStyle/>
-                    <a:p>
-                      <a:r>
-                        <a:rPr lang="en-US"/>
+                    </a:p>
+                  </a:txBody>
+                  <a:tcPr/>
+                </a:tc>
+                <a:tc>
+                  <a:txBody>
+                    <a:bodyPr/>
+                    <a:lstStyle/>
+                    <a:p>
+                      <a:r>
+                        <a:rPr lang="en-US" dirty="0"/>
                         <a:t>Hello</a:t>
                       </a:r>
-                      <a:endParaRPr lang="en-US" dirty="0"/>
-                    </a:p>
-                  </a:txBody>
-                  <a:tcPr/>
-                </a:tc>
-                <a:tc>
-                  <a:txBody>
-                    <a:bodyPr/>
-                    <a:lstStyle/>
-                    <a:p>
-                      <a:pPr marL="0" marR="0" lvl="0" indent="0" algn="l" defTabSz="914400" rtl="0" eaLnBrk="1" fontAlgn="auto" latinLnBrk="0" hangingPunct="1">
-                        <a:lnSpc>
-                          <a:spcPct val="100000"/>
-                        </a:lnSpc>
-                        <a:spcBef>
-                          <a:spcPts val="0"/>
-                        </a:spcBef>
-                        <a:spcAft>
-                          <a:spcPts val="0"/>
-                        </a:spcAft>
-                        <a:buClrTx/>
-                        <a:buSzTx/>
-                        <a:buFontTx/>
-                        <a:buNone/>
-                        <a:tabLst/>
-                        <a:defRPr/>
-                      </a:pPr>
-                      <a:r>
-                        <a:rPr lang="en-US" b="0" dirty="0"/>
-                        <a:t>1/1/2022 1700</a:t>
-                      </a:r>
-                    </a:p>
-                  </a:txBody>
-                  <a:tcPr/>
-                </a:tc>
-                <a:extLst>
-                  <a:ext uri="{0D108BD9-81ED-4DB2-BD59-A6C34878D82A}">
-                    <a16:rowId xmlns:a16="http://schemas.microsoft.com/office/drawing/2014/main" val="925531847"/>
-                  </a:ext>
-                </a:extLst>
-              </a:tr>
-            </a:tbl>
-          </a:graphicData>
-        </a:graphic>
-      </p:graphicFrame>
-      <p:graphicFrame>
-        <p:nvGraphicFramePr>
-          <p:cNvPr id="7" name="Table 3">
-            <a:extLst>
-              <a:ext uri="{FF2B5EF4-FFF2-40B4-BE49-F238E27FC236}">
-                <a16:creationId xmlns:a16="http://schemas.microsoft.com/office/drawing/2014/main" id="{79D90135-59ED-4BE6-94F3-093D84B53EEE}"/>
-              </a:ext>
-            </a:extLst>
-          </p:cNvPr>
-          <p:cNvGraphicFramePr>
-            <a:graphicFrameLocks noGrp="1"/>
-          </p:cNvGraphicFramePr>
-          <p:nvPr>
-            <p:extLst>
-              <p:ext uri="{D42A27DB-BD31-4B8C-83A1-F6EECF244321}">
-                <p14:modId xmlns:p14="http://schemas.microsoft.com/office/powerpoint/2010/main" val="634156073"/>
-              </p:ext>
-            </p:extLst>
-          </p:nvPr>
-        </p:nvGraphicFramePr>
-        <p:xfrm>
-          <a:off x="6401302" y="379325"/>
-          <a:ext cx="5440980" cy="2194560"/>
-        </p:xfrm>
-        <a:graphic>
-          <a:graphicData uri="http://schemas.openxmlformats.org/drawingml/2006/table">
-            <a:tbl>
-              <a:tblPr firstRow="1" bandRow="1">
-                <a:tableStyleId>{5C22544A-7EE6-4342-B048-85BDC9FD1C3A}</a:tableStyleId>
-              </a:tblPr>
-              <a:tblGrid>
-                <a:gridCol w="1813660">
-                  <a:extLst>
-                    <a:ext uri="{9D8B030D-6E8A-4147-A177-3AD203B41FA5}">
-                      <a16:colId xmlns:a16="http://schemas.microsoft.com/office/drawing/2014/main" val="188685320"/>
-                    </a:ext>
-                  </a:extLst>
-                </a:gridCol>
-                <a:gridCol w="1813660">
-                  <a:extLst>
-                    <a:ext uri="{9D8B030D-6E8A-4147-A177-3AD203B41FA5}">
-                      <a16:colId xmlns:a16="http://schemas.microsoft.com/office/drawing/2014/main" val="2216059015"/>
-                    </a:ext>
-                  </a:extLst>
-                </a:gridCol>
-                <a:gridCol w="1813660">
-                  <a:extLst>
-                    <a:ext uri="{9D8B030D-6E8A-4147-A177-3AD203B41FA5}">
-                      <a16:colId xmlns:a16="http://schemas.microsoft.com/office/drawing/2014/main" val="1910021152"/>
-                    </a:ext>
-                  </a:extLst>
-                </a:gridCol>
-              </a:tblGrid>
-              <a:tr h="255793">
-                <a:tc>
-                  <a:txBody>
-                    <a:bodyPr/>
-                    <a:lstStyle/>
-                    <a:p>
-                      <a:r>
-                        <a:rPr lang="en-US" b="0" dirty="0"/>
-                        <a:t>Id</a:t>
-                      </a:r>
-                    </a:p>
-                  </a:txBody>
-                  <a:tcPr/>
-                </a:tc>
-                <a:tc>
-                  <a:txBody>
-                    <a:bodyPr/>
-                    <a:lstStyle/>
-                    <a:p>
-                      <a:r>
-                        <a:rPr lang="en-US" b="0" dirty="0"/>
-                        <a:t>Column</a:t>
-                      </a:r>
-                    </a:p>
-                  </a:txBody>
-                  <a:tcPr/>
-                </a:tc>
-                <a:tc>
-                  <a:txBody>
-                    <a:bodyPr/>
-                    <a:lstStyle/>
-                    <a:p>
-                      <a:r>
-                        <a:rPr lang="en-US" b="0" dirty="0"/>
-                        <a:t>Column</a:t>
-                      </a:r>
-                    </a:p>
-                  </a:txBody>
-                  <a:tcPr/>
-                </a:tc>
-                <a:extLst>
-                  <a:ext uri="{0D108BD9-81ED-4DB2-BD59-A6C34878D82A}">
-                    <a16:rowId xmlns:a16="http://schemas.microsoft.com/office/drawing/2014/main" val="3986786355"/>
-                  </a:ext>
-                </a:extLst>
-              </a:tr>
-              <a:tr h="255793">
-                <a:tc>
-                  <a:txBody>
-                    <a:bodyPr/>
-                    <a:lstStyle/>
-                    <a:p>
-                      <a:r>
-                        <a:rPr lang="en-US" b="1" dirty="0"/>
-                        <a:t>1</a:t>
-                      </a:r>
-                    </a:p>
-                  </a:txBody>
-                  <a:tcPr/>
-                </a:tc>
-                <a:tc>
-                  <a:txBody>
-                    <a:bodyPr/>
-                    <a:lstStyle/>
-                    <a:p>
-                      <a:r>
-                        <a:rPr lang="en-US" b="1" dirty="0"/>
-                        <a:t>Foo</a:t>
-                      </a:r>
-                    </a:p>
-                  </a:txBody>
-                  <a:tcPr/>
-                </a:tc>
-                <a:tc>
-                  <a:txBody>
-                    <a:bodyPr/>
-                    <a:lstStyle/>
-                    <a:p>
-                      <a:r>
-                        <a:rPr lang="en-US" b="1" dirty="0"/>
-                        <a:t>Bar</a:t>
-                      </a:r>
-                    </a:p>
-                  </a:txBody>
-                  <a:tcPr/>
-                </a:tc>
-                <a:extLst>
-                  <a:ext uri="{0D108BD9-81ED-4DB2-BD59-A6C34878D82A}">
-                    <a16:rowId xmlns:a16="http://schemas.microsoft.com/office/drawing/2014/main" val="1260512336"/>
-                  </a:ext>
-                </a:extLst>
-              </a:tr>
-              <a:tr h="255793">
-                <a:tc>
-                  <a:txBody>
-                    <a:bodyPr/>
-                    <a:lstStyle/>
-                    <a:p>
-                      <a:r>
-                        <a:rPr lang="en-US" b="1" dirty="0"/>
-                        <a:t>2</a:t>
-                      </a:r>
-                    </a:p>
-                  </a:txBody>
-                  <a:tcPr/>
-                </a:tc>
-                <a:tc>
-                  <a:txBody>
-                    <a:bodyPr/>
-                    <a:lstStyle/>
-                    <a:p>
-                      <a:r>
-                        <a:rPr lang="en-US" b="1" dirty="0"/>
-                        <a:t>Bar</a:t>
-                      </a:r>
-                    </a:p>
-                  </a:txBody>
-                  <a:tcPr/>
-                </a:tc>
-                <a:tc>
-                  <a:txBody>
-                    <a:bodyPr/>
-                    <a:lstStyle/>
-                    <a:p>
-                      <a:r>
-                        <a:rPr lang="en-US" b="1" dirty="0"/>
-                        <a:t>Foo</a:t>
-                      </a:r>
-                    </a:p>
-                  </a:txBody>
-                  <a:tcPr/>
-                </a:tc>
-                <a:extLst>
-                  <a:ext uri="{0D108BD9-81ED-4DB2-BD59-A6C34878D82A}">
-                    <a16:rowId xmlns:a16="http://schemas.microsoft.com/office/drawing/2014/main" val="2473083762"/>
-                  </a:ext>
-                </a:extLst>
-              </a:tr>
-              <a:tr h="255793">
-                <a:tc>
-                  <a:txBody>
-                    <a:bodyPr/>
-                    <a:lstStyle/>
-                    <a:p>
-                      <a:r>
-                        <a:rPr lang="en-US" b="0" dirty="0"/>
-                        <a:t>3</a:t>
-                      </a:r>
-                    </a:p>
-                  </a:txBody>
-                  <a:tcPr/>
-                </a:tc>
-                <a:tc>
-                  <a:txBody>
-                    <a:bodyPr/>
-                    <a:lstStyle/>
-                    <a:p>
-                      <a:r>
-                        <a:rPr lang="en-US" b="0" dirty="0"/>
-                        <a:t>Yellow</a:t>
-                      </a:r>
-                    </a:p>
-                  </a:txBody>
-                  <a:tcPr/>
-                </a:tc>
-                <a:tc>
-                  <a:txBody>
-                    <a:bodyPr/>
-                    <a:lstStyle/>
-                    <a:p>
-                      <a:r>
-                        <a:rPr lang="en-US" b="0" dirty="0"/>
-                        <a:t>Green</a:t>
-                      </a:r>
-                    </a:p>
-                  </a:txBody>
-                  <a:tcPr/>
-                </a:tc>
-                <a:extLst>
-                  <a:ext uri="{0D108BD9-81ED-4DB2-BD59-A6C34878D82A}">
-                    <a16:rowId xmlns:a16="http://schemas.microsoft.com/office/drawing/2014/main" val="2355888422"/>
-                  </a:ext>
-                </a:extLst>
-              </a:tr>
-              <a:tr h="255793">
-                <a:tc>
-                  <a:txBody>
-                    <a:bodyPr/>
-                    <a:lstStyle/>
-                    <a:p>
-                      <a:r>
-                        <a:rPr lang="en-US" b="0" dirty="0"/>
-                        <a:t>4</a:t>
-                      </a:r>
-                    </a:p>
-                  </a:txBody>
-                  <a:tcPr/>
-                </a:tc>
-                <a:tc>
-                  <a:txBody>
-                    <a:bodyPr/>
-                    <a:lstStyle/>
-                    <a:p>
-                      <a:r>
-                        <a:rPr lang="en-US" b="0" dirty="0"/>
-                        <a:t>Brown</a:t>
-                      </a:r>
-                    </a:p>
-                  </a:txBody>
-                  <a:tcPr/>
-                </a:tc>
-                <a:tc>
-                  <a:txBody>
-                    <a:bodyPr/>
-                    <a:lstStyle/>
-                    <a:p>
-                      <a:r>
-                        <a:rPr lang="en-US" b="0" dirty="0"/>
-                        <a:t>Black</a:t>
-                      </a:r>
-                    </a:p>
-                  </a:txBody>
-                  <a:tcPr/>
-                </a:tc>
-                <a:extLst>
-                  <a:ext uri="{0D108BD9-81ED-4DB2-BD59-A6C34878D82A}">
-                    <a16:rowId xmlns:a16="http://schemas.microsoft.com/office/drawing/2014/main" val="3704615067"/>
-                  </a:ext>
-                </a:extLst>
-              </a:tr>
-              <a:tr h="255793">
-                <a:tc>
-                  <a:txBody>
-                    <a:bodyPr/>
-                    <a:lstStyle/>
-                    <a:p>
-                      <a:r>
-                        <a:rPr lang="en-US" b="0" dirty="0"/>
-                        <a:t>5</a:t>
-                      </a:r>
-                    </a:p>
-                  </a:txBody>
-                  <a:tcPr/>
-                </a:tc>
-                <a:tc>
-                  <a:txBody>
-                    <a:bodyPr/>
-                    <a:lstStyle/>
-                    <a:p>
-                      <a:r>
-                        <a:rPr lang="en-US" b="0" dirty="0"/>
-                        <a:t>Green</a:t>
-                      </a:r>
-                    </a:p>
-                  </a:txBody>
-                  <a:tcPr/>
-                </a:tc>
-                <a:tc>
-                  <a:txBody>
-                    <a:bodyPr/>
-                    <a:lstStyle/>
-                    <a:p>
-                      <a:r>
-                        <a:rPr lang="en-US" b="0" dirty="0"/>
-                        <a:t>Pink</a:t>
+                    </a:p>
+                  </a:txBody>
+                  <a:tcPr/>
+                </a:tc>
+                <a:tc>
+                  <a:txBody>
+                    <a:bodyPr/>
+                    <a:lstStyle/>
+                    <a:p>
+                      <a:r>
+                        <a:rPr lang="en-US" dirty="0"/>
+                        <a:t>World</a:t>
                       </a:r>
                     </a:p>
                   </a:txBody>
@@ -13493,14 +13759,14 @@
           <p:nvPr>
             <p:extLst>
               <p:ext uri="{D42A27DB-BD31-4B8C-83A1-F6EECF244321}">
-                <p14:modId xmlns:p14="http://schemas.microsoft.com/office/powerpoint/2010/main" val="4216260983"/>
+                <p14:modId xmlns:p14="http://schemas.microsoft.com/office/powerpoint/2010/main" val="4059608974"/>
               </p:ext>
             </p:extLst>
           </p:nvPr>
         </p:nvGraphicFramePr>
         <p:xfrm>
           <a:off x="6401302" y="379325"/>
-          <a:ext cx="5440980" cy="2194560"/>
+          <a:ext cx="5440980" cy="2926080"/>
         </p:xfrm>
         <a:graphic>
           <a:graphicData uri="http://schemas.openxmlformats.org/drawingml/2006/table">
@@ -13736,6 +14002,144 @@
                     <a:p>
                       <a:r>
                         <a:rPr lang="en-US" b="0" dirty="0"/>
+                        <a:t>Boo</a:t>
+                      </a:r>
+                    </a:p>
+                  </a:txBody>
+                  <a:tcPr/>
+                </a:tc>
+                <a:tc>
+                  <a:txBody>
+                    <a:bodyPr/>
+                    <a:lstStyle/>
+                    <a:p>
+                      <a:r>
+                        <a:rPr lang="en-US" b="0" dirty="0"/>
+                        <a:t>Far</a:t>
+                      </a:r>
+                    </a:p>
+                  </a:txBody>
+                  <a:tcPr/>
+                </a:tc>
+                <a:extLst>
+                  <a:ext uri="{0D108BD9-81ED-4DB2-BD59-A6C34878D82A}">
+                    <a16:rowId xmlns:a16="http://schemas.microsoft.com/office/drawing/2014/main" val="925531847"/>
+                  </a:ext>
+                </a:extLst>
+              </a:tr>
+              <a:tr h="255793">
+                <a:tc>
+                  <a:txBody>
+                    <a:bodyPr/>
+                    <a:lstStyle/>
+                    <a:p>
+                      <a:r>
+                        <a:rPr lang="en-US" dirty="0"/>
+                        <a:t>5</a:t>
+                      </a:r>
+                    </a:p>
+                  </a:txBody>
+                  <a:tcPr/>
+                </a:tc>
+                <a:tc>
+                  <a:txBody>
+                    <a:bodyPr/>
+                    <a:lstStyle/>
+                    <a:p>
+                      <a:r>
+                        <a:rPr lang="en-US" dirty="0"/>
+                        <a:t>Far</a:t>
+                      </a:r>
+                    </a:p>
+                  </a:txBody>
+                  <a:tcPr/>
+                </a:tc>
+                <a:tc>
+                  <a:txBody>
+                    <a:bodyPr/>
+                    <a:lstStyle/>
+                    <a:p>
+                      <a:r>
+                        <a:rPr lang="en-US" dirty="0"/>
+                        <a:t>Boo</a:t>
+                      </a:r>
+                    </a:p>
+                  </a:txBody>
+                  <a:tcPr/>
+                </a:tc>
+                <a:extLst>
+                  <a:ext uri="{0D108BD9-81ED-4DB2-BD59-A6C34878D82A}">
+                    <a16:rowId xmlns:a16="http://schemas.microsoft.com/office/drawing/2014/main" val="544361127"/>
+                  </a:ext>
+                </a:extLst>
+              </a:tr>
+              <a:tr h="255793">
+                <a:tc>
+                  <a:txBody>
+                    <a:bodyPr/>
+                    <a:lstStyle/>
+                    <a:p>
+                      <a:r>
+                        <a:rPr lang="en-US" dirty="0"/>
+                        <a:t>6</a:t>
+                      </a:r>
+                    </a:p>
+                  </a:txBody>
+                  <a:tcPr/>
+                </a:tc>
+                <a:tc>
+                  <a:txBody>
+                    <a:bodyPr/>
+                    <a:lstStyle/>
+                    <a:p>
+                      <a:r>
+                        <a:rPr lang="en-US" dirty="0"/>
+                        <a:t>Hello</a:t>
+                      </a:r>
+                    </a:p>
+                  </a:txBody>
+                  <a:tcPr/>
+                </a:tc>
+                <a:tc>
+                  <a:txBody>
+                    <a:bodyPr/>
+                    <a:lstStyle/>
+                    <a:p>
+                      <a:r>
+                        <a:rPr lang="en-US" dirty="0"/>
+                        <a:t>World</a:t>
+                      </a:r>
+                    </a:p>
+                  </a:txBody>
+                  <a:tcPr/>
+                </a:tc>
+                <a:extLst>
+                  <a:ext uri="{0D108BD9-81ED-4DB2-BD59-A6C34878D82A}">
+                    <a16:rowId xmlns:a16="http://schemas.microsoft.com/office/drawing/2014/main" val="245321365"/>
+                  </a:ext>
+                </a:extLst>
+              </a:tr>
+              <a:tr h="255793">
+                <a:tc>
+                  <a:txBody>
+                    <a:bodyPr/>
+                    <a:lstStyle/>
+                    <a:p>
+                      <a:r>
+                        <a:rPr lang="en-US" b="0" dirty="0"/>
+                        <a:t>7</a:t>
+                      </a:r>
+                    </a:p>
+                  </a:txBody>
+                  <a:tcPr/>
+                </a:tc>
+                <a:tc>
+                  <a:txBody>
+                    <a:bodyPr/>
+                    <a:lstStyle/>
+                    <a:p>
+                      <a:r>
+                        <a:rPr lang="en-US" b="0" dirty="0"/>
                         <a:t>Brown</a:t>
                       </a:r>
                     </a:p>
@@ -13750,6 +14154,400 @@
                       <a:r>
                         <a:rPr lang="en-US" b="0" dirty="0"/>
                         <a:t>Black</a:t>
+                      </a:r>
+                    </a:p>
+                  </a:txBody>
+                  <a:tcPr/>
+                </a:tc>
+                <a:extLst>
+                  <a:ext uri="{0D108BD9-81ED-4DB2-BD59-A6C34878D82A}">
+                    <a16:rowId xmlns:a16="http://schemas.microsoft.com/office/drawing/2014/main" val="632335186"/>
+                  </a:ext>
+                </a:extLst>
+              </a:tr>
+            </a:tbl>
+          </a:graphicData>
+        </a:graphic>
+      </p:graphicFrame>
+      <p:sp>
+        <p:nvSpPr>
+          <p:cNvPr id="11" name="Arrow: Left 10">
+            <a:extLst>
+              <a:ext uri="{FF2B5EF4-FFF2-40B4-BE49-F238E27FC236}">
+                <a16:creationId xmlns:a16="http://schemas.microsoft.com/office/drawing/2014/main" id="{6E1260C4-56AD-4F77-8F91-E55643D5055D}"/>
+              </a:ext>
+            </a:extLst>
+          </p:cNvPr>
+          <p:cNvSpPr/>
+          <p:nvPr/>
+        </p:nvSpPr>
+        <p:spPr>
+          <a:xfrm>
+            <a:off x="4331368" y="3301465"/>
+            <a:ext cx="5166881" cy="612816"/>
+          </a:xfrm>
+          <a:prstGeom prst="leftArrow">
+            <a:avLst/>
+          </a:prstGeom>
+        </p:spPr>
+        <p:style>
+          <a:lnRef idx="2">
+            <a:schemeClr val="accent1">
+              <a:shade val="50000"/>
+            </a:schemeClr>
+          </a:lnRef>
+          <a:fillRef idx="1">
+            <a:schemeClr val="accent1"/>
+          </a:fillRef>
+          <a:effectRef idx="0">
+            <a:schemeClr val="accent1"/>
+          </a:effectRef>
+          <a:fontRef idx="minor">
+            <a:schemeClr val="lt1"/>
+          </a:fontRef>
+        </p:style>
+        <p:txBody>
+          <a:bodyPr rtlCol="0" anchor="ctr"/>
+          <a:lstStyle/>
+          <a:p>
+            <a:pPr algn="ctr"/>
+            <a:r>
+              <a:rPr lang="en-US" dirty="0"/>
+              <a:t>Send to Ship</a:t>
+            </a:r>
+          </a:p>
+        </p:txBody>
+      </p:sp>
+    </p:spTree>
+    <p:extLst>
+      <p:ext uri="{BB962C8B-B14F-4D97-AF65-F5344CB8AC3E}">
+        <p14:creationId xmlns:p14="http://schemas.microsoft.com/office/powerpoint/2010/main" val="872136805"/>
+      </p:ext>
+    </p:extLst>
+  </p:cSld>
+  <p:clrMapOvr>
+    <a:masterClrMapping/>
+  </p:clrMapOvr>
+</p:sld>
+</file>
+
+<file path=ppt/slides/slide34.xml><?xml version="1.0" encoding="utf-8"?>
+<p:sld xmlns:a="http://schemas.openxmlformats.org/drawingml/2006/main" xmlns:r="http://schemas.openxmlformats.org/officeDocument/2006/relationships" xmlns:p="http://schemas.openxmlformats.org/presentationml/2006/main">
+  <p:cSld>
+    <p:spTree>
+      <p:nvGrpSpPr>
+        <p:cNvPr id="1" name=""/>
+        <p:cNvGrpSpPr/>
+        <p:nvPr/>
+      </p:nvGrpSpPr>
+      <p:grpSpPr>
+        <a:xfrm>
+          <a:off x="0" y="0"/>
+          <a:ext cx="0" cy="0"/>
+          <a:chOff x="0" y="0"/>
+          <a:chExt cx="0" cy="0"/>
+        </a:xfrm>
+      </p:grpSpPr>
+      <p:sp>
+        <p:nvSpPr>
+          <p:cNvPr id="2" name="Title 1">
+            <a:extLst>
+              <a:ext uri="{FF2B5EF4-FFF2-40B4-BE49-F238E27FC236}">
+                <a16:creationId xmlns:a16="http://schemas.microsoft.com/office/drawing/2014/main" id="{99E701A6-9CB5-405E-99F1-FB14D4A61A7F}"/>
+              </a:ext>
+            </a:extLst>
+          </p:cNvPr>
+          <p:cNvSpPr>
+            <a:spLocks noGrp="1"/>
+          </p:cNvSpPr>
+          <p:nvPr>
+            <p:ph type="title"/>
+          </p:nvPr>
+        </p:nvSpPr>
+        <p:spPr/>
+        <p:txBody>
+          <a:bodyPr/>
+          <a:lstStyle/>
+          <a:p>
+            <a:r>
+              <a:rPr lang="en-US" dirty="0"/>
+              <a:t>Consistency</a:t>
+            </a:r>
+          </a:p>
+        </p:txBody>
+      </p:sp>
+      <p:graphicFrame>
+        <p:nvGraphicFramePr>
+          <p:cNvPr id="3" name="Table 3">
+            <a:extLst>
+              <a:ext uri="{FF2B5EF4-FFF2-40B4-BE49-F238E27FC236}">
+                <a16:creationId xmlns:a16="http://schemas.microsoft.com/office/drawing/2014/main" id="{473F43F6-3598-4BDA-81C3-6DDF32876495}"/>
+              </a:ext>
+            </a:extLst>
+          </p:cNvPr>
+          <p:cNvGraphicFramePr>
+            <a:graphicFrameLocks noGrp="1"/>
+          </p:cNvGraphicFramePr>
+          <p:nvPr>
+            <p:extLst>
+              <p:ext uri="{D42A27DB-BD31-4B8C-83A1-F6EECF244321}">
+                <p14:modId xmlns:p14="http://schemas.microsoft.com/office/powerpoint/2010/main" val="1605623708"/>
+              </p:ext>
+            </p:extLst>
+          </p:nvPr>
+        </p:nvGraphicFramePr>
+        <p:xfrm>
+          <a:off x="655020" y="2585421"/>
+          <a:ext cx="5440980" cy="2926080"/>
+        </p:xfrm>
+        <a:graphic>
+          <a:graphicData uri="http://schemas.openxmlformats.org/drawingml/2006/table">
+            <a:tbl>
+              <a:tblPr firstRow="1" bandRow="1">
+                <a:tableStyleId>{5C22544A-7EE6-4342-B048-85BDC9FD1C3A}</a:tableStyleId>
+              </a:tblPr>
+              <a:tblGrid>
+                <a:gridCol w="1813660">
+                  <a:extLst>
+                    <a:ext uri="{9D8B030D-6E8A-4147-A177-3AD203B41FA5}">
+                      <a16:colId xmlns:a16="http://schemas.microsoft.com/office/drawing/2014/main" val="188685320"/>
+                    </a:ext>
+                  </a:extLst>
+                </a:gridCol>
+                <a:gridCol w="1813660">
+                  <a:extLst>
+                    <a:ext uri="{9D8B030D-6E8A-4147-A177-3AD203B41FA5}">
+                      <a16:colId xmlns:a16="http://schemas.microsoft.com/office/drawing/2014/main" val="2216059015"/>
+                    </a:ext>
+                  </a:extLst>
+                </a:gridCol>
+                <a:gridCol w="1813660">
+                  <a:extLst>
+                    <a:ext uri="{9D8B030D-6E8A-4147-A177-3AD203B41FA5}">
+                      <a16:colId xmlns:a16="http://schemas.microsoft.com/office/drawing/2014/main" val="1910021152"/>
+                    </a:ext>
+                  </a:extLst>
+                </a:gridCol>
+              </a:tblGrid>
+              <a:tr h="255793">
+                <a:tc>
+                  <a:txBody>
+                    <a:bodyPr/>
+                    <a:lstStyle/>
+                    <a:p>
+                      <a:r>
+                        <a:rPr lang="en-US" dirty="0"/>
+                        <a:t>Id</a:t>
+                      </a:r>
+                    </a:p>
+                  </a:txBody>
+                  <a:tcPr/>
+                </a:tc>
+                <a:tc>
+                  <a:txBody>
+                    <a:bodyPr/>
+                    <a:lstStyle/>
+                    <a:p>
+                      <a:r>
+                        <a:rPr lang="en-US" dirty="0"/>
+                        <a:t>Column</a:t>
+                      </a:r>
+                    </a:p>
+                  </a:txBody>
+                  <a:tcPr/>
+                </a:tc>
+                <a:tc>
+                  <a:txBody>
+                    <a:bodyPr/>
+                    <a:lstStyle/>
+                    <a:p>
+                      <a:r>
+                        <a:rPr lang="en-US" dirty="0"/>
+                        <a:t>Column</a:t>
+                      </a:r>
+                    </a:p>
+                  </a:txBody>
+                  <a:tcPr/>
+                </a:tc>
+                <a:extLst>
+                  <a:ext uri="{0D108BD9-81ED-4DB2-BD59-A6C34878D82A}">
+                    <a16:rowId xmlns:a16="http://schemas.microsoft.com/office/drawing/2014/main" val="3986786355"/>
+                  </a:ext>
+                </a:extLst>
+              </a:tr>
+              <a:tr h="255793">
+                <a:tc>
+                  <a:txBody>
+                    <a:bodyPr/>
+                    <a:lstStyle/>
+                    <a:p>
+                      <a:r>
+                        <a:rPr lang="en-US" b="1" dirty="0"/>
+                        <a:t>1</a:t>
+                      </a:r>
+                    </a:p>
+                  </a:txBody>
+                  <a:tcPr/>
+                </a:tc>
+                <a:tc>
+                  <a:txBody>
+                    <a:bodyPr/>
+                    <a:lstStyle/>
+                    <a:p>
+                      <a:r>
+                        <a:rPr lang="en-US" b="1" dirty="0"/>
+                        <a:t>Foo</a:t>
+                      </a:r>
+                    </a:p>
+                  </a:txBody>
+                  <a:tcPr/>
+                </a:tc>
+                <a:tc>
+                  <a:txBody>
+                    <a:bodyPr/>
+                    <a:lstStyle/>
+                    <a:p>
+                      <a:r>
+                        <a:rPr lang="en-US" b="1" dirty="0"/>
+                        <a:t>Bar</a:t>
+                      </a:r>
+                    </a:p>
+                  </a:txBody>
+                  <a:tcPr/>
+                </a:tc>
+                <a:extLst>
+                  <a:ext uri="{0D108BD9-81ED-4DB2-BD59-A6C34878D82A}">
+                    <a16:rowId xmlns:a16="http://schemas.microsoft.com/office/drawing/2014/main" val="1260512336"/>
+                  </a:ext>
+                </a:extLst>
+              </a:tr>
+              <a:tr h="255793">
+                <a:tc>
+                  <a:txBody>
+                    <a:bodyPr/>
+                    <a:lstStyle/>
+                    <a:p>
+                      <a:r>
+                        <a:rPr lang="en-US" b="1" dirty="0"/>
+                        <a:t>2</a:t>
+                      </a:r>
+                    </a:p>
+                  </a:txBody>
+                  <a:tcPr/>
+                </a:tc>
+                <a:tc>
+                  <a:txBody>
+                    <a:bodyPr/>
+                    <a:lstStyle/>
+                    <a:p>
+                      <a:r>
+                        <a:rPr lang="en-US" b="1" dirty="0"/>
+                        <a:t>Bar</a:t>
+                      </a:r>
+                    </a:p>
+                  </a:txBody>
+                  <a:tcPr/>
+                </a:tc>
+                <a:tc>
+                  <a:txBody>
+                    <a:bodyPr/>
+                    <a:lstStyle/>
+                    <a:p>
+                      <a:r>
+                        <a:rPr lang="en-US" b="1" dirty="0"/>
+                        <a:t>Foo</a:t>
+                      </a:r>
+                    </a:p>
+                  </a:txBody>
+                  <a:tcPr/>
+                </a:tc>
+                <a:extLst>
+                  <a:ext uri="{0D108BD9-81ED-4DB2-BD59-A6C34878D82A}">
+                    <a16:rowId xmlns:a16="http://schemas.microsoft.com/office/drawing/2014/main" val="2473083762"/>
+                  </a:ext>
+                </a:extLst>
+              </a:tr>
+              <a:tr h="255793">
+                <a:tc>
+                  <a:txBody>
+                    <a:bodyPr/>
+                    <a:lstStyle/>
+                    <a:p>
+                      <a:r>
+                        <a:rPr lang="en-US" b="0" dirty="0"/>
+                        <a:t>3</a:t>
+                      </a:r>
+                    </a:p>
+                  </a:txBody>
+                  <a:tcPr/>
+                </a:tc>
+                <a:tc>
+                  <a:txBody>
+                    <a:bodyPr/>
+                    <a:lstStyle/>
+                    <a:p>
+                      <a:r>
+                        <a:rPr lang="en-US" b="0" dirty="0"/>
+                        <a:t>Yellow</a:t>
+                      </a:r>
+                    </a:p>
+                  </a:txBody>
+                  <a:tcPr/>
+                </a:tc>
+                <a:tc>
+                  <a:txBody>
+                    <a:bodyPr/>
+                    <a:lstStyle/>
+                    <a:p>
+                      <a:r>
+                        <a:rPr lang="en-US" b="0" dirty="0"/>
+                        <a:t>Green</a:t>
+                      </a:r>
+                    </a:p>
+                  </a:txBody>
+                  <a:tcPr/>
+                </a:tc>
+                <a:extLst>
+                  <a:ext uri="{0D108BD9-81ED-4DB2-BD59-A6C34878D82A}">
+                    <a16:rowId xmlns:a16="http://schemas.microsoft.com/office/drawing/2014/main" val="2355888422"/>
+                  </a:ext>
+                </a:extLst>
+              </a:tr>
+              <a:tr h="255793">
+                <a:tc>
+                  <a:txBody>
+                    <a:bodyPr/>
+                    <a:lstStyle/>
+                    <a:p>
+                      <a:r>
+                        <a:rPr lang="en-US" b="0" dirty="0"/>
+                        <a:t>4</a:t>
+                      </a:r>
+                    </a:p>
+                  </a:txBody>
+                  <a:tcPr/>
+                </a:tc>
+                <a:tc>
+                  <a:txBody>
+                    <a:bodyPr/>
+                    <a:lstStyle/>
+                    <a:p>
+                      <a:r>
+                        <a:rPr lang="en-US" b="0" dirty="0"/>
+                        <a:t>Boo</a:t>
+                      </a:r>
+                    </a:p>
+                  </a:txBody>
+                  <a:tcPr/>
+                </a:tc>
+                <a:tc>
+                  <a:txBody>
+                    <a:bodyPr/>
+                    <a:lstStyle/>
+                    <a:p>
+                      <a:r>
+                        <a:rPr lang="en-US" b="0" dirty="0"/>
+                        <a:t>Far</a:t>
                       </a:r>
                     </a:p>
                   </a:txBody>
@@ -13768,7 +14566,7 @@
                     <a:lstStyle/>
                     <a:p>
                       <a:r>
-                        <a:rPr lang="en-US" b="0" dirty="0"/>
+                        <a:rPr lang="en-US" dirty="0"/>
                         <a:t>5</a:t>
                       </a:r>
                     </a:p>
@@ -13781,21 +14579,21 @@
                     <a:lstStyle/>
                     <a:p>
                       <a:r>
-                        <a:rPr lang="en-US" b="0" dirty="0"/>
+                        <a:rPr lang="en-US" dirty="0"/>
+                        <a:t>Far</a:t>
+                      </a:r>
+                    </a:p>
+                  </a:txBody>
+                  <a:tcPr/>
+                </a:tc>
+                <a:tc>
+                  <a:txBody>
+                    <a:bodyPr/>
+                    <a:lstStyle/>
+                    <a:p>
+                      <a:r>
+                        <a:rPr lang="en-US" dirty="0"/>
                         <a:t>Boo</a:t>
-                      </a:r>
-                    </a:p>
-                  </a:txBody>
-                  <a:tcPr/>
-                </a:tc>
-                <a:tc>
-                  <a:txBody>
-                    <a:bodyPr/>
-                    <a:lstStyle/>
-                    <a:p>
-                      <a:r>
-                        <a:rPr lang="en-US" b="0" dirty="0"/>
-                        <a:t>Far</a:t>
                       </a:r>
                     </a:p>
                   </a:txBody>
@@ -13804,6 +14602,674 @@
                 <a:extLst>
                   <a:ext uri="{0D108BD9-81ED-4DB2-BD59-A6C34878D82A}">
                     <a16:rowId xmlns:a16="http://schemas.microsoft.com/office/drawing/2014/main" val="925531847"/>
+                  </a:ext>
+                </a:extLst>
+              </a:tr>
+              <a:tr h="255793">
+                <a:tc>
+                  <a:txBody>
+                    <a:bodyPr/>
+                    <a:lstStyle/>
+                    <a:p>
+                      <a:r>
+                        <a:rPr lang="en-US" dirty="0"/>
+                        <a:t>6</a:t>
+                      </a:r>
+                    </a:p>
+                  </a:txBody>
+                  <a:tcPr/>
+                </a:tc>
+                <a:tc>
+                  <a:txBody>
+                    <a:bodyPr/>
+                    <a:lstStyle/>
+                    <a:p>
+                      <a:r>
+                        <a:rPr lang="en-US" dirty="0"/>
+                        <a:t>Hello</a:t>
+                      </a:r>
+                    </a:p>
+                  </a:txBody>
+                  <a:tcPr/>
+                </a:tc>
+                <a:tc>
+                  <a:txBody>
+                    <a:bodyPr/>
+                    <a:lstStyle/>
+                    <a:p>
+                      <a:r>
+                        <a:rPr lang="en-US" dirty="0"/>
+                        <a:t>World</a:t>
+                      </a:r>
+                    </a:p>
+                  </a:txBody>
+                  <a:tcPr/>
+                </a:tc>
+                <a:extLst>
+                  <a:ext uri="{0D108BD9-81ED-4DB2-BD59-A6C34878D82A}">
+                    <a16:rowId xmlns:a16="http://schemas.microsoft.com/office/drawing/2014/main" val="48874988"/>
+                  </a:ext>
+                </a:extLst>
+              </a:tr>
+              <a:tr h="255793">
+                <a:tc>
+                  <a:txBody>
+                    <a:bodyPr/>
+                    <a:lstStyle/>
+                    <a:p>
+                      <a:r>
+                        <a:rPr lang="en-US" b="0" dirty="0"/>
+                        <a:t>7</a:t>
+                      </a:r>
+                    </a:p>
+                  </a:txBody>
+                  <a:tcPr/>
+                </a:tc>
+                <a:tc>
+                  <a:txBody>
+                    <a:bodyPr/>
+                    <a:lstStyle/>
+                    <a:p>
+                      <a:r>
+                        <a:rPr lang="en-US" b="0" dirty="0"/>
+                        <a:t>Brown</a:t>
+                      </a:r>
+                    </a:p>
+                  </a:txBody>
+                  <a:tcPr/>
+                </a:tc>
+                <a:tc>
+                  <a:txBody>
+                    <a:bodyPr/>
+                    <a:lstStyle/>
+                    <a:p>
+                      <a:r>
+                        <a:rPr lang="en-US" b="0" dirty="0"/>
+                        <a:t>Black</a:t>
+                      </a:r>
+                    </a:p>
+                  </a:txBody>
+                  <a:tcPr/>
+                </a:tc>
+                <a:extLst>
+                  <a:ext uri="{0D108BD9-81ED-4DB2-BD59-A6C34878D82A}">
+                    <a16:rowId xmlns:a16="http://schemas.microsoft.com/office/drawing/2014/main" val="257004974"/>
+                  </a:ext>
+                </a:extLst>
+              </a:tr>
+            </a:tbl>
+          </a:graphicData>
+        </a:graphic>
+      </p:graphicFrame>
+      <p:graphicFrame>
+        <p:nvGraphicFramePr>
+          <p:cNvPr id="6" name="Table 6">
+            <a:extLst>
+              <a:ext uri="{FF2B5EF4-FFF2-40B4-BE49-F238E27FC236}">
+                <a16:creationId xmlns:a16="http://schemas.microsoft.com/office/drawing/2014/main" id="{F24050F8-4D14-4A0C-AC0D-E55F5E6FDDE5}"/>
+              </a:ext>
+            </a:extLst>
+          </p:cNvPr>
+          <p:cNvGraphicFramePr>
+            <a:graphicFrameLocks noGrp="1"/>
+          </p:cNvGraphicFramePr>
+          <p:nvPr>
+            <p:extLst>
+              <p:ext uri="{D42A27DB-BD31-4B8C-83A1-F6EECF244321}">
+                <p14:modId xmlns:p14="http://schemas.microsoft.com/office/powerpoint/2010/main" val="969222650"/>
+              </p:ext>
+            </p:extLst>
+          </p:nvPr>
+        </p:nvGraphicFramePr>
+        <p:xfrm>
+          <a:off x="7078532" y="1334643"/>
+          <a:ext cx="4098666" cy="2194560"/>
+        </p:xfrm>
+        <a:graphic>
+          <a:graphicData uri="http://schemas.openxmlformats.org/drawingml/2006/table">
+            <a:tbl>
+              <a:tblPr firstRow="1" bandRow="1">
+                <a:tableStyleId>{5C22544A-7EE6-4342-B048-85BDC9FD1C3A}</a:tableStyleId>
+              </a:tblPr>
+              <a:tblGrid>
+                <a:gridCol w="1366222">
+                  <a:extLst>
+                    <a:ext uri="{9D8B030D-6E8A-4147-A177-3AD203B41FA5}">
+                      <a16:colId xmlns:a16="http://schemas.microsoft.com/office/drawing/2014/main" val="115659269"/>
+                    </a:ext>
+                  </a:extLst>
+                </a:gridCol>
+                <a:gridCol w="1366222">
+                  <a:extLst>
+                    <a:ext uri="{9D8B030D-6E8A-4147-A177-3AD203B41FA5}">
+                      <a16:colId xmlns:a16="http://schemas.microsoft.com/office/drawing/2014/main" val="878123335"/>
+                    </a:ext>
+                  </a:extLst>
+                </a:gridCol>
+                <a:gridCol w="1366222">
+                  <a:extLst>
+                    <a:ext uri="{9D8B030D-6E8A-4147-A177-3AD203B41FA5}">
+                      <a16:colId xmlns:a16="http://schemas.microsoft.com/office/drawing/2014/main" val="3042141257"/>
+                    </a:ext>
+                  </a:extLst>
+                </a:gridCol>
+              </a:tblGrid>
+              <a:tr h="279815">
+                <a:tc>
+                  <a:txBody>
+                    <a:bodyPr/>
+                    <a:lstStyle/>
+                    <a:p>
+                      <a:r>
+                        <a:rPr lang="en-US" dirty="0"/>
+                        <a:t>Id</a:t>
+                      </a:r>
+                    </a:p>
+                  </a:txBody>
+                  <a:tcPr/>
+                </a:tc>
+                <a:tc>
+                  <a:txBody>
+                    <a:bodyPr/>
+                    <a:lstStyle/>
+                    <a:p>
+                      <a:r>
+                        <a:rPr lang="en-US" dirty="0"/>
+                        <a:t>FK_ID</a:t>
+                      </a:r>
+                    </a:p>
+                  </a:txBody>
+                  <a:tcPr/>
+                </a:tc>
+                <a:tc>
+                  <a:txBody>
+                    <a:bodyPr/>
+                    <a:lstStyle/>
+                    <a:p>
+                      <a:r>
+                        <a:rPr lang="en-US" dirty="0"/>
+                        <a:t>Column</a:t>
+                      </a:r>
+                    </a:p>
+                  </a:txBody>
+                  <a:tcPr/>
+                </a:tc>
+                <a:extLst>
+                  <a:ext uri="{0D108BD9-81ED-4DB2-BD59-A6C34878D82A}">
+                    <a16:rowId xmlns:a16="http://schemas.microsoft.com/office/drawing/2014/main" val="1551591474"/>
+                  </a:ext>
+                </a:extLst>
+              </a:tr>
+              <a:tr h="279815">
+                <a:tc>
+                  <a:txBody>
+                    <a:bodyPr/>
+                    <a:lstStyle/>
+                    <a:p>
+                      <a:endParaRPr lang="en-US" dirty="0"/>
+                    </a:p>
+                  </a:txBody>
+                  <a:tcPr/>
+                </a:tc>
+                <a:tc>
+                  <a:txBody>
+                    <a:bodyPr/>
+                    <a:lstStyle/>
+                    <a:p>
+                      <a:endParaRPr lang="en-US" dirty="0"/>
+                    </a:p>
+                  </a:txBody>
+                  <a:tcPr/>
+                </a:tc>
+                <a:tc>
+                  <a:txBody>
+                    <a:bodyPr/>
+                    <a:lstStyle/>
+                    <a:p>
+                      <a:endParaRPr lang="en-US" dirty="0"/>
+                    </a:p>
+                  </a:txBody>
+                  <a:tcPr/>
+                </a:tc>
+                <a:extLst>
+                  <a:ext uri="{0D108BD9-81ED-4DB2-BD59-A6C34878D82A}">
+                    <a16:rowId xmlns:a16="http://schemas.microsoft.com/office/drawing/2014/main" val="1550810362"/>
+                  </a:ext>
+                </a:extLst>
+              </a:tr>
+              <a:tr h="279815">
+                <a:tc>
+                  <a:txBody>
+                    <a:bodyPr/>
+                    <a:lstStyle/>
+                    <a:p>
+                      <a:endParaRPr lang="en-US" dirty="0"/>
+                    </a:p>
+                  </a:txBody>
+                  <a:tcPr/>
+                </a:tc>
+                <a:tc>
+                  <a:txBody>
+                    <a:bodyPr/>
+                    <a:lstStyle/>
+                    <a:p>
+                      <a:endParaRPr lang="en-US" dirty="0"/>
+                    </a:p>
+                  </a:txBody>
+                  <a:tcPr/>
+                </a:tc>
+                <a:tc>
+                  <a:txBody>
+                    <a:bodyPr/>
+                    <a:lstStyle/>
+                    <a:p>
+                      <a:endParaRPr lang="en-US" dirty="0"/>
+                    </a:p>
+                  </a:txBody>
+                  <a:tcPr/>
+                </a:tc>
+                <a:extLst>
+                  <a:ext uri="{0D108BD9-81ED-4DB2-BD59-A6C34878D82A}">
+                    <a16:rowId xmlns:a16="http://schemas.microsoft.com/office/drawing/2014/main" val="2787774613"/>
+                  </a:ext>
+                </a:extLst>
+              </a:tr>
+              <a:tr h="279815">
+                <a:tc>
+                  <a:txBody>
+                    <a:bodyPr/>
+                    <a:lstStyle/>
+                    <a:p>
+                      <a:endParaRPr lang="en-US" dirty="0"/>
+                    </a:p>
+                  </a:txBody>
+                  <a:tcPr/>
+                </a:tc>
+                <a:tc>
+                  <a:txBody>
+                    <a:bodyPr/>
+                    <a:lstStyle/>
+                    <a:p>
+                      <a:endParaRPr lang="en-US" dirty="0"/>
+                    </a:p>
+                  </a:txBody>
+                  <a:tcPr/>
+                </a:tc>
+                <a:tc>
+                  <a:txBody>
+                    <a:bodyPr/>
+                    <a:lstStyle/>
+                    <a:p>
+                      <a:endParaRPr lang="en-US" dirty="0"/>
+                    </a:p>
+                  </a:txBody>
+                  <a:tcPr/>
+                </a:tc>
+                <a:extLst>
+                  <a:ext uri="{0D108BD9-81ED-4DB2-BD59-A6C34878D82A}">
+                    <a16:rowId xmlns:a16="http://schemas.microsoft.com/office/drawing/2014/main" val="1825120445"/>
+                  </a:ext>
+                </a:extLst>
+              </a:tr>
+              <a:tr h="279815">
+                <a:tc>
+                  <a:txBody>
+                    <a:bodyPr/>
+                    <a:lstStyle/>
+                    <a:p>
+                      <a:endParaRPr lang="en-US" dirty="0"/>
+                    </a:p>
+                  </a:txBody>
+                  <a:tcPr/>
+                </a:tc>
+                <a:tc>
+                  <a:txBody>
+                    <a:bodyPr/>
+                    <a:lstStyle/>
+                    <a:p>
+                      <a:endParaRPr lang="en-US" dirty="0"/>
+                    </a:p>
+                  </a:txBody>
+                  <a:tcPr/>
+                </a:tc>
+                <a:tc>
+                  <a:txBody>
+                    <a:bodyPr/>
+                    <a:lstStyle/>
+                    <a:p>
+                      <a:endParaRPr lang="en-US" dirty="0"/>
+                    </a:p>
+                  </a:txBody>
+                  <a:tcPr/>
+                </a:tc>
+                <a:extLst>
+                  <a:ext uri="{0D108BD9-81ED-4DB2-BD59-A6C34878D82A}">
+                    <a16:rowId xmlns:a16="http://schemas.microsoft.com/office/drawing/2014/main" val="967950687"/>
+                  </a:ext>
+                </a:extLst>
+              </a:tr>
+              <a:tr h="279815">
+                <a:tc>
+                  <a:txBody>
+                    <a:bodyPr/>
+                    <a:lstStyle/>
+                    <a:p>
+                      <a:endParaRPr lang="en-US" dirty="0"/>
+                    </a:p>
+                  </a:txBody>
+                  <a:tcPr/>
+                </a:tc>
+                <a:tc>
+                  <a:txBody>
+                    <a:bodyPr/>
+                    <a:lstStyle/>
+                    <a:p>
+                      <a:endParaRPr lang="en-US" dirty="0"/>
+                    </a:p>
+                  </a:txBody>
+                  <a:tcPr/>
+                </a:tc>
+                <a:tc>
+                  <a:txBody>
+                    <a:bodyPr/>
+                    <a:lstStyle/>
+                    <a:p>
+                      <a:endParaRPr lang="en-US" dirty="0"/>
+                    </a:p>
+                  </a:txBody>
+                  <a:tcPr/>
+                </a:tc>
+                <a:extLst>
+                  <a:ext uri="{0D108BD9-81ED-4DB2-BD59-A6C34878D82A}">
+                    <a16:rowId xmlns:a16="http://schemas.microsoft.com/office/drawing/2014/main" val="615111260"/>
+                  </a:ext>
+                </a:extLst>
+              </a:tr>
+            </a:tbl>
+          </a:graphicData>
+        </a:graphic>
+      </p:graphicFrame>
+      <p:graphicFrame>
+        <p:nvGraphicFramePr>
+          <p:cNvPr id="7" name="Table 6">
+            <a:extLst>
+              <a:ext uri="{FF2B5EF4-FFF2-40B4-BE49-F238E27FC236}">
+                <a16:creationId xmlns:a16="http://schemas.microsoft.com/office/drawing/2014/main" id="{B962EC66-60EC-4199-8293-CEC8884D5DED}"/>
+              </a:ext>
+            </a:extLst>
+          </p:cNvPr>
+          <p:cNvGraphicFramePr>
+            <a:graphicFrameLocks noGrp="1"/>
+          </p:cNvGraphicFramePr>
+          <p:nvPr>
+            <p:extLst>
+              <p:ext uri="{D42A27DB-BD31-4B8C-83A1-F6EECF244321}">
+                <p14:modId xmlns:p14="http://schemas.microsoft.com/office/powerpoint/2010/main" val="814796320"/>
+              </p:ext>
+            </p:extLst>
+          </p:nvPr>
+        </p:nvGraphicFramePr>
+        <p:xfrm>
+          <a:off x="7078532" y="4058120"/>
+          <a:ext cx="4098666" cy="2194560"/>
+        </p:xfrm>
+        <a:graphic>
+          <a:graphicData uri="http://schemas.openxmlformats.org/drawingml/2006/table">
+            <a:tbl>
+              <a:tblPr firstRow="1" bandRow="1">
+                <a:tableStyleId>{5C22544A-7EE6-4342-B048-85BDC9FD1C3A}</a:tableStyleId>
+              </a:tblPr>
+              <a:tblGrid>
+                <a:gridCol w="1366222">
+                  <a:extLst>
+                    <a:ext uri="{9D8B030D-6E8A-4147-A177-3AD203B41FA5}">
+                      <a16:colId xmlns:a16="http://schemas.microsoft.com/office/drawing/2014/main" val="115659269"/>
+                    </a:ext>
+                  </a:extLst>
+                </a:gridCol>
+                <a:gridCol w="1366222">
+                  <a:extLst>
+                    <a:ext uri="{9D8B030D-6E8A-4147-A177-3AD203B41FA5}">
+                      <a16:colId xmlns:a16="http://schemas.microsoft.com/office/drawing/2014/main" val="878123335"/>
+                    </a:ext>
+                  </a:extLst>
+                </a:gridCol>
+                <a:gridCol w="1366222">
+                  <a:extLst>
+                    <a:ext uri="{9D8B030D-6E8A-4147-A177-3AD203B41FA5}">
+                      <a16:colId xmlns:a16="http://schemas.microsoft.com/office/drawing/2014/main" val="3042141257"/>
+                    </a:ext>
+                  </a:extLst>
+                </a:gridCol>
+              </a:tblGrid>
+              <a:tr h="279815">
+                <a:tc>
+                  <a:txBody>
+                    <a:bodyPr/>
+                    <a:lstStyle/>
+                    <a:p>
+                      <a:r>
+                        <a:rPr lang="en-US" dirty="0"/>
+                        <a:t>Id</a:t>
+                      </a:r>
+                    </a:p>
+                  </a:txBody>
+                  <a:tcPr/>
+                </a:tc>
+                <a:tc>
+                  <a:txBody>
+                    <a:bodyPr/>
+                    <a:lstStyle/>
+                    <a:p>
+                      <a:r>
+                        <a:rPr lang="en-US" dirty="0"/>
+                        <a:t>FK_ID</a:t>
+                      </a:r>
+                    </a:p>
+                  </a:txBody>
+                  <a:tcPr/>
+                </a:tc>
+                <a:tc>
+                  <a:txBody>
+                    <a:bodyPr/>
+                    <a:lstStyle/>
+                    <a:p>
+                      <a:r>
+                        <a:rPr lang="en-US" dirty="0"/>
+                        <a:t>Column</a:t>
+                      </a:r>
+                    </a:p>
+                  </a:txBody>
+                  <a:tcPr/>
+                </a:tc>
+                <a:extLst>
+                  <a:ext uri="{0D108BD9-81ED-4DB2-BD59-A6C34878D82A}">
+                    <a16:rowId xmlns:a16="http://schemas.microsoft.com/office/drawing/2014/main" val="1551591474"/>
+                  </a:ext>
+                </a:extLst>
+              </a:tr>
+              <a:tr h="279815">
+                <a:tc>
+                  <a:txBody>
+                    <a:bodyPr/>
+                    <a:lstStyle/>
+                    <a:p>
+                      <a:endParaRPr lang="en-US" dirty="0"/>
+                    </a:p>
+                  </a:txBody>
+                  <a:tcPr/>
+                </a:tc>
+                <a:tc>
+                  <a:txBody>
+                    <a:bodyPr/>
+                    <a:lstStyle/>
+                    <a:p>
+                      <a:endParaRPr lang="en-US" dirty="0"/>
+                    </a:p>
+                  </a:txBody>
+                  <a:tcPr/>
+                </a:tc>
+                <a:tc>
+                  <a:txBody>
+                    <a:bodyPr/>
+                    <a:lstStyle/>
+                    <a:p>
+                      <a:endParaRPr lang="en-US" dirty="0"/>
+                    </a:p>
+                  </a:txBody>
+                  <a:tcPr/>
+                </a:tc>
+                <a:extLst>
+                  <a:ext uri="{0D108BD9-81ED-4DB2-BD59-A6C34878D82A}">
+                    <a16:rowId xmlns:a16="http://schemas.microsoft.com/office/drawing/2014/main" val="1550810362"/>
+                  </a:ext>
+                </a:extLst>
+              </a:tr>
+              <a:tr h="279815">
+                <a:tc>
+                  <a:txBody>
+                    <a:bodyPr/>
+                    <a:lstStyle/>
+                    <a:p>
+                      <a:endParaRPr lang="en-US" dirty="0"/>
+                    </a:p>
+                  </a:txBody>
+                  <a:tcPr/>
+                </a:tc>
+                <a:tc>
+                  <a:txBody>
+                    <a:bodyPr/>
+                    <a:lstStyle/>
+                    <a:p>
+                      <a:endParaRPr lang="en-US" dirty="0"/>
+                    </a:p>
+                  </a:txBody>
+                  <a:tcPr/>
+                </a:tc>
+                <a:tc>
+                  <a:txBody>
+                    <a:bodyPr/>
+                    <a:lstStyle/>
+                    <a:p>
+                      <a:endParaRPr lang="en-US" dirty="0"/>
+                    </a:p>
+                  </a:txBody>
+                  <a:tcPr/>
+                </a:tc>
+                <a:extLst>
+                  <a:ext uri="{0D108BD9-81ED-4DB2-BD59-A6C34878D82A}">
+                    <a16:rowId xmlns:a16="http://schemas.microsoft.com/office/drawing/2014/main" val="2787774613"/>
+                  </a:ext>
+                </a:extLst>
+              </a:tr>
+              <a:tr h="279815">
+                <a:tc>
+                  <a:txBody>
+                    <a:bodyPr/>
+                    <a:lstStyle/>
+                    <a:p>
+                      <a:endParaRPr lang="en-US" dirty="0"/>
+                    </a:p>
+                  </a:txBody>
+                  <a:tcPr/>
+                </a:tc>
+                <a:tc>
+                  <a:txBody>
+                    <a:bodyPr/>
+                    <a:lstStyle/>
+                    <a:p>
+                      <a:endParaRPr lang="en-US" dirty="0"/>
+                    </a:p>
+                  </a:txBody>
+                  <a:tcPr/>
+                </a:tc>
+                <a:tc>
+                  <a:txBody>
+                    <a:bodyPr/>
+                    <a:lstStyle/>
+                    <a:p>
+                      <a:endParaRPr lang="en-US" dirty="0"/>
+                    </a:p>
+                  </a:txBody>
+                  <a:tcPr/>
+                </a:tc>
+                <a:extLst>
+                  <a:ext uri="{0D108BD9-81ED-4DB2-BD59-A6C34878D82A}">
+                    <a16:rowId xmlns:a16="http://schemas.microsoft.com/office/drawing/2014/main" val="1825120445"/>
+                  </a:ext>
+                </a:extLst>
+              </a:tr>
+              <a:tr h="279815">
+                <a:tc>
+                  <a:txBody>
+                    <a:bodyPr/>
+                    <a:lstStyle/>
+                    <a:p>
+                      <a:endParaRPr lang="en-US" dirty="0"/>
+                    </a:p>
+                  </a:txBody>
+                  <a:tcPr/>
+                </a:tc>
+                <a:tc>
+                  <a:txBody>
+                    <a:bodyPr/>
+                    <a:lstStyle/>
+                    <a:p>
+                      <a:endParaRPr lang="en-US" dirty="0"/>
+                    </a:p>
+                  </a:txBody>
+                  <a:tcPr/>
+                </a:tc>
+                <a:tc>
+                  <a:txBody>
+                    <a:bodyPr/>
+                    <a:lstStyle/>
+                    <a:p>
+                      <a:endParaRPr lang="en-US" dirty="0"/>
+                    </a:p>
+                  </a:txBody>
+                  <a:tcPr/>
+                </a:tc>
+                <a:extLst>
+                  <a:ext uri="{0D108BD9-81ED-4DB2-BD59-A6C34878D82A}">
+                    <a16:rowId xmlns:a16="http://schemas.microsoft.com/office/drawing/2014/main" val="967950687"/>
+                  </a:ext>
+                </a:extLst>
+              </a:tr>
+              <a:tr h="279815">
+                <a:tc>
+                  <a:txBody>
+                    <a:bodyPr/>
+                    <a:lstStyle/>
+                    <a:p>
+                      <a:endParaRPr lang="en-US" dirty="0"/>
+                    </a:p>
+                  </a:txBody>
+                  <a:tcPr/>
+                </a:tc>
+                <a:tc>
+                  <a:txBody>
+                    <a:bodyPr/>
+                    <a:lstStyle/>
+                    <a:p>
+                      <a:endParaRPr lang="en-US" dirty="0"/>
+                    </a:p>
+                  </a:txBody>
+                  <a:tcPr/>
+                </a:tc>
+                <a:tc>
+                  <a:txBody>
+                    <a:bodyPr/>
+                    <a:lstStyle/>
+                    <a:p>
+                      <a:endParaRPr lang="en-US" dirty="0"/>
+                    </a:p>
+                  </a:txBody>
+                  <a:tcPr/>
+                </a:tc>
+                <a:extLst>
+                  <a:ext uri="{0D108BD9-81ED-4DB2-BD59-A6C34878D82A}">
+                    <a16:rowId xmlns:a16="http://schemas.microsoft.com/office/drawing/2014/main" val="615111260"/>
                   </a:ext>
                 </a:extLst>
               </a:tr>
@@ -13814,7 +15280,216 @@
     </p:spTree>
     <p:extLst>
       <p:ext uri="{BB962C8B-B14F-4D97-AF65-F5344CB8AC3E}">
-        <p14:creationId xmlns:p14="http://schemas.microsoft.com/office/powerpoint/2010/main" val="872136805"/>
+        <p14:creationId xmlns:p14="http://schemas.microsoft.com/office/powerpoint/2010/main" val="4190860698"/>
+      </p:ext>
+    </p:extLst>
+  </p:cSld>
+  <p:clrMapOvr>
+    <a:masterClrMapping/>
+  </p:clrMapOvr>
+</p:sld>
+</file>
+
+<file path=ppt/slides/slide35.xml><?xml version="1.0" encoding="utf-8"?>
+<p:sld xmlns:a="http://schemas.openxmlformats.org/drawingml/2006/main" xmlns:r="http://schemas.openxmlformats.org/officeDocument/2006/relationships" xmlns:p="http://schemas.openxmlformats.org/presentationml/2006/main">
+  <p:cSld>
+    <p:spTree>
+      <p:nvGrpSpPr>
+        <p:cNvPr id="1" name=""/>
+        <p:cNvGrpSpPr/>
+        <p:nvPr/>
+      </p:nvGrpSpPr>
+      <p:grpSpPr>
+        <a:xfrm>
+          <a:off x="0" y="0"/>
+          <a:ext cx="0" cy="0"/>
+          <a:chOff x="0" y="0"/>
+          <a:chExt cx="0" cy="0"/>
+        </a:xfrm>
+      </p:grpSpPr>
+      <p:pic>
+        <p:nvPicPr>
+          <p:cNvPr id="2" name="Picture 1">
+            <a:extLst>
+              <a:ext uri="{FF2B5EF4-FFF2-40B4-BE49-F238E27FC236}">
+                <a16:creationId xmlns:a16="http://schemas.microsoft.com/office/drawing/2014/main" id="{F86AA891-2CC4-4962-AD8D-4E32AF48E625}"/>
+              </a:ext>
+            </a:extLst>
+          </p:cNvPr>
+          <p:cNvPicPr>
+            <a:picLocks noChangeAspect="1"/>
+          </p:cNvPicPr>
+          <p:nvPr/>
+        </p:nvPicPr>
+        <p:blipFill>
+          <a:blip r:embed="rId3">
+            <a:extLst>
+              <a:ext uri="{28A0092B-C50C-407E-A947-70E740481C1C}">
+                <a14:useLocalDpi xmlns:a14="http://schemas.microsoft.com/office/drawing/2010/main" val="0"/>
+              </a:ext>
+              <a:ext uri="{837473B0-CC2E-450A-ABE3-18F120FF3D39}">
+                <a1611:picAttrSrcUrl xmlns:a1611="http://schemas.microsoft.com/office/drawing/2016/11/main" r:id="rId4"/>
+              </a:ext>
+            </a:extLst>
+          </a:blip>
+          <a:stretch>
+            <a:fillRect/>
+          </a:stretch>
+        </p:blipFill>
+        <p:spPr>
+          <a:xfrm>
+            <a:off x="2382982" y="644235"/>
+            <a:ext cx="7426036" cy="5569530"/>
+          </a:xfrm>
+          <a:prstGeom prst="rect">
+            <a:avLst/>
+          </a:prstGeom>
+        </p:spPr>
+      </p:pic>
+      <p:sp>
+        <p:nvSpPr>
+          <p:cNvPr id="3" name="Thought Bubble: Cloud 2">
+            <a:extLst>
+              <a:ext uri="{FF2B5EF4-FFF2-40B4-BE49-F238E27FC236}">
+                <a16:creationId xmlns:a16="http://schemas.microsoft.com/office/drawing/2014/main" id="{49FF0C44-B1D5-496F-932B-FCA2A5194D94}"/>
+              </a:ext>
+            </a:extLst>
+          </p:cNvPr>
+          <p:cNvSpPr/>
+          <p:nvPr/>
+        </p:nvSpPr>
+        <p:spPr>
+          <a:xfrm>
+            <a:off x="8085899" y="446567"/>
+            <a:ext cx="3579628" cy="1871330"/>
+          </a:xfrm>
+          <a:prstGeom prst="cloudCallout">
+            <a:avLst/>
+          </a:prstGeom>
+        </p:spPr>
+        <p:style>
+          <a:lnRef idx="2">
+            <a:schemeClr val="accent1">
+              <a:shade val="50000"/>
+            </a:schemeClr>
+          </a:lnRef>
+          <a:fillRef idx="1">
+            <a:schemeClr val="accent1"/>
+          </a:fillRef>
+          <a:effectRef idx="0">
+            <a:schemeClr val="accent1"/>
+          </a:effectRef>
+          <a:fontRef idx="minor">
+            <a:schemeClr val="lt1"/>
+          </a:fontRef>
+        </p:style>
+        <p:txBody>
+          <a:bodyPr rtlCol="0" anchor="ctr"/>
+          <a:lstStyle/>
+          <a:p>
+            <a:pPr algn="ctr"/>
+            <a:r>
+              <a:rPr lang="en-US" dirty="0"/>
+              <a:t>Should’ve used a GUID</a:t>
+            </a:r>
+          </a:p>
+        </p:txBody>
+      </p:sp>
+    </p:spTree>
+    <p:extLst>
+      <p:ext uri="{BB962C8B-B14F-4D97-AF65-F5344CB8AC3E}">
+        <p14:creationId xmlns:p14="http://schemas.microsoft.com/office/powerpoint/2010/main" val="1785295108"/>
+      </p:ext>
+    </p:extLst>
+  </p:cSld>
+  <p:clrMapOvr>
+    <a:masterClrMapping/>
+  </p:clrMapOvr>
+</p:sld>
+</file>
+
+<file path=ppt/slides/slide36.xml><?xml version="1.0" encoding="utf-8"?>
+<p:sld xmlns:a="http://schemas.openxmlformats.org/drawingml/2006/main" xmlns:r="http://schemas.openxmlformats.org/officeDocument/2006/relationships" xmlns:p="http://schemas.openxmlformats.org/presentationml/2006/main">
+  <p:cSld>
+    <p:spTree>
+      <p:nvGrpSpPr>
+        <p:cNvPr id="1" name=""/>
+        <p:cNvGrpSpPr/>
+        <p:nvPr/>
+      </p:nvGrpSpPr>
+      <p:grpSpPr>
+        <a:xfrm>
+          <a:off x="0" y="0"/>
+          <a:ext cx="0" cy="0"/>
+          <a:chOff x="0" y="0"/>
+          <a:chExt cx="0" cy="0"/>
+        </a:xfrm>
+      </p:grpSpPr>
+      <p:sp>
+        <p:nvSpPr>
+          <p:cNvPr id="5" name="Title 4">
+            <a:extLst>
+              <a:ext uri="{FF2B5EF4-FFF2-40B4-BE49-F238E27FC236}">
+                <a16:creationId xmlns:a16="http://schemas.microsoft.com/office/drawing/2014/main" id="{D2EA90ED-30B0-4C52-AD38-29EB1AA5DF26}"/>
+              </a:ext>
+            </a:extLst>
+          </p:cNvPr>
+          <p:cNvSpPr>
+            <a:spLocks noGrp="1"/>
+          </p:cNvSpPr>
+          <p:nvPr>
+            <p:ph type="title"/>
+          </p:nvPr>
+        </p:nvSpPr>
+        <p:spPr/>
+        <p:txBody>
+          <a:bodyPr/>
+          <a:lstStyle/>
+          <a:p>
+            <a:r>
+              <a:rPr lang="en-US" dirty="0"/>
+              <a:t>Hands On Lab</a:t>
+            </a:r>
+          </a:p>
+        </p:txBody>
+      </p:sp>
+      <p:sp>
+        <p:nvSpPr>
+          <p:cNvPr id="6" name="Text Placeholder 5">
+            <a:extLst>
+              <a:ext uri="{FF2B5EF4-FFF2-40B4-BE49-F238E27FC236}">
+                <a16:creationId xmlns:a16="http://schemas.microsoft.com/office/drawing/2014/main" id="{C4198CAB-FC0F-4B18-8430-6C05CBE84A2B}"/>
+              </a:ext>
+            </a:extLst>
+          </p:cNvPr>
+          <p:cNvSpPr>
+            <a:spLocks noGrp="1"/>
+          </p:cNvSpPr>
+          <p:nvPr>
+            <p:ph type="body" idx="1"/>
+          </p:nvPr>
+        </p:nvSpPr>
+        <p:spPr/>
+        <p:txBody>
+          <a:bodyPr/>
+          <a:lstStyle/>
+          <a:p>
+            <a:r>
+              <a:rPr lang="en-US" dirty="0"/>
+              <a:t>Help us fix </a:t>
+            </a:r>
+            <a:r>
+              <a:rPr lang="en-US"/>
+              <a:t>the Whisky API</a:t>
+            </a:r>
+            <a:endParaRPr lang="en-US" dirty="0"/>
+          </a:p>
+        </p:txBody>
+      </p:sp>
+    </p:spTree>
+    <p:extLst>
+      <p:ext uri="{BB962C8B-B14F-4D97-AF65-F5344CB8AC3E}">
+        <p14:creationId xmlns:p14="http://schemas.microsoft.com/office/powerpoint/2010/main" val="2330062520"/>
       </p:ext>
     </p:extLst>
   </p:cSld>
